--- a/performance/interface_performance_analysis/performance_analysis_report.pptx
+++ b/performance/interface_performance_analysis/performance_analysis_report.pptx
@@ -11,6 +11,9 @@
     <p:sldId id="259" r:id="rId10"/>
     <p:sldId id="260" r:id="rId11"/>
     <p:sldId id="261" r:id="rId12"/>
+    <p:sldId id="262" r:id="rId13"/>
+    <p:sldId id="263" r:id="rId14"/>
+    <p:sldId id="264" r:id="rId15"/>
   </p:sldIdLst>
   <p:sldSz cx="9144000" cy="6858000" type="screen4x3"/>
   <p:notesSz cx="6858000" cy="9144000"/>
@@ -3130,7 +3133,7 @@
           <a:lstStyle/>
           <a:p>
             <a:r>
-              <a:t>生成时间: 2025-09-09 15:27:43</a:t>
+              <a:t>生成时间: 2025-09-09 16:38:20</a:t>
             </a:r>
           </a:p>
         </p:txBody>
@@ -3302,7 +3305,7 @@
       </p:sp>
       <p:pic>
         <p:nvPicPr>
-          <p:cNvPr id="3" name="Picture 2" descr="heatmap_tp95_top20.png"/>
+          <p:cNvPr id="3" name="Picture 2" descr="heatmap_top20_TP95.png"/>
           <p:cNvPicPr>
             <a:picLocks noChangeAspect="1"/>
           </p:cNvPicPr>
@@ -3358,7 +3361,70 @@
           <a:lstStyle/>
           <a:p>
             <a:r>
-              <a:t>Top 10 性能退步接口</a:t>
+              <a:t>接口AVG热力图</a:t>
+            </a:r>
+          </a:p>
+        </p:txBody>
+      </p:sp>
+      <p:pic>
+        <p:nvPicPr>
+          <p:cNvPr id="3" name="Picture 2" descr="heatmap_top20_平均响应时间.png"/>
+          <p:cNvPicPr>
+            <a:picLocks noChangeAspect="1"/>
+          </p:cNvPicPr>
+          <p:nvPr/>
+        </p:nvPicPr>
+        <p:blipFill>
+          <a:blip r:embed="rId2"/>
+          <a:stretch>
+            <a:fillRect/>
+          </a:stretch>
+        </p:blipFill>
+        <p:spPr>
+          <a:xfrm>
+            <a:off x="914400" y="1371600"/>
+            <a:ext cx="7315200" cy="5086071"/>
+          </a:xfrm>
+          <a:prstGeom prst="rect">
+            <a:avLst/>
+          </a:prstGeom>
+        </p:spPr>
+      </p:pic>
+    </p:spTree>
+  </p:cSld>
+  <p:clrMapOvr>
+    <a:masterClrMapping/>
+  </p:clrMapOvr>
+</p:sld>
+</file>
+
+<file path=ppt/slides/slide6.xml><?xml version="1.0" encoding="utf-8"?>
+<p:sld xmlns:a="http://schemas.openxmlformats.org/drawingml/2006/main" xmlns:p="http://schemas.openxmlformats.org/presentationml/2006/main" xmlns:r="http://schemas.openxmlformats.org/officeDocument/2006/relationships">
+  <p:cSld>
+    <p:spTree>
+      <p:nvGrpSpPr>
+        <p:cNvPr id="1" name=""/>
+        <p:cNvGrpSpPr/>
+        <p:nvPr/>
+      </p:nvGrpSpPr>
+      <p:grpSpPr/>
+      <p:sp>
+        <p:nvSpPr>
+          <p:cNvPr id="2" name="Title 1"/>
+          <p:cNvSpPr>
+            <a:spLocks noGrp="1"/>
+          </p:cNvSpPr>
+          <p:nvPr>
+            <p:ph type="title"/>
+          </p:nvPr>
+        </p:nvSpPr>
+        <p:spPr/>
+        <p:txBody>
+          <a:bodyPr/>
+          <a:lstStyle/>
+          <a:p>
+            <a:r>
+              <a:t>Top 10 TP95性能退步接口</a:t>
             </a:r>
           </a:p>
         </p:txBody>
@@ -4124,7 +4190,7 @@
 </p:sld>
 </file>
 
-<file path=ppt/slides/slide6.xml><?xml version="1.0" encoding="utf-8"?>
+<file path=ppt/slides/slide7.xml><?xml version="1.0" encoding="utf-8"?>
 <p:sld xmlns:a="http://schemas.openxmlformats.org/drawingml/2006/main" xmlns:p="http://schemas.openxmlformats.org/presentationml/2006/main" xmlns:r="http://schemas.openxmlformats.org/officeDocument/2006/relationships">
   <p:cSld>
     <p:spTree>
@@ -4150,7 +4216,7 @@
           <a:lstStyle/>
           <a:p>
             <a:r>
-              <a:t>Top 10 性能优化接口</a:t>
+              <a:t>Top 10 TP95性能优化接口</a:t>
             </a:r>
           </a:p>
         </p:txBody>
@@ -4856,6 +4922,1590 @@
                     <a:p>
                       <a:r>
                         <a:t>-75.14</a:t>
+                      </a:r>
+                    </a:p>
+                  </a:txBody>
+                  <a:tcPr/>
+                </a:tc>
+              </a:tr>
+              <a:tr h="152400">
+                <a:tc>
+                  <a:txBody>
+                    <a:bodyPr/>
+                    <a:lstStyle/>
+                    <a:p/>
+                  </a:txBody>
+                  <a:tcPr/>
+                </a:tc>
+                <a:tc>
+                  <a:txBody>
+                    <a:bodyPr/>
+                    <a:lstStyle/>
+                    <a:p/>
+                  </a:txBody>
+                  <a:tcPr/>
+                </a:tc>
+                <a:tc>
+                  <a:txBody>
+                    <a:bodyPr/>
+                    <a:lstStyle/>
+                    <a:p/>
+                  </a:txBody>
+                  <a:tcPr/>
+                </a:tc>
+                <a:tc>
+                  <a:txBody>
+                    <a:bodyPr/>
+                    <a:lstStyle/>
+                    <a:p/>
+                  </a:txBody>
+                  <a:tcPr/>
+                </a:tc>
+                <a:tc>
+                  <a:txBody>
+                    <a:bodyPr/>
+                    <a:lstStyle/>
+                    <a:p/>
+                  </a:txBody>
+                  <a:tcPr/>
+                </a:tc>
+              </a:tr>
+            </a:tbl>
+          </a:graphicData>
+        </a:graphic>
+      </p:graphicFrame>
+    </p:spTree>
+  </p:cSld>
+  <p:clrMapOvr>
+    <a:masterClrMapping/>
+  </p:clrMapOvr>
+</p:sld>
+</file>
+
+<file path=ppt/slides/slide8.xml><?xml version="1.0" encoding="utf-8"?>
+<p:sld xmlns:a="http://schemas.openxmlformats.org/drawingml/2006/main" xmlns:p="http://schemas.openxmlformats.org/presentationml/2006/main" xmlns:r="http://schemas.openxmlformats.org/officeDocument/2006/relationships">
+  <p:cSld>
+    <p:spTree>
+      <p:nvGrpSpPr>
+        <p:cNvPr id="1" name=""/>
+        <p:cNvGrpSpPr/>
+        <p:nvPr/>
+      </p:nvGrpSpPr>
+      <p:grpSpPr/>
+      <p:sp>
+        <p:nvSpPr>
+          <p:cNvPr id="2" name="Title 1"/>
+          <p:cNvSpPr>
+            <a:spLocks noGrp="1"/>
+          </p:cNvSpPr>
+          <p:nvPr>
+            <p:ph type="title"/>
+          </p:nvPr>
+        </p:nvSpPr>
+        <p:spPr/>
+        <p:txBody>
+          <a:bodyPr/>
+          <a:lstStyle/>
+          <a:p>
+            <a:r>
+              <a:t>Top 10 AVG性能退步接口</a:t>
+            </a:r>
+          </a:p>
+        </p:txBody>
+      </p:sp>
+      <p:graphicFrame>
+        <p:nvGraphicFramePr>
+          <p:cNvPr id="3" name="Table 2"/>
+          <p:cNvGraphicFramePr>
+            <a:graphicFrameLocks noGrp="1"/>
+          </p:cNvGraphicFramePr>
+          <p:nvPr/>
+        </p:nvGraphicFramePr>
+        <p:xfrm>
+          <a:off x="914400" y="1371600"/>
+          <a:ext cx="7315200" cy="1828800"/>
+        </p:xfrm>
+        <a:graphic>
+          <a:graphicData uri="http://schemas.openxmlformats.org/drawingml/2006/table">
+            <a:tbl>
+              <a:tblPr firstRow="1" bandRow="1">
+                <a:tableStyleId>{5C22544A-7EE6-4342-B048-85BDC9FD1C3A}</a:tableStyleId>
+              </a:tblPr>
+              <a:tblGrid>
+                <a:gridCol w="1463040"/>
+                <a:gridCol w="1463040"/>
+                <a:gridCol w="1463040"/>
+                <a:gridCol w="1463040"/>
+                <a:gridCol w="1463040"/>
+              </a:tblGrid>
+              <a:tr h="152400">
+                <a:tc>
+                  <a:txBody>
+                    <a:bodyPr/>
+                    <a:lstStyle/>
+                    <a:p>
+                      <a:r>
+                        <a:t>接口标识</a:t>
+                      </a:r>
+                    </a:p>
+                  </a:txBody>
+                  <a:tcPr/>
+                </a:tc>
+                <a:tc>
+                  <a:txBody>
+                    <a:bodyPr/>
+                    <a:lstStyle/>
+                    <a:p>
+                      <a:r>
+                        <a:t>平均响应时间_半年前</a:t>
+                      </a:r>
+                    </a:p>
+                  </a:txBody>
+                  <a:tcPr/>
+                </a:tc>
+                <a:tc>
+                  <a:txBody>
+                    <a:bodyPr/>
+                    <a:lstStyle/>
+                    <a:p>
+                      <a:r>
+                        <a:t>平均响应时间_当前</a:t>
+                      </a:r>
+                    </a:p>
+                  </a:txBody>
+                  <a:tcPr/>
+                </a:tc>
+                <a:tc>
+                  <a:txBody>
+                    <a:bodyPr/>
+                    <a:lstStyle/>
+                    <a:p>
+                      <a:r>
+                        <a:t>平均响应时间_变化</a:t>
+                      </a:r>
+                    </a:p>
+                  </a:txBody>
+                  <a:tcPr/>
+                </a:tc>
+                <a:tc>
+                  <a:txBody>
+                    <a:bodyPr/>
+                    <a:lstStyle/>
+                    <a:p>
+                      <a:r>
+                        <a:t>平均响应时间_变化率</a:t>
+                      </a:r>
+                    </a:p>
+                  </a:txBody>
+                  <a:tcPr/>
+                </a:tc>
+              </a:tr>
+              <a:tr h="152400">
+                <a:tc>
+                  <a:txBody>
+                    <a:bodyPr/>
+                    <a:lstStyle/>
+                    <a:p>
+                      <a:r>
+                        <a:t>PUT /icompute/v1/vms/{vmId}/pause</a:t>
+                      </a:r>
+                    </a:p>
+                  </a:txBody>
+                  <a:tcPr/>
+                </a:tc>
+                <a:tc>
+                  <a:txBody>
+                    <a:bodyPr/>
+                    <a:lstStyle/>
+                    <a:p>
+                      <a:r>
+                        <a:t>105</a:t>
+                      </a:r>
+                    </a:p>
+                  </a:txBody>
+                  <a:tcPr/>
+                </a:tc>
+                <a:tc>
+                  <a:txBody>
+                    <a:bodyPr/>
+                    <a:lstStyle/>
+                    <a:p>
+                      <a:r>
+                        <a:t>4435</a:t>
+                      </a:r>
+                    </a:p>
+                  </a:txBody>
+                  <a:tcPr/>
+                </a:tc>
+                <a:tc>
+                  <a:txBody>
+                    <a:bodyPr/>
+                    <a:lstStyle/>
+                    <a:p>
+                      <a:r>
+                        <a:t>4330</a:t>
+                      </a:r>
+                    </a:p>
+                  </a:txBody>
+                  <a:tcPr/>
+                </a:tc>
+                <a:tc>
+                  <a:txBody>
+                    <a:bodyPr/>
+                    <a:lstStyle/>
+                    <a:p>
+                      <a:r>
+                        <a:t>4123.81</a:t>
+                      </a:r>
+                    </a:p>
+                  </a:txBody>
+                  <a:tcPr/>
+                </a:tc>
+              </a:tr>
+              <a:tr h="152400">
+                <a:tc>
+                  <a:txBody>
+                    <a:bodyPr/>
+                    <a:lstStyle/>
+                    <a:p>
+                      <a:r>
+                        <a:t>GET /icompute/v1/imagerepos/{imageRepoId}/files/{id}/download</a:t>
+                      </a:r>
+                    </a:p>
+                  </a:txBody>
+                  <a:tcPr/>
+                </a:tc>
+                <a:tc>
+                  <a:txBody>
+                    <a:bodyPr/>
+                    <a:lstStyle/>
+                    <a:p>
+                      <a:r>
+                        <a:t>5104</a:t>
+                      </a:r>
+                    </a:p>
+                  </a:txBody>
+                  <a:tcPr/>
+                </a:tc>
+                <a:tc>
+                  <a:txBody>
+                    <a:bodyPr/>
+                    <a:lstStyle/>
+                    <a:p>
+                      <a:r>
+                        <a:t>9135</a:t>
+                      </a:r>
+                    </a:p>
+                  </a:txBody>
+                  <a:tcPr/>
+                </a:tc>
+                <a:tc>
+                  <a:txBody>
+                    <a:bodyPr/>
+                    <a:lstStyle/>
+                    <a:p>
+                      <a:r>
+                        <a:t>4031</a:t>
+                      </a:r>
+                    </a:p>
+                  </a:txBody>
+                  <a:tcPr/>
+                </a:tc>
+                <a:tc>
+                  <a:txBody>
+                    <a:bodyPr/>
+                    <a:lstStyle/>
+                    <a:p>
+                      <a:r>
+                        <a:t>78.98</a:t>
+                      </a:r>
+                    </a:p>
+                  </a:txBody>
+                  <a:tcPr/>
+                </a:tc>
+              </a:tr>
+              <a:tr h="152400">
+                <a:tc>
+                  <a:txBody>
+                    <a:bodyPr/>
+                    <a:lstStyle/>
+                    <a:p>
+                      <a:r>
+                        <a:t>PUT /ibase/v1/users/{userId}</a:t>
+                      </a:r>
+                    </a:p>
+                  </a:txBody>
+                  <a:tcPr/>
+                </a:tc>
+                <a:tc>
+                  <a:txBody>
+                    <a:bodyPr/>
+                    <a:lstStyle/>
+                    <a:p>
+                      <a:r>
+                        <a:t>5070</a:t>
+                      </a:r>
+                    </a:p>
+                  </a:txBody>
+                  <a:tcPr/>
+                </a:tc>
+                <a:tc>
+                  <a:txBody>
+                    <a:bodyPr/>
+                    <a:lstStyle/>
+                    <a:p>
+                      <a:r>
+                        <a:t>8585</a:t>
+                      </a:r>
+                    </a:p>
+                  </a:txBody>
+                  <a:tcPr/>
+                </a:tc>
+                <a:tc>
+                  <a:txBody>
+                    <a:bodyPr/>
+                    <a:lstStyle/>
+                    <a:p>
+                      <a:r>
+                        <a:t>3515</a:t>
+                      </a:r>
+                    </a:p>
+                  </a:txBody>
+                  <a:tcPr/>
+                </a:tc>
+                <a:tc>
+                  <a:txBody>
+                    <a:bodyPr/>
+                    <a:lstStyle/>
+                    <a:p>
+                      <a:r>
+                        <a:t>69.33</a:t>
+                      </a:r>
+                    </a:p>
+                  </a:txBody>
+                  <a:tcPr/>
+                </a:tc>
+              </a:tr>
+              <a:tr h="152400">
+                <a:tc>
+                  <a:txBody>
+                    <a:bodyPr/>
+                    <a:lstStyle/>
+                    <a:p>
+                      <a:r>
+                        <a:t>GET /idevops/v1/pipelines/history/{pipelineId}/build/{buildNumber}/logText/{nodeId}</a:t>
+                      </a:r>
+                    </a:p>
+                  </a:txBody>
+                  <a:tcPr/>
+                </a:tc>
+                <a:tc>
+                  <a:txBody>
+                    <a:bodyPr/>
+                    <a:lstStyle/>
+                    <a:p>
+                      <a:r>
+                        <a:t>710</a:t>
+                      </a:r>
+                    </a:p>
+                  </a:txBody>
+                  <a:tcPr/>
+                </a:tc>
+                <a:tc>
+                  <a:txBody>
+                    <a:bodyPr/>
+                    <a:lstStyle/>
+                    <a:p>
+                      <a:r>
+                        <a:t>2998</a:t>
+                      </a:r>
+                    </a:p>
+                  </a:txBody>
+                  <a:tcPr/>
+                </a:tc>
+                <a:tc>
+                  <a:txBody>
+                    <a:bodyPr/>
+                    <a:lstStyle/>
+                    <a:p>
+                      <a:r>
+                        <a:t>2288</a:t>
+                      </a:r>
+                    </a:p>
+                  </a:txBody>
+                  <a:tcPr/>
+                </a:tc>
+                <a:tc>
+                  <a:txBody>
+                    <a:bodyPr/>
+                    <a:lstStyle/>
+                    <a:p>
+                      <a:r>
+                        <a:t>322.25</a:t>
+                      </a:r>
+                    </a:p>
+                  </a:txBody>
+                  <a:tcPr/>
+                </a:tc>
+              </a:tr>
+              <a:tr h="152400">
+                <a:tc>
+                  <a:txBody>
+                    <a:bodyPr/>
+                    <a:lstStyle/>
+                    <a:p>
+                      <a:r>
+                        <a:t>POST /irag-mgr/v1/apps/{app_id}/chat-messages</a:t>
+                      </a:r>
+                    </a:p>
+                  </a:txBody>
+                  <a:tcPr/>
+                </a:tc>
+                <a:tc>
+                  <a:txBody>
+                    <a:bodyPr/>
+                    <a:lstStyle/>
+                    <a:p>
+                      <a:r>
+                        <a:t>5558</a:t>
+                      </a:r>
+                    </a:p>
+                  </a:txBody>
+                  <a:tcPr/>
+                </a:tc>
+                <a:tc>
+                  <a:txBody>
+                    <a:bodyPr/>
+                    <a:lstStyle/>
+                    <a:p>
+                      <a:r>
+                        <a:t>6886</a:t>
+                      </a:r>
+                    </a:p>
+                  </a:txBody>
+                  <a:tcPr/>
+                </a:tc>
+                <a:tc>
+                  <a:txBody>
+                    <a:bodyPr/>
+                    <a:lstStyle/>
+                    <a:p>
+                      <a:r>
+                        <a:t>1328</a:t>
+                      </a:r>
+                    </a:p>
+                  </a:txBody>
+                  <a:tcPr/>
+                </a:tc>
+                <a:tc>
+                  <a:txBody>
+                    <a:bodyPr/>
+                    <a:lstStyle/>
+                    <a:p>
+                      <a:r>
+                        <a:t>23.89</a:t>
+                      </a:r>
+                    </a:p>
+                  </a:txBody>
+                  <a:tcPr/>
+                </a:tc>
+              </a:tr>
+              <a:tr h="152400">
+                <a:tc>
+                  <a:txBody>
+                    <a:bodyPr/>
+                    <a:lstStyle/>
+                    <a:p>
+                      <a:r>
+                        <a:t>GET /ipluto/v1/platform/{namespace}/listService</a:t>
+                      </a:r>
+                    </a:p>
+                  </a:txBody>
+                  <a:tcPr/>
+                </a:tc>
+                <a:tc>
+                  <a:txBody>
+                    <a:bodyPr/>
+                    <a:lstStyle/>
+                    <a:p>
+                      <a:r>
+                        <a:t>314</a:t>
+                      </a:r>
+                    </a:p>
+                  </a:txBody>
+                  <a:tcPr/>
+                </a:tc>
+                <a:tc>
+                  <a:txBody>
+                    <a:bodyPr/>
+                    <a:lstStyle/>
+                    <a:p>
+                      <a:r>
+                        <a:t>1571</a:t>
+                      </a:r>
+                    </a:p>
+                  </a:txBody>
+                  <a:tcPr/>
+                </a:tc>
+                <a:tc>
+                  <a:txBody>
+                    <a:bodyPr/>
+                    <a:lstStyle/>
+                    <a:p>
+                      <a:r>
+                        <a:t>1257</a:t>
+                      </a:r>
+                    </a:p>
+                  </a:txBody>
+                  <a:tcPr/>
+                </a:tc>
+                <a:tc>
+                  <a:txBody>
+                    <a:bodyPr/>
+                    <a:lstStyle/>
+                    <a:p>
+                      <a:r>
+                        <a:t>400.32</a:t>
+                      </a:r>
+                    </a:p>
+                  </a:txBody>
+                  <a:tcPr/>
+                </a:tc>
+              </a:tr>
+              <a:tr h="152400">
+                <a:tc>
+                  <a:txBody>
+                    <a:bodyPr/>
+                    <a:lstStyle/>
+                    <a:p>
+                      <a:r>
+                        <a:t>GET /icharge/v1/bills/resources/topn</a:t>
+                      </a:r>
+                    </a:p>
+                  </a:txBody>
+                  <a:tcPr/>
+                </a:tc>
+                <a:tc>
+                  <a:txBody>
+                    <a:bodyPr/>
+                    <a:lstStyle/>
+                    <a:p>
+                      <a:r>
+                        <a:t>245</a:t>
+                      </a:r>
+                    </a:p>
+                  </a:txBody>
+                  <a:tcPr/>
+                </a:tc>
+                <a:tc>
+                  <a:txBody>
+                    <a:bodyPr/>
+                    <a:lstStyle/>
+                    <a:p>
+                      <a:r>
+                        <a:t>1397</a:t>
+                      </a:r>
+                    </a:p>
+                  </a:txBody>
+                  <a:tcPr/>
+                </a:tc>
+                <a:tc>
+                  <a:txBody>
+                    <a:bodyPr/>
+                    <a:lstStyle/>
+                    <a:p>
+                      <a:r>
+                        <a:t>1152</a:t>
+                      </a:r>
+                    </a:p>
+                  </a:txBody>
+                  <a:tcPr/>
+                </a:tc>
+                <a:tc>
+                  <a:txBody>
+                    <a:bodyPr/>
+                    <a:lstStyle/>
+                    <a:p>
+                      <a:r>
+                        <a:t>470.2</a:t>
+                      </a:r>
+                    </a:p>
+                  </a:txBody>
+                  <a:tcPr/>
+                </a:tc>
+              </a:tr>
+              <a:tr h="152400">
+                <a:tc>
+                  <a:txBody>
+                    <a:bodyPr/>
+                    <a:lstStyle/>
+                    <a:p>
+                      <a:r>
+                        <a:t>PUT /icompute/v1/vms/{vmId}/reset</a:t>
+                      </a:r>
+                    </a:p>
+                  </a:txBody>
+                  <a:tcPr/>
+                </a:tc>
+                <a:tc>
+                  <a:txBody>
+                    <a:bodyPr/>
+                    <a:lstStyle/>
+                    <a:p>
+                      <a:r>
+                        <a:t>166</a:t>
+                      </a:r>
+                    </a:p>
+                  </a:txBody>
+                  <a:tcPr/>
+                </a:tc>
+                <a:tc>
+                  <a:txBody>
+                    <a:bodyPr/>
+                    <a:lstStyle/>
+                    <a:p>
+                      <a:r>
+                        <a:t>1253</a:t>
+                      </a:r>
+                    </a:p>
+                  </a:txBody>
+                  <a:tcPr/>
+                </a:tc>
+                <a:tc>
+                  <a:txBody>
+                    <a:bodyPr/>
+                    <a:lstStyle/>
+                    <a:p>
+                      <a:r>
+                        <a:t>1087</a:t>
+                      </a:r>
+                    </a:p>
+                  </a:txBody>
+                  <a:tcPr/>
+                </a:tc>
+                <a:tc>
+                  <a:txBody>
+                    <a:bodyPr/>
+                    <a:lstStyle/>
+                    <a:p>
+                      <a:r>
+                        <a:t>654.82</a:t>
+                      </a:r>
+                    </a:p>
+                  </a:txBody>
+                  <a:tcPr/>
+                </a:tc>
+              </a:tr>
+              <a:tr h="152400">
+                <a:tc>
+                  <a:txBody>
+                    <a:bodyPr/>
+                    <a:lstStyle/>
+                    <a:p>
+                      <a:r>
+                        <a:t>POST /inetwork/v1/dns</a:t>
+                      </a:r>
+                    </a:p>
+                  </a:txBody>
+                  <a:tcPr/>
+                </a:tc>
+                <a:tc>
+                  <a:txBody>
+                    <a:bodyPr/>
+                    <a:lstStyle/>
+                    <a:p>
+                      <a:r>
+                        <a:t>333</a:t>
+                      </a:r>
+                    </a:p>
+                  </a:txBody>
+                  <a:tcPr/>
+                </a:tc>
+                <a:tc>
+                  <a:txBody>
+                    <a:bodyPr/>
+                    <a:lstStyle/>
+                    <a:p>
+                      <a:r>
+                        <a:t>1306</a:t>
+                      </a:r>
+                    </a:p>
+                  </a:txBody>
+                  <a:tcPr/>
+                </a:tc>
+                <a:tc>
+                  <a:txBody>
+                    <a:bodyPr/>
+                    <a:lstStyle/>
+                    <a:p>
+                      <a:r>
+                        <a:t>973</a:t>
+                      </a:r>
+                    </a:p>
+                  </a:txBody>
+                  <a:tcPr/>
+                </a:tc>
+                <a:tc>
+                  <a:txBody>
+                    <a:bodyPr/>
+                    <a:lstStyle/>
+                    <a:p>
+                      <a:r>
+                        <a:t>292.19</a:t>
+                      </a:r>
+                    </a:p>
+                  </a:txBody>
+                  <a:tcPr/>
+                </a:tc>
+              </a:tr>
+              <a:tr h="152400">
+                <a:tc>
+                  <a:txBody>
+                    <a:bodyPr/>
+                    <a:lstStyle/>
+                    <a:p>
+                      <a:r>
+                        <a:t>DELETE /icompute/v1/global-content-repos/files/{fileId}</a:t>
+                      </a:r>
+                    </a:p>
+                  </a:txBody>
+                  <a:tcPr/>
+                </a:tc>
+                <a:tc>
+                  <a:txBody>
+                    <a:bodyPr/>
+                    <a:lstStyle/>
+                    <a:p>
+                      <a:r>
+                        <a:t>161</a:t>
+                      </a:r>
+                    </a:p>
+                  </a:txBody>
+                  <a:tcPr/>
+                </a:tc>
+                <a:tc>
+                  <a:txBody>
+                    <a:bodyPr/>
+                    <a:lstStyle/>
+                    <a:p>
+                      <a:r>
+                        <a:t>1132</a:t>
+                      </a:r>
+                    </a:p>
+                  </a:txBody>
+                  <a:tcPr/>
+                </a:tc>
+                <a:tc>
+                  <a:txBody>
+                    <a:bodyPr/>
+                    <a:lstStyle/>
+                    <a:p>
+                      <a:r>
+                        <a:t>971</a:t>
+                      </a:r>
+                    </a:p>
+                  </a:txBody>
+                  <a:tcPr/>
+                </a:tc>
+                <a:tc>
+                  <a:txBody>
+                    <a:bodyPr/>
+                    <a:lstStyle/>
+                    <a:p>
+                      <a:r>
+                        <a:t>603.11</a:t>
+                      </a:r>
+                    </a:p>
+                  </a:txBody>
+                  <a:tcPr/>
+                </a:tc>
+              </a:tr>
+              <a:tr h="152400">
+                <a:tc>
+                  <a:txBody>
+                    <a:bodyPr/>
+                    <a:lstStyle/>
+                    <a:p/>
+                  </a:txBody>
+                  <a:tcPr/>
+                </a:tc>
+                <a:tc>
+                  <a:txBody>
+                    <a:bodyPr/>
+                    <a:lstStyle/>
+                    <a:p/>
+                  </a:txBody>
+                  <a:tcPr/>
+                </a:tc>
+                <a:tc>
+                  <a:txBody>
+                    <a:bodyPr/>
+                    <a:lstStyle/>
+                    <a:p/>
+                  </a:txBody>
+                  <a:tcPr/>
+                </a:tc>
+                <a:tc>
+                  <a:txBody>
+                    <a:bodyPr/>
+                    <a:lstStyle/>
+                    <a:p/>
+                  </a:txBody>
+                  <a:tcPr/>
+                </a:tc>
+                <a:tc>
+                  <a:txBody>
+                    <a:bodyPr/>
+                    <a:lstStyle/>
+                    <a:p/>
+                  </a:txBody>
+                  <a:tcPr/>
+                </a:tc>
+              </a:tr>
+            </a:tbl>
+          </a:graphicData>
+        </a:graphic>
+      </p:graphicFrame>
+    </p:spTree>
+  </p:cSld>
+  <p:clrMapOvr>
+    <a:masterClrMapping/>
+  </p:clrMapOvr>
+</p:sld>
+</file>
+
+<file path=ppt/slides/slide9.xml><?xml version="1.0" encoding="utf-8"?>
+<p:sld xmlns:a="http://schemas.openxmlformats.org/drawingml/2006/main" xmlns:p="http://schemas.openxmlformats.org/presentationml/2006/main" xmlns:r="http://schemas.openxmlformats.org/officeDocument/2006/relationships">
+  <p:cSld>
+    <p:spTree>
+      <p:nvGrpSpPr>
+        <p:cNvPr id="1" name=""/>
+        <p:cNvGrpSpPr/>
+        <p:nvPr/>
+      </p:nvGrpSpPr>
+      <p:grpSpPr/>
+      <p:sp>
+        <p:nvSpPr>
+          <p:cNvPr id="2" name="Title 1"/>
+          <p:cNvSpPr>
+            <a:spLocks noGrp="1"/>
+          </p:cNvSpPr>
+          <p:nvPr>
+            <p:ph type="title"/>
+          </p:nvPr>
+        </p:nvSpPr>
+        <p:spPr/>
+        <p:txBody>
+          <a:bodyPr/>
+          <a:lstStyle/>
+          <a:p>
+            <a:r>
+              <a:t>Top 10 AVG性能优化接口</a:t>
+            </a:r>
+          </a:p>
+        </p:txBody>
+      </p:sp>
+      <p:graphicFrame>
+        <p:nvGraphicFramePr>
+          <p:cNvPr id="3" name="Table 2"/>
+          <p:cNvGraphicFramePr>
+            <a:graphicFrameLocks noGrp="1"/>
+          </p:cNvGraphicFramePr>
+          <p:nvPr/>
+        </p:nvGraphicFramePr>
+        <p:xfrm>
+          <a:off x="914400" y="1371600"/>
+          <a:ext cx="7315200" cy="1828800"/>
+        </p:xfrm>
+        <a:graphic>
+          <a:graphicData uri="http://schemas.openxmlformats.org/drawingml/2006/table">
+            <a:tbl>
+              <a:tblPr firstRow="1" bandRow="1">
+                <a:tableStyleId>{5C22544A-7EE6-4342-B048-85BDC9FD1C3A}</a:tableStyleId>
+              </a:tblPr>
+              <a:tblGrid>
+                <a:gridCol w="1463040"/>
+                <a:gridCol w="1463040"/>
+                <a:gridCol w="1463040"/>
+                <a:gridCol w="1463040"/>
+                <a:gridCol w="1463040"/>
+              </a:tblGrid>
+              <a:tr h="152400">
+                <a:tc>
+                  <a:txBody>
+                    <a:bodyPr/>
+                    <a:lstStyle/>
+                    <a:p>
+                      <a:r>
+                        <a:t>接口标识</a:t>
+                      </a:r>
+                    </a:p>
+                  </a:txBody>
+                  <a:tcPr/>
+                </a:tc>
+                <a:tc>
+                  <a:txBody>
+                    <a:bodyPr/>
+                    <a:lstStyle/>
+                    <a:p>
+                      <a:r>
+                        <a:t>平均响应时间_半年前</a:t>
+                      </a:r>
+                    </a:p>
+                  </a:txBody>
+                  <a:tcPr/>
+                </a:tc>
+                <a:tc>
+                  <a:txBody>
+                    <a:bodyPr/>
+                    <a:lstStyle/>
+                    <a:p>
+                      <a:r>
+                        <a:t>平均响应时间_当前</a:t>
+                      </a:r>
+                    </a:p>
+                  </a:txBody>
+                  <a:tcPr/>
+                </a:tc>
+                <a:tc>
+                  <a:txBody>
+                    <a:bodyPr/>
+                    <a:lstStyle/>
+                    <a:p>
+                      <a:r>
+                        <a:t>平均响应时间_变化</a:t>
+                      </a:r>
+                    </a:p>
+                  </a:txBody>
+                  <a:tcPr/>
+                </a:tc>
+                <a:tc>
+                  <a:txBody>
+                    <a:bodyPr/>
+                    <a:lstStyle/>
+                    <a:p>
+                      <a:r>
+                        <a:t>平均响应时间_变化率</a:t>
+                      </a:r>
+                    </a:p>
+                  </a:txBody>
+                  <a:tcPr/>
+                </a:tc>
+              </a:tr>
+              <a:tr h="152400">
+                <a:tc>
+                  <a:txBody>
+                    <a:bodyPr/>
+                    <a:lstStyle/>
+                    <a:p>
+                      <a:r>
+                        <a:t>GET /icompute/v1/global-content-repos/files/{fileId}/download</a:t>
+                      </a:r>
+                    </a:p>
+                  </a:txBody>
+                  <a:tcPr/>
+                </a:tc>
+                <a:tc>
+                  <a:txBody>
+                    <a:bodyPr/>
+                    <a:lstStyle/>
+                    <a:p>
+                      <a:r>
+                        <a:t>9406</a:t>
+                      </a:r>
+                    </a:p>
+                  </a:txBody>
+                  <a:tcPr/>
+                </a:tc>
+                <a:tc>
+                  <a:txBody>
+                    <a:bodyPr/>
+                    <a:lstStyle/>
+                    <a:p>
+                      <a:r>
+                        <a:t>4147</a:t>
+                      </a:r>
+                    </a:p>
+                  </a:txBody>
+                  <a:tcPr/>
+                </a:tc>
+                <a:tc>
+                  <a:txBody>
+                    <a:bodyPr/>
+                    <a:lstStyle/>
+                    <a:p>
+                      <a:r>
+                        <a:t>-5259</a:t>
+                      </a:r>
+                    </a:p>
+                  </a:txBody>
+                  <a:tcPr/>
+                </a:tc>
+                <a:tc>
+                  <a:txBody>
+                    <a:bodyPr/>
+                    <a:lstStyle/>
+                    <a:p>
+                      <a:r>
+                        <a:t>-55.91</a:t>
+                      </a:r>
+                    </a:p>
+                  </a:txBody>
+                  <a:tcPr/>
+                </a:tc>
+              </a:tr>
+              <a:tr h="152400">
+                <a:tc>
+                  <a:txBody>
+                    <a:bodyPr/>
+                    <a:lstStyle/>
+                    <a:p>
+                      <a:r>
+                        <a:t>PUT /inetwork/v1/nat/{natId}</a:t>
+                      </a:r>
+                    </a:p>
+                  </a:txBody>
+                  <a:tcPr/>
+                </a:tc>
+                <a:tc>
+                  <a:txBody>
+                    <a:bodyPr/>
+                    <a:lstStyle/>
+                    <a:p>
+                      <a:r>
+                        <a:t>4442</a:t>
+                      </a:r>
+                    </a:p>
+                  </a:txBody>
+                  <a:tcPr/>
+                </a:tc>
+                <a:tc>
+                  <a:txBody>
+                    <a:bodyPr/>
+                    <a:lstStyle/>
+                    <a:p>
+                      <a:r>
+                        <a:t>1373</a:t>
+                      </a:r>
+                    </a:p>
+                  </a:txBody>
+                  <a:tcPr/>
+                </a:tc>
+                <a:tc>
+                  <a:txBody>
+                    <a:bodyPr/>
+                    <a:lstStyle/>
+                    <a:p>
+                      <a:r>
+                        <a:t>-3069</a:t>
+                      </a:r>
+                    </a:p>
+                  </a:txBody>
+                  <a:tcPr/>
+                </a:tc>
+                <a:tc>
+                  <a:txBody>
+                    <a:bodyPr/>
+                    <a:lstStyle/>
+                    <a:p>
+                      <a:r>
+                        <a:t>-69.09</a:t>
+                      </a:r>
+                    </a:p>
+                  </a:txBody>
+                  <a:tcPr/>
+                </a:tc>
+              </a:tr>
+              <a:tr h="152400">
+                <a:tc>
+                  <a:txBody>
+                    <a:bodyPr/>
+                    <a:lstStyle/>
+                    <a:p>
+                      <a:r>
+                        <a:t>DELETE /inetwork/v1/dcSubnet/{dcSubnetId}</a:t>
+                      </a:r>
+                    </a:p>
+                  </a:txBody>
+                  <a:tcPr/>
+                </a:tc>
+                <a:tc>
+                  <a:txBody>
+                    <a:bodyPr/>
+                    <a:lstStyle/>
+                    <a:p>
+                      <a:r>
+                        <a:t>4351</a:t>
+                      </a:r>
+                    </a:p>
+                  </a:txBody>
+                  <a:tcPr/>
+                </a:tc>
+                <a:tc>
+                  <a:txBody>
+                    <a:bodyPr/>
+                    <a:lstStyle/>
+                    <a:p>
+                      <a:r>
+                        <a:t>1761</a:t>
+                      </a:r>
+                    </a:p>
+                  </a:txBody>
+                  <a:tcPr/>
+                </a:tc>
+                <a:tc>
+                  <a:txBody>
+                    <a:bodyPr/>
+                    <a:lstStyle/>
+                    <a:p>
+                      <a:r>
+                        <a:t>-2590</a:t>
+                      </a:r>
+                    </a:p>
+                  </a:txBody>
+                  <a:tcPr/>
+                </a:tc>
+                <a:tc>
+                  <a:txBody>
+                    <a:bodyPr/>
+                    <a:lstStyle/>
+                    <a:p>
+                      <a:r>
+                        <a:t>-59.53</a:t>
+                      </a:r>
+                    </a:p>
+                  </a:txBody>
+                  <a:tcPr/>
+                </a:tc>
+              </a:tr>
+              <a:tr h="152400">
+                <a:tc>
+                  <a:txBody>
+                    <a:bodyPr/>
+                    <a:lstStyle/>
+                    <a:p>
+                      <a:r>
+                        <a:t>DELETE /inetwork/v1/nat/{natId}</a:t>
+                      </a:r>
+                    </a:p>
+                  </a:txBody>
+                  <a:tcPr/>
+                </a:tc>
+                <a:tc>
+                  <a:txBody>
+                    <a:bodyPr/>
+                    <a:lstStyle/>
+                    <a:p>
+                      <a:r>
+                        <a:t>4505</a:t>
+                      </a:r>
+                    </a:p>
+                  </a:txBody>
+                  <a:tcPr/>
+                </a:tc>
+                <a:tc>
+                  <a:txBody>
+                    <a:bodyPr/>
+                    <a:lstStyle/>
+                    <a:p>
+                      <a:r>
+                        <a:t>2066</a:t>
+                      </a:r>
+                    </a:p>
+                  </a:txBody>
+                  <a:tcPr/>
+                </a:tc>
+                <a:tc>
+                  <a:txBody>
+                    <a:bodyPr/>
+                    <a:lstStyle/>
+                    <a:p>
+                      <a:r>
+                        <a:t>-2439</a:t>
+                      </a:r>
+                    </a:p>
+                  </a:txBody>
+                  <a:tcPr/>
+                </a:tc>
+                <a:tc>
+                  <a:txBody>
+                    <a:bodyPr/>
+                    <a:lstStyle/>
+                    <a:p>
+                      <a:r>
+                        <a:t>-54.14</a:t>
+                      </a:r>
+                    </a:p>
+                  </a:txBody>
+                  <a:tcPr/>
+                </a:tc>
+              </a:tr>
+              <a:tr h="152400">
+                <a:tc>
+                  <a:txBody>
+                    <a:bodyPr/>
+                    <a:lstStyle/>
+                    <a:p>
+                      <a:r>
+                        <a:t>PUT /inetwork/v1/routers/{routerId}/remove-router-interface/{routerInterfaceId}</a:t>
+                      </a:r>
+                    </a:p>
+                  </a:txBody>
+                  <a:tcPr/>
+                </a:tc>
+                <a:tc>
+                  <a:txBody>
+                    <a:bodyPr/>
+                    <a:lstStyle/>
+                    <a:p>
+                      <a:r>
+                        <a:t>3547</a:t>
+                      </a:r>
+                    </a:p>
+                  </a:txBody>
+                  <a:tcPr/>
+                </a:tc>
+                <a:tc>
+                  <a:txBody>
+                    <a:bodyPr/>
+                    <a:lstStyle/>
+                    <a:p>
+                      <a:r>
+                        <a:t>1437</a:t>
+                      </a:r>
+                    </a:p>
+                  </a:txBody>
+                  <a:tcPr/>
+                </a:tc>
+                <a:tc>
+                  <a:txBody>
+                    <a:bodyPr/>
+                    <a:lstStyle/>
+                    <a:p>
+                      <a:r>
+                        <a:t>-2110</a:t>
+                      </a:r>
+                    </a:p>
+                  </a:txBody>
+                  <a:tcPr/>
+                </a:tc>
+                <a:tc>
+                  <a:txBody>
+                    <a:bodyPr/>
+                    <a:lstStyle/>
+                    <a:p>
+                      <a:r>
+                        <a:t>-59.49</a:t>
+                      </a:r>
+                    </a:p>
+                  </a:txBody>
+                  <a:tcPr/>
+                </a:tc>
+              </a:tr>
+              <a:tr h="152400">
+                <a:tc>
+                  <a:txBody>
+                    <a:bodyPr/>
+                    <a:lstStyle/>
+                    <a:p>
+                      <a:r>
+                        <a:t>POST /inetwork/v1/routers/{routerId}/add-host-route</a:t>
+                      </a:r>
+                    </a:p>
+                  </a:txBody>
+                  <a:tcPr/>
+                </a:tc>
+                <a:tc>
+                  <a:txBody>
+                    <a:bodyPr/>
+                    <a:lstStyle/>
+                    <a:p>
+                      <a:r>
+                        <a:t>2974</a:t>
+                      </a:r>
+                    </a:p>
+                  </a:txBody>
+                  <a:tcPr/>
+                </a:tc>
+                <a:tc>
+                  <a:txBody>
+                    <a:bodyPr/>
+                    <a:lstStyle/>
+                    <a:p>
+                      <a:r>
+                        <a:t>878</a:t>
+                      </a:r>
+                    </a:p>
+                  </a:txBody>
+                  <a:tcPr/>
+                </a:tc>
+                <a:tc>
+                  <a:txBody>
+                    <a:bodyPr/>
+                    <a:lstStyle/>
+                    <a:p>
+                      <a:r>
+                        <a:t>-2096</a:t>
+                      </a:r>
+                    </a:p>
+                  </a:txBody>
+                  <a:tcPr/>
+                </a:tc>
+                <a:tc>
+                  <a:txBody>
+                    <a:bodyPr/>
+                    <a:lstStyle/>
+                    <a:p>
+                      <a:r>
+                        <a:t>-70.48</a:t>
+                      </a:r>
+                    </a:p>
+                  </a:txBody>
+                  <a:tcPr/>
+                </a:tc>
+              </a:tr>
+              <a:tr h="152400">
+                <a:tc>
+                  <a:txBody>
+                    <a:bodyPr/>
+                    <a:lstStyle/>
+                    <a:p>
+                      <a:r>
+                        <a:t>DELETE /inetwork/v1/ipSecVpn/{id}</a:t>
+                      </a:r>
+                    </a:p>
+                  </a:txBody>
+                  <a:tcPr/>
+                </a:tc>
+                <a:tc>
+                  <a:txBody>
+                    <a:bodyPr/>
+                    <a:lstStyle/>
+                    <a:p>
+                      <a:r>
+                        <a:t>4821</a:t>
+                      </a:r>
+                    </a:p>
+                  </a:txBody>
+                  <a:tcPr/>
+                </a:tc>
+                <a:tc>
+                  <a:txBody>
+                    <a:bodyPr/>
+                    <a:lstStyle/>
+                    <a:p>
+                      <a:r>
+                        <a:t>2800</a:t>
+                      </a:r>
+                    </a:p>
+                  </a:txBody>
+                  <a:tcPr/>
+                </a:tc>
+                <a:tc>
+                  <a:txBody>
+                    <a:bodyPr/>
+                    <a:lstStyle/>
+                    <a:p>
+                      <a:r>
+                        <a:t>-2021</a:t>
+                      </a:r>
+                    </a:p>
+                  </a:txBody>
+                  <a:tcPr/>
+                </a:tc>
+                <a:tc>
+                  <a:txBody>
+                    <a:bodyPr/>
+                    <a:lstStyle/>
+                    <a:p>
+                      <a:r>
+                        <a:t>-41.92</a:t>
+                      </a:r>
+                    </a:p>
+                  </a:txBody>
+                  <a:tcPr/>
+                </a:tc>
+              </a:tr>
+              <a:tr h="152400">
+                <a:tc>
+                  <a:txBody>
+                    <a:bodyPr/>
+                    <a:lstStyle/>
+                    <a:p>
+                      <a:r>
+                        <a:t>PUT /inetwork/v1/balancers/{balancerId}</a:t>
+                      </a:r>
+                    </a:p>
+                  </a:txBody>
+                  <a:tcPr/>
+                </a:tc>
+                <a:tc>
+                  <a:txBody>
+                    <a:bodyPr/>
+                    <a:lstStyle/>
+                    <a:p>
+                      <a:r>
+                        <a:t>2473</a:t>
+                      </a:r>
+                    </a:p>
+                  </a:txBody>
+                  <a:tcPr/>
+                </a:tc>
+                <a:tc>
+                  <a:txBody>
+                    <a:bodyPr/>
+                    <a:lstStyle/>
+                    <a:p>
+                      <a:r>
+                        <a:t>556</a:t>
+                      </a:r>
+                    </a:p>
+                  </a:txBody>
+                  <a:tcPr/>
+                </a:tc>
+                <a:tc>
+                  <a:txBody>
+                    <a:bodyPr/>
+                    <a:lstStyle/>
+                    <a:p>
+                      <a:r>
+                        <a:t>-1917</a:t>
+                      </a:r>
+                    </a:p>
+                  </a:txBody>
+                  <a:tcPr/>
+                </a:tc>
+                <a:tc>
+                  <a:txBody>
+                    <a:bodyPr/>
+                    <a:lstStyle/>
+                    <a:p>
+                      <a:r>
+                        <a:t>-77.52</a:t>
+                      </a:r>
+                    </a:p>
+                  </a:txBody>
+                  <a:tcPr/>
+                </a:tc>
+              </a:tr>
+              <a:tr h="152400">
+                <a:tc>
+                  <a:txBody>
+                    <a:bodyPr/>
+                    <a:lstStyle/>
+                    <a:p>
+                      <a:r>
+                        <a:t>POST /istorage/imanila/v2/pools/create_dir</a:t>
+                      </a:r>
+                    </a:p>
+                  </a:txBody>
+                  <a:tcPr/>
+                </a:tc>
+                <a:tc>
+                  <a:txBody>
+                    <a:bodyPr/>
+                    <a:lstStyle/>
+                    <a:p>
+                      <a:r>
+                        <a:t>2927</a:t>
+                      </a:r>
+                    </a:p>
+                  </a:txBody>
+                  <a:tcPr/>
+                </a:tc>
+                <a:tc>
+                  <a:txBody>
+                    <a:bodyPr/>
+                    <a:lstStyle/>
+                    <a:p>
+                      <a:r>
+                        <a:t>1031</a:t>
+                      </a:r>
+                    </a:p>
+                  </a:txBody>
+                  <a:tcPr/>
+                </a:tc>
+                <a:tc>
+                  <a:txBody>
+                    <a:bodyPr/>
+                    <a:lstStyle/>
+                    <a:p>
+                      <a:r>
+                        <a:t>-1896</a:t>
+                      </a:r>
+                    </a:p>
+                  </a:txBody>
+                  <a:tcPr/>
+                </a:tc>
+                <a:tc>
+                  <a:txBody>
+                    <a:bodyPr/>
+                    <a:lstStyle/>
+                    <a:p>
+                      <a:r>
+                        <a:t>-64.78</a:t>
+                      </a:r>
+                    </a:p>
+                  </a:txBody>
+                  <a:tcPr/>
+                </a:tc>
+              </a:tr>
+              <a:tr h="152400">
+                <a:tc>
+                  <a:txBody>
+                    <a:bodyPr/>
+                    <a:lstStyle/>
+                    <a:p>
+                      <a:r>
+                        <a:t>POST /istorage/v1/objstorObj/policy</a:t>
+                      </a:r>
+                    </a:p>
+                  </a:txBody>
+                  <a:tcPr/>
+                </a:tc>
+                <a:tc>
+                  <a:txBody>
+                    <a:bodyPr/>
+                    <a:lstStyle/>
+                    <a:p>
+                      <a:r>
+                        <a:t>2951</a:t>
+                      </a:r>
+                    </a:p>
+                  </a:txBody>
+                  <a:tcPr/>
+                </a:tc>
+                <a:tc>
+                  <a:txBody>
+                    <a:bodyPr/>
+                    <a:lstStyle/>
+                    <a:p>
+                      <a:r>
+                        <a:t>1116</a:t>
+                      </a:r>
+                    </a:p>
+                  </a:txBody>
+                  <a:tcPr/>
+                </a:tc>
+                <a:tc>
+                  <a:txBody>
+                    <a:bodyPr/>
+                    <a:lstStyle/>
+                    <a:p>
+                      <a:r>
+                        <a:t>-1835</a:t>
+                      </a:r>
+                    </a:p>
+                  </a:txBody>
+                  <a:tcPr/>
+                </a:tc>
+                <a:tc>
+                  <a:txBody>
+                    <a:bodyPr/>
+                    <a:lstStyle/>
+                    <a:p>
+                      <a:r>
+                        <a:t>-62.18</a:t>
                       </a:r>
                     </a:p>
                   </a:txBody>

--- a/performance/interface_performance_analysis/performance_analysis_report.pptx
+++ b/performance/interface_performance_analysis/performance_analysis_report.pptx
@@ -3133,7 +3133,7 @@
           <a:lstStyle/>
           <a:p>
             <a:r>
-              <a:t>生成时间: 2025-09-09 16:38:20</a:t>
+              <a:t>生成时间: 2025-09-09 17:39:42</a:t>
             </a:r>
           </a:p>
         </p:txBody>

--- a/performance/interface_performance_analysis/performance_analysis_report.pptx
+++ b/performance/interface_performance_analysis/performance_analysis_report.pptx
@@ -5,15 +5,17 @@
     <p:sldMasterId id="2147483648" r:id="rId1"/>
   </p:sldMasterIdLst>
   <p:sldIdLst>
-    <p:sldId id="256" r:id="rId7"/>
-    <p:sldId id="257" r:id="rId8"/>
-    <p:sldId id="258" r:id="rId9"/>
-    <p:sldId id="259" r:id="rId10"/>
-    <p:sldId id="260" r:id="rId11"/>
-    <p:sldId id="261" r:id="rId12"/>
-    <p:sldId id="262" r:id="rId13"/>
-    <p:sldId id="263" r:id="rId14"/>
-    <p:sldId id="264" r:id="rId15"/>
+    <p:sldId id="256" r:id="rId2"/>
+    <p:sldId id="257" r:id="rId3"/>
+    <p:sldId id="258" r:id="rId4"/>
+    <p:sldId id="259" r:id="rId5"/>
+    <p:sldId id="260" r:id="rId6"/>
+    <p:sldId id="261" r:id="rId7"/>
+    <p:sldId id="262" r:id="rId8"/>
+    <p:sldId id="263" r:id="rId9"/>
+    <p:sldId id="264" r:id="rId10"/>
+    <p:sldId id="265" r:id="rId11"/>
+    <p:sldId id="266" r:id="rId12"/>
   </p:sldIdLst>
   <p:sldSz cx="9144000" cy="6858000" type="screen4x3"/>
   <p:notesSz cx="6858000" cy="9144000"/>
@@ -112,6 +114,22 @@
       </a:defRPr>
     </a:lvl9pPr>
   </p:defaultTextStyle>
+  <p:extLst>
+    <p:ext uri="{EFAFB233-063F-42B5-8137-9DF3F51BA10A}">
+      <p15:sldGuideLst xmlns:p15="http://schemas.microsoft.com/office/powerpoint/2012/main">
+        <p15:guide id="1" orient="horz" pos="2160">
+          <p15:clr>
+            <a:srgbClr val="A4A3A4"/>
+          </p15:clr>
+        </p15:guide>
+        <p15:guide id="2" pos="2880">
+          <p15:clr>
+            <a:srgbClr val="A4A3A4"/>
+          </p15:clr>
+        </p15:guide>
+      </p15:sldGuideLst>
+    </p:ext>
+  </p:extLst>
 </p:presentation>
 </file>
 
@@ -296,7 +314,7 @@
           <a:p>
             <a:fld id="{5BCAD085-E8A6-8845-BD4E-CB4CCA059FC4}" type="datetimeFigureOut">
               <a:rPr lang="en-US" smtClean="0"/>
-              <a:t>1/27/13</a:t>
+              <a:t>9/15/2025</a:t>
             </a:fld>
             <a:endParaRPr lang="en-US"/>
           </a:p>
@@ -466,7 +484,7 @@
           <a:p>
             <a:fld id="{5BCAD085-E8A6-8845-BD4E-CB4CCA059FC4}" type="datetimeFigureOut">
               <a:rPr lang="en-US" smtClean="0"/>
-              <a:t>1/27/13</a:t>
+              <a:t>9/15/2025</a:t>
             </a:fld>
             <a:endParaRPr lang="en-US"/>
           </a:p>
@@ -646,7 +664,7 @@
           <a:p>
             <a:fld id="{5BCAD085-E8A6-8845-BD4E-CB4CCA059FC4}" type="datetimeFigureOut">
               <a:rPr lang="en-US" smtClean="0"/>
-              <a:t>1/27/13</a:t>
+              <a:t>9/15/2025</a:t>
             </a:fld>
             <a:endParaRPr lang="en-US"/>
           </a:p>
@@ -816,7 +834,7 @@
           <a:p>
             <a:fld id="{5BCAD085-E8A6-8845-BD4E-CB4CCA059FC4}" type="datetimeFigureOut">
               <a:rPr lang="en-US" smtClean="0"/>
-              <a:t>1/27/13</a:t>
+              <a:t>9/15/2025</a:t>
             </a:fld>
             <a:endParaRPr lang="en-US"/>
           </a:p>
@@ -1062,7 +1080,7 @@
           <a:p>
             <a:fld id="{5BCAD085-E8A6-8845-BD4E-CB4CCA059FC4}" type="datetimeFigureOut">
               <a:rPr lang="en-US" smtClean="0"/>
-              <a:t>1/27/13</a:t>
+              <a:t>9/15/2025</a:t>
             </a:fld>
             <a:endParaRPr lang="en-US"/>
           </a:p>
@@ -1350,7 +1368,7 @@
           <a:p>
             <a:fld id="{5BCAD085-E8A6-8845-BD4E-CB4CCA059FC4}" type="datetimeFigureOut">
               <a:rPr lang="en-US" smtClean="0"/>
-              <a:t>1/27/13</a:t>
+              <a:t>9/15/2025</a:t>
             </a:fld>
             <a:endParaRPr lang="en-US"/>
           </a:p>
@@ -1772,7 +1790,7 @@
           <a:p>
             <a:fld id="{5BCAD085-E8A6-8845-BD4E-CB4CCA059FC4}" type="datetimeFigureOut">
               <a:rPr lang="en-US" smtClean="0"/>
-              <a:t>1/27/13</a:t>
+              <a:t>9/15/2025</a:t>
             </a:fld>
             <a:endParaRPr lang="en-US"/>
           </a:p>
@@ -1890,7 +1908,7 @@
           <a:p>
             <a:fld id="{5BCAD085-E8A6-8845-BD4E-CB4CCA059FC4}" type="datetimeFigureOut">
               <a:rPr lang="en-US" smtClean="0"/>
-              <a:t>1/27/13</a:t>
+              <a:t>9/15/2025</a:t>
             </a:fld>
             <a:endParaRPr lang="en-US"/>
           </a:p>
@@ -1985,7 +2003,7 @@
           <a:p>
             <a:fld id="{5BCAD085-E8A6-8845-BD4E-CB4CCA059FC4}" type="datetimeFigureOut">
               <a:rPr lang="en-US" smtClean="0"/>
-              <a:t>1/27/13</a:t>
+              <a:t>9/15/2025</a:t>
             </a:fld>
             <a:endParaRPr lang="en-US"/>
           </a:p>
@@ -2262,7 +2280,7 @@
           <a:p>
             <a:fld id="{5BCAD085-E8A6-8845-BD4E-CB4CCA059FC4}" type="datetimeFigureOut">
               <a:rPr lang="en-US" smtClean="0"/>
-              <a:t>1/27/13</a:t>
+              <a:t>9/15/2025</a:t>
             </a:fld>
             <a:endParaRPr lang="en-US"/>
           </a:p>
@@ -2515,7 +2533,7 @@
           <a:p>
             <a:fld id="{5BCAD085-E8A6-8845-BD4E-CB4CCA059FC4}" type="datetimeFigureOut">
               <a:rPr lang="en-US" smtClean="0"/>
-              <a:t>1/27/13</a:t>
+              <a:t>9/15/2025</a:t>
             </a:fld>
             <a:endParaRPr lang="en-US"/>
           </a:p>
@@ -2728,7 +2746,7 @@
           <a:p>
             <a:fld id="{5BCAD085-E8A6-8845-BD4E-CB4CCA059FC4}" type="datetimeFigureOut">
               <a:rPr lang="en-US" smtClean="0"/>
-              <a:t>1/27/13</a:t>
+              <a:t>9/15/2025</a:t>
             </a:fld>
             <a:endParaRPr lang="en-US"/>
           </a:p>
@@ -3087,7 +3105,7 @@
 </file>
 
 <file path=ppt/slides/slide1.xml><?xml version="1.0" encoding="utf-8"?>
-<p:sld xmlns:a="http://schemas.openxmlformats.org/drawingml/2006/main" xmlns:p="http://schemas.openxmlformats.org/presentationml/2006/main" xmlns:r="http://schemas.openxmlformats.org/officeDocument/2006/relationships">
+<p:sld xmlns:a="http://schemas.openxmlformats.org/drawingml/2006/main" xmlns:r="http://schemas.openxmlformats.org/officeDocument/2006/relationships" xmlns:p="http://schemas.openxmlformats.org/presentationml/2006/main">
   <p:cSld>
     <p:spTree>
       <p:nvGrpSpPr>
@@ -3095,7 +3113,14 @@
         <p:cNvGrpSpPr/>
         <p:nvPr/>
       </p:nvGrpSpPr>
-      <p:grpSpPr/>
+      <p:grpSpPr>
+        <a:xfrm>
+          <a:off x="0" y="0"/>
+          <a:ext cx="0" cy="0"/>
+          <a:chOff x="0" y="0"/>
+          <a:chExt cx="0" cy="0"/>
+        </a:xfrm>
+      </p:grpSpPr>
       <p:sp>
         <p:nvSpPr>
           <p:cNvPr id="2" name="Title 1"/>
@@ -3133,7 +3158,7 @@
           <a:lstStyle/>
           <a:p>
             <a:r>
-              <a:t>生成时间: 2025-09-09 17:39:42</a:t>
+              <a:t>生成时间: 2025-09-15 11:11:02</a:t>
             </a:r>
           </a:p>
         </p:txBody>
@@ -3146,8 +3171,8 @@
 </p:sld>
 </file>
 
-<file path=ppt/slides/slide2.xml><?xml version="1.0" encoding="utf-8"?>
-<p:sld xmlns:a="http://schemas.openxmlformats.org/drawingml/2006/main" xmlns:p="http://schemas.openxmlformats.org/presentationml/2006/main" xmlns:r="http://schemas.openxmlformats.org/officeDocument/2006/relationships">
+<file path=ppt/slides/slide10.xml><?xml version="1.0" encoding="utf-8"?>
+<p:sld xmlns:a="http://schemas.openxmlformats.org/drawingml/2006/main" xmlns:r="http://schemas.openxmlformats.org/officeDocument/2006/relationships" xmlns:p="http://schemas.openxmlformats.org/presentationml/2006/main">
   <p:cSld>
     <p:spTree>
       <p:nvGrpSpPr>
@@ -3155,7 +3180,14 @@
         <p:cNvGrpSpPr/>
         <p:nvPr/>
       </p:nvGrpSpPr>
-      <p:grpSpPr/>
+      <p:grpSpPr>
+        <a:xfrm>
+          <a:off x="0" y="0"/>
+          <a:ext cx="0" cy="0"/>
+          <a:chOff x="0" y="0"/>
+          <a:chExt cx="0" cy="0"/>
+        </a:xfrm>
+      </p:grpSpPr>
       <p:sp>
         <p:nvSpPr>
           <p:cNvPr id="2" name="Title 1"/>
@@ -3172,7 +3204,1817 @@
           <a:lstStyle/>
           <a:p>
             <a:r>
-              <a:t>各接口平均响应时间趋势（50-5000ms）</a:t>
+              <a:t>Top 10 AVG性能退步接口</a:t>
+            </a:r>
+          </a:p>
+        </p:txBody>
+      </p:sp>
+      <p:graphicFrame>
+        <p:nvGraphicFramePr>
+          <p:cNvPr id="3" name="Table 2"/>
+          <p:cNvGraphicFramePr>
+            <a:graphicFrameLocks noGrp="1"/>
+          </p:cNvGraphicFramePr>
+          <p:nvPr>
+            <p:extLst>
+              <p:ext uri="{D42A27DB-BD31-4B8C-83A1-F6EECF244321}">
+                <p14:modId xmlns:p14="http://schemas.microsoft.com/office/powerpoint/2010/main" val="3158433463"/>
+              </p:ext>
+            </p:extLst>
+          </p:nvPr>
+        </p:nvGraphicFramePr>
+        <p:xfrm>
+          <a:off x="914400" y="1371600"/>
+          <a:ext cx="13357416" cy="4389120"/>
+        </p:xfrm>
+        <a:graphic>
+          <a:graphicData uri="http://schemas.openxmlformats.org/drawingml/2006/table">
+            <a:tbl>
+              <a:tblPr firstRow="1" bandRow="1">
+                <a:tableStyleId>{5C22544A-7EE6-4342-B048-85BDC9FD1C3A}</a:tableStyleId>
+              </a:tblPr>
+              <a:tblGrid>
+                <a:gridCol w="7505256">
+                  <a:extLst>
+                    <a:ext uri="{9D8B030D-6E8A-4147-A177-3AD203B41FA5}">
+                      <a16:colId xmlns:a16="http://schemas.microsoft.com/office/drawing/2014/main" val="20000"/>
+                    </a:ext>
+                  </a:extLst>
+                </a:gridCol>
+                <a:gridCol w="1463040">
+                  <a:extLst>
+                    <a:ext uri="{9D8B030D-6E8A-4147-A177-3AD203B41FA5}">
+                      <a16:colId xmlns:a16="http://schemas.microsoft.com/office/drawing/2014/main" val="20001"/>
+                    </a:ext>
+                  </a:extLst>
+                </a:gridCol>
+                <a:gridCol w="1463040">
+                  <a:extLst>
+                    <a:ext uri="{9D8B030D-6E8A-4147-A177-3AD203B41FA5}">
+                      <a16:colId xmlns:a16="http://schemas.microsoft.com/office/drawing/2014/main" val="20002"/>
+                    </a:ext>
+                  </a:extLst>
+                </a:gridCol>
+                <a:gridCol w="1463040">
+                  <a:extLst>
+                    <a:ext uri="{9D8B030D-6E8A-4147-A177-3AD203B41FA5}">
+                      <a16:colId xmlns:a16="http://schemas.microsoft.com/office/drawing/2014/main" val="20003"/>
+                    </a:ext>
+                  </a:extLst>
+                </a:gridCol>
+                <a:gridCol w="1463040">
+                  <a:extLst>
+                    <a:ext uri="{9D8B030D-6E8A-4147-A177-3AD203B41FA5}">
+                      <a16:colId xmlns:a16="http://schemas.microsoft.com/office/drawing/2014/main" val="20004"/>
+                    </a:ext>
+                  </a:extLst>
+                </a:gridCol>
+              </a:tblGrid>
+              <a:tr h="152400">
+                <a:tc>
+                  <a:txBody>
+                    <a:bodyPr/>
+                    <a:lstStyle/>
+                    <a:p>
+                      <a:r>
+                        <a:t>接口标识</a:t>
+                      </a:r>
+                    </a:p>
+                  </a:txBody>
+                  <a:tcPr/>
+                </a:tc>
+                <a:tc>
+                  <a:txBody>
+                    <a:bodyPr/>
+                    <a:lstStyle/>
+                    <a:p>
+                      <a:r>
+                        <a:t>AVG_V8101</a:t>
+                      </a:r>
+                    </a:p>
+                  </a:txBody>
+                  <a:tcPr/>
+                </a:tc>
+                <a:tc>
+                  <a:txBody>
+                    <a:bodyPr/>
+                    <a:lstStyle/>
+                    <a:p>
+                      <a:r>
+                        <a:t>AVG_V8104</a:t>
+                      </a:r>
+                    </a:p>
+                  </a:txBody>
+                  <a:tcPr/>
+                </a:tc>
+                <a:tc>
+                  <a:txBody>
+                    <a:bodyPr/>
+                    <a:lstStyle/>
+                    <a:p>
+                      <a:r>
+                        <a:t>AVG_变化</a:t>
+                      </a:r>
+                    </a:p>
+                  </a:txBody>
+                  <a:tcPr/>
+                </a:tc>
+                <a:tc>
+                  <a:txBody>
+                    <a:bodyPr/>
+                    <a:lstStyle/>
+                    <a:p>
+                      <a:r>
+                        <a:t>AVG_变化率</a:t>
+                      </a:r>
+                    </a:p>
+                  </a:txBody>
+                  <a:tcPr/>
+                </a:tc>
+                <a:extLst>
+                  <a:ext uri="{0D108BD9-81ED-4DB2-BD59-A6C34878D82A}">
+                    <a16:rowId xmlns:a16="http://schemas.microsoft.com/office/drawing/2014/main" val="10000"/>
+                  </a:ext>
+                </a:extLst>
+              </a:tr>
+              <a:tr h="152400">
+                <a:tc>
+                  <a:txBody>
+                    <a:bodyPr/>
+                    <a:lstStyle/>
+                    <a:p>
+                      <a:r>
+                        <a:t>GET /iworkflow/v1/historys/user/list</a:t>
+                      </a:r>
+                    </a:p>
+                  </a:txBody>
+                  <a:tcPr/>
+                </a:tc>
+                <a:tc>
+                  <a:txBody>
+                    <a:bodyPr/>
+                    <a:lstStyle/>
+                    <a:p>
+                      <a:r>
+                        <a:t>129</a:t>
+                      </a:r>
+                    </a:p>
+                  </a:txBody>
+                  <a:tcPr/>
+                </a:tc>
+                <a:tc>
+                  <a:txBody>
+                    <a:bodyPr/>
+                    <a:lstStyle/>
+                    <a:p>
+                      <a:r>
+                        <a:t>884</a:t>
+                      </a:r>
+                    </a:p>
+                  </a:txBody>
+                  <a:tcPr/>
+                </a:tc>
+                <a:tc>
+                  <a:txBody>
+                    <a:bodyPr/>
+                    <a:lstStyle/>
+                    <a:p>
+                      <a:r>
+                        <a:t>755</a:t>
+                      </a:r>
+                    </a:p>
+                  </a:txBody>
+                  <a:tcPr/>
+                </a:tc>
+                <a:tc>
+                  <a:txBody>
+                    <a:bodyPr/>
+                    <a:lstStyle/>
+                    <a:p>
+                      <a:r>
+                        <a:t>585.27</a:t>
+                      </a:r>
+                    </a:p>
+                  </a:txBody>
+                  <a:tcPr/>
+                </a:tc>
+                <a:extLst>
+                  <a:ext uri="{0D108BD9-81ED-4DB2-BD59-A6C34878D82A}">
+                    <a16:rowId xmlns:a16="http://schemas.microsoft.com/office/drawing/2014/main" val="10001"/>
+                  </a:ext>
+                </a:extLst>
+              </a:tr>
+              <a:tr h="152400">
+                <a:tc>
+                  <a:txBody>
+                    <a:bodyPr/>
+                    <a:lstStyle/>
+                    <a:p>
+                      <a:r>
+                        <a:t>POST /icompute/v1/global-content-repos/{globalContentId}/files/slice_upload</a:t>
+                      </a:r>
+                    </a:p>
+                  </a:txBody>
+                  <a:tcPr/>
+                </a:tc>
+                <a:tc>
+                  <a:txBody>
+                    <a:bodyPr/>
+                    <a:lstStyle/>
+                    <a:p>
+                      <a:r>
+                        <a:t>114</a:t>
+                      </a:r>
+                    </a:p>
+                  </a:txBody>
+                  <a:tcPr/>
+                </a:tc>
+                <a:tc>
+                  <a:txBody>
+                    <a:bodyPr/>
+                    <a:lstStyle/>
+                    <a:p>
+                      <a:r>
+                        <a:t>518</a:t>
+                      </a:r>
+                    </a:p>
+                  </a:txBody>
+                  <a:tcPr/>
+                </a:tc>
+                <a:tc>
+                  <a:txBody>
+                    <a:bodyPr/>
+                    <a:lstStyle/>
+                    <a:p>
+                      <a:r>
+                        <a:t>404</a:t>
+                      </a:r>
+                    </a:p>
+                  </a:txBody>
+                  <a:tcPr/>
+                </a:tc>
+                <a:tc>
+                  <a:txBody>
+                    <a:bodyPr/>
+                    <a:lstStyle/>
+                    <a:p>
+                      <a:r>
+                        <a:t>354.39</a:t>
+                      </a:r>
+                    </a:p>
+                  </a:txBody>
+                  <a:tcPr/>
+                </a:tc>
+                <a:extLst>
+                  <a:ext uri="{0D108BD9-81ED-4DB2-BD59-A6C34878D82A}">
+                    <a16:rowId xmlns:a16="http://schemas.microsoft.com/office/drawing/2014/main" val="10002"/>
+                  </a:ext>
+                </a:extLst>
+              </a:tr>
+              <a:tr h="152400">
+                <a:tc>
+                  <a:txBody>
+                    <a:bodyPr/>
+                    <a:lstStyle/>
+                    <a:p>
+                      <a:r>
+                        <a:t>PUT /icompute/v1/vms/{vmId}/poweron</a:t>
+                      </a:r>
+                    </a:p>
+                  </a:txBody>
+                  <a:tcPr/>
+                </a:tc>
+                <a:tc>
+                  <a:txBody>
+                    <a:bodyPr/>
+                    <a:lstStyle/>
+                    <a:p>
+                      <a:r>
+                        <a:t>197</a:t>
+                      </a:r>
+                    </a:p>
+                  </a:txBody>
+                  <a:tcPr/>
+                </a:tc>
+                <a:tc>
+                  <a:txBody>
+                    <a:bodyPr/>
+                    <a:lstStyle/>
+                    <a:p>
+                      <a:r>
+                        <a:t>489</a:t>
+                      </a:r>
+                    </a:p>
+                  </a:txBody>
+                  <a:tcPr/>
+                </a:tc>
+                <a:tc>
+                  <a:txBody>
+                    <a:bodyPr/>
+                    <a:lstStyle/>
+                    <a:p>
+                      <a:r>
+                        <a:t>292</a:t>
+                      </a:r>
+                    </a:p>
+                  </a:txBody>
+                  <a:tcPr/>
+                </a:tc>
+                <a:tc>
+                  <a:txBody>
+                    <a:bodyPr/>
+                    <a:lstStyle/>
+                    <a:p>
+                      <a:r>
+                        <a:t>148.22</a:t>
+                      </a:r>
+                    </a:p>
+                  </a:txBody>
+                  <a:tcPr/>
+                </a:tc>
+                <a:extLst>
+                  <a:ext uri="{0D108BD9-81ED-4DB2-BD59-A6C34878D82A}">
+                    <a16:rowId xmlns:a16="http://schemas.microsoft.com/office/drawing/2014/main" val="10003"/>
+                  </a:ext>
+                </a:extLst>
+              </a:tr>
+              <a:tr h="152400">
+                <a:tc>
+                  <a:txBody>
+                    <a:bodyPr/>
+                    <a:lstStyle/>
+                    <a:p>
+                      <a:r>
+                        <a:t>GET /itask/v1/tasks</a:t>
+                      </a:r>
+                    </a:p>
+                  </a:txBody>
+                  <a:tcPr/>
+                </a:tc>
+                <a:tc>
+                  <a:txBody>
+                    <a:bodyPr/>
+                    <a:lstStyle/>
+                    <a:p>
+                      <a:r>
+                        <a:t>77</a:t>
+                      </a:r>
+                    </a:p>
+                  </a:txBody>
+                  <a:tcPr/>
+                </a:tc>
+                <a:tc>
+                  <a:txBody>
+                    <a:bodyPr/>
+                    <a:lstStyle/>
+                    <a:p>
+                      <a:r>
+                        <a:t>192</a:t>
+                      </a:r>
+                    </a:p>
+                  </a:txBody>
+                  <a:tcPr/>
+                </a:tc>
+                <a:tc>
+                  <a:txBody>
+                    <a:bodyPr/>
+                    <a:lstStyle/>
+                    <a:p>
+                      <a:r>
+                        <a:t>115</a:t>
+                      </a:r>
+                    </a:p>
+                  </a:txBody>
+                  <a:tcPr/>
+                </a:tc>
+                <a:tc>
+                  <a:txBody>
+                    <a:bodyPr/>
+                    <a:lstStyle/>
+                    <a:p>
+                      <a:r>
+                        <a:t>149.35</a:t>
+                      </a:r>
+                    </a:p>
+                  </a:txBody>
+                  <a:tcPr/>
+                </a:tc>
+                <a:extLst>
+                  <a:ext uri="{0D108BD9-81ED-4DB2-BD59-A6C34878D82A}">
+                    <a16:rowId xmlns:a16="http://schemas.microsoft.com/office/drawing/2014/main" val="10004"/>
+                  </a:ext>
+                </a:extLst>
+              </a:tr>
+              <a:tr h="152400">
+                <a:tc>
+                  <a:txBody>
+                    <a:bodyPr/>
+                    <a:lstStyle/>
+                    <a:p>
+                      <a:r>
+                        <a:t>GET /icompute/v1/vdc/{vdcId}/get-bind-center</a:t>
+                      </a:r>
+                    </a:p>
+                  </a:txBody>
+                  <a:tcPr/>
+                </a:tc>
+                <a:tc>
+                  <a:txBody>
+                    <a:bodyPr/>
+                    <a:lstStyle/>
+                    <a:p>
+                      <a:r>
+                        <a:t>38</a:t>
+                      </a:r>
+                    </a:p>
+                  </a:txBody>
+                  <a:tcPr/>
+                </a:tc>
+                <a:tc>
+                  <a:txBody>
+                    <a:bodyPr/>
+                    <a:lstStyle/>
+                    <a:p>
+                      <a:r>
+                        <a:t>137</a:t>
+                      </a:r>
+                    </a:p>
+                  </a:txBody>
+                  <a:tcPr/>
+                </a:tc>
+                <a:tc>
+                  <a:txBody>
+                    <a:bodyPr/>
+                    <a:lstStyle/>
+                    <a:p>
+                      <a:r>
+                        <a:t>99</a:t>
+                      </a:r>
+                    </a:p>
+                  </a:txBody>
+                  <a:tcPr/>
+                </a:tc>
+                <a:tc>
+                  <a:txBody>
+                    <a:bodyPr/>
+                    <a:lstStyle/>
+                    <a:p>
+                      <a:r>
+                        <a:t>260.53</a:t>
+                      </a:r>
+                    </a:p>
+                  </a:txBody>
+                  <a:tcPr/>
+                </a:tc>
+                <a:extLst>
+                  <a:ext uri="{0D108BD9-81ED-4DB2-BD59-A6C34878D82A}">
+                    <a16:rowId xmlns:a16="http://schemas.microsoft.com/office/drawing/2014/main" val="10005"/>
+                  </a:ext>
+                </a:extLst>
+              </a:tr>
+              <a:tr h="152400">
+                <a:tc>
+                  <a:txBody>
+                    <a:bodyPr/>
+                    <a:lstStyle/>
+                    <a:p>
+                      <a:r>
+                        <a:t>PUT /inetwork/v1/nets/{netId}</a:t>
+                      </a:r>
+                    </a:p>
+                  </a:txBody>
+                  <a:tcPr/>
+                </a:tc>
+                <a:tc>
+                  <a:txBody>
+                    <a:bodyPr/>
+                    <a:lstStyle/>
+                    <a:p>
+                      <a:r>
+                        <a:t>155</a:t>
+                      </a:r>
+                    </a:p>
+                  </a:txBody>
+                  <a:tcPr/>
+                </a:tc>
+                <a:tc>
+                  <a:txBody>
+                    <a:bodyPr/>
+                    <a:lstStyle/>
+                    <a:p>
+                      <a:r>
+                        <a:t>202</a:t>
+                      </a:r>
+                    </a:p>
+                  </a:txBody>
+                  <a:tcPr/>
+                </a:tc>
+                <a:tc>
+                  <a:txBody>
+                    <a:bodyPr/>
+                    <a:lstStyle/>
+                    <a:p>
+                      <a:r>
+                        <a:t>47</a:t>
+                      </a:r>
+                    </a:p>
+                  </a:txBody>
+                  <a:tcPr/>
+                </a:tc>
+                <a:tc>
+                  <a:txBody>
+                    <a:bodyPr/>
+                    <a:lstStyle/>
+                    <a:p>
+                      <a:r>
+                        <a:t>30.32</a:t>
+                      </a:r>
+                    </a:p>
+                  </a:txBody>
+                  <a:tcPr/>
+                </a:tc>
+                <a:extLst>
+                  <a:ext uri="{0D108BD9-81ED-4DB2-BD59-A6C34878D82A}">
+                    <a16:rowId xmlns:a16="http://schemas.microsoft.com/office/drawing/2014/main" val="10006"/>
+                  </a:ext>
+                </a:extLst>
+              </a:tr>
+              <a:tr h="152400">
+                <a:tc>
+                  <a:txBody>
+                    <a:bodyPr/>
+                    <a:lstStyle/>
+                    <a:p>
+                      <a:r>
+                        <a:t>GET /istorage/imanila/v2/users</a:t>
+                      </a:r>
+                    </a:p>
+                  </a:txBody>
+                  <a:tcPr/>
+                </a:tc>
+                <a:tc>
+                  <a:txBody>
+                    <a:bodyPr/>
+                    <a:lstStyle/>
+                    <a:p>
+                      <a:r>
+                        <a:t>39</a:t>
+                      </a:r>
+                    </a:p>
+                  </a:txBody>
+                  <a:tcPr/>
+                </a:tc>
+                <a:tc>
+                  <a:txBody>
+                    <a:bodyPr/>
+                    <a:lstStyle/>
+                    <a:p>
+                      <a:r>
+                        <a:t>75</a:t>
+                      </a:r>
+                    </a:p>
+                  </a:txBody>
+                  <a:tcPr/>
+                </a:tc>
+                <a:tc>
+                  <a:txBody>
+                    <a:bodyPr/>
+                    <a:lstStyle/>
+                    <a:p>
+                      <a:r>
+                        <a:t>36</a:t>
+                      </a:r>
+                    </a:p>
+                  </a:txBody>
+                  <a:tcPr/>
+                </a:tc>
+                <a:tc>
+                  <a:txBody>
+                    <a:bodyPr/>
+                    <a:lstStyle/>
+                    <a:p>
+                      <a:r>
+                        <a:t>92.31</a:t>
+                      </a:r>
+                    </a:p>
+                  </a:txBody>
+                  <a:tcPr/>
+                </a:tc>
+                <a:extLst>
+                  <a:ext uri="{0D108BD9-81ED-4DB2-BD59-A6C34878D82A}">
+                    <a16:rowId xmlns:a16="http://schemas.microsoft.com/office/drawing/2014/main" val="10007"/>
+                  </a:ext>
+                </a:extLst>
+              </a:tr>
+              <a:tr h="152400">
+                <a:tc>
+                  <a:txBody>
+                    <a:bodyPr/>
+                    <a:lstStyle/>
+                    <a:p>
+                      <a:r>
+                        <a:t>GET /istorage/imanila/v2/users/{id}</a:t>
+                      </a:r>
+                    </a:p>
+                  </a:txBody>
+                  <a:tcPr/>
+                </a:tc>
+                <a:tc>
+                  <a:txBody>
+                    <a:bodyPr/>
+                    <a:lstStyle/>
+                    <a:p>
+                      <a:r>
+                        <a:t>44</a:t>
+                      </a:r>
+                    </a:p>
+                  </a:txBody>
+                  <a:tcPr/>
+                </a:tc>
+                <a:tc>
+                  <a:txBody>
+                    <a:bodyPr/>
+                    <a:lstStyle/>
+                    <a:p>
+                      <a:r>
+                        <a:t>78</a:t>
+                      </a:r>
+                    </a:p>
+                  </a:txBody>
+                  <a:tcPr/>
+                </a:tc>
+                <a:tc>
+                  <a:txBody>
+                    <a:bodyPr/>
+                    <a:lstStyle/>
+                    <a:p>
+                      <a:r>
+                        <a:t>34</a:t>
+                      </a:r>
+                    </a:p>
+                  </a:txBody>
+                  <a:tcPr/>
+                </a:tc>
+                <a:tc>
+                  <a:txBody>
+                    <a:bodyPr/>
+                    <a:lstStyle/>
+                    <a:p>
+                      <a:r>
+                        <a:t>77.27</a:t>
+                      </a:r>
+                    </a:p>
+                  </a:txBody>
+                  <a:tcPr/>
+                </a:tc>
+                <a:extLst>
+                  <a:ext uri="{0D108BD9-81ED-4DB2-BD59-A6C34878D82A}">
+                    <a16:rowId xmlns:a16="http://schemas.microsoft.com/office/drawing/2014/main" val="10008"/>
+                  </a:ext>
+                </a:extLst>
+              </a:tr>
+              <a:tr h="152400">
+                <a:tc>
+                  <a:txBody>
+                    <a:bodyPr/>
+                    <a:lstStyle/>
+                    <a:p>
+                      <a:r>
+                        <a:t>POST /istorage/v1/objectstor/buckets</a:t>
+                      </a:r>
+                    </a:p>
+                  </a:txBody>
+                  <a:tcPr/>
+                </a:tc>
+                <a:tc>
+                  <a:txBody>
+                    <a:bodyPr/>
+                    <a:lstStyle/>
+                    <a:p>
+                      <a:r>
+                        <a:t>109</a:t>
+                      </a:r>
+                    </a:p>
+                  </a:txBody>
+                  <a:tcPr/>
+                </a:tc>
+                <a:tc>
+                  <a:txBody>
+                    <a:bodyPr/>
+                    <a:lstStyle/>
+                    <a:p>
+                      <a:r>
+                        <a:t>138</a:t>
+                      </a:r>
+                    </a:p>
+                  </a:txBody>
+                  <a:tcPr/>
+                </a:tc>
+                <a:tc>
+                  <a:txBody>
+                    <a:bodyPr/>
+                    <a:lstStyle/>
+                    <a:p>
+                      <a:r>
+                        <a:t>29</a:t>
+                      </a:r>
+                    </a:p>
+                  </a:txBody>
+                  <a:tcPr/>
+                </a:tc>
+                <a:tc>
+                  <a:txBody>
+                    <a:bodyPr/>
+                    <a:lstStyle/>
+                    <a:p>
+                      <a:r>
+                        <a:t>26.61</a:t>
+                      </a:r>
+                    </a:p>
+                  </a:txBody>
+                  <a:tcPr/>
+                </a:tc>
+                <a:extLst>
+                  <a:ext uri="{0D108BD9-81ED-4DB2-BD59-A6C34878D82A}">
+                    <a16:rowId xmlns:a16="http://schemas.microsoft.com/office/drawing/2014/main" val="10009"/>
+                  </a:ext>
+                </a:extLst>
+              </a:tr>
+              <a:tr h="152400">
+                <a:tc>
+                  <a:txBody>
+                    <a:bodyPr/>
+                    <a:lstStyle/>
+                    <a:p>
+                      <a:r>
+                        <a:t>POST /icompute/v1/auto-scaling-group/add</a:t>
+                      </a:r>
+                    </a:p>
+                  </a:txBody>
+                  <a:tcPr/>
+                </a:tc>
+                <a:tc>
+                  <a:txBody>
+                    <a:bodyPr/>
+                    <a:lstStyle/>
+                    <a:p>
+                      <a:r>
+                        <a:t>89</a:t>
+                      </a:r>
+                    </a:p>
+                  </a:txBody>
+                  <a:tcPr/>
+                </a:tc>
+                <a:tc>
+                  <a:txBody>
+                    <a:bodyPr/>
+                    <a:lstStyle/>
+                    <a:p>
+                      <a:r>
+                        <a:t>110</a:t>
+                      </a:r>
+                    </a:p>
+                  </a:txBody>
+                  <a:tcPr/>
+                </a:tc>
+                <a:tc>
+                  <a:txBody>
+                    <a:bodyPr/>
+                    <a:lstStyle/>
+                    <a:p>
+                      <a:r>
+                        <a:t>21</a:t>
+                      </a:r>
+                    </a:p>
+                  </a:txBody>
+                  <a:tcPr/>
+                </a:tc>
+                <a:tc>
+                  <a:txBody>
+                    <a:bodyPr/>
+                    <a:lstStyle/>
+                    <a:p>
+                      <a:r>
+                        <a:t>23.6</a:t>
+                      </a:r>
+                    </a:p>
+                  </a:txBody>
+                  <a:tcPr/>
+                </a:tc>
+                <a:extLst>
+                  <a:ext uri="{0D108BD9-81ED-4DB2-BD59-A6C34878D82A}">
+                    <a16:rowId xmlns:a16="http://schemas.microsoft.com/office/drawing/2014/main" val="10010"/>
+                  </a:ext>
+                </a:extLst>
+              </a:tr>
+              <a:tr h="152400">
+                <a:tc>
+                  <a:txBody>
+                    <a:bodyPr/>
+                    <a:lstStyle/>
+                    <a:p>
+                      <a:endParaRPr/>
+                    </a:p>
+                  </a:txBody>
+                  <a:tcPr/>
+                </a:tc>
+                <a:tc>
+                  <a:txBody>
+                    <a:bodyPr/>
+                    <a:lstStyle/>
+                    <a:p>
+                      <a:endParaRPr/>
+                    </a:p>
+                  </a:txBody>
+                  <a:tcPr/>
+                </a:tc>
+                <a:tc>
+                  <a:txBody>
+                    <a:bodyPr/>
+                    <a:lstStyle/>
+                    <a:p>
+                      <a:endParaRPr/>
+                    </a:p>
+                  </a:txBody>
+                  <a:tcPr/>
+                </a:tc>
+                <a:tc>
+                  <a:txBody>
+                    <a:bodyPr/>
+                    <a:lstStyle/>
+                    <a:p>
+                      <a:endParaRPr/>
+                    </a:p>
+                  </a:txBody>
+                  <a:tcPr/>
+                </a:tc>
+                <a:tc>
+                  <a:txBody>
+                    <a:bodyPr/>
+                    <a:lstStyle/>
+                    <a:p>
+                      <a:endParaRPr dirty="0"/>
+                    </a:p>
+                  </a:txBody>
+                  <a:tcPr/>
+                </a:tc>
+                <a:extLst>
+                  <a:ext uri="{0D108BD9-81ED-4DB2-BD59-A6C34878D82A}">
+                    <a16:rowId xmlns:a16="http://schemas.microsoft.com/office/drawing/2014/main" val="10011"/>
+                  </a:ext>
+                </a:extLst>
+              </a:tr>
+            </a:tbl>
+          </a:graphicData>
+        </a:graphic>
+      </p:graphicFrame>
+    </p:spTree>
+  </p:cSld>
+  <p:clrMapOvr>
+    <a:masterClrMapping/>
+  </p:clrMapOvr>
+</p:sld>
+</file>
+
+<file path=ppt/slides/slide11.xml><?xml version="1.0" encoding="utf-8"?>
+<p:sld xmlns:a="http://schemas.openxmlformats.org/drawingml/2006/main" xmlns:r="http://schemas.openxmlformats.org/officeDocument/2006/relationships" xmlns:p="http://schemas.openxmlformats.org/presentationml/2006/main">
+  <p:cSld>
+    <p:spTree>
+      <p:nvGrpSpPr>
+        <p:cNvPr id="1" name=""/>
+        <p:cNvGrpSpPr/>
+        <p:nvPr/>
+      </p:nvGrpSpPr>
+      <p:grpSpPr>
+        <a:xfrm>
+          <a:off x="0" y="0"/>
+          <a:ext cx="0" cy="0"/>
+          <a:chOff x="0" y="0"/>
+          <a:chExt cx="0" cy="0"/>
+        </a:xfrm>
+      </p:grpSpPr>
+      <p:sp>
+        <p:nvSpPr>
+          <p:cNvPr id="2" name="Title 1"/>
+          <p:cNvSpPr>
+            <a:spLocks noGrp="1"/>
+          </p:cNvSpPr>
+          <p:nvPr>
+            <p:ph type="title"/>
+          </p:nvPr>
+        </p:nvSpPr>
+        <p:spPr/>
+        <p:txBody>
+          <a:bodyPr/>
+          <a:lstStyle/>
+          <a:p>
+            <a:r>
+              <a:t>Top 10 AVG性能优化接口</a:t>
+            </a:r>
+          </a:p>
+        </p:txBody>
+      </p:sp>
+      <p:graphicFrame>
+        <p:nvGraphicFramePr>
+          <p:cNvPr id="3" name="Table 2"/>
+          <p:cNvGraphicFramePr>
+            <a:graphicFrameLocks noGrp="1"/>
+          </p:cNvGraphicFramePr>
+          <p:nvPr>
+            <p:extLst>
+              <p:ext uri="{D42A27DB-BD31-4B8C-83A1-F6EECF244321}">
+                <p14:modId xmlns:p14="http://schemas.microsoft.com/office/powerpoint/2010/main" val="3770769314"/>
+              </p:ext>
+            </p:extLst>
+          </p:nvPr>
+        </p:nvGraphicFramePr>
+        <p:xfrm>
+          <a:off x="914400" y="1371600"/>
+          <a:ext cx="10959465" cy="4389120"/>
+        </p:xfrm>
+        <a:graphic>
+          <a:graphicData uri="http://schemas.openxmlformats.org/drawingml/2006/table">
+            <a:tbl>
+              <a:tblPr firstRow="1" bandRow="1">
+                <a:tableStyleId>{5C22544A-7EE6-4342-B048-85BDC9FD1C3A}</a:tableStyleId>
+              </a:tblPr>
+              <a:tblGrid>
+                <a:gridCol w="5107305">
+                  <a:extLst>
+                    <a:ext uri="{9D8B030D-6E8A-4147-A177-3AD203B41FA5}">
+                      <a16:colId xmlns:a16="http://schemas.microsoft.com/office/drawing/2014/main" val="20000"/>
+                    </a:ext>
+                  </a:extLst>
+                </a:gridCol>
+                <a:gridCol w="1463040">
+                  <a:extLst>
+                    <a:ext uri="{9D8B030D-6E8A-4147-A177-3AD203B41FA5}">
+                      <a16:colId xmlns:a16="http://schemas.microsoft.com/office/drawing/2014/main" val="20001"/>
+                    </a:ext>
+                  </a:extLst>
+                </a:gridCol>
+                <a:gridCol w="1463040">
+                  <a:extLst>
+                    <a:ext uri="{9D8B030D-6E8A-4147-A177-3AD203B41FA5}">
+                      <a16:colId xmlns:a16="http://schemas.microsoft.com/office/drawing/2014/main" val="20002"/>
+                    </a:ext>
+                  </a:extLst>
+                </a:gridCol>
+                <a:gridCol w="1463040">
+                  <a:extLst>
+                    <a:ext uri="{9D8B030D-6E8A-4147-A177-3AD203B41FA5}">
+                      <a16:colId xmlns:a16="http://schemas.microsoft.com/office/drawing/2014/main" val="20003"/>
+                    </a:ext>
+                  </a:extLst>
+                </a:gridCol>
+                <a:gridCol w="1463040">
+                  <a:extLst>
+                    <a:ext uri="{9D8B030D-6E8A-4147-A177-3AD203B41FA5}">
+                      <a16:colId xmlns:a16="http://schemas.microsoft.com/office/drawing/2014/main" val="20004"/>
+                    </a:ext>
+                  </a:extLst>
+                </a:gridCol>
+              </a:tblGrid>
+              <a:tr h="152400">
+                <a:tc>
+                  <a:txBody>
+                    <a:bodyPr/>
+                    <a:lstStyle/>
+                    <a:p>
+                      <a:r>
+                        <a:t>接口标识</a:t>
+                      </a:r>
+                    </a:p>
+                  </a:txBody>
+                  <a:tcPr/>
+                </a:tc>
+                <a:tc>
+                  <a:txBody>
+                    <a:bodyPr/>
+                    <a:lstStyle/>
+                    <a:p>
+                      <a:r>
+                        <a:t>AVG_V8101</a:t>
+                      </a:r>
+                    </a:p>
+                  </a:txBody>
+                  <a:tcPr/>
+                </a:tc>
+                <a:tc>
+                  <a:txBody>
+                    <a:bodyPr/>
+                    <a:lstStyle/>
+                    <a:p>
+                      <a:r>
+                        <a:t>AVG_V8104</a:t>
+                      </a:r>
+                    </a:p>
+                  </a:txBody>
+                  <a:tcPr/>
+                </a:tc>
+                <a:tc>
+                  <a:txBody>
+                    <a:bodyPr/>
+                    <a:lstStyle/>
+                    <a:p>
+                      <a:r>
+                        <a:t>AVG_变化</a:t>
+                      </a:r>
+                    </a:p>
+                  </a:txBody>
+                  <a:tcPr/>
+                </a:tc>
+                <a:tc>
+                  <a:txBody>
+                    <a:bodyPr/>
+                    <a:lstStyle/>
+                    <a:p>
+                      <a:r>
+                        <a:t>AVG_变化率</a:t>
+                      </a:r>
+                    </a:p>
+                  </a:txBody>
+                  <a:tcPr/>
+                </a:tc>
+                <a:extLst>
+                  <a:ext uri="{0D108BD9-81ED-4DB2-BD59-A6C34878D82A}">
+                    <a16:rowId xmlns:a16="http://schemas.microsoft.com/office/drawing/2014/main" val="10000"/>
+                  </a:ext>
+                </a:extLst>
+              </a:tr>
+              <a:tr h="152400">
+                <a:tc>
+                  <a:txBody>
+                    <a:bodyPr/>
+                    <a:lstStyle/>
+                    <a:p>
+                      <a:r>
+                        <a:t>DELETE /inetwork/v1/nat/{natId}</a:t>
+                      </a:r>
+                    </a:p>
+                  </a:txBody>
+                  <a:tcPr/>
+                </a:tc>
+                <a:tc>
+                  <a:txBody>
+                    <a:bodyPr/>
+                    <a:lstStyle/>
+                    <a:p>
+                      <a:r>
+                        <a:t>4505</a:t>
+                      </a:r>
+                    </a:p>
+                  </a:txBody>
+                  <a:tcPr/>
+                </a:tc>
+                <a:tc>
+                  <a:txBody>
+                    <a:bodyPr/>
+                    <a:lstStyle/>
+                    <a:p>
+                      <a:r>
+                        <a:t>2066</a:t>
+                      </a:r>
+                    </a:p>
+                  </a:txBody>
+                  <a:tcPr/>
+                </a:tc>
+                <a:tc>
+                  <a:txBody>
+                    <a:bodyPr/>
+                    <a:lstStyle/>
+                    <a:p>
+                      <a:r>
+                        <a:t>-2439</a:t>
+                      </a:r>
+                    </a:p>
+                  </a:txBody>
+                  <a:tcPr/>
+                </a:tc>
+                <a:tc>
+                  <a:txBody>
+                    <a:bodyPr/>
+                    <a:lstStyle/>
+                    <a:p>
+                      <a:r>
+                        <a:t>-54.14</a:t>
+                      </a:r>
+                    </a:p>
+                  </a:txBody>
+                  <a:tcPr/>
+                </a:tc>
+                <a:extLst>
+                  <a:ext uri="{0D108BD9-81ED-4DB2-BD59-A6C34878D82A}">
+                    <a16:rowId xmlns:a16="http://schemas.microsoft.com/office/drawing/2014/main" val="10001"/>
+                  </a:ext>
+                </a:extLst>
+              </a:tr>
+              <a:tr h="152400">
+                <a:tc>
+                  <a:txBody>
+                    <a:bodyPr/>
+                    <a:lstStyle/>
+                    <a:p>
+                      <a:r>
+                        <a:t>DELETE /inetwork/v1/ports/{reservedMor}/reserved</a:t>
+                      </a:r>
+                    </a:p>
+                  </a:txBody>
+                  <a:tcPr/>
+                </a:tc>
+                <a:tc>
+                  <a:txBody>
+                    <a:bodyPr/>
+                    <a:lstStyle/>
+                    <a:p>
+                      <a:r>
+                        <a:t>2800</a:t>
+                      </a:r>
+                    </a:p>
+                  </a:txBody>
+                  <a:tcPr/>
+                </a:tc>
+                <a:tc>
+                  <a:txBody>
+                    <a:bodyPr/>
+                    <a:lstStyle/>
+                    <a:p>
+                      <a:r>
+                        <a:t>1088</a:t>
+                      </a:r>
+                    </a:p>
+                  </a:txBody>
+                  <a:tcPr/>
+                </a:tc>
+                <a:tc>
+                  <a:txBody>
+                    <a:bodyPr/>
+                    <a:lstStyle/>
+                    <a:p>
+                      <a:r>
+                        <a:t>-1712</a:t>
+                      </a:r>
+                    </a:p>
+                  </a:txBody>
+                  <a:tcPr/>
+                </a:tc>
+                <a:tc>
+                  <a:txBody>
+                    <a:bodyPr/>
+                    <a:lstStyle/>
+                    <a:p>
+                      <a:r>
+                        <a:t>-61.14</a:t>
+                      </a:r>
+                    </a:p>
+                  </a:txBody>
+                  <a:tcPr/>
+                </a:tc>
+                <a:extLst>
+                  <a:ext uri="{0D108BD9-81ED-4DB2-BD59-A6C34878D82A}">
+                    <a16:rowId xmlns:a16="http://schemas.microsoft.com/office/drawing/2014/main" val="10002"/>
+                  </a:ext>
+                </a:extLst>
+              </a:tr>
+              <a:tr h="152400">
+                <a:tc>
+                  <a:txBody>
+                    <a:bodyPr/>
+                    <a:lstStyle/>
+                    <a:p>
+                      <a:r>
+                        <a:t>GET /istorage/v1/objstorObj/policy/{policyId}</a:t>
+                      </a:r>
+                    </a:p>
+                  </a:txBody>
+                  <a:tcPr/>
+                </a:tc>
+                <a:tc>
+                  <a:txBody>
+                    <a:bodyPr/>
+                    <a:lstStyle/>
+                    <a:p>
+                      <a:r>
+                        <a:t>1575</a:t>
+                      </a:r>
+                    </a:p>
+                  </a:txBody>
+                  <a:tcPr/>
+                </a:tc>
+                <a:tc>
+                  <a:txBody>
+                    <a:bodyPr/>
+                    <a:lstStyle/>
+                    <a:p>
+                      <a:r>
+                        <a:t>367</a:t>
+                      </a:r>
+                    </a:p>
+                  </a:txBody>
+                  <a:tcPr/>
+                </a:tc>
+                <a:tc>
+                  <a:txBody>
+                    <a:bodyPr/>
+                    <a:lstStyle/>
+                    <a:p>
+                      <a:r>
+                        <a:t>-1208</a:t>
+                      </a:r>
+                    </a:p>
+                  </a:txBody>
+                  <a:tcPr/>
+                </a:tc>
+                <a:tc>
+                  <a:txBody>
+                    <a:bodyPr/>
+                    <a:lstStyle/>
+                    <a:p>
+                      <a:r>
+                        <a:t>-76.7</a:t>
+                      </a:r>
+                    </a:p>
+                  </a:txBody>
+                  <a:tcPr/>
+                </a:tc>
+                <a:extLst>
+                  <a:ext uri="{0D108BD9-81ED-4DB2-BD59-A6C34878D82A}">
+                    <a16:rowId xmlns:a16="http://schemas.microsoft.com/office/drawing/2014/main" val="10003"/>
+                  </a:ext>
+                </a:extLst>
+              </a:tr>
+              <a:tr h="152400">
+                <a:tc>
+                  <a:txBody>
+                    <a:bodyPr/>
+                    <a:lstStyle/>
+                    <a:p>
+                      <a:r>
+                        <a:t>POST /inetwork/v1/vpcs</a:t>
+                      </a:r>
+                    </a:p>
+                  </a:txBody>
+                  <a:tcPr/>
+                </a:tc>
+                <a:tc>
+                  <a:txBody>
+                    <a:bodyPr/>
+                    <a:lstStyle/>
+                    <a:p>
+                      <a:r>
+                        <a:t>1906</a:t>
+                      </a:r>
+                    </a:p>
+                  </a:txBody>
+                  <a:tcPr/>
+                </a:tc>
+                <a:tc>
+                  <a:txBody>
+                    <a:bodyPr/>
+                    <a:lstStyle/>
+                    <a:p>
+                      <a:r>
+                        <a:t>816</a:t>
+                      </a:r>
+                    </a:p>
+                  </a:txBody>
+                  <a:tcPr/>
+                </a:tc>
+                <a:tc>
+                  <a:txBody>
+                    <a:bodyPr/>
+                    <a:lstStyle/>
+                    <a:p>
+                      <a:r>
+                        <a:t>-1090</a:t>
+                      </a:r>
+                    </a:p>
+                  </a:txBody>
+                  <a:tcPr/>
+                </a:tc>
+                <a:tc>
+                  <a:txBody>
+                    <a:bodyPr/>
+                    <a:lstStyle/>
+                    <a:p>
+                      <a:r>
+                        <a:t>-57.19</a:t>
+                      </a:r>
+                    </a:p>
+                  </a:txBody>
+                  <a:tcPr/>
+                </a:tc>
+                <a:extLst>
+                  <a:ext uri="{0D108BD9-81ED-4DB2-BD59-A6C34878D82A}">
+                    <a16:rowId xmlns:a16="http://schemas.microsoft.com/office/drawing/2014/main" val="10004"/>
+                  </a:ext>
+                </a:extLst>
+              </a:tr>
+              <a:tr h="152400">
+                <a:tc>
+                  <a:txBody>
+                    <a:bodyPr/>
+                    <a:lstStyle/>
+                    <a:p>
+                      <a:r>
+                        <a:t>DELETE /inetwork/v1/ports/{portMor}/port</a:t>
+                      </a:r>
+                    </a:p>
+                  </a:txBody>
+                  <a:tcPr/>
+                </a:tc>
+                <a:tc>
+                  <a:txBody>
+                    <a:bodyPr/>
+                    <a:lstStyle/>
+                    <a:p>
+                      <a:r>
+                        <a:t>1678</a:t>
+                      </a:r>
+                    </a:p>
+                  </a:txBody>
+                  <a:tcPr/>
+                </a:tc>
+                <a:tc>
+                  <a:txBody>
+                    <a:bodyPr/>
+                    <a:lstStyle/>
+                    <a:p>
+                      <a:r>
+                        <a:t>673</a:t>
+                      </a:r>
+                    </a:p>
+                  </a:txBody>
+                  <a:tcPr/>
+                </a:tc>
+                <a:tc>
+                  <a:txBody>
+                    <a:bodyPr/>
+                    <a:lstStyle/>
+                    <a:p>
+                      <a:r>
+                        <a:t>-1005</a:t>
+                      </a:r>
+                    </a:p>
+                  </a:txBody>
+                  <a:tcPr/>
+                </a:tc>
+                <a:tc>
+                  <a:txBody>
+                    <a:bodyPr/>
+                    <a:lstStyle/>
+                    <a:p>
+                      <a:r>
+                        <a:t>-59.89</a:t>
+                      </a:r>
+                    </a:p>
+                  </a:txBody>
+                  <a:tcPr/>
+                </a:tc>
+                <a:extLst>
+                  <a:ext uri="{0D108BD9-81ED-4DB2-BD59-A6C34878D82A}">
+                    <a16:rowId xmlns:a16="http://schemas.microsoft.com/office/drawing/2014/main" val="10005"/>
+                  </a:ext>
+                </a:extLst>
+              </a:tr>
+              <a:tr h="152400">
+                <a:tc>
+                  <a:txBody>
+                    <a:bodyPr/>
+                    <a:lstStyle/>
+                    <a:p>
+                      <a:r>
+                        <a:t>GET /inetwork/v1/nets/unUsedSegmentIds/{type}</a:t>
+                      </a:r>
+                    </a:p>
+                  </a:txBody>
+                  <a:tcPr/>
+                </a:tc>
+                <a:tc>
+                  <a:txBody>
+                    <a:bodyPr/>
+                    <a:lstStyle/>
+                    <a:p>
+                      <a:r>
+                        <a:t>1159</a:t>
+                      </a:r>
+                    </a:p>
+                  </a:txBody>
+                  <a:tcPr/>
+                </a:tc>
+                <a:tc>
+                  <a:txBody>
+                    <a:bodyPr/>
+                    <a:lstStyle/>
+                    <a:p>
+                      <a:r>
+                        <a:t>303</a:t>
+                      </a:r>
+                    </a:p>
+                  </a:txBody>
+                  <a:tcPr/>
+                </a:tc>
+                <a:tc>
+                  <a:txBody>
+                    <a:bodyPr/>
+                    <a:lstStyle/>
+                    <a:p>
+                      <a:r>
+                        <a:t>-856</a:t>
+                      </a:r>
+                    </a:p>
+                  </a:txBody>
+                  <a:tcPr/>
+                </a:tc>
+                <a:tc>
+                  <a:txBody>
+                    <a:bodyPr/>
+                    <a:lstStyle/>
+                    <a:p>
+                      <a:r>
+                        <a:t>-73.86</a:t>
+                      </a:r>
+                    </a:p>
+                  </a:txBody>
+                  <a:tcPr/>
+                </a:tc>
+                <a:extLst>
+                  <a:ext uri="{0D108BD9-81ED-4DB2-BD59-A6C34878D82A}">
+                    <a16:rowId xmlns:a16="http://schemas.microsoft.com/office/drawing/2014/main" val="10006"/>
+                  </a:ext>
+                </a:extLst>
+              </a:tr>
+              <a:tr h="152400">
+                <a:tc>
+                  <a:txBody>
+                    <a:bodyPr/>
+                    <a:lstStyle/>
+                    <a:p>
+                      <a:r>
+                        <a:t>POST /inetwork/v1/ports</a:t>
+                      </a:r>
+                    </a:p>
+                  </a:txBody>
+                  <a:tcPr/>
+                </a:tc>
+                <a:tc>
+                  <a:txBody>
+                    <a:bodyPr/>
+                    <a:lstStyle/>
+                    <a:p>
+                      <a:r>
+                        <a:t>1550</a:t>
+                      </a:r>
+                    </a:p>
+                  </a:txBody>
+                  <a:tcPr/>
+                </a:tc>
+                <a:tc>
+                  <a:txBody>
+                    <a:bodyPr/>
+                    <a:lstStyle/>
+                    <a:p>
+                      <a:r>
+                        <a:t>729</a:t>
+                      </a:r>
+                    </a:p>
+                  </a:txBody>
+                  <a:tcPr/>
+                </a:tc>
+                <a:tc>
+                  <a:txBody>
+                    <a:bodyPr/>
+                    <a:lstStyle/>
+                    <a:p>
+                      <a:r>
+                        <a:t>-821</a:t>
+                      </a:r>
+                    </a:p>
+                  </a:txBody>
+                  <a:tcPr/>
+                </a:tc>
+                <a:tc>
+                  <a:txBody>
+                    <a:bodyPr/>
+                    <a:lstStyle/>
+                    <a:p>
+                      <a:r>
+                        <a:t>-52.97</a:t>
+                      </a:r>
+                    </a:p>
+                  </a:txBody>
+                  <a:tcPr/>
+                </a:tc>
+                <a:extLst>
+                  <a:ext uri="{0D108BD9-81ED-4DB2-BD59-A6C34878D82A}">
+                    <a16:rowId xmlns:a16="http://schemas.microsoft.com/office/drawing/2014/main" val="10007"/>
+                  </a:ext>
+                </a:extLst>
+              </a:tr>
+              <a:tr h="152400">
+                <a:tc>
+                  <a:txBody>
+                    <a:bodyPr/>
+                    <a:lstStyle/>
+                    <a:p>
+                      <a:r>
+                        <a:t>DELETE /inetwork/v1/floatingips/{floatingipId}</a:t>
+                      </a:r>
+                    </a:p>
+                  </a:txBody>
+                  <a:tcPr/>
+                </a:tc>
+                <a:tc>
+                  <a:txBody>
+                    <a:bodyPr/>
+                    <a:lstStyle/>
+                    <a:p>
+                      <a:r>
+                        <a:t>1457</a:t>
+                      </a:r>
+                    </a:p>
+                  </a:txBody>
+                  <a:tcPr/>
+                </a:tc>
+                <a:tc>
+                  <a:txBody>
+                    <a:bodyPr/>
+                    <a:lstStyle/>
+                    <a:p>
+                      <a:r>
+                        <a:t>722</a:t>
+                      </a:r>
+                    </a:p>
+                  </a:txBody>
+                  <a:tcPr/>
+                </a:tc>
+                <a:tc>
+                  <a:txBody>
+                    <a:bodyPr/>
+                    <a:lstStyle/>
+                    <a:p>
+                      <a:r>
+                        <a:t>-735</a:t>
+                      </a:r>
+                    </a:p>
+                  </a:txBody>
+                  <a:tcPr/>
+                </a:tc>
+                <a:tc>
+                  <a:txBody>
+                    <a:bodyPr/>
+                    <a:lstStyle/>
+                    <a:p>
+                      <a:r>
+                        <a:t>-50.45</a:t>
+                      </a:r>
+                    </a:p>
+                  </a:txBody>
+                  <a:tcPr/>
+                </a:tc>
+                <a:extLst>
+                  <a:ext uri="{0D108BD9-81ED-4DB2-BD59-A6C34878D82A}">
+                    <a16:rowId xmlns:a16="http://schemas.microsoft.com/office/drawing/2014/main" val="10008"/>
+                  </a:ext>
+                </a:extLst>
+              </a:tr>
+              <a:tr h="152400">
+                <a:tc>
+                  <a:txBody>
+                    <a:bodyPr/>
+                    <a:lstStyle/>
+                    <a:p>
+                      <a:r>
+                        <a:t>DELETE /inetwork/v1/vpcs/{vpcId}</a:t>
+                      </a:r>
+                    </a:p>
+                  </a:txBody>
+                  <a:tcPr/>
+                </a:tc>
+                <a:tc>
+                  <a:txBody>
+                    <a:bodyPr/>
+                    <a:lstStyle/>
+                    <a:p>
+                      <a:r>
+                        <a:t>1492</a:t>
+                      </a:r>
+                    </a:p>
+                  </a:txBody>
+                  <a:tcPr/>
+                </a:tc>
+                <a:tc>
+                  <a:txBody>
+                    <a:bodyPr/>
+                    <a:lstStyle/>
+                    <a:p>
+                      <a:r>
+                        <a:t>771</a:t>
+                      </a:r>
+                    </a:p>
+                  </a:txBody>
+                  <a:tcPr/>
+                </a:tc>
+                <a:tc>
+                  <a:txBody>
+                    <a:bodyPr/>
+                    <a:lstStyle/>
+                    <a:p>
+                      <a:r>
+                        <a:t>-721</a:t>
+                      </a:r>
+                    </a:p>
+                  </a:txBody>
+                  <a:tcPr/>
+                </a:tc>
+                <a:tc>
+                  <a:txBody>
+                    <a:bodyPr/>
+                    <a:lstStyle/>
+                    <a:p>
+                      <a:r>
+                        <a:t>-48.32</a:t>
+                      </a:r>
+                    </a:p>
+                  </a:txBody>
+                  <a:tcPr/>
+                </a:tc>
+                <a:extLst>
+                  <a:ext uri="{0D108BD9-81ED-4DB2-BD59-A6C34878D82A}">
+                    <a16:rowId xmlns:a16="http://schemas.microsoft.com/office/drawing/2014/main" val="10009"/>
+                  </a:ext>
+                </a:extLst>
+              </a:tr>
+              <a:tr h="152400">
+                <a:tc>
+                  <a:txBody>
+                    <a:bodyPr/>
+                    <a:lstStyle/>
+                    <a:p>
+                      <a:r>
+                        <a:t>POST /inetwork/v1/ports/allowedAddressPairs</a:t>
+                      </a:r>
+                    </a:p>
+                  </a:txBody>
+                  <a:tcPr/>
+                </a:tc>
+                <a:tc>
+                  <a:txBody>
+                    <a:bodyPr/>
+                    <a:lstStyle/>
+                    <a:p>
+                      <a:r>
+                        <a:t>1250</a:t>
+                      </a:r>
+                    </a:p>
+                  </a:txBody>
+                  <a:tcPr/>
+                </a:tc>
+                <a:tc>
+                  <a:txBody>
+                    <a:bodyPr/>
+                    <a:lstStyle/>
+                    <a:p>
+                      <a:r>
+                        <a:t>667</a:t>
+                      </a:r>
+                    </a:p>
+                  </a:txBody>
+                  <a:tcPr/>
+                </a:tc>
+                <a:tc>
+                  <a:txBody>
+                    <a:bodyPr/>
+                    <a:lstStyle/>
+                    <a:p>
+                      <a:r>
+                        <a:t>-583</a:t>
+                      </a:r>
+                    </a:p>
+                  </a:txBody>
+                  <a:tcPr/>
+                </a:tc>
+                <a:tc>
+                  <a:txBody>
+                    <a:bodyPr/>
+                    <a:lstStyle/>
+                    <a:p>
+                      <a:r>
+                        <a:t>-46.64</a:t>
+                      </a:r>
+                    </a:p>
+                  </a:txBody>
+                  <a:tcPr/>
+                </a:tc>
+                <a:extLst>
+                  <a:ext uri="{0D108BD9-81ED-4DB2-BD59-A6C34878D82A}">
+                    <a16:rowId xmlns:a16="http://schemas.microsoft.com/office/drawing/2014/main" val="10010"/>
+                  </a:ext>
+                </a:extLst>
+              </a:tr>
+              <a:tr h="152400">
+                <a:tc>
+                  <a:txBody>
+                    <a:bodyPr/>
+                    <a:lstStyle/>
+                    <a:p>
+                      <a:endParaRPr/>
+                    </a:p>
+                  </a:txBody>
+                  <a:tcPr/>
+                </a:tc>
+                <a:tc>
+                  <a:txBody>
+                    <a:bodyPr/>
+                    <a:lstStyle/>
+                    <a:p>
+                      <a:endParaRPr/>
+                    </a:p>
+                  </a:txBody>
+                  <a:tcPr/>
+                </a:tc>
+                <a:tc>
+                  <a:txBody>
+                    <a:bodyPr/>
+                    <a:lstStyle/>
+                    <a:p>
+                      <a:endParaRPr/>
+                    </a:p>
+                  </a:txBody>
+                  <a:tcPr/>
+                </a:tc>
+                <a:tc>
+                  <a:txBody>
+                    <a:bodyPr/>
+                    <a:lstStyle/>
+                    <a:p>
+                      <a:endParaRPr/>
+                    </a:p>
+                  </a:txBody>
+                  <a:tcPr/>
+                </a:tc>
+                <a:tc>
+                  <a:txBody>
+                    <a:bodyPr/>
+                    <a:lstStyle/>
+                    <a:p>
+                      <a:endParaRPr dirty="0"/>
+                    </a:p>
+                  </a:txBody>
+                  <a:tcPr/>
+                </a:tc>
+                <a:extLst>
+                  <a:ext uri="{0D108BD9-81ED-4DB2-BD59-A6C34878D82A}">
+                    <a16:rowId xmlns:a16="http://schemas.microsoft.com/office/drawing/2014/main" val="10011"/>
+                  </a:ext>
+                </a:extLst>
+              </a:tr>
+            </a:tbl>
+          </a:graphicData>
+        </a:graphic>
+      </p:graphicFrame>
+    </p:spTree>
+  </p:cSld>
+  <p:clrMapOvr>
+    <a:masterClrMapping/>
+  </p:clrMapOvr>
+</p:sld>
+</file>
+
+<file path=ppt/slides/slide2.xml><?xml version="1.0" encoding="utf-8"?>
+<p:sld xmlns:a="http://schemas.openxmlformats.org/drawingml/2006/main" xmlns:r="http://schemas.openxmlformats.org/officeDocument/2006/relationships" xmlns:p="http://schemas.openxmlformats.org/presentationml/2006/main">
+  <p:cSld>
+    <p:spTree>
+      <p:nvGrpSpPr>
+        <p:cNvPr id="1" name=""/>
+        <p:cNvGrpSpPr/>
+        <p:nvPr/>
+      </p:nvGrpSpPr>
+      <p:grpSpPr>
+        <a:xfrm>
+          <a:off x="0" y="0"/>
+          <a:ext cx="0" cy="0"/>
+          <a:chOff x="0" y="0"/>
+          <a:chExt cx="0" cy="0"/>
+        </a:xfrm>
+      </p:grpSpPr>
+      <p:sp>
+        <p:nvSpPr>
+          <p:cNvPr id="2" name="Title 1"/>
+          <p:cNvSpPr>
+            <a:spLocks noGrp="1"/>
+          </p:cNvSpPr>
+          <p:nvPr>
+            <p:ph type="title"/>
+          </p:nvPr>
+        </p:nvSpPr>
+        <p:spPr/>
+        <p:txBody>
+          <a:bodyPr/>
+          <a:lstStyle/>
+          <a:p>
+            <a:r>
+              <a:t>各接口AVG趋势（50-5000ms）</a:t>
             </a:r>
           </a:p>
         </p:txBody>
@@ -3193,8 +5035,8 @@
         </p:blipFill>
         <p:spPr>
           <a:xfrm>
-            <a:off x="914400" y="1371600"/>
-            <a:ext cx="7315200" cy="3389572"/>
+            <a:off x="-690283" y="1192306"/>
+            <a:ext cx="11006209" cy="5665694"/>
           </a:xfrm>
           <a:prstGeom prst="rect">
             <a:avLst/>
@@ -3210,7 +5052,7 @@
 </file>
 
 <file path=ppt/slides/slide3.xml><?xml version="1.0" encoding="utf-8"?>
-<p:sld xmlns:a="http://schemas.openxmlformats.org/drawingml/2006/main" xmlns:p="http://schemas.openxmlformats.org/presentationml/2006/main" xmlns:r="http://schemas.openxmlformats.org/officeDocument/2006/relationships">
+<p:sld xmlns:a="http://schemas.openxmlformats.org/drawingml/2006/main" xmlns:r="http://schemas.openxmlformats.org/officeDocument/2006/relationships" xmlns:p="http://schemas.openxmlformats.org/presentationml/2006/main">
   <p:cSld>
     <p:spTree>
       <p:nvGrpSpPr>
@@ -3218,7 +5060,14 @@
         <p:cNvGrpSpPr/>
         <p:nvPr/>
       </p:nvGrpSpPr>
-      <p:grpSpPr/>
+      <p:grpSpPr>
+        <a:xfrm>
+          <a:off x="0" y="0"/>
+          <a:ext cx="0" cy="0"/>
+          <a:chOff x="0" y="0"/>
+          <a:chExt cx="0" cy="0"/>
+        </a:xfrm>
+      </p:grpSpPr>
       <p:sp>
         <p:nvSpPr>
           <p:cNvPr id="2" name="Title 1"/>
@@ -3231,7 +5080,9 @@
         </p:nvSpPr>
         <p:spPr/>
         <p:txBody>
-          <a:bodyPr/>
+          <a:bodyPr>
+            <a:normAutofit fontScale="90000"/>
+          </a:bodyPr>
           <a:lstStyle/>
           <a:p>
             <a:r>
@@ -3257,7 +5108,7 @@
         <p:spPr>
           <a:xfrm>
             <a:off x="914400" y="1371600"/>
-            <a:ext cx="7315200" cy="3389572"/>
+            <a:ext cx="7315200" cy="3735854"/>
           </a:xfrm>
           <a:prstGeom prst="rect">
             <a:avLst/>
@@ -3273,7 +5124,7 @@
 </file>
 
 <file path=ppt/slides/slide4.xml><?xml version="1.0" encoding="utf-8"?>
-<p:sld xmlns:a="http://schemas.openxmlformats.org/drawingml/2006/main" xmlns:p="http://schemas.openxmlformats.org/presentationml/2006/main" xmlns:r="http://schemas.openxmlformats.org/officeDocument/2006/relationships">
+<p:sld xmlns:a="http://schemas.openxmlformats.org/drawingml/2006/main" xmlns:r="http://schemas.openxmlformats.org/officeDocument/2006/relationships" xmlns:p="http://schemas.openxmlformats.org/presentationml/2006/main">
   <p:cSld>
     <p:spTree>
       <p:nvGrpSpPr>
@@ -3281,7 +5132,14 @@
         <p:cNvGrpSpPr/>
         <p:nvPr/>
       </p:nvGrpSpPr>
-      <p:grpSpPr/>
+      <p:grpSpPr>
+        <a:xfrm>
+          <a:off x="0" y="0"/>
+          <a:ext cx="0" cy="0"/>
+          <a:chOff x="0" y="0"/>
+          <a:chExt cx="0" cy="0"/>
+        </a:xfrm>
+      </p:grpSpPr>
       <p:sp>
         <p:nvSpPr>
           <p:cNvPr id="2" name="Title 1"/>
@@ -3320,7 +5178,7 @@
         <p:spPr>
           <a:xfrm>
             <a:off x="914400" y="1371600"/>
-            <a:ext cx="7315200" cy="5329229"/>
+            <a:ext cx="7315200" cy="5358614"/>
           </a:xfrm>
           <a:prstGeom prst="rect">
             <a:avLst/>
@@ -3336,7 +5194,7 @@
 </file>
 
 <file path=ppt/slides/slide5.xml><?xml version="1.0" encoding="utf-8"?>
-<p:sld xmlns:a="http://schemas.openxmlformats.org/drawingml/2006/main" xmlns:p="http://schemas.openxmlformats.org/presentationml/2006/main" xmlns:r="http://schemas.openxmlformats.org/officeDocument/2006/relationships">
+<p:sld xmlns:a="http://schemas.openxmlformats.org/drawingml/2006/main" xmlns:r="http://schemas.openxmlformats.org/officeDocument/2006/relationships" xmlns:p="http://schemas.openxmlformats.org/presentationml/2006/main">
   <p:cSld>
     <p:spTree>
       <p:nvGrpSpPr>
@@ -3344,7 +5202,14 @@
         <p:cNvGrpSpPr/>
         <p:nvPr/>
       </p:nvGrpSpPr>
-      <p:grpSpPr/>
+      <p:grpSpPr>
+        <a:xfrm>
+          <a:off x="0" y="0"/>
+          <a:ext cx="0" cy="0"/>
+          <a:chOff x="0" y="0"/>
+          <a:chExt cx="0" cy="0"/>
+        </a:xfrm>
+      </p:grpSpPr>
       <p:sp>
         <p:nvSpPr>
           <p:cNvPr id="2" name="Title 1"/>
@@ -3368,7 +5233,7 @@
       </p:sp>
       <p:pic>
         <p:nvPicPr>
-          <p:cNvPr id="3" name="Picture 2" descr="heatmap_top20_平均响应时间.png"/>
+          <p:cNvPr id="3" name="Picture 2" descr="heatmap_top20_AVG.png"/>
           <p:cNvPicPr>
             <a:picLocks noChangeAspect="1"/>
           </p:cNvPicPr>
@@ -3383,7 +5248,7 @@
         <p:spPr>
           <a:xfrm>
             <a:off x="914400" y="1371600"/>
-            <a:ext cx="7315200" cy="5086071"/>
+            <a:ext cx="7315200" cy="5626062"/>
           </a:xfrm>
           <a:prstGeom prst="rect">
             <a:avLst/>
@@ -3399,7 +5264,7 @@
 </file>
 
 <file path=ppt/slides/slide6.xml><?xml version="1.0" encoding="utf-8"?>
-<p:sld xmlns:a="http://schemas.openxmlformats.org/drawingml/2006/main" xmlns:p="http://schemas.openxmlformats.org/presentationml/2006/main" xmlns:r="http://schemas.openxmlformats.org/officeDocument/2006/relationships">
+<p:sld xmlns:a="http://schemas.openxmlformats.org/drawingml/2006/main" xmlns:r="http://schemas.openxmlformats.org/officeDocument/2006/relationships" xmlns:p="http://schemas.openxmlformats.org/presentationml/2006/main">
   <p:cSld>
     <p:spTree>
       <p:nvGrpSpPr>
@@ -3407,7 +5272,14 @@
         <p:cNvGrpSpPr/>
         <p:nvPr/>
       </p:nvGrpSpPr>
-      <p:grpSpPr/>
+      <p:grpSpPr>
+        <a:xfrm>
+          <a:off x="0" y="0"/>
+          <a:ext cx="0" cy="0"/>
+          <a:chOff x="0" y="0"/>
+          <a:chExt cx="0" cy="0"/>
+        </a:xfrm>
+      </p:grpSpPr>
       <p:sp>
         <p:nvSpPr>
           <p:cNvPr id="2" name="Title 1"/>
@@ -3424,764 +5296,35 @@
           <a:lstStyle/>
           <a:p>
             <a:r>
-              <a:t>Top 10 TP95性能退步接口</a:t>
+              <a:t>接口TP95箱线图</a:t>
             </a:r>
           </a:p>
         </p:txBody>
       </p:sp>
-      <p:graphicFrame>
-        <p:nvGraphicFramePr>
-          <p:cNvPr id="3" name="Table 2"/>
-          <p:cNvGraphicFramePr>
-            <a:graphicFrameLocks noGrp="1"/>
-          </p:cNvGraphicFramePr>
+      <p:pic>
+        <p:nvPicPr>
+          <p:cNvPr id="3" name="Picture 2" descr="boxplot_tp95.png"/>
+          <p:cNvPicPr>
+            <a:picLocks noChangeAspect="1"/>
+          </p:cNvPicPr>
           <p:nvPr/>
-        </p:nvGraphicFramePr>
-        <p:xfrm>
-          <a:off x="914400" y="1371600"/>
-          <a:ext cx="7315200" cy="1828800"/>
-        </p:xfrm>
-        <a:graphic>
-          <a:graphicData uri="http://schemas.openxmlformats.org/drawingml/2006/table">
-            <a:tbl>
-              <a:tblPr firstRow="1" bandRow="1">
-                <a:tableStyleId>{5C22544A-7EE6-4342-B048-85BDC9FD1C3A}</a:tableStyleId>
-              </a:tblPr>
-              <a:tblGrid>
-                <a:gridCol w="1463040"/>
-                <a:gridCol w="1463040"/>
-                <a:gridCol w="1463040"/>
-                <a:gridCol w="1463040"/>
-                <a:gridCol w="1463040"/>
-              </a:tblGrid>
-              <a:tr h="152400">
-                <a:tc>
-                  <a:txBody>
-                    <a:bodyPr/>
-                    <a:lstStyle/>
-                    <a:p>
-                      <a:r>
-                        <a:t>接口标识</a:t>
-                      </a:r>
-                    </a:p>
-                  </a:txBody>
-                  <a:tcPr/>
-                </a:tc>
-                <a:tc>
-                  <a:txBody>
-                    <a:bodyPr/>
-                    <a:lstStyle/>
-                    <a:p>
-                      <a:r>
-                        <a:t>TP95_半年前</a:t>
-                      </a:r>
-                    </a:p>
-                  </a:txBody>
-                  <a:tcPr/>
-                </a:tc>
-                <a:tc>
-                  <a:txBody>
-                    <a:bodyPr/>
-                    <a:lstStyle/>
-                    <a:p>
-                      <a:r>
-                        <a:t>TP95_当前</a:t>
-                      </a:r>
-                    </a:p>
-                  </a:txBody>
-                  <a:tcPr/>
-                </a:tc>
-                <a:tc>
-                  <a:txBody>
-                    <a:bodyPr/>
-                    <a:lstStyle/>
-                    <a:p>
-                      <a:r>
-                        <a:t>TP95_变化</a:t>
-                      </a:r>
-                    </a:p>
-                  </a:txBody>
-                  <a:tcPr/>
-                </a:tc>
-                <a:tc>
-                  <a:txBody>
-                    <a:bodyPr/>
-                    <a:lstStyle/>
-                    <a:p>
-                      <a:r>
-                        <a:t>TP95_变化率</a:t>
-                      </a:r>
-                    </a:p>
-                  </a:txBody>
-                  <a:tcPr/>
-                </a:tc>
-              </a:tr>
-              <a:tr h="152400">
-                <a:tc>
-                  <a:txBody>
-                    <a:bodyPr/>
-                    <a:lstStyle/>
-                    <a:p>
-                      <a:r>
-                        <a:t>GET /icluster/v1/runtimes/{runtimeId}</a:t>
-                      </a:r>
-                    </a:p>
-                  </a:txBody>
-                  <a:tcPr/>
-                </a:tc>
-                <a:tc>
-                  <a:txBody>
-                    <a:bodyPr/>
-                    <a:lstStyle/>
-                    <a:p>
-                      <a:r>
-                        <a:t>821</a:t>
-                      </a:r>
-                    </a:p>
-                  </a:txBody>
-                  <a:tcPr/>
-                </a:tc>
-                <a:tc>
-                  <a:txBody>
-                    <a:bodyPr/>
-                    <a:lstStyle/>
-                    <a:p>
-                      <a:r>
-                        <a:t>29988</a:t>
-                      </a:r>
-                    </a:p>
-                  </a:txBody>
-                  <a:tcPr/>
-                </a:tc>
-                <a:tc>
-                  <a:txBody>
-                    <a:bodyPr/>
-                    <a:lstStyle/>
-                    <a:p>
-                      <a:r>
-                        <a:t>29167</a:t>
-                      </a:r>
-                    </a:p>
-                  </a:txBody>
-                  <a:tcPr/>
-                </a:tc>
-                <a:tc>
-                  <a:txBody>
-                    <a:bodyPr/>
-                    <a:lstStyle/>
-                    <a:p>
-                      <a:r>
-                        <a:t>3552.62</a:t>
-                      </a:r>
-                    </a:p>
-                  </a:txBody>
-                  <a:tcPr/>
-                </a:tc>
-              </a:tr>
-              <a:tr h="152400">
-                <a:tc>
-                  <a:txBody>
-                    <a:bodyPr/>
-                    <a:lstStyle/>
-                    <a:p>
-                      <a:r>
-                        <a:t>GET /icharge/v1/bills/resources/topn</a:t>
-                      </a:r>
-                    </a:p>
-                  </a:txBody>
-                  <a:tcPr/>
-                </a:tc>
-                <a:tc>
-                  <a:txBody>
-                    <a:bodyPr/>
-                    <a:lstStyle/>
-                    <a:p>
-                      <a:r>
-                        <a:t>573</a:t>
-                      </a:r>
-                    </a:p>
-                  </a:txBody>
-                  <a:tcPr/>
-                </a:tc>
-                <a:tc>
-                  <a:txBody>
-                    <a:bodyPr/>
-                    <a:lstStyle/>
-                    <a:p>
-                      <a:r>
-                        <a:t>24720</a:t>
-                      </a:r>
-                    </a:p>
-                  </a:txBody>
-                  <a:tcPr/>
-                </a:tc>
-                <a:tc>
-                  <a:txBody>
-                    <a:bodyPr/>
-                    <a:lstStyle/>
-                    <a:p>
-                      <a:r>
-                        <a:t>24147</a:t>
-                      </a:r>
-                    </a:p>
-                  </a:txBody>
-                  <a:tcPr/>
-                </a:tc>
-                <a:tc>
-                  <a:txBody>
-                    <a:bodyPr/>
-                    <a:lstStyle/>
-                    <a:p>
-                      <a:r>
-                        <a:t>4214.14</a:t>
-                      </a:r>
-                    </a:p>
-                  </a:txBody>
-                  <a:tcPr/>
-                </a:tc>
-              </a:tr>
-              <a:tr h="152400">
-                <a:tc>
-                  <a:txBody>
-                    <a:bodyPr/>
-                    <a:lstStyle/>
-                    <a:p>
-                      <a:r>
-                        <a:t>PUT /icompute/v1/vms/{vmId}/pause</a:t>
-                      </a:r>
-                    </a:p>
-                  </a:txBody>
-                  <a:tcPr/>
-                </a:tc>
-                <a:tc>
-                  <a:txBody>
-                    <a:bodyPr/>
-                    <a:lstStyle/>
-                    <a:p>
-                      <a:r>
-                        <a:t>173</a:t>
-                      </a:r>
-                    </a:p>
-                  </a:txBody>
-                  <a:tcPr/>
-                </a:tc>
-                <a:tc>
-                  <a:txBody>
-                    <a:bodyPr/>
-                    <a:lstStyle/>
-                    <a:p>
-                      <a:r>
-                        <a:t>17815</a:t>
-                      </a:r>
-                    </a:p>
-                  </a:txBody>
-                  <a:tcPr/>
-                </a:tc>
-                <a:tc>
-                  <a:txBody>
-                    <a:bodyPr/>
-                    <a:lstStyle/>
-                    <a:p>
-                      <a:r>
-                        <a:t>17642</a:t>
-                      </a:r>
-                    </a:p>
-                  </a:txBody>
-                  <a:tcPr/>
-                </a:tc>
-                <a:tc>
-                  <a:txBody>
-                    <a:bodyPr/>
-                    <a:lstStyle/>
-                    <a:p>
-                      <a:r>
-                        <a:t>10197.69</a:t>
-                      </a:r>
-                    </a:p>
-                  </a:txBody>
-                  <a:tcPr/>
-                </a:tc>
-              </a:tr>
-              <a:tr h="152400">
-                <a:tc>
-                  <a:txBody>
-                    <a:bodyPr/>
-                    <a:lstStyle/>
-                    <a:p>
-                      <a:r>
-                        <a:t>POST /iapps/v1/releases/{releaseId}/components/byimage</a:t>
-                      </a:r>
-                    </a:p>
-                  </a:txBody>
-                  <a:tcPr/>
-                </a:tc>
-                <a:tc>
-                  <a:txBody>
-                    <a:bodyPr/>
-                    <a:lstStyle/>
-                    <a:p>
-                      <a:r>
-                        <a:t>5877</a:t>
-                      </a:r>
-                    </a:p>
-                  </a:txBody>
-                  <a:tcPr/>
-                </a:tc>
-                <a:tc>
-                  <a:txBody>
-                    <a:bodyPr/>
-                    <a:lstStyle/>
-                    <a:p>
-                      <a:r>
-                        <a:t>13080</a:t>
-                      </a:r>
-                    </a:p>
-                  </a:txBody>
-                  <a:tcPr/>
-                </a:tc>
-                <a:tc>
-                  <a:txBody>
-                    <a:bodyPr/>
-                    <a:lstStyle/>
-                    <a:p>
-                      <a:r>
-                        <a:t>7203</a:t>
-                      </a:r>
-                    </a:p>
-                  </a:txBody>
-                  <a:tcPr/>
-                </a:tc>
-                <a:tc>
-                  <a:txBody>
-                    <a:bodyPr/>
-                    <a:lstStyle/>
-                    <a:p>
-                      <a:r>
-                        <a:t>122.56</a:t>
-                      </a:r>
-                    </a:p>
-                  </a:txBody>
-                  <a:tcPr/>
-                </a:tc>
-              </a:tr>
-              <a:tr h="152400">
-                <a:tc>
-                  <a:txBody>
-                    <a:bodyPr/>
-                    <a:lstStyle/>
-                    <a:p>
-                      <a:r>
-                        <a:t>POST /icompute/v1/global-content-repos/{imageRepoId}/distribute/files</a:t>
-                      </a:r>
-                    </a:p>
-                  </a:txBody>
-                  <a:tcPr/>
-                </a:tc>
-                <a:tc>
-                  <a:txBody>
-                    <a:bodyPr/>
-                    <a:lstStyle/>
-                    <a:p>
-                      <a:r>
-                        <a:t>1575</a:t>
-                      </a:r>
-                    </a:p>
-                  </a:txBody>
-                  <a:tcPr/>
-                </a:tc>
-                <a:tc>
-                  <a:txBody>
-                    <a:bodyPr/>
-                    <a:lstStyle/>
-                    <a:p>
-                      <a:r>
-                        <a:t>7739</a:t>
-                      </a:r>
-                    </a:p>
-                  </a:txBody>
-                  <a:tcPr/>
-                </a:tc>
-                <a:tc>
-                  <a:txBody>
-                    <a:bodyPr/>
-                    <a:lstStyle/>
-                    <a:p>
-                      <a:r>
-                        <a:t>6164</a:t>
-                      </a:r>
-                    </a:p>
-                  </a:txBody>
-                  <a:tcPr/>
-                </a:tc>
-                <a:tc>
-                  <a:txBody>
-                    <a:bodyPr/>
-                    <a:lstStyle/>
-                    <a:p>
-                      <a:r>
-                        <a:t>391.37</a:t>
-                      </a:r>
-                    </a:p>
-                  </a:txBody>
-                  <a:tcPr/>
-                </a:tc>
-              </a:tr>
-              <a:tr h="152400">
-                <a:tc>
-                  <a:txBody>
-                    <a:bodyPr/>
-                    <a:lstStyle/>
-                    <a:p>
-                      <a:r>
-                        <a:t>PUT /ipaas/v1/cronjobs/{cronjobId}</a:t>
-                      </a:r>
-                    </a:p>
-                  </a:txBody>
-                  <a:tcPr/>
-                </a:tc>
-                <a:tc>
-                  <a:txBody>
-                    <a:bodyPr/>
-                    <a:lstStyle/>
-                    <a:p>
-                      <a:r>
-                        <a:t>5013</a:t>
-                      </a:r>
-                    </a:p>
-                  </a:txBody>
-                  <a:tcPr/>
-                </a:tc>
-                <a:tc>
-                  <a:txBody>
-                    <a:bodyPr/>
-                    <a:lstStyle/>
-                    <a:p>
-                      <a:r>
-                        <a:t>10144</a:t>
-                      </a:r>
-                    </a:p>
-                  </a:txBody>
-                  <a:tcPr/>
-                </a:tc>
-                <a:tc>
-                  <a:txBody>
-                    <a:bodyPr/>
-                    <a:lstStyle/>
-                    <a:p>
-                      <a:r>
-                        <a:t>5131</a:t>
-                      </a:r>
-                    </a:p>
-                  </a:txBody>
-                  <a:tcPr/>
-                </a:tc>
-                <a:tc>
-                  <a:txBody>
-                    <a:bodyPr/>
-                    <a:lstStyle/>
-                    <a:p>
-                      <a:r>
-                        <a:t>102.35</a:t>
-                      </a:r>
-                    </a:p>
-                  </a:txBody>
-                  <a:tcPr/>
-                </a:tc>
-              </a:tr>
-              <a:tr h="152400">
-                <a:tc>
-                  <a:txBody>
-                    <a:bodyPr/>
-                    <a:lstStyle/>
-                    <a:p>
-                      <a:r>
-                        <a:t>POST /ipluto/v1/pim/update</a:t>
-                      </a:r>
-                    </a:p>
-                  </a:txBody>
-                  <a:tcPr/>
-                </a:tc>
-                <a:tc>
-                  <a:txBody>
-                    <a:bodyPr/>
-                    <a:lstStyle/>
-                    <a:p>
-                      <a:r>
-                        <a:t>299</a:t>
-                      </a:r>
-                    </a:p>
-                  </a:txBody>
-                  <a:tcPr/>
-                </a:tc>
-                <a:tc>
-                  <a:txBody>
-                    <a:bodyPr/>
-                    <a:lstStyle/>
-                    <a:p>
-                      <a:r>
-                        <a:t>5073</a:t>
-                      </a:r>
-                    </a:p>
-                  </a:txBody>
-                  <a:tcPr/>
-                </a:tc>
-                <a:tc>
-                  <a:txBody>
-                    <a:bodyPr/>
-                    <a:lstStyle/>
-                    <a:p>
-                      <a:r>
-                        <a:t>4774</a:t>
-                      </a:r>
-                    </a:p>
-                  </a:txBody>
-                  <a:tcPr/>
-                </a:tc>
-                <a:tc>
-                  <a:txBody>
-                    <a:bodyPr/>
-                    <a:lstStyle/>
-                    <a:p>
-                      <a:r>
-                        <a:t>1596.66</a:t>
-                      </a:r>
-                    </a:p>
-                  </a:txBody>
-                  <a:tcPr/>
-                </a:tc>
-              </a:tr>
-              <a:tr h="152400">
-                <a:tc>
-                  <a:txBody>
-                    <a:bodyPr/>
-                    <a:lstStyle/>
-                    <a:p>
-                      <a:r>
-                        <a:t>PUT /icompute/v1/multicloud/vms/import</a:t>
-                      </a:r>
-                    </a:p>
-                  </a:txBody>
-                  <a:tcPr/>
-                </a:tc>
-                <a:tc>
-                  <a:txBody>
-                    <a:bodyPr/>
-                    <a:lstStyle/>
-                    <a:p>
-                      <a:r>
-                        <a:t>967</a:t>
-                      </a:r>
-                    </a:p>
-                  </a:txBody>
-                  <a:tcPr/>
-                </a:tc>
-                <a:tc>
-                  <a:txBody>
-                    <a:bodyPr/>
-                    <a:lstStyle/>
-                    <a:p>
-                      <a:r>
-                        <a:t>5607</a:t>
-                      </a:r>
-                    </a:p>
-                  </a:txBody>
-                  <a:tcPr/>
-                </a:tc>
-                <a:tc>
-                  <a:txBody>
-                    <a:bodyPr/>
-                    <a:lstStyle/>
-                    <a:p>
-                      <a:r>
-                        <a:t>4640</a:t>
-                      </a:r>
-                    </a:p>
-                  </a:txBody>
-                  <a:tcPr/>
-                </a:tc>
-                <a:tc>
-                  <a:txBody>
-                    <a:bodyPr/>
-                    <a:lstStyle/>
-                    <a:p>
-                      <a:r>
-                        <a:t>479.83</a:t>
-                      </a:r>
-                    </a:p>
-                  </a:txBody>
-                  <a:tcPr/>
-                </a:tc>
-              </a:tr>
-              <a:tr h="152400">
-                <a:tc>
-                  <a:txBody>
-                    <a:bodyPr/>
-                    <a:lstStyle/>
-                    <a:p>
-                      <a:r>
-                        <a:t>GET /icharge/v1/bills/users/{userId}</a:t>
-                      </a:r>
-                    </a:p>
-                  </a:txBody>
-                  <a:tcPr/>
-                </a:tc>
-                <a:tc>
-                  <a:txBody>
-                    <a:bodyPr/>
-                    <a:lstStyle/>
-                    <a:p>
-                      <a:r>
-                        <a:t>560</a:t>
-                      </a:r>
-                    </a:p>
-                  </a:txBody>
-                  <a:tcPr/>
-                </a:tc>
-                <a:tc>
-                  <a:txBody>
-                    <a:bodyPr/>
-                    <a:lstStyle/>
-                    <a:p>
-                      <a:r>
-                        <a:t>5000</a:t>
-                      </a:r>
-                    </a:p>
-                  </a:txBody>
-                  <a:tcPr/>
-                </a:tc>
-                <a:tc>
-                  <a:txBody>
-                    <a:bodyPr/>
-                    <a:lstStyle/>
-                    <a:p>
-                      <a:r>
-                        <a:t>4440</a:t>
-                      </a:r>
-                    </a:p>
-                  </a:txBody>
-                  <a:tcPr/>
-                </a:tc>
-                <a:tc>
-                  <a:txBody>
-                    <a:bodyPr/>
-                    <a:lstStyle/>
-                    <a:p>
-                      <a:r>
-                        <a:t>792.86</a:t>
-                      </a:r>
-                    </a:p>
-                  </a:txBody>
-                  <a:tcPr/>
-                </a:tc>
-              </a:tr>
-              <a:tr h="152400">
-                <a:tc>
-                  <a:txBody>
-                    <a:bodyPr/>
-                    <a:lstStyle/>
-                    <a:p>
-                      <a:r>
-                        <a:t>GET /icharge/v1/bills/system/days</a:t>
-                      </a:r>
-                    </a:p>
-                  </a:txBody>
-                  <a:tcPr/>
-                </a:tc>
-                <a:tc>
-                  <a:txBody>
-                    <a:bodyPr/>
-                    <a:lstStyle/>
-                    <a:p>
-                      <a:r>
-                        <a:t>659</a:t>
-                      </a:r>
-                    </a:p>
-                  </a:txBody>
-                  <a:tcPr/>
-                </a:tc>
-                <a:tc>
-                  <a:txBody>
-                    <a:bodyPr/>
-                    <a:lstStyle/>
-                    <a:p>
-                      <a:r>
-                        <a:t>4678</a:t>
-                      </a:r>
-                    </a:p>
-                  </a:txBody>
-                  <a:tcPr/>
-                </a:tc>
-                <a:tc>
-                  <a:txBody>
-                    <a:bodyPr/>
-                    <a:lstStyle/>
-                    <a:p>
-                      <a:r>
-                        <a:t>4019</a:t>
-                      </a:r>
-                    </a:p>
-                  </a:txBody>
-                  <a:tcPr/>
-                </a:tc>
-                <a:tc>
-                  <a:txBody>
-                    <a:bodyPr/>
-                    <a:lstStyle/>
-                    <a:p>
-                      <a:r>
-                        <a:t>609.86</a:t>
-                      </a:r>
-                    </a:p>
-                  </a:txBody>
-                  <a:tcPr/>
-                </a:tc>
-              </a:tr>
-              <a:tr h="152400">
-                <a:tc>
-                  <a:txBody>
-                    <a:bodyPr/>
-                    <a:lstStyle/>
-                    <a:p/>
-                  </a:txBody>
-                  <a:tcPr/>
-                </a:tc>
-                <a:tc>
-                  <a:txBody>
-                    <a:bodyPr/>
-                    <a:lstStyle/>
-                    <a:p/>
-                  </a:txBody>
-                  <a:tcPr/>
-                </a:tc>
-                <a:tc>
-                  <a:txBody>
-                    <a:bodyPr/>
-                    <a:lstStyle/>
-                    <a:p/>
-                  </a:txBody>
-                  <a:tcPr/>
-                </a:tc>
-                <a:tc>
-                  <a:txBody>
-                    <a:bodyPr/>
-                    <a:lstStyle/>
-                    <a:p/>
-                  </a:txBody>
-                  <a:tcPr/>
-                </a:tc>
-                <a:tc>
-                  <a:txBody>
-                    <a:bodyPr/>
-                    <a:lstStyle/>
-                    <a:p/>
-                  </a:txBody>
-                  <a:tcPr/>
-                </a:tc>
-              </a:tr>
-            </a:tbl>
-          </a:graphicData>
-        </a:graphic>
-      </p:graphicFrame>
+        </p:nvPicPr>
+        <p:blipFill>
+          <a:blip r:embed="rId2"/>
+          <a:stretch>
+            <a:fillRect/>
+          </a:stretch>
+        </p:blipFill>
+        <p:spPr>
+          <a:xfrm>
+            <a:off x="914400" y="1371600"/>
+            <a:ext cx="7315200" cy="4085511"/>
+          </a:xfrm>
+          <a:prstGeom prst="rect">
+            <a:avLst/>
+          </a:prstGeom>
+        </p:spPr>
+      </p:pic>
     </p:spTree>
   </p:cSld>
   <p:clrMapOvr>
@@ -4191,7 +5334,7 @@
 </file>
 
 <file path=ppt/slides/slide7.xml><?xml version="1.0" encoding="utf-8"?>
-<p:sld xmlns:a="http://schemas.openxmlformats.org/drawingml/2006/main" xmlns:p="http://schemas.openxmlformats.org/presentationml/2006/main" xmlns:r="http://schemas.openxmlformats.org/officeDocument/2006/relationships">
+<p:sld xmlns:a="http://schemas.openxmlformats.org/drawingml/2006/main" xmlns:r="http://schemas.openxmlformats.org/officeDocument/2006/relationships" xmlns:p="http://schemas.openxmlformats.org/presentationml/2006/main">
   <p:cSld>
     <p:spTree>
       <p:nvGrpSpPr>
@@ -4199,7 +5342,14 @@
         <p:cNvGrpSpPr/>
         <p:nvPr/>
       </p:nvGrpSpPr>
-      <p:grpSpPr/>
+      <p:grpSpPr>
+        <a:xfrm>
+          <a:off x="0" y="0"/>
+          <a:ext cx="0" cy="0"/>
+          <a:chOff x="0" y="0"/>
+          <a:chExt cx="0" cy="0"/>
+        </a:xfrm>
+      </p:grpSpPr>
       <p:sp>
         <p:nvSpPr>
           <p:cNvPr id="2" name="Title 1"/>
@@ -4216,764 +5366,35 @@
           <a:lstStyle/>
           <a:p>
             <a:r>
-              <a:t>Top 10 TP95性能优化接口</a:t>
+              <a:t>接口AVG箱线图</a:t>
             </a:r>
           </a:p>
         </p:txBody>
       </p:sp>
-      <p:graphicFrame>
-        <p:nvGraphicFramePr>
-          <p:cNvPr id="3" name="Table 2"/>
-          <p:cNvGraphicFramePr>
-            <a:graphicFrameLocks noGrp="1"/>
-          </p:cNvGraphicFramePr>
+      <p:pic>
+        <p:nvPicPr>
+          <p:cNvPr id="3" name="Picture 2" descr="boxplot_avg.png"/>
+          <p:cNvPicPr>
+            <a:picLocks noChangeAspect="1"/>
+          </p:cNvPicPr>
           <p:nvPr/>
-        </p:nvGraphicFramePr>
-        <p:xfrm>
-          <a:off x="914400" y="1371600"/>
-          <a:ext cx="7315200" cy="1828800"/>
-        </p:xfrm>
-        <a:graphic>
-          <a:graphicData uri="http://schemas.openxmlformats.org/drawingml/2006/table">
-            <a:tbl>
-              <a:tblPr firstRow="1" bandRow="1">
-                <a:tableStyleId>{5C22544A-7EE6-4342-B048-85BDC9FD1C3A}</a:tableStyleId>
-              </a:tblPr>
-              <a:tblGrid>
-                <a:gridCol w="1463040"/>
-                <a:gridCol w="1463040"/>
-                <a:gridCol w="1463040"/>
-                <a:gridCol w="1463040"/>
-                <a:gridCol w="1463040"/>
-              </a:tblGrid>
-              <a:tr h="152400">
-                <a:tc>
-                  <a:txBody>
-                    <a:bodyPr/>
-                    <a:lstStyle/>
-                    <a:p>
-                      <a:r>
-                        <a:t>接口标识</a:t>
-                      </a:r>
-                    </a:p>
-                  </a:txBody>
-                  <a:tcPr/>
-                </a:tc>
-                <a:tc>
-                  <a:txBody>
-                    <a:bodyPr/>
-                    <a:lstStyle/>
-                    <a:p>
-                      <a:r>
-                        <a:t>TP95_半年前</a:t>
-                      </a:r>
-                    </a:p>
-                  </a:txBody>
-                  <a:tcPr/>
-                </a:tc>
-                <a:tc>
-                  <a:txBody>
-                    <a:bodyPr/>
-                    <a:lstStyle/>
-                    <a:p>
-                      <a:r>
-                        <a:t>TP95_当前</a:t>
-                      </a:r>
-                    </a:p>
-                  </a:txBody>
-                  <a:tcPr/>
-                </a:tc>
-                <a:tc>
-                  <a:txBody>
-                    <a:bodyPr/>
-                    <a:lstStyle/>
-                    <a:p>
-                      <a:r>
-                        <a:t>TP95_变化</a:t>
-                      </a:r>
-                    </a:p>
-                  </a:txBody>
-                  <a:tcPr/>
-                </a:tc>
-                <a:tc>
-                  <a:txBody>
-                    <a:bodyPr/>
-                    <a:lstStyle/>
-                    <a:p>
-                      <a:r>
-                        <a:t>TP95_变化率</a:t>
-                      </a:r>
-                    </a:p>
-                  </a:txBody>
-                  <a:tcPr/>
-                </a:tc>
-              </a:tr>
-              <a:tr h="152400">
-                <a:tc>
-                  <a:txBody>
-                    <a:bodyPr/>
-                    <a:lstStyle/>
-                    <a:p>
-                      <a:r>
-                        <a:t>GET /icompute/v1/imagerepos/{imageRepoId}/files/{id}/download</a:t>
-                      </a:r>
-                    </a:p>
-                  </a:txBody>
-                  <a:tcPr/>
-                </a:tc>
-                <a:tc>
-                  <a:txBody>
-                    <a:bodyPr/>
-                    <a:lstStyle/>
-                    <a:p>
-                      <a:r>
-                        <a:t>146400</a:t>
-                      </a:r>
-                    </a:p>
-                  </a:txBody>
-                  <a:tcPr/>
-                </a:tc>
-                <a:tc>
-                  <a:txBody>
-                    <a:bodyPr/>
-                    <a:lstStyle/>
-                    <a:p>
-                      <a:r>
-                        <a:t>36272</a:t>
-                      </a:r>
-                    </a:p>
-                  </a:txBody>
-                  <a:tcPr/>
-                </a:tc>
-                <a:tc>
-                  <a:txBody>
-                    <a:bodyPr/>
-                    <a:lstStyle/>
-                    <a:p>
-                      <a:r>
-                        <a:t>-110128</a:t>
-                      </a:r>
-                    </a:p>
-                  </a:txBody>
-                  <a:tcPr/>
-                </a:tc>
-                <a:tc>
-                  <a:txBody>
-                    <a:bodyPr/>
-                    <a:lstStyle/>
-                    <a:p>
-                      <a:r>
-                        <a:t>-75.22</a:t>
-                      </a:r>
-                    </a:p>
-                  </a:txBody>
-                  <a:tcPr/>
-                </a:tc>
-              </a:tr>
-              <a:tr h="152400">
-                <a:tc>
-                  <a:txBody>
-                    <a:bodyPr/>
-                    <a:lstStyle/>
-                    <a:p>
-                      <a:r>
-                        <a:t>GET /ipaas/v1/configmaps</a:t>
-                      </a:r>
-                    </a:p>
-                  </a:txBody>
-                  <a:tcPr/>
-                </a:tc>
-                <a:tc>
-                  <a:txBody>
-                    <a:bodyPr/>
-                    <a:lstStyle/>
-                    <a:p>
-                      <a:r>
-                        <a:t>22085</a:t>
-                      </a:r>
-                    </a:p>
-                  </a:txBody>
-                  <a:tcPr/>
-                </a:tc>
-                <a:tc>
-                  <a:txBody>
-                    <a:bodyPr/>
-                    <a:lstStyle/>
-                    <a:p>
-                      <a:r>
-                        <a:t>159</a:t>
-                      </a:r>
-                    </a:p>
-                  </a:txBody>
-                  <a:tcPr/>
-                </a:tc>
-                <a:tc>
-                  <a:txBody>
-                    <a:bodyPr/>
-                    <a:lstStyle/>
-                    <a:p>
-                      <a:r>
-                        <a:t>-21926</a:t>
-                      </a:r>
-                    </a:p>
-                  </a:txBody>
-                  <a:tcPr/>
-                </a:tc>
-                <a:tc>
-                  <a:txBody>
-                    <a:bodyPr/>
-                    <a:lstStyle/>
-                    <a:p>
-                      <a:r>
-                        <a:t>-99.28</a:t>
-                      </a:r>
-                    </a:p>
-                  </a:txBody>
-                  <a:tcPr/>
-                </a:tc>
-              </a:tr>
-              <a:tr h="152400">
-                <a:tc>
-                  <a:txBody>
-                    <a:bodyPr/>
-                    <a:lstStyle/>
-                    <a:p>
-                      <a:r>
-                        <a:t>PUT /inetwork/v1/nat/{natId}</a:t>
-                      </a:r>
-                    </a:p>
-                  </a:txBody>
-                  <a:tcPr/>
-                </a:tc>
-                <a:tc>
-                  <a:txBody>
-                    <a:bodyPr/>
-                    <a:lstStyle/>
-                    <a:p>
-                      <a:r>
-                        <a:t>24525</a:t>
-                      </a:r>
-                    </a:p>
-                  </a:txBody>
-                  <a:tcPr/>
-                </a:tc>
-                <a:tc>
-                  <a:txBody>
-                    <a:bodyPr/>
-                    <a:lstStyle/>
-                    <a:p>
-                      <a:r>
-                        <a:t>4738</a:t>
-                      </a:r>
-                    </a:p>
-                  </a:txBody>
-                  <a:tcPr/>
-                </a:tc>
-                <a:tc>
-                  <a:txBody>
-                    <a:bodyPr/>
-                    <a:lstStyle/>
-                    <a:p>
-                      <a:r>
-                        <a:t>-19787</a:t>
-                      </a:r>
-                    </a:p>
-                  </a:txBody>
-                  <a:tcPr/>
-                </a:tc>
-                <a:tc>
-                  <a:txBody>
-                    <a:bodyPr/>
-                    <a:lstStyle/>
-                    <a:p>
-                      <a:r>
-                        <a:t>-80.68</a:t>
-                      </a:r>
-                    </a:p>
-                  </a:txBody>
-                  <a:tcPr/>
-                </a:tc>
-              </a:tr>
-              <a:tr h="152400">
-                <a:tc>
-                  <a:txBody>
-                    <a:bodyPr/>
-                    <a:lstStyle/>
-                    <a:p>
-                      <a:r>
-                        <a:t>GET /icompute/v1/global-content-repos/files/{fileId}/download</a:t>
-                      </a:r>
-                    </a:p>
-                  </a:txBody>
-                  <a:tcPr/>
-                </a:tc>
-                <a:tc>
-                  <a:txBody>
-                    <a:bodyPr/>
-                    <a:lstStyle/>
-                    <a:p>
-                      <a:r>
-                        <a:t>22426</a:t>
-                      </a:r>
-                    </a:p>
-                  </a:txBody>
-                  <a:tcPr/>
-                </a:tc>
-                <a:tc>
-                  <a:txBody>
-                    <a:bodyPr/>
-                    <a:lstStyle/>
-                    <a:p>
-                      <a:r>
-                        <a:t>8254</a:t>
-                      </a:r>
-                    </a:p>
-                  </a:txBody>
-                  <a:tcPr/>
-                </a:tc>
-                <a:tc>
-                  <a:txBody>
-                    <a:bodyPr/>
-                    <a:lstStyle/>
-                    <a:p>
-                      <a:r>
-                        <a:t>-14172</a:t>
-                      </a:r>
-                    </a:p>
-                  </a:txBody>
-                  <a:tcPr/>
-                </a:tc>
-                <a:tc>
-                  <a:txBody>
-                    <a:bodyPr/>
-                    <a:lstStyle/>
-                    <a:p>
-                      <a:r>
-                        <a:t>-63.19</a:t>
-                      </a:r>
-                    </a:p>
-                  </a:txBody>
-                  <a:tcPr/>
-                </a:tc>
-              </a:tr>
-              <a:tr h="152400">
-                <a:tc>
-                  <a:txBody>
-                    <a:bodyPr/>
-                    <a:lstStyle/>
-                    <a:p>
-                      <a:r>
-                        <a:t>PUT /inetwork/v1/routers/{routerId}/add-router-interface</a:t>
-                      </a:r>
-                    </a:p>
-                  </a:txBody>
-                  <a:tcPr/>
-                </a:tc>
-                <a:tc>
-                  <a:txBody>
-                    <a:bodyPr/>
-                    <a:lstStyle/>
-                    <a:p>
-                      <a:r>
-                        <a:t>17404</a:t>
-                      </a:r>
-                    </a:p>
-                  </a:txBody>
-                  <a:tcPr/>
-                </a:tc>
-                <a:tc>
-                  <a:txBody>
-                    <a:bodyPr/>
-                    <a:lstStyle/>
-                    <a:p>
-                      <a:r>
-                        <a:t>4317</a:t>
-                      </a:r>
-                    </a:p>
-                  </a:txBody>
-                  <a:tcPr/>
-                </a:tc>
-                <a:tc>
-                  <a:txBody>
-                    <a:bodyPr/>
-                    <a:lstStyle/>
-                    <a:p>
-                      <a:r>
-                        <a:t>-13087</a:t>
-                      </a:r>
-                    </a:p>
-                  </a:txBody>
-                  <a:tcPr/>
-                </a:tc>
-                <a:tc>
-                  <a:txBody>
-                    <a:bodyPr/>
-                    <a:lstStyle/>
-                    <a:p>
-                      <a:r>
-                        <a:t>-75.2</a:t>
-                      </a:r>
-                    </a:p>
-                  </a:txBody>
-                  <a:tcPr/>
-                </a:tc>
-              </a:tr>
-              <a:tr h="152400">
-                <a:tc>
-                  <a:txBody>
-                    <a:bodyPr/>
-                    <a:lstStyle/>
-                    <a:p>
-                      <a:r>
-                        <a:t>PUT /icompute/v1/vms/{vmId}/poweroff</a:t>
-                      </a:r>
-                    </a:p>
-                  </a:txBody>
-                  <a:tcPr/>
-                </a:tc>
-                <a:tc>
-                  <a:txBody>
-                    <a:bodyPr/>
-                    <a:lstStyle/>
-                    <a:p>
-                      <a:r>
-                        <a:t>15265</a:t>
-                      </a:r>
-                    </a:p>
-                  </a:txBody>
-                  <a:tcPr/>
-                </a:tc>
-                <a:tc>
-                  <a:txBody>
-                    <a:bodyPr/>
-                    <a:lstStyle/>
-                    <a:p>
-                      <a:r>
-                        <a:t>2854</a:t>
-                      </a:r>
-                    </a:p>
-                  </a:txBody>
-                  <a:tcPr/>
-                </a:tc>
-                <a:tc>
-                  <a:txBody>
-                    <a:bodyPr/>
-                    <a:lstStyle/>
-                    <a:p>
-                      <a:r>
-                        <a:t>-12411</a:t>
-                      </a:r>
-                    </a:p>
-                  </a:txBody>
-                  <a:tcPr/>
-                </a:tc>
-                <a:tc>
-                  <a:txBody>
-                    <a:bodyPr/>
-                    <a:lstStyle/>
-                    <a:p>
-                      <a:r>
-                        <a:t>-81.3</a:t>
-                      </a:r>
-                    </a:p>
-                  </a:txBody>
-                  <a:tcPr/>
-                </a:tc>
-              </a:tr>
-              <a:tr h="152400">
-                <a:tc>
-                  <a:txBody>
-                    <a:bodyPr/>
-                    <a:lstStyle/>
-                    <a:p>
-                      <a:r>
-                        <a:t>POST /inetwork/v1/routers/port/qos/unbind</a:t>
-                      </a:r>
-                    </a:p>
-                  </a:txBody>
-                  <a:tcPr/>
-                </a:tc>
-                <a:tc>
-                  <a:txBody>
-                    <a:bodyPr/>
-                    <a:lstStyle/>
-                    <a:p>
-                      <a:r>
-                        <a:t>13348</a:t>
-                      </a:r>
-                    </a:p>
-                  </a:txBody>
-                  <a:tcPr/>
-                </a:tc>
-                <a:tc>
-                  <a:txBody>
-                    <a:bodyPr/>
-                    <a:lstStyle/>
-                    <a:p>
-                      <a:r>
-                        <a:t>2413</a:t>
-                      </a:r>
-                    </a:p>
-                  </a:txBody>
-                  <a:tcPr/>
-                </a:tc>
-                <a:tc>
-                  <a:txBody>
-                    <a:bodyPr/>
-                    <a:lstStyle/>
-                    <a:p>
-                      <a:r>
-                        <a:t>-10935</a:t>
-                      </a:r>
-                    </a:p>
-                  </a:txBody>
-                  <a:tcPr/>
-                </a:tc>
-                <a:tc>
-                  <a:txBody>
-                    <a:bodyPr/>
-                    <a:lstStyle/>
-                    <a:p>
-                      <a:r>
-                        <a:t>-81.92</a:t>
-                      </a:r>
-                    </a:p>
-                  </a:txBody>
-                  <a:tcPr/>
-                </a:tc>
-              </a:tr>
-              <a:tr h="152400">
-                <a:tc>
-                  <a:txBody>
-                    <a:bodyPr/>
-                    <a:lstStyle/>
-                    <a:p>
-                      <a:r>
-                        <a:t>POST /inetwork/v1/routers/port/qos/bind</a:t>
-                      </a:r>
-                    </a:p>
-                  </a:txBody>
-                  <a:tcPr/>
-                </a:tc>
-                <a:tc>
-                  <a:txBody>
-                    <a:bodyPr/>
-                    <a:lstStyle/>
-                    <a:p>
-                      <a:r>
-                        <a:t>13250</a:t>
-                      </a:r>
-                    </a:p>
-                  </a:txBody>
-                  <a:tcPr/>
-                </a:tc>
-                <a:tc>
-                  <a:txBody>
-                    <a:bodyPr/>
-                    <a:lstStyle/>
-                    <a:p>
-                      <a:r>
-                        <a:t>2627</a:t>
-                      </a:r>
-                    </a:p>
-                  </a:txBody>
-                  <a:tcPr/>
-                </a:tc>
-                <a:tc>
-                  <a:txBody>
-                    <a:bodyPr/>
-                    <a:lstStyle/>
-                    <a:p>
-                      <a:r>
-                        <a:t>-10623</a:t>
-                      </a:r>
-                    </a:p>
-                  </a:txBody>
-                  <a:tcPr/>
-                </a:tc>
-                <a:tc>
-                  <a:txBody>
-                    <a:bodyPr/>
-                    <a:lstStyle/>
-                    <a:p>
-                      <a:r>
-                        <a:t>-80.17</a:t>
-                      </a:r>
-                    </a:p>
-                  </a:txBody>
-                  <a:tcPr/>
-                </a:tc>
-              </a:tr>
-              <a:tr h="152400">
-                <a:tc>
-                  <a:txBody>
-                    <a:bodyPr/>
-                    <a:lstStyle/>
-                    <a:p>
-                      <a:r>
-                        <a:t>GET /ipaas/v1/pods/namespaces/{namespace}/{podName}/configs</a:t>
-                      </a:r>
-                    </a:p>
-                  </a:txBody>
-                  <a:tcPr/>
-                </a:tc>
-                <a:tc>
-                  <a:txBody>
-                    <a:bodyPr/>
-                    <a:lstStyle/>
-                    <a:p>
-                      <a:r>
-                        <a:t>10746</a:t>
-                      </a:r>
-                    </a:p>
-                  </a:txBody>
-                  <a:tcPr/>
-                </a:tc>
-                <a:tc>
-                  <a:txBody>
-                    <a:bodyPr/>
-                    <a:lstStyle/>
-                    <a:p>
-                      <a:r>
-                        <a:t>507</a:t>
-                      </a:r>
-                    </a:p>
-                  </a:txBody>
-                  <a:tcPr/>
-                </a:tc>
-                <a:tc>
-                  <a:txBody>
-                    <a:bodyPr/>
-                    <a:lstStyle/>
-                    <a:p>
-                      <a:r>
-                        <a:t>-10239</a:t>
-                      </a:r>
-                    </a:p>
-                  </a:txBody>
-                  <a:tcPr/>
-                </a:tc>
-                <a:tc>
-                  <a:txBody>
-                    <a:bodyPr/>
-                    <a:lstStyle/>
-                    <a:p>
-                      <a:r>
-                        <a:t>-95.28</a:t>
-                      </a:r>
-                    </a:p>
-                  </a:txBody>
-                  <a:tcPr/>
-                </a:tc>
-              </a:tr>
-              <a:tr h="152400">
-                <a:tc>
-                  <a:txBody>
-                    <a:bodyPr/>
-                    <a:lstStyle/>
-                    <a:p>
-                      <a:r>
-                        <a:t>PUT /inetwork/v1/routers/{routerId}/remove-router-interface/{routerInterfaceId}</a:t>
-                      </a:r>
-                    </a:p>
-                  </a:txBody>
-                  <a:tcPr/>
-                </a:tc>
-                <a:tc>
-                  <a:txBody>
-                    <a:bodyPr/>
-                    <a:lstStyle/>
-                    <a:p>
-                      <a:r>
-                        <a:t>12346</a:t>
-                      </a:r>
-                    </a:p>
-                  </a:txBody>
-                  <a:tcPr/>
-                </a:tc>
-                <a:tc>
-                  <a:txBody>
-                    <a:bodyPr/>
-                    <a:lstStyle/>
-                    <a:p>
-                      <a:r>
-                        <a:t>3069</a:t>
-                      </a:r>
-                    </a:p>
-                  </a:txBody>
-                  <a:tcPr/>
-                </a:tc>
-                <a:tc>
-                  <a:txBody>
-                    <a:bodyPr/>
-                    <a:lstStyle/>
-                    <a:p>
-                      <a:r>
-                        <a:t>-9277</a:t>
-                      </a:r>
-                    </a:p>
-                  </a:txBody>
-                  <a:tcPr/>
-                </a:tc>
-                <a:tc>
-                  <a:txBody>
-                    <a:bodyPr/>
-                    <a:lstStyle/>
-                    <a:p>
-                      <a:r>
-                        <a:t>-75.14</a:t>
-                      </a:r>
-                    </a:p>
-                  </a:txBody>
-                  <a:tcPr/>
-                </a:tc>
-              </a:tr>
-              <a:tr h="152400">
-                <a:tc>
-                  <a:txBody>
-                    <a:bodyPr/>
-                    <a:lstStyle/>
-                    <a:p/>
-                  </a:txBody>
-                  <a:tcPr/>
-                </a:tc>
-                <a:tc>
-                  <a:txBody>
-                    <a:bodyPr/>
-                    <a:lstStyle/>
-                    <a:p/>
-                  </a:txBody>
-                  <a:tcPr/>
-                </a:tc>
-                <a:tc>
-                  <a:txBody>
-                    <a:bodyPr/>
-                    <a:lstStyle/>
-                    <a:p/>
-                  </a:txBody>
-                  <a:tcPr/>
-                </a:tc>
-                <a:tc>
-                  <a:txBody>
-                    <a:bodyPr/>
-                    <a:lstStyle/>
-                    <a:p/>
-                  </a:txBody>
-                  <a:tcPr/>
-                </a:tc>
-                <a:tc>
-                  <a:txBody>
-                    <a:bodyPr/>
-                    <a:lstStyle/>
-                    <a:p/>
-                  </a:txBody>
-                  <a:tcPr/>
-                </a:tc>
-              </a:tr>
-            </a:tbl>
-          </a:graphicData>
-        </a:graphic>
-      </p:graphicFrame>
+        </p:nvPicPr>
+        <p:blipFill>
+          <a:blip r:embed="rId2"/>
+          <a:stretch>
+            <a:fillRect/>
+          </a:stretch>
+        </p:blipFill>
+        <p:spPr>
+          <a:xfrm>
+            <a:off x="914400" y="1371600"/>
+            <a:ext cx="7315200" cy="4085511"/>
+          </a:xfrm>
+          <a:prstGeom prst="rect">
+            <a:avLst/>
+          </a:prstGeom>
+        </p:spPr>
+      </p:pic>
     </p:spTree>
   </p:cSld>
   <p:clrMapOvr>
@@ -4983,7 +5404,7 @@
 </file>
 
 <file path=ppt/slides/slide8.xml><?xml version="1.0" encoding="utf-8"?>
-<p:sld xmlns:a="http://schemas.openxmlformats.org/drawingml/2006/main" xmlns:p="http://schemas.openxmlformats.org/presentationml/2006/main" xmlns:r="http://schemas.openxmlformats.org/officeDocument/2006/relationships">
+<p:sld xmlns:a="http://schemas.openxmlformats.org/drawingml/2006/main" xmlns:r="http://schemas.openxmlformats.org/officeDocument/2006/relationships" xmlns:p="http://schemas.openxmlformats.org/presentationml/2006/main">
   <p:cSld>
     <p:spTree>
       <p:nvGrpSpPr>
@@ -4991,7 +5412,14 @@
         <p:cNvGrpSpPr/>
         <p:nvPr/>
       </p:nvGrpSpPr>
-      <p:grpSpPr/>
+      <p:grpSpPr>
+        <a:xfrm>
+          <a:off x="0" y="0"/>
+          <a:ext cx="0" cy="0"/>
+          <a:chOff x="0" y="0"/>
+          <a:chExt cx="0" cy="0"/>
+        </a:xfrm>
+      </p:grpSpPr>
       <p:sp>
         <p:nvSpPr>
           <p:cNvPr id="2" name="Title 1"/>
@@ -5008,7 +5436,7 @@
           <a:lstStyle/>
           <a:p>
             <a:r>
-              <a:t>Top 10 AVG性能退步接口</a:t>
+              <a:t>Top 10 TP95性能退步接口</a:t>
             </a:r>
           </a:p>
         </p:txBody>
@@ -5019,11 +5447,17 @@
           <p:cNvGraphicFramePr>
             <a:graphicFrameLocks noGrp="1"/>
           </p:cNvGraphicFramePr>
-          <p:nvPr/>
+          <p:nvPr>
+            <p:extLst>
+              <p:ext uri="{D42A27DB-BD31-4B8C-83A1-F6EECF244321}">
+                <p14:modId xmlns:p14="http://schemas.microsoft.com/office/powerpoint/2010/main" val="2469492570"/>
+              </p:ext>
+            </p:extLst>
+          </p:nvPr>
         </p:nvGraphicFramePr>
         <p:xfrm>
           <a:off x="914400" y="1371600"/>
-          <a:ext cx="7315200" cy="1828800"/>
+          <a:ext cx="13357416" cy="4389120"/>
         </p:xfrm>
         <a:graphic>
           <a:graphicData uri="http://schemas.openxmlformats.org/drawingml/2006/table">
@@ -5032,11 +5466,41 @@
                 <a:tableStyleId>{5C22544A-7EE6-4342-B048-85BDC9FD1C3A}</a:tableStyleId>
               </a:tblPr>
               <a:tblGrid>
-                <a:gridCol w="1463040"/>
-                <a:gridCol w="1463040"/>
-                <a:gridCol w="1463040"/>
-                <a:gridCol w="1463040"/>
-                <a:gridCol w="1463040"/>
+                <a:gridCol w="7505256">
+                  <a:extLst>
+                    <a:ext uri="{9D8B030D-6E8A-4147-A177-3AD203B41FA5}">
+                      <a16:colId xmlns:a16="http://schemas.microsoft.com/office/drawing/2014/main" val="20000"/>
+                    </a:ext>
+                  </a:extLst>
+                </a:gridCol>
+                <a:gridCol w="1463040">
+                  <a:extLst>
+                    <a:ext uri="{9D8B030D-6E8A-4147-A177-3AD203B41FA5}">
+                      <a16:colId xmlns:a16="http://schemas.microsoft.com/office/drawing/2014/main" val="20001"/>
+                    </a:ext>
+                  </a:extLst>
+                </a:gridCol>
+                <a:gridCol w="1463040">
+                  <a:extLst>
+                    <a:ext uri="{9D8B030D-6E8A-4147-A177-3AD203B41FA5}">
+                      <a16:colId xmlns:a16="http://schemas.microsoft.com/office/drawing/2014/main" val="20002"/>
+                    </a:ext>
+                  </a:extLst>
+                </a:gridCol>
+                <a:gridCol w="1463040">
+                  <a:extLst>
+                    <a:ext uri="{9D8B030D-6E8A-4147-A177-3AD203B41FA5}">
+                      <a16:colId xmlns:a16="http://schemas.microsoft.com/office/drawing/2014/main" val="20003"/>
+                    </a:ext>
+                  </a:extLst>
+                </a:gridCol>
+                <a:gridCol w="1463040">
+                  <a:extLst>
+                    <a:ext uri="{9D8B030D-6E8A-4147-A177-3AD203B41FA5}">
+                      <a16:colId xmlns:a16="http://schemas.microsoft.com/office/drawing/2014/main" val="20004"/>
+                    </a:ext>
+                  </a:extLst>
+                </a:gridCol>
               </a:tblGrid>
               <a:tr h="152400">
                 <a:tc>
@@ -5057,48 +5521,53 @@
                     <a:lstStyle/>
                     <a:p>
                       <a:r>
-                        <a:t>平均响应时间_半年前</a:t>
-                      </a:r>
-                    </a:p>
-                  </a:txBody>
-                  <a:tcPr/>
-                </a:tc>
-                <a:tc>
-                  <a:txBody>
-                    <a:bodyPr/>
-                    <a:lstStyle/>
-                    <a:p>
-                      <a:r>
-                        <a:t>平均响应时间_当前</a:t>
-                      </a:r>
-                    </a:p>
-                  </a:txBody>
-                  <a:tcPr/>
-                </a:tc>
-                <a:tc>
-                  <a:txBody>
-                    <a:bodyPr/>
-                    <a:lstStyle/>
-                    <a:p>
-                      <a:r>
-                        <a:t>平均响应时间_变化</a:t>
-                      </a:r>
-                    </a:p>
-                  </a:txBody>
-                  <a:tcPr/>
-                </a:tc>
-                <a:tc>
-                  <a:txBody>
-                    <a:bodyPr/>
-                    <a:lstStyle/>
-                    <a:p>
-                      <a:r>
-                        <a:t>平均响应时间_变化率</a:t>
-                      </a:r>
-                    </a:p>
-                  </a:txBody>
-                  <a:tcPr/>
-                </a:tc>
+                        <a:t>TP95_V8101</a:t>
+                      </a:r>
+                    </a:p>
+                  </a:txBody>
+                  <a:tcPr/>
+                </a:tc>
+                <a:tc>
+                  <a:txBody>
+                    <a:bodyPr/>
+                    <a:lstStyle/>
+                    <a:p>
+                      <a:r>
+                        <a:t>TP95_V8104</a:t>
+                      </a:r>
+                    </a:p>
+                  </a:txBody>
+                  <a:tcPr/>
+                </a:tc>
+                <a:tc>
+                  <a:txBody>
+                    <a:bodyPr/>
+                    <a:lstStyle/>
+                    <a:p>
+                      <a:r>
+                        <a:t>TP95_变化</a:t>
+                      </a:r>
+                    </a:p>
+                  </a:txBody>
+                  <a:tcPr/>
+                </a:tc>
+                <a:tc>
+                  <a:txBody>
+                    <a:bodyPr/>
+                    <a:lstStyle/>
+                    <a:p>
+                      <a:r>
+                        <a:t>TP95_变化率</a:t>
+                      </a:r>
+                    </a:p>
+                  </a:txBody>
+                  <a:tcPr/>
+                </a:tc>
+                <a:extLst>
+                  <a:ext uri="{0D108BD9-81ED-4DB2-BD59-A6C34878D82A}">
+                    <a16:rowId xmlns:a16="http://schemas.microsoft.com/office/drawing/2014/main" val="10000"/>
+                  </a:ext>
+                </a:extLst>
               </a:tr>
               <a:tr h="152400">
                 <a:tc>
@@ -5107,60 +5576,65 @@
                     <a:lstStyle/>
                     <a:p>
                       <a:r>
-                        <a:t>PUT /icompute/v1/vms/{vmId}/pause</a:t>
-                      </a:r>
-                    </a:p>
-                  </a:txBody>
-                  <a:tcPr/>
-                </a:tc>
-                <a:tc>
-                  <a:txBody>
-                    <a:bodyPr/>
-                    <a:lstStyle/>
-                    <a:p>
-                      <a:r>
-                        <a:t>105</a:t>
-                      </a:r>
-                    </a:p>
-                  </a:txBody>
-                  <a:tcPr/>
-                </a:tc>
-                <a:tc>
-                  <a:txBody>
-                    <a:bodyPr/>
-                    <a:lstStyle/>
-                    <a:p>
-                      <a:r>
-                        <a:t>4435</a:t>
-                      </a:r>
-                    </a:p>
-                  </a:txBody>
-                  <a:tcPr/>
-                </a:tc>
-                <a:tc>
-                  <a:txBody>
-                    <a:bodyPr/>
-                    <a:lstStyle/>
-                    <a:p>
-                      <a:r>
-                        <a:t>4330</a:t>
-                      </a:r>
-                    </a:p>
-                  </a:txBody>
-                  <a:tcPr/>
-                </a:tc>
-                <a:tc>
-                  <a:txBody>
-                    <a:bodyPr/>
-                    <a:lstStyle/>
-                    <a:p>
-                      <a:r>
-                        <a:t>4123.81</a:t>
-                      </a:r>
-                    </a:p>
-                  </a:txBody>
-                  <a:tcPr/>
-                </a:tc>
+                        <a:t>GET /icharge/v1/bills/users/{userId}</a:t>
+                      </a:r>
+                    </a:p>
+                  </a:txBody>
+                  <a:tcPr/>
+                </a:tc>
+                <a:tc>
+                  <a:txBody>
+                    <a:bodyPr/>
+                    <a:lstStyle/>
+                    <a:p>
+                      <a:r>
+                        <a:t>560</a:t>
+                      </a:r>
+                    </a:p>
+                  </a:txBody>
+                  <a:tcPr/>
+                </a:tc>
+                <a:tc>
+                  <a:txBody>
+                    <a:bodyPr/>
+                    <a:lstStyle/>
+                    <a:p>
+                      <a:r>
+                        <a:t>5000</a:t>
+                      </a:r>
+                    </a:p>
+                  </a:txBody>
+                  <a:tcPr/>
+                </a:tc>
+                <a:tc>
+                  <a:txBody>
+                    <a:bodyPr/>
+                    <a:lstStyle/>
+                    <a:p>
+                      <a:r>
+                        <a:t>4440</a:t>
+                      </a:r>
+                    </a:p>
+                  </a:txBody>
+                  <a:tcPr/>
+                </a:tc>
+                <a:tc>
+                  <a:txBody>
+                    <a:bodyPr/>
+                    <a:lstStyle/>
+                    <a:p>
+                      <a:r>
+                        <a:t>792.86</a:t>
+                      </a:r>
+                    </a:p>
+                  </a:txBody>
+                  <a:tcPr/>
+                </a:tc>
+                <a:extLst>
+                  <a:ext uri="{0D108BD9-81ED-4DB2-BD59-A6C34878D82A}">
+                    <a16:rowId xmlns:a16="http://schemas.microsoft.com/office/drawing/2014/main" val="10001"/>
+                  </a:ext>
+                </a:extLst>
               </a:tr>
               <a:tr h="152400">
                 <a:tc>
@@ -5169,60 +5643,65 @@
                     <a:lstStyle/>
                     <a:p>
                       <a:r>
-                        <a:t>GET /icompute/v1/imagerepos/{imageRepoId}/files/{id}/download</a:t>
-                      </a:r>
-                    </a:p>
-                  </a:txBody>
-                  <a:tcPr/>
-                </a:tc>
-                <a:tc>
-                  <a:txBody>
-                    <a:bodyPr/>
-                    <a:lstStyle/>
-                    <a:p>
-                      <a:r>
-                        <a:t>5104</a:t>
-                      </a:r>
-                    </a:p>
-                  </a:txBody>
-                  <a:tcPr/>
-                </a:tc>
-                <a:tc>
-                  <a:txBody>
-                    <a:bodyPr/>
-                    <a:lstStyle/>
-                    <a:p>
-                      <a:r>
-                        <a:t>9135</a:t>
-                      </a:r>
-                    </a:p>
-                  </a:txBody>
-                  <a:tcPr/>
-                </a:tc>
-                <a:tc>
-                  <a:txBody>
-                    <a:bodyPr/>
-                    <a:lstStyle/>
-                    <a:p>
-                      <a:r>
-                        <a:t>4031</a:t>
-                      </a:r>
-                    </a:p>
-                  </a:txBody>
-                  <a:tcPr/>
-                </a:tc>
-                <a:tc>
-                  <a:txBody>
-                    <a:bodyPr/>
-                    <a:lstStyle/>
-                    <a:p>
-                      <a:r>
-                        <a:t>78.98</a:t>
-                      </a:r>
-                    </a:p>
-                  </a:txBody>
-                  <a:tcPr/>
-                </a:tc>
+                        <a:t>GET /icharge/v1/bills/system/days</a:t>
+                      </a:r>
+                    </a:p>
+                  </a:txBody>
+                  <a:tcPr/>
+                </a:tc>
+                <a:tc>
+                  <a:txBody>
+                    <a:bodyPr/>
+                    <a:lstStyle/>
+                    <a:p>
+                      <a:r>
+                        <a:t>659</a:t>
+                      </a:r>
+                    </a:p>
+                  </a:txBody>
+                  <a:tcPr/>
+                </a:tc>
+                <a:tc>
+                  <a:txBody>
+                    <a:bodyPr/>
+                    <a:lstStyle/>
+                    <a:p>
+                      <a:r>
+                        <a:t>4678</a:t>
+                      </a:r>
+                    </a:p>
+                  </a:txBody>
+                  <a:tcPr/>
+                </a:tc>
+                <a:tc>
+                  <a:txBody>
+                    <a:bodyPr/>
+                    <a:lstStyle/>
+                    <a:p>
+                      <a:r>
+                        <a:t>4019</a:t>
+                      </a:r>
+                    </a:p>
+                  </a:txBody>
+                  <a:tcPr/>
+                </a:tc>
+                <a:tc>
+                  <a:txBody>
+                    <a:bodyPr/>
+                    <a:lstStyle/>
+                    <a:p>
+                      <a:r>
+                        <a:t>609.86</a:t>
+                      </a:r>
+                    </a:p>
+                  </a:txBody>
+                  <a:tcPr/>
+                </a:tc>
+                <a:extLst>
+                  <a:ext uri="{0D108BD9-81ED-4DB2-BD59-A6C34878D82A}">
+                    <a16:rowId xmlns:a16="http://schemas.microsoft.com/office/drawing/2014/main" val="10002"/>
+                  </a:ext>
+                </a:extLst>
               </a:tr>
               <a:tr h="152400">
                 <a:tc>
@@ -5231,60 +5710,65 @@
                     <a:lstStyle/>
                     <a:p>
                       <a:r>
-                        <a:t>PUT /ibase/v1/users/{userId}</a:t>
-                      </a:r>
-                    </a:p>
-                  </a:txBody>
-                  <a:tcPr/>
-                </a:tc>
-                <a:tc>
-                  <a:txBody>
-                    <a:bodyPr/>
-                    <a:lstStyle/>
-                    <a:p>
-                      <a:r>
-                        <a:t>5070</a:t>
-                      </a:r>
-                    </a:p>
-                  </a:txBody>
-                  <a:tcPr/>
-                </a:tc>
-                <a:tc>
-                  <a:txBody>
-                    <a:bodyPr/>
-                    <a:lstStyle/>
-                    <a:p>
-                      <a:r>
-                        <a:t>8585</a:t>
-                      </a:r>
-                    </a:p>
-                  </a:txBody>
-                  <a:tcPr/>
-                </a:tc>
-                <a:tc>
-                  <a:txBody>
-                    <a:bodyPr/>
-                    <a:lstStyle/>
-                    <a:p>
-                      <a:r>
-                        <a:t>3515</a:t>
-                      </a:r>
-                    </a:p>
-                  </a:txBody>
-                  <a:tcPr/>
-                </a:tc>
-                <a:tc>
-                  <a:txBody>
-                    <a:bodyPr/>
-                    <a:lstStyle/>
-                    <a:p>
-                      <a:r>
-                        <a:t>69.33</a:t>
-                      </a:r>
-                    </a:p>
-                  </a:txBody>
-                  <a:tcPr/>
-                </a:tc>
+                        <a:t>GET /iworkflow/v1/historys/user/list</a:t>
+                      </a:r>
+                    </a:p>
+                  </a:txBody>
+                  <a:tcPr/>
+                </a:tc>
+                <a:tc>
+                  <a:txBody>
+                    <a:bodyPr/>
+                    <a:lstStyle/>
+                    <a:p>
+                      <a:r>
+                        <a:t>778</a:t>
+                      </a:r>
+                    </a:p>
+                  </a:txBody>
+                  <a:tcPr/>
+                </a:tc>
+                <a:tc>
+                  <a:txBody>
+                    <a:bodyPr/>
+                    <a:lstStyle/>
+                    <a:p>
+                      <a:r>
+                        <a:t>4248</a:t>
+                      </a:r>
+                    </a:p>
+                  </a:txBody>
+                  <a:tcPr/>
+                </a:tc>
+                <a:tc>
+                  <a:txBody>
+                    <a:bodyPr/>
+                    <a:lstStyle/>
+                    <a:p>
+                      <a:r>
+                        <a:t>3470</a:t>
+                      </a:r>
+                    </a:p>
+                  </a:txBody>
+                  <a:tcPr/>
+                </a:tc>
+                <a:tc>
+                  <a:txBody>
+                    <a:bodyPr/>
+                    <a:lstStyle/>
+                    <a:p>
+                      <a:r>
+                        <a:t>446.02</a:t>
+                      </a:r>
+                    </a:p>
+                  </a:txBody>
+                  <a:tcPr/>
+                </a:tc>
+                <a:extLst>
+                  <a:ext uri="{0D108BD9-81ED-4DB2-BD59-A6C34878D82A}">
+                    <a16:rowId xmlns:a16="http://schemas.microsoft.com/office/drawing/2014/main" val="10003"/>
+                  </a:ext>
+                </a:extLst>
               </a:tr>
               <a:tr h="152400">
                 <a:tc>
@@ -5293,60 +5777,65 @@
                     <a:lstStyle/>
                     <a:p>
                       <a:r>
-                        <a:t>GET /idevops/v1/pipelines/history/{pipelineId}/build/{buildNumber}/logText/{nodeId}</a:t>
-                      </a:r>
-                    </a:p>
-                  </a:txBody>
-                  <a:tcPr/>
-                </a:tc>
-                <a:tc>
-                  <a:txBody>
-                    <a:bodyPr/>
-                    <a:lstStyle/>
-                    <a:p>
-                      <a:r>
-                        <a:t>710</a:t>
-                      </a:r>
-                    </a:p>
-                  </a:txBody>
-                  <a:tcPr/>
-                </a:tc>
-                <a:tc>
-                  <a:txBody>
-                    <a:bodyPr/>
-                    <a:lstStyle/>
-                    <a:p>
-                      <a:r>
-                        <a:t>2998</a:t>
-                      </a:r>
-                    </a:p>
-                  </a:txBody>
-                  <a:tcPr/>
-                </a:tc>
-                <a:tc>
-                  <a:txBody>
-                    <a:bodyPr/>
-                    <a:lstStyle/>
-                    <a:p>
-                      <a:r>
-                        <a:t>2288</a:t>
-                      </a:r>
-                    </a:p>
-                  </a:txBody>
-                  <a:tcPr/>
-                </a:tc>
-                <a:tc>
-                  <a:txBody>
-                    <a:bodyPr/>
-                    <a:lstStyle/>
-                    <a:p>
-                      <a:r>
-                        <a:t>322.25</a:t>
-                      </a:r>
-                    </a:p>
-                  </a:txBody>
-                  <a:tcPr/>
-                </a:tc>
+                        <a:t>PUT /icompute/v1/vms/{vmId}/poweron</a:t>
+                      </a:r>
+                    </a:p>
+                  </a:txBody>
+                  <a:tcPr/>
+                </a:tc>
+                <a:tc>
+                  <a:txBody>
+                    <a:bodyPr/>
+                    <a:lstStyle/>
+                    <a:p>
+                      <a:r>
+                        <a:t>327</a:t>
+                      </a:r>
+                    </a:p>
+                  </a:txBody>
+                  <a:tcPr/>
+                </a:tc>
+                <a:tc>
+                  <a:txBody>
+                    <a:bodyPr/>
+                    <a:lstStyle/>
+                    <a:p>
+                      <a:r>
+                        <a:t>2135</a:t>
+                      </a:r>
+                    </a:p>
+                  </a:txBody>
+                  <a:tcPr/>
+                </a:tc>
+                <a:tc>
+                  <a:txBody>
+                    <a:bodyPr/>
+                    <a:lstStyle/>
+                    <a:p>
+                      <a:r>
+                        <a:t>1808</a:t>
+                      </a:r>
+                    </a:p>
+                  </a:txBody>
+                  <a:tcPr/>
+                </a:tc>
+                <a:tc>
+                  <a:txBody>
+                    <a:bodyPr/>
+                    <a:lstStyle/>
+                    <a:p>
+                      <a:r>
+                        <a:t>552.91</a:t>
+                      </a:r>
+                    </a:p>
+                  </a:txBody>
+                  <a:tcPr/>
+                </a:tc>
+                <a:extLst>
+                  <a:ext uri="{0D108BD9-81ED-4DB2-BD59-A6C34878D82A}">
+                    <a16:rowId xmlns:a16="http://schemas.microsoft.com/office/drawing/2014/main" val="10004"/>
+                  </a:ext>
+                </a:extLst>
               </a:tr>
               <a:tr h="152400">
                 <a:tc>
@@ -5355,60 +5844,65 @@
                     <a:lstStyle/>
                     <a:p>
                       <a:r>
-                        <a:t>POST /irag-mgr/v1/apps/{app_id}/chat-messages</a:t>
-                      </a:r>
-                    </a:p>
-                  </a:txBody>
-                  <a:tcPr/>
-                </a:tc>
-                <a:tc>
-                  <a:txBody>
-                    <a:bodyPr/>
-                    <a:lstStyle/>
-                    <a:p>
-                      <a:r>
-                        <a:t>5558</a:t>
-                      </a:r>
-                    </a:p>
-                  </a:txBody>
-                  <a:tcPr/>
-                </a:tc>
-                <a:tc>
-                  <a:txBody>
-                    <a:bodyPr/>
-                    <a:lstStyle/>
-                    <a:p>
-                      <a:r>
-                        <a:t>6886</a:t>
-                      </a:r>
-                    </a:p>
-                  </a:txBody>
-                  <a:tcPr/>
-                </a:tc>
-                <a:tc>
-                  <a:txBody>
-                    <a:bodyPr/>
-                    <a:lstStyle/>
-                    <a:p>
-                      <a:r>
-                        <a:t>1328</a:t>
-                      </a:r>
-                    </a:p>
-                  </a:txBody>
-                  <a:tcPr/>
-                </a:tc>
-                <a:tc>
-                  <a:txBody>
-                    <a:bodyPr/>
-                    <a:lstStyle/>
-                    <a:p>
-                      <a:r>
-                        <a:t>23.89</a:t>
-                      </a:r>
-                    </a:p>
-                  </a:txBody>
-                  <a:tcPr/>
-                </a:tc>
+                        <a:t>DELETE /icompute/v1/vms/{vmId}</a:t>
+                      </a:r>
+                    </a:p>
+                  </a:txBody>
+                  <a:tcPr/>
+                </a:tc>
+                <a:tc>
+                  <a:txBody>
+                    <a:bodyPr/>
+                    <a:lstStyle/>
+                    <a:p>
+                      <a:r>
+                        <a:t>1501</a:t>
+                      </a:r>
+                    </a:p>
+                  </a:txBody>
+                  <a:tcPr/>
+                </a:tc>
+                <a:tc>
+                  <a:txBody>
+                    <a:bodyPr/>
+                    <a:lstStyle/>
+                    <a:p>
+                      <a:r>
+                        <a:t>2815</a:t>
+                      </a:r>
+                    </a:p>
+                  </a:txBody>
+                  <a:tcPr/>
+                </a:tc>
+                <a:tc>
+                  <a:txBody>
+                    <a:bodyPr/>
+                    <a:lstStyle/>
+                    <a:p>
+                      <a:r>
+                        <a:t>1314</a:t>
+                      </a:r>
+                    </a:p>
+                  </a:txBody>
+                  <a:tcPr/>
+                </a:tc>
+                <a:tc>
+                  <a:txBody>
+                    <a:bodyPr/>
+                    <a:lstStyle/>
+                    <a:p>
+                      <a:r>
+                        <a:t>87.54</a:t>
+                      </a:r>
+                    </a:p>
+                  </a:txBody>
+                  <a:tcPr/>
+                </a:tc>
+                <a:extLst>
+                  <a:ext uri="{0D108BD9-81ED-4DB2-BD59-A6C34878D82A}">
+                    <a16:rowId xmlns:a16="http://schemas.microsoft.com/office/drawing/2014/main" val="10005"/>
+                  </a:ext>
+                </a:extLst>
               </a:tr>
               <a:tr h="152400">
                 <a:tc>
@@ -5417,60 +5911,65 @@
                     <a:lstStyle/>
                     <a:p>
                       <a:r>
-                        <a:t>GET /ipluto/v1/platform/{namespace}/listService</a:t>
-                      </a:r>
-                    </a:p>
-                  </a:txBody>
-                  <a:tcPr/>
-                </a:tc>
-                <a:tc>
-                  <a:txBody>
-                    <a:bodyPr/>
-                    <a:lstStyle/>
-                    <a:p>
-                      <a:r>
-                        <a:t>314</a:t>
-                      </a:r>
-                    </a:p>
-                  </a:txBody>
-                  <a:tcPr/>
-                </a:tc>
-                <a:tc>
-                  <a:txBody>
-                    <a:bodyPr/>
-                    <a:lstStyle/>
-                    <a:p>
-                      <a:r>
-                        <a:t>1571</a:t>
-                      </a:r>
-                    </a:p>
-                  </a:txBody>
-                  <a:tcPr/>
-                </a:tc>
-                <a:tc>
-                  <a:txBody>
-                    <a:bodyPr/>
-                    <a:lstStyle/>
-                    <a:p>
-                      <a:r>
-                        <a:t>1257</a:t>
-                      </a:r>
-                    </a:p>
-                  </a:txBody>
-                  <a:tcPr/>
-                </a:tc>
-                <a:tc>
-                  <a:txBody>
-                    <a:bodyPr/>
-                    <a:lstStyle/>
-                    <a:p>
-                      <a:r>
-                        <a:t>400.32</a:t>
-                      </a:r>
-                    </a:p>
-                  </a:txBody>
-                  <a:tcPr/>
-                </a:tc>
+                        <a:t>GET /itask/v1/tasks</a:t>
+                      </a:r>
+                    </a:p>
+                  </a:txBody>
+                  <a:tcPr/>
+                </a:tc>
+                <a:tc>
+                  <a:txBody>
+                    <a:bodyPr/>
+                    <a:lstStyle/>
+                    <a:p>
+                      <a:r>
+                        <a:t>419</a:t>
+                      </a:r>
+                    </a:p>
+                  </a:txBody>
+                  <a:tcPr/>
+                </a:tc>
+                <a:tc>
+                  <a:txBody>
+                    <a:bodyPr/>
+                    <a:lstStyle/>
+                    <a:p>
+                      <a:r>
+                        <a:t>1726</a:t>
+                      </a:r>
+                    </a:p>
+                  </a:txBody>
+                  <a:tcPr/>
+                </a:tc>
+                <a:tc>
+                  <a:txBody>
+                    <a:bodyPr/>
+                    <a:lstStyle/>
+                    <a:p>
+                      <a:r>
+                        <a:t>1307</a:t>
+                      </a:r>
+                    </a:p>
+                  </a:txBody>
+                  <a:tcPr/>
+                </a:tc>
+                <a:tc>
+                  <a:txBody>
+                    <a:bodyPr/>
+                    <a:lstStyle/>
+                    <a:p>
+                      <a:r>
+                        <a:t>311.93</a:t>
+                      </a:r>
+                    </a:p>
+                  </a:txBody>
+                  <a:tcPr/>
+                </a:tc>
+                <a:extLst>
+                  <a:ext uri="{0D108BD9-81ED-4DB2-BD59-A6C34878D82A}">
+                    <a16:rowId xmlns:a16="http://schemas.microsoft.com/office/drawing/2014/main" val="10006"/>
+                  </a:ext>
+                </a:extLst>
               </a:tr>
               <a:tr h="152400">
                 <a:tc>
@@ -5479,60 +5978,65 @@
                     <a:lstStyle/>
                     <a:p>
                       <a:r>
-                        <a:t>GET /icharge/v1/bills/resources/topn</a:t>
-                      </a:r>
-                    </a:p>
-                  </a:txBody>
-                  <a:tcPr/>
-                </a:tc>
-                <a:tc>
-                  <a:txBody>
-                    <a:bodyPr/>
-                    <a:lstStyle/>
-                    <a:p>
-                      <a:r>
-                        <a:t>245</a:t>
-                      </a:r>
-                    </a:p>
-                  </a:txBody>
-                  <a:tcPr/>
-                </a:tc>
-                <a:tc>
-                  <a:txBody>
-                    <a:bodyPr/>
-                    <a:lstStyle/>
-                    <a:p>
-                      <a:r>
-                        <a:t>1397</a:t>
-                      </a:r>
-                    </a:p>
-                  </a:txBody>
-                  <a:tcPr/>
-                </a:tc>
-                <a:tc>
-                  <a:txBody>
-                    <a:bodyPr/>
-                    <a:lstStyle/>
-                    <a:p>
-                      <a:r>
-                        <a:t>1152</a:t>
-                      </a:r>
-                    </a:p>
-                  </a:txBody>
-                  <a:tcPr/>
-                </a:tc>
-                <a:tc>
-                  <a:txBody>
-                    <a:bodyPr/>
-                    <a:lstStyle/>
-                    <a:p>
-                      <a:r>
-                        <a:t>470.2</a:t>
-                      </a:r>
-                    </a:p>
-                  </a:txBody>
-                  <a:tcPr/>
-                </a:tc>
+                        <a:t>GET /icharge/v1/bills/overview</a:t>
+                      </a:r>
+                    </a:p>
+                  </a:txBody>
+                  <a:tcPr/>
+                </a:tc>
+                <a:tc>
+                  <a:txBody>
+                    <a:bodyPr/>
+                    <a:lstStyle/>
+                    <a:p>
+                      <a:r>
+                        <a:t>526</a:t>
+                      </a:r>
+                    </a:p>
+                  </a:txBody>
+                  <a:tcPr/>
+                </a:tc>
+                <a:tc>
+                  <a:txBody>
+                    <a:bodyPr/>
+                    <a:lstStyle/>
+                    <a:p>
+                      <a:r>
+                        <a:t>1691</a:t>
+                      </a:r>
+                    </a:p>
+                  </a:txBody>
+                  <a:tcPr/>
+                </a:tc>
+                <a:tc>
+                  <a:txBody>
+                    <a:bodyPr/>
+                    <a:lstStyle/>
+                    <a:p>
+                      <a:r>
+                        <a:t>1165</a:t>
+                      </a:r>
+                    </a:p>
+                  </a:txBody>
+                  <a:tcPr/>
+                </a:tc>
+                <a:tc>
+                  <a:txBody>
+                    <a:bodyPr/>
+                    <a:lstStyle/>
+                    <a:p>
+                      <a:r>
+                        <a:t>221.48</a:t>
+                      </a:r>
+                    </a:p>
+                  </a:txBody>
+                  <a:tcPr/>
+                </a:tc>
+                <a:extLst>
+                  <a:ext uri="{0D108BD9-81ED-4DB2-BD59-A6C34878D82A}">
+                    <a16:rowId xmlns:a16="http://schemas.microsoft.com/office/drawing/2014/main" val="10007"/>
+                  </a:ext>
+                </a:extLst>
               </a:tr>
               <a:tr h="152400">
                 <a:tc>
@@ -5541,60 +6045,65 @@
                     <a:lstStyle/>
                     <a:p>
                       <a:r>
-                        <a:t>PUT /icompute/v1/vms/{vmId}/reset</a:t>
-                      </a:r>
-                    </a:p>
-                  </a:txBody>
-                  <a:tcPr/>
-                </a:tc>
-                <a:tc>
-                  <a:txBody>
-                    <a:bodyPr/>
-                    <a:lstStyle/>
-                    <a:p>
-                      <a:r>
-                        <a:t>166</a:t>
-                      </a:r>
-                    </a:p>
-                  </a:txBody>
-                  <a:tcPr/>
-                </a:tc>
-                <a:tc>
-                  <a:txBody>
-                    <a:bodyPr/>
-                    <a:lstStyle/>
-                    <a:p>
-                      <a:r>
-                        <a:t>1253</a:t>
-                      </a:r>
-                    </a:p>
-                  </a:txBody>
-                  <a:tcPr/>
-                </a:tc>
-                <a:tc>
-                  <a:txBody>
-                    <a:bodyPr/>
-                    <a:lstStyle/>
-                    <a:p>
-                      <a:r>
-                        <a:t>1087</a:t>
-                      </a:r>
-                    </a:p>
-                  </a:txBody>
-                  <a:tcPr/>
-                </a:tc>
-                <a:tc>
-                  <a:txBody>
-                    <a:bodyPr/>
-                    <a:lstStyle/>
-                    <a:p>
-                      <a:r>
-                        <a:t>654.82</a:t>
-                      </a:r>
-                    </a:p>
-                  </a:txBody>
-                  <a:tcPr/>
-                </a:tc>
+                        <a:t>POST /iworkflow/v1/orders/{orderId}/passOrder</a:t>
+                      </a:r>
+                    </a:p>
+                  </a:txBody>
+                  <a:tcPr/>
+                </a:tc>
+                <a:tc>
+                  <a:txBody>
+                    <a:bodyPr/>
+                    <a:lstStyle/>
+                    <a:p>
+                      <a:r>
+                        <a:t>1344</a:t>
+                      </a:r>
+                    </a:p>
+                  </a:txBody>
+                  <a:tcPr/>
+                </a:tc>
+                <a:tc>
+                  <a:txBody>
+                    <a:bodyPr/>
+                    <a:lstStyle/>
+                    <a:p>
+                      <a:r>
+                        <a:t>2473</a:t>
+                      </a:r>
+                    </a:p>
+                  </a:txBody>
+                  <a:tcPr/>
+                </a:tc>
+                <a:tc>
+                  <a:txBody>
+                    <a:bodyPr/>
+                    <a:lstStyle/>
+                    <a:p>
+                      <a:r>
+                        <a:t>1129</a:t>
+                      </a:r>
+                    </a:p>
+                  </a:txBody>
+                  <a:tcPr/>
+                </a:tc>
+                <a:tc>
+                  <a:txBody>
+                    <a:bodyPr/>
+                    <a:lstStyle/>
+                    <a:p>
+                      <a:r>
+                        <a:t>84.0</a:t>
+                      </a:r>
+                    </a:p>
+                  </a:txBody>
+                  <a:tcPr/>
+                </a:tc>
+                <a:extLst>
+                  <a:ext uri="{0D108BD9-81ED-4DB2-BD59-A6C34878D82A}">
+                    <a16:rowId xmlns:a16="http://schemas.microsoft.com/office/drawing/2014/main" val="10008"/>
+                  </a:ext>
+                </a:extLst>
               </a:tr>
               <a:tr h="152400">
                 <a:tc>
@@ -5603,60 +6112,65 @@
                     <a:lstStyle/>
                     <a:p>
                       <a:r>
-                        <a:t>POST /inetwork/v1/dns</a:t>
-                      </a:r>
-                    </a:p>
-                  </a:txBody>
-                  <a:tcPr/>
-                </a:tc>
-                <a:tc>
-                  <a:txBody>
-                    <a:bodyPr/>
-                    <a:lstStyle/>
-                    <a:p>
-                      <a:r>
-                        <a:t>333</a:t>
-                      </a:r>
-                    </a:p>
-                  </a:txBody>
-                  <a:tcPr/>
-                </a:tc>
-                <a:tc>
-                  <a:txBody>
-                    <a:bodyPr/>
-                    <a:lstStyle/>
-                    <a:p>
-                      <a:r>
-                        <a:t>1306</a:t>
-                      </a:r>
-                    </a:p>
-                  </a:txBody>
-                  <a:tcPr/>
-                </a:tc>
-                <a:tc>
-                  <a:txBody>
-                    <a:bodyPr/>
-                    <a:lstStyle/>
-                    <a:p>
-                      <a:r>
-                        <a:t>973</a:t>
-                      </a:r>
-                    </a:p>
-                  </a:txBody>
-                  <a:tcPr/>
-                </a:tc>
-                <a:tc>
-                  <a:txBody>
-                    <a:bodyPr/>
-                    <a:lstStyle/>
-                    <a:p>
-                      <a:r>
-                        <a:t>292.19</a:t>
-                      </a:r>
-                    </a:p>
-                  </a:txBody>
-                  <a:tcPr/>
-                </a:tc>
+                        <a:t>POST /icompute/v1/global-content-repos/{globalContentId}/files/slice_upload</a:t>
+                      </a:r>
+                    </a:p>
+                  </a:txBody>
+                  <a:tcPr/>
+                </a:tc>
+                <a:tc>
+                  <a:txBody>
+                    <a:bodyPr/>
+                    <a:lstStyle/>
+                    <a:p>
+                      <a:r>
+                        <a:t>1081</a:t>
+                      </a:r>
+                    </a:p>
+                  </a:txBody>
+                  <a:tcPr/>
+                </a:tc>
+                <a:tc>
+                  <a:txBody>
+                    <a:bodyPr/>
+                    <a:lstStyle/>
+                    <a:p>
+                      <a:r>
+                        <a:t>2085</a:t>
+                      </a:r>
+                    </a:p>
+                  </a:txBody>
+                  <a:tcPr/>
+                </a:tc>
+                <a:tc>
+                  <a:txBody>
+                    <a:bodyPr/>
+                    <a:lstStyle/>
+                    <a:p>
+                      <a:r>
+                        <a:t>1004</a:t>
+                      </a:r>
+                    </a:p>
+                  </a:txBody>
+                  <a:tcPr/>
+                </a:tc>
+                <a:tc>
+                  <a:txBody>
+                    <a:bodyPr/>
+                    <a:lstStyle/>
+                    <a:p>
+                      <a:r>
+                        <a:t>92.88</a:t>
+                      </a:r>
+                    </a:p>
+                  </a:txBody>
+                  <a:tcPr/>
+                </a:tc>
+                <a:extLst>
+                  <a:ext uri="{0D108BD9-81ED-4DB2-BD59-A6C34878D82A}">
+                    <a16:rowId xmlns:a16="http://schemas.microsoft.com/office/drawing/2014/main" val="10009"/>
+                  </a:ext>
+                </a:extLst>
               </a:tr>
               <a:tr h="152400">
                 <a:tc>
@@ -5665,102 +6179,122 @@
                     <a:lstStyle/>
                     <a:p>
                       <a:r>
-                        <a:t>DELETE /icompute/v1/global-content-repos/files/{fileId}</a:t>
-                      </a:r>
-                    </a:p>
-                  </a:txBody>
-                  <a:tcPr/>
-                </a:tc>
-                <a:tc>
-                  <a:txBody>
-                    <a:bodyPr/>
-                    <a:lstStyle/>
-                    <a:p>
-                      <a:r>
-                        <a:t>161</a:t>
-                      </a:r>
-                    </a:p>
-                  </a:txBody>
-                  <a:tcPr/>
-                </a:tc>
-                <a:tc>
-                  <a:txBody>
-                    <a:bodyPr/>
-                    <a:lstStyle/>
-                    <a:p>
-                      <a:r>
-                        <a:t>1132</a:t>
-                      </a:r>
-                    </a:p>
-                  </a:txBody>
-                  <a:tcPr/>
-                </a:tc>
-                <a:tc>
-                  <a:txBody>
-                    <a:bodyPr/>
-                    <a:lstStyle/>
-                    <a:p>
-                      <a:r>
-                        <a:t>971</a:t>
-                      </a:r>
-                    </a:p>
-                  </a:txBody>
-                  <a:tcPr/>
-                </a:tc>
-                <a:tc>
-                  <a:txBody>
-                    <a:bodyPr/>
-                    <a:lstStyle/>
-                    <a:p>
-                      <a:r>
-                        <a:t>603.11</a:t>
-                      </a:r>
-                    </a:p>
-                  </a:txBody>
-                  <a:tcPr/>
-                </a:tc>
+                        <a:t>PUT /istorage/v1/objstorObj/upload-check</a:t>
+                      </a:r>
+                    </a:p>
+                  </a:txBody>
+                  <a:tcPr/>
+                </a:tc>
+                <a:tc>
+                  <a:txBody>
+                    <a:bodyPr/>
+                    <a:lstStyle/>
+                    <a:p>
+                      <a:r>
+                        <a:t>809</a:t>
+                      </a:r>
+                    </a:p>
+                  </a:txBody>
+                  <a:tcPr/>
+                </a:tc>
+                <a:tc>
+                  <a:txBody>
+                    <a:bodyPr/>
+                    <a:lstStyle/>
+                    <a:p>
+                      <a:r>
+                        <a:t>1775</a:t>
+                      </a:r>
+                    </a:p>
+                  </a:txBody>
+                  <a:tcPr/>
+                </a:tc>
+                <a:tc>
+                  <a:txBody>
+                    <a:bodyPr/>
+                    <a:lstStyle/>
+                    <a:p>
+                      <a:r>
+                        <a:t>966</a:t>
+                      </a:r>
+                    </a:p>
+                  </a:txBody>
+                  <a:tcPr/>
+                </a:tc>
+                <a:tc>
+                  <a:txBody>
+                    <a:bodyPr/>
+                    <a:lstStyle/>
+                    <a:p>
+                      <a:r>
+                        <a:t>119.41</a:t>
+                      </a:r>
+                    </a:p>
+                  </a:txBody>
+                  <a:tcPr/>
+                </a:tc>
+                <a:extLst>
+                  <a:ext uri="{0D108BD9-81ED-4DB2-BD59-A6C34878D82A}">
+                    <a16:rowId xmlns:a16="http://schemas.microsoft.com/office/drawing/2014/main" val="10010"/>
+                  </a:ext>
+                </a:extLst>
               </a:tr>
               <a:tr h="152400">
                 <a:tc>
                   <a:txBody>
                     <a:bodyPr/>
                     <a:lstStyle/>
-                    <a:p/>
-                  </a:txBody>
-                  <a:tcPr/>
-                </a:tc>
-                <a:tc>
-                  <a:txBody>
-                    <a:bodyPr/>
-                    <a:lstStyle/>
-                    <a:p/>
-                  </a:txBody>
-                  <a:tcPr/>
-                </a:tc>
-                <a:tc>
-                  <a:txBody>
-                    <a:bodyPr/>
-                    <a:lstStyle/>
-                    <a:p/>
-                  </a:txBody>
-                  <a:tcPr/>
-                </a:tc>
-                <a:tc>
-                  <a:txBody>
-                    <a:bodyPr/>
-                    <a:lstStyle/>
-                    <a:p/>
-                  </a:txBody>
-                  <a:tcPr/>
-                </a:tc>
-                <a:tc>
-                  <a:txBody>
-                    <a:bodyPr/>
-                    <a:lstStyle/>
-                    <a:p/>
-                  </a:txBody>
-                  <a:tcPr/>
-                </a:tc>
+                    <a:p>
+                      <a:endParaRPr/>
+                    </a:p>
+                  </a:txBody>
+                  <a:tcPr/>
+                </a:tc>
+                <a:tc>
+                  <a:txBody>
+                    <a:bodyPr/>
+                    <a:lstStyle/>
+                    <a:p>
+                      <a:endParaRPr/>
+                    </a:p>
+                  </a:txBody>
+                  <a:tcPr/>
+                </a:tc>
+                <a:tc>
+                  <a:txBody>
+                    <a:bodyPr/>
+                    <a:lstStyle/>
+                    <a:p>
+                      <a:endParaRPr/>
+                    </a:p>
+                  </a:txBody>
+                  <a:tcPr/>
+                </a:tc>
+                <a:tc>
+                  <a:txBody>
+                    <a:bodyPr/>
+                    <a:lstStyle/>
+                    <a:p>
+                      <a:endParaRPr/>
+                    </a:p>
+                  </a:txBody>
+                  <a:tcPr/>
+                </a:tc>
+                <a:tc>
+                  <a:txBody>
+                    <a:bodyPr/>
+                    <a:lstStyle/>
+                    <a:p>
+                      <a:endParaRPr dirty="0"/>
+                    </a:p>
+                  </a:txBody>
+                  <a:tcPr/>
+                </a:tc>
+                <a:extLst>
+                  <a:ext uri="{0D108BD9-81ED-4DB2-BD59-A6C34878D82A}">
+                    <a16:rowId xmlns:a16="http://schemas.microsoft.com/office/drawing/2014/main" val="10011"/>
+                  </a:ext>
+                </a:extLst>
               </a:tr>
             </a:tbl>
           </a:graphicData>
@@ -5775,7 +6309,7 @@
 </file>
 
 <file path=ppt/slides/slide9.xml><?xml version="1.0" encoding="utf-8"?>
-<p:sld xmlns:a="http://schemas.openxmlformats.org/drawingml/2006/main" xmlns:p="http://schemas.openxmlformats.org/presentationml/2006/main" xmlns:r="http://schemas.openxmlformats.org/officeDocument/2006/relationships">
+<p:sld xmlns:a="http://schemas.openxmlformats.org/drawingml/2006/main" xmlns:r="http://schemas.openxmlformats.org/officeDocument/2006/relationships" xmlns:p="http://schemas.openxmlformats.org/presentationml/2006/main">
   <p:cSld>
     <p:spTree>
       <p:nvGrpSpPr>
@@ -5783,7 +6317,14 @@
         <p:cNvGrpSpPr/>
         <p:nvPr/>
       </p:nvGrpSpPr>
-      <p:grpSpPr/>
+      <p:grpSpPr>
+        <a:xfrm>
+          <a:off x="0" y="0"/>
+          <a:ext cx="0" cy="0"/>
+          <a:chOff x="0" y="0"/>
+          <a:chExt cx="0" cy="0"/>
+        </a:xfrm>
+      </p:grpSpPr>
       <p:sp>
         <p:nvSpPr>
           <p:cNvPr id="2" name="Title 1"/>
@@ -5800,7 +6341,7 @@
           <a:lstStyle/>
           <a:p>
             <a:r>
-              <a:t>Top 10 AVG性能优化接口</a:t>
+              <a:t>Top 10 TP95性能优化接口</a:t>
             </a:r>
           </a:p>
         </p:txBody>
@@ -5811,11 +6352,17 @@
           <p:cNvGraphicFramePr>
             <a:graphicFrameLocks noGrp="1"/>
           </p:cNvGraphicFramePr>
-          <p:nvPr/>
+          <p:nvPr>
+            <p:extLst>
+              <p:ext uri="{D42A27DB-BD31-4B8C-83A1-F6EECF244321}">
+                <p14:modId xmlns:p14="http://schemas.microsoft.com/office/powerpoint/2010/main" val="1235559002"/>
+              </p:ext>
+            </p:extLst>
+          </p:nvPr>
         </p:nvGraphicFramePr>
         <p:xfrm>
           <a:off x="914400" y="1371600"/>
-          <a:ext cx="7315200" cy="1828800"/>
+          <a:ext cx="10393617" cy="4389120"/>
         </p:xfrm>
         <a:graphic>
           <a:graphicData uri="http://schemas.openxmlformats.org/drawingml/2006/table">
@@ -5824,11 +6371,41 @@
                 <a:tableStyleId>{5C22544A-7EE6-4342-B048-85BDC9FD1C3A}</a:tableStyleId>
               </a:tblPr>
               <a:tblGrid>
-                <a:gridCol w="1463040"/>
-                <a:gridCol w="1463040"/>
-                <a:gridCol w="1463040"/>
-                <a:gridCol w="1463040"/>
-                <a:gridCol w="1463040"/>
+                <a:gridCol w="4541457">
+                  <a:extLst>
+                    <a:ext uri="{9D8B030D-6E8A-4147-A177-3AD203B41FA5}">
+                      <a16:colId xmlns:a16="http://schemas.microsoft.com/office/drawing/2014/main" val="20000"/>
+                    </a:ext>
+                  </a:extLst>
+                </a:gridCol>
+                <a:gridCol w="1463040">
+                  <a:extLst>
+                    <a:ext uri="{9D8B030D-6E8A-4147-A177-3AD203B41FA5}">
+                      <a16:colId xmlns:a16="http://schemas.microsoft.com/office/drawing/2014/main" val="20001"/>
+                    </a:ext>
+                  </a:extLst>
+                </a:gridCol>
+                <a:gridCol w="1463040">
+                  <a:extLst>
+                    <a:ext uri="{9D8B030D-6E8A-4147-A177-3AD203B41FA5}">
+                      <a16:colId xmlns:a16="http://schemas.microsoft.com/office/drawing/2014/main" val="20002"/>
+                    </a:ext>
+                  </a:extLst>
+                </a:gridCol>
+                <a:gridCol w="1463040">
+                  <a:extLst>
+                    <a:ext uri="{9D8B030D-6E8A-4147-A177-3AD203B41FA5}">
+                      <a16:colId xmlns:a16="http://schemas.microsoft.com/office/drawing/2014/main" val="20003"/>
+                    </a:ext>
+                  </a:extLst>
+                </a:gridCol>
+                <a:gridCol w="1463040">
+                  <a:extLst>
+                    <a:ext uri="{9D8B030D-6E8A-4147-A177-3AD203B41FA5}">
+                      <a16:colId xmlns:a16="http://schemas.microsoft.com/office/drawing/2014/main" val="20004"/>
+                    </a:ext>
+                  </a:extLst>
+                </a:gridCol>
               </a:tblGrid>
               <a:tr h="152400">
                 <a:tc>
@@ -5849,48 +6426,53 @@
                     <a:lstStyle/>
                     <a:p>
                       <a:r>
-                        <a:t>平均响应时间_半年前</a:t>
-                      </a:r>
-                    </a:p>
-                  </a:txBody>
-                  <a:tcPr/>
-                </a:tc>
-                <a:tc>
-                  <a:txBody>
-                    <a:bodyPr/>
-                    <a:lstStyle/>
-                    <a:p>
-                      <a:r>
-                        <a:t>平均响应时间_当前</a:t>
-                      </a:r>
-                    </a:p>
-                  </a:txBody>
-                  <a:tcPr/>
-                </a:tc>
-                <a:tc>
-                  <a:txBody>
-                    <a:bodyPr/>
-                    <a:lstStyle/>
-                    <a:p>
-                      <a:r>
-                        <a:t>平均响应时间_变化</a:t>
-                      </a:r>
-                    </a:p>
-                  </a:txBody>
-                  <a:tcPr/>
-                </a:tc>
-                <a:tc>
-                  <a:txBody>
-                    <a:bodyPr/>
-                    <a:lstStyle/>
-                    <a:p>
-                      <a:r>
-                        <a:t>平均响应时间_变化率</a:t>
-                      </a:r>
-                    </a:p>
-                  </a:txBody>
-                  <a:tcPr/>
-                </a:tc>
+                        <a:t>TP95_V8101</a:t>
+                      </a:r>
+                    </a:p>
+                  </a:txBody>
+                  <a:tcPr/>
+                </a:tc>
+                <a:tc>
+                  <a:txBody>
+                    <a:bodyPr/>
+                    <a:lstStyle/>
+                    <a:p>
+                      <a:r>
+                        <a:t>TP95_V8104</a:t>
+                      </a:r>
+                    </a:p>
+                  </a:txBody>
+                  <a:tcPr/>
+                </a:tc>
+                <a:tc>
+                  <a:txBody>
+                    <a:bodyPr/>
+                    <a:lstStyle/>
+                    <a:p>
+                      <a:r>
+                        <a:t>TP95_变化</a:t>
+                      </a:r>
+                    </a:p>
+                  </a:txBody>
+                  <a:tcPr/>
+                </a:tc>
+                <a:tc>
+                  <a:txBody>
+                    <a:bodyPr/>
+                    <a:lstStyle/>
+                    <a:p>
+                      <a:r>
+                        <a:t>TP95_变化率</a:t>
+                      </a:r>
+                    </a:p>
+                  </a:txBody>
+                  <a:tcPr/>
+                </a:tc>
+                <a:extLst>
+                  <a:ext uri="{0D108BD9-81ED-4DB2-BD59-A6C34878D82A}">
+                    <a16:rowId xmlns:a16="http://schemas.microsoft.com/office/drawing/2014/main" val="10000"/>
+                  </a:ext>
+                </a:extLst>
               </a:tr>
               <a:tr h="152400">
                 <a:tc>
@@ -5899,60 +6481,65 @@
                     <a:lstStyle/>
                     <a:p>
                       <a:r>
-                        <a:t>GET /icompute/v1/global-content-repos/files/{fileId}/download</a:t>
-                      </a:r>
-                    </a:p>
-                  </a:txBody>
-                  <a:tcPr/>
-                </a:tc>
-                <a:tc>
-                  <a:txBody>
-                    <a:bodyPr/>
-                    <a:lstStyle/>
-                    <a:p>
-                      <a:r>
-                        <a:t>9406</a:t>
-                      </a:r>
-                    </a:p>
-                  </a:txBody>
-                  <a:tcPr/>
-                </a:tc>
-                <a:tc>
-                  <a:txBody>
-                    <a:bodyPr/>
-                    <a:lstStyle/>
-                    <a:p>
-                      <a:r>
-                        <a:t>4147</a:t>
-                      </a:r>
-                    </a:p>
-                  </a:txBody>
-                  <a:tcPr/>
-                </a:tc>
-                <a:tc>
-                  <a:txBody>
-                    <a:bodyPr/>
-                    <a:lstStyle/>
-                    <a:p>
-                      <a:r>
-                        <a:t>-5259</a:t>
-                      </a:r>
-                    </a:p>
-                  </a:txBody>
-                  <a:tcPr/>
-                </a:tc>
-                <a:tc>
-                  <a:txBody>
-                    <a:bodyPr/>
-                    <a:lstStyle/>
-                    <a:p>
-                      <a:r>
-                        <a:t>-55.91</a:t>
-                      </a:r>
-                    </a:p>
-                  </a:txBody>
-                  <a:tcPr/>
-                </a:tc>
+                        <a:t>PUT /icompute/v1/vms/{vmId}/poweroff</a:t>
+                      </a:r>
+                    </a:p>
+                  </a:txBody>
+                  <a:tcPr/>
+                </a:tc>
+                <a:tc>
+                  <a:txBody>
+                    <a:bodyPr/>
+                    <a:lstStyle/>
+                    <a:p>
+                      <a:r>
+                        <a:t>15265</a:t>
+                      </a:r>
+                    </a:p>
+                  </a:txBody>
+                  <a:tcPr/>
+                </a:tc>
+                <a:tc>
+                  <a:txBody>
+                    <a:bodyPr/>
+                    <a:lstStyle/>
+                    <a:p>
+                      <a:r>
+                        <a:t>2854</a:t>
+                      </a:r>
+                    </a:p>
+                  </a:txBody>
+                  <a:tcPr/>
+                </a:tc>
+                <a:tc>
+                  <a:txBody>
+                    <a:bodyPr/>
+                    <a:lstStyle/>
+                    <a:p>
+                      <a:r>
+                        <a:t>-12411</a:t>
+                      </a:r>
+                    </a:p>
+                  </a:txBody>
+                  <a:tcPr/>
+                </a:tc>
+                <a:tc>
+                  <a:txBody>
+                    <a:bodyPr/>
+                    <a:lstStyle/>
+                    <a:p>
+                      <a:r>
+                        <a:t>-81.3</a:t>
+                      </a:r>
+                    </a:p>
+                  </a:txBody>
+                  <a:tcPr/>
+                </a:tc>
+                <a:extLst>
+                  <a:ext uri="{0D108BD9-81ED-4DB2-BD59-A6C34878D82A}">
+                    <a16:rowId xmlns:a16="http://schemas.microsoft.com/office/drawing/2014/main" val="10001"/>
+                  </a:ext>
+                </a:extLst>
               </a:tr>
               <a:tr h="152400">
                 <a:tc>
@@ -5961,60 +6548,65 @@
                     <a:lstStyle/>
                     <a:p>
                       <a:r>
-                        <a:t>PUT /inetwork/v1/nat/{natId}</a:t>
-                      </a:r>
-                    </a:p>
-                  </a:txBody>
-                  <a:tcPr/>
-                </a:tc>
-                <a:tc>
-                  <a:txBody>
-                    <a:bodyPr/>
-                    <a:lstStyle/>
-                    <a:p>
-                      <a:r>
-                        <a:t>4442</a:t>
-                      </a:r>
-                    </a:p>
-                  </a:txBody>
-                  <a:tcPr/>
-                </a:tc>
-                <a:tc>
-                  <a:txBody>
-                    <a:bodyPr/>
-                    <a:lstStyle/>
-                    <a:p>
-                      <a:r>
-                        <a:t>1373</a:t>
-                      </a:r>
-                    </a:p>
-                  </a:txBody>
-                  <a:tcPr/>
-                </a:tc>
-                <a:tc>
-                  <a:txBody>
-                    <a:bodyPr/>
-                    <a:lstStyle/>
-                    <a:p>
-                      <a:r>
-                        <a:t>-3069</a:t>
-                      </a:r>
-                    </a:p>
-                  </a:txBody>
-                  <a:tcPr/>
-                </a:tc>
-                <a:tc>
-                  <a:txBody>
-                    <a:bodyPr/>
-                    <a:lstStyle/>
-                    <a:p>
-                      <a:r>
-                        <a:t>-69.09</a:t>
-                      </a:r>
-                    </a:p>
-                  </a:txBody>
-                  <a:tcPr/>
-                </a:tc>
+                        <a:t>DELETE /inetwork/v1/nat/{natId}</a:t>
+                      </a:r>
+                    </a:p>
+                  </a:txBody>
+                  <a:tcPr/>
+                </a:tc>
+                <a:tc>
+                  <a:txBody>
+                    <a:bodyPr/>
+                    <a:lstStyle/>
+                    <a:p>
+                      <a:r>
+                        <a:t>11905</a:t>
+                      </a:r>
+                    </a:p>
+                  </a:txBody>
+                  <a:tcPr/>
+                </a:tc>
+                <a:tc>
+                  <a:txBody>
+                    <a:bodyPr/>
+                    <a:lstStyle/>
+                    <a:p>
+                      <a:r>
+                        <a:t>4477</a:t>
+                      </a:r>
+                    </a:p>
+                  </a:txBody>
+                  <a:tcPr/>
+                </a:tc>
+                <a:tc>
+                  <a:txBody>
+                    <a:bodyPr/>
+                    <a:lstStyle/>
+                    <a:p>
+                      <a:r>
+                        <a:t>-7428</a:t>
+                      </a:r>
+                    </a:p>
+                  </a:txBody>
+                  <a:tcPr/>
+                </a:tc>
+                <a:tc>
+                  <a:txBody>
+                    <a:bodyPr/>
+                    <a:lstStyle/>
+                    <a:p>
+                      <a:r>
+                        <a:t>-62.39</a:t>
+                      </a:r>
+                    </a:p>
+                  </a:txBody>
+                  <a:tcPr/>
+                </a:tc>
+                <a:extLst>
+                  <a:ext uri="{0D108BD9-81ED-4DB2-BD59-A6C34878D82A}">
+                    <a16:rowId xmlns:a16="http://schemas.microsoft.com/office/drawing/2014/main" val="10002"/>
+                  </a:ext>
+                </a:extLst>
               </a:tr>
               <a:tr h="152400">
                 <a:tc>
@@ -6023,60 +6615,65 @@
                     <a:lstStyle/>
                     <a:p>
                       <a:r>
-                        <a:t>DELETE /inetwork/v1/dcSubnet/{dcSubnetId}</a:t>
-                      </a:r>
-                    </a:p>
-                  </a:txBody>
-                  <a:tcPr/>
-                </a:tc>
-                <a:tc>
-                  <a:txBody>
-                    <a:bodyPr/>
-                    <a:lstStyle/>
-                    <a:p>
-                      <a:r>
-                        <a:t>4351</a:t>
-                      </a:r>
-                    </a:p>
-                  </a:txBody>
-                  <a:tcPr/>
-                </a:tc>
-                <a:tc>
-                  <a:txBody>
-                    <a:bodyPr/>
-                    <a:lstStyle/>
-                    <a:p>
-                      <a:r>
-                        <a:t>1761</a:t>
-                      </a:r>
-                    </a:p>
-                  </a:txBody>
-                  <a:tcPr/>
-                </a:tc>
-                <a:tc>
-                  <a:txBody>
-                    <a:bodyPr/>
-                    <a:lstStyle/>
-                    <a:p>
-                      <a:r>
-                        <a:t>-2590</a:t>
-                      </a:r>
-                    </a:p>
-                  </a:txBody>
-                  <a:tcPr/>
-                </a:tc>
-                <a:tc>
-                  <a:txBody>
-                    <a:bodyPr/>
-                    <a:lstStyle/>
-                    <a:p>
-                      <a:r>
-                        <a:t>-59.53</a:t>
-                      </a:r>
-                    </a:p>
-                  </a:txBody>
-                  <a:tcPr/>
-                </a:tc>
+                        <a:t>POST /inetwork/v1/associated/subnet</a:t>
+                      </a:r>
+                    </a:p>
+                  </a:txBody>
+                  <a:tcPr/>
+                </a:tc>
+                <a:tc>
+                  <a:txBody>
+                    <a:bodyPr/>
+                    <a:lstStyle/>
+                    <a:p>
+                      <a:r>
+                        <a:t>8215</a:t>
+                      </a:r>
+                    </a:p>
+                  </a:txBody>
+                  <a:tcPr/>
+                </a:tc>
+                <a:tc>
+                  <a:txBody>
+                    <a:bodyPr/>
+                    <a:lstStyle/>
+                    <a:p>
+                      <a:r>
+                        <a:t>4229</a:t>
+                      </a:r>
+                    </a:p>
+                  </a:txBody>
+                  <a:tcPr/>
+                </a:tc>
+                <a:tc>
+                  <a:txBody>
+                    <a:bodyPr/>
+                    <a:lstStyle/>
+                    <a:p>
+                      <a:r>
+                        <a:t>-3986</a:t>
+                      </a:r>
+                    </a:p>
+                  </a:txBody>
+                  <a:tcPr/>
+                </a:tc>
+                <a:tc>
+                  <a:txBody>
+                    <a:bodyPr/>
+                    <a:lstStyle/>
+                    <a:p>
+                      <a:r>
+                        <a:t>-48.52</a:t>
+                      </a:r>
+                    </a:p>
+                  </a:txBody>
+                  <a:tcPr/>
+                </a:tc>
+                <a:extLst>
+                  <a:ext uri="{0D108BD9-81ED-4DB2-BD59-A6C34878D82A}">
+                    <a16:rowId xmlns:a16="http://schemas.microsoft.com/office/drawing/2014/main" val="10003"/>
+                  </a:ext>
+                </a:extLst>
               </a:tr>
               <a:tr h="152400">
                 <a:tc>
@@ -6085,60 +6682,65 @@
                     <a:lstStyle/>
                     <a:p>
                       <a:r>
-                        <a:t>DELETE /inetwork/v1/nat/{natId}</a:t>
-                      </a:r>
-                    </a:p>
-                  </a:txBody>
-                  <a:tcPr/>
-                </a:tc>
-                <a:tc>
-                  <a:txBody>
-                    <a:bodyPr/>
-                    <a:lstStyle/>
-                    <a:p>
-                      <a:r>
-                        <a:t>4505</a:t>
-                      </a:r>
-                    </a:p>
-                  </a:txBody>
-                  <a:tcPr/>
-                </a:tc>
-                <a:tc>
-                  <a:txBody>
-                    <a:bodyPr/>
-                    <a:lstStyle/>
-                    <a:p>
-                      <a:r>
-                        <a:t>2066</a:t>
-                      </a:r>
-                    </a:p>
-                  </a:txBody>
-                  <a:tcPr/>
-                </a:tc>
-                <a:tc>
-                  <a:txBody>
-                    <a:bodyPr/>
-                    <a:lstStyle/>
-                    <a:p>
-                      <a:r>
-                        <a:t>-2439</a:t>
-                      </a:r>
-                    </a:p>
-                  </a:txBody>
-                  <a:tcPr/>
-                </a:tc>
-                <a:tc>
-                  <a:txBody>
-                    <a:bodyPr/>
-                    <a:lstStyle/>
-                    <a:p>
-                      <a:r>
-                        <a:t>-54.14</a:t>
-                      </a:r>
-                    </a:p>
-                  </a:txBody>
-                  <a:tcPr/>
-                </a:tc>
+                        <a:t>DELETE /inetwork/v1/ports/{portMor}/port</a:t>
+                      </a:r>
+                    </a:p>
+                  </a:txBody>
+                  <a:tcPr/>
+                </a:tc>
+                <a:tc>
+                  <a:txBody>
+                    <a:bodyPr/>
+                    <a:lstStyle/>
+                    <a:p>
+                      <a:r>
+                        <a:t>5106</a:t>
+                      </a:r>
+                    </a:p>
+                  </a:txBody>
+                  <a:tcPr/>
+                </a:tc>
+                <a:tc>
+                  <a:txBody>
+                    <a:bodyPr/>
+                    <a:lstStyle/>
+                    <a:p>
+                      <a:r>
+                        <a:t>1468</a:t>
+                      </a:r>
+                    </a:p>
+                  </a:txBody>
+                  <a:tcPr/>
+                </a:tc>
+                <a:tc>
+                  <a:txBody>
+                    <a:bodyPr/>
+                    <a:lstStyle/>
+                    <a:p>
+                      <a:r>
+                        <a:t>-3638</a:t>
+                      </a:r>
+                    </a:p>
+                  </a:txBody>
+                  <a:tcPr/>
+                </a:tc>
+                <a:tc>
+                  <a:txBody>
+                    <a:bodyPr/>
+                    <a:lstStyle/>
+                    <a:p>
+                      <a:r>
+                        <a:t>-71.25</a:t>
+                      </a:r>
+                    </a:p>
+                  </a:txBody>
+                  <a:tcPr/>
+                </a:tc>
+                <a:extLst>
+                  <a:ext uri="{0D108BD9-81ED-4DB2-BD59-A6C34878D82A}">
+                    <a16:rowId xmlns:a16="http://schemas.microsoft.com/office/drawing/2014/main" val="10004"/>
+                  </a:ext>
+                </a:extLst>
               </a:tr>
               <a:tr h="152400">
                 <a:tc>
@@ -6147,60 +6749,65 @@
                     <a:lstStyle/>
                     <a:p>
                       <a:r>
-                        <a:t>PUT /inetwork/v1/routers/{routerId}/remove-router-interface/{routerInterfaceId}</a:t>
-                      </a:r>
-                    </a:p>
-                  </a:txBody>
-                  <a:tcPr/>
-                </a:tc>
-                <a:tc>
-                  <a:txBody>
-                    <a:bodyPr/>
-                    <a:lstStyle/>
-                    <a:p>
-                      <a:r>
-                        <a:t>3547</a:t>
-                      </a:r>
-                    </a:p>
-                  </a:txBody>
-                  <a:tcPr/>
-                </a:tc>
-                <a:tc>
-                  <a:txBody>
-                    <a:bodyPr/>
-                    <a:lstStyle/>
-                    <a:p>
-                      <a:r>
-                        <a:t>1437</a:t>
-                      </a:r>
-                    </a:p>
-                  </a:txBody>
-                  <a:tcPr/>
-                </a:tc>
-                <a:tc>
-                  <a:txBody>
-                    <a:bodyPr/>
-                    <a:lstStyle/>
-                    <a:p>
-                      <a:r>
-                        <a:t>-2110</a:t>
-                      </a:r>
-                    </a:p>
-                  </a:txBody>
-                  <a:tcPr/>
-                </a:tc>
-                <a:tc>
-                  <a:txBody>
-                    <a:bodyPr/>
-                    <a:lstStyle/>
-                    <a:p>
-                      <a:r>
-                        <a:t>-59.49</a:t>
-                      </a:r>
-                    </a:p>
-                  </a:txBody>
-                  <a:tcPr/>
-                </a:tc>
+                        <a:t>POST /inetwork/v1/ports</a:t>
+                      </a:r>
+                    </a:p>
+                  </a:txBody>
+                  <a:tcPr/>
+                </a:tc>
+                <a:tc>
+                  <a:txBody>
+                    <a:bodyPr/>
+                    <a:lstStyle/>
+                    <a:p>
+                      <a:r>
+                        <a:t>5040</a:t>
+                      </a:r>
+                    </a:p>
+                  </a:txBody>
+                  <a:tcPr/>
+                </a:tc>
+                <a:tc>
+                  <a:txBody>
+                    <a:bodyPr/>
+                    <a:lstStyle/>
+                    <a:p>
+                      <a:r>
+                        <a:t>1851</a:t>
+                      </a:r>
+                    </a:p>
+                  </a:txBody>
+                  <a:tcPr/>
+                </a:tc>
+                <a:tc>
+                  <a:txBody>
+                    <a:bodyPr/>
+                    <a:lstStyle/>
+                    <a:p>
+                      <a:r>
+                        <a:t>-3189</a:t>
+                      </a:r>
+                    </a:p>
+                  </a:txBody>
+                  <a:tcPr/>
+                </a:tc>
+                <a:tc>
+                  <a:txBody>
+                    <a:bodyPr/>
+                    <a:lstStyle/>
+                    <a:p>
+                      <a:r>
+                        <a:t>-63.27</a:t>
+                      </a:r>
+                    </a:p>
+                  </a:txBody>
+                  <a:tcPr/>
+                </a:tc>
+                <a:extLst>
+                  <a:ext uri="{0D108BD9-81ED-4DB2-BD59-A6C34878D82A}">
+                    <a16:rowId xmlns:a16="http://schemas.microsoft.com/office/drawing/2014/main" val="10005"/>
+                  </a:ext>
+                </a:extLst>
               </a:tr>
               <a:tr h="152400">
                 <a:tc>
@@ -6209,60 +6816,65 @@
                     <a:lstStyle/>
                     <a:p>
                       <a:r>
-                        <a:t>POST /inetwork/v1/routers/{routerId}/add-host-route</a:t>
-                      </a:r>
-                    </a:p>
-                  </a:txBody>
-                  <a:tcPr/>
-                </a:tc>
-                <a:tc>
-                  <a:txBody>
-                    <a:bodyPr/>
-                    <a:lstStyle/>
-                    <a:p>
-                      <a:r>
-                        <a:t>2974</a:t>
-                      </a:r>
-                    </a:p>
-                  </a:txBody>
-                  <a:tcPr/>
-                </a:tc>
-                <a:tc>
-                  <a:txBody>
-                    <a:bodyPr/>
-                    <a:lstStyle/>
-                    <a:p>
-                      <a:r>
-                        <a:t>878</a:t>
-                      </a:r>
-                    </a:p>
-                  </a:txBody>
-                  <a:tcPr/>
-                </a:tc>
-                <a:tc>
-                  <a:txBody>
-                    <a:bodyPr/>
-                    <a:lstStyle/>
-                    <a:p>
-                      <a:r>
-                        <a:t>-2096</a:t>
-                      </a:r>
-                    </a:p>
-                  </a:txBody>
-                  <a:tcPr/>
-                </a:tc>
-                <a:tc>
-                  <a:txBody>
-                    <a:bodyPr/>
-                    <a:lstStyle/>
-                    <a:p>
-                      <a:r>
-                        <a:t>-70.48</a:t>
-                      </a:r>
-                    </a:p>
-                  </a:txBody>
-                  <a:tcPr/>
-                </a:tc>
+                        <a:t>POST /ibase/v1/vdcs</a:t>
+                      </a:r>
+                    </a:p>
+                  </a:txBody>
+                  <a:tcPr/>
+                </a:tc>
+                <a:tc>
+                  <a:txBody>
+                    <a:bodyPr/>
+                    <a:lstStyle/>
+                    <a:p>
+                      <a:r>
+                        <a:t>4223</a:t>
+                      </a:r>
+                    </a:p>
+                  </a:txBody>
+                  <a:tcPr/>
+                </a:tc>
+                <a:tc>
+                  <a:txBody>
+                    <a:bodyPr/>
+                    <a:lstStyle/>
+                    <a:p>
+                      <a:r>
+                        <a:t>1119</a:t>
+                      </a:r>
+                    </a:p>
+                  </a:txBody>
+                  <a:tcPr/>
+                </a:tc>
+                <a:tc>
+                  <a:txBody>
+                    <a:bodyPr/>
+                    <a:lstStyle/>
+                    <a:p>
+                      <a:r>
+                        <a:t>-3104</a:t>
+                      </a:r>
+                    </a:p>
+                  </a:txBody>
+                  <a:tcPr/>
+                </a:tc>
+                <a:tc>
+                  <a:txBody>
+                    <a:bodyPr/>
+                    <a:lstStyle/>
+                    <a:p>
+                      <a:r>
+                        <a:t>-73.5</a:t>
+                      </a:r>
+                    </a:p>
+                  </a:txBody>
+                  <a:tcPr/>
+                </a:tc>
+                <a:extLst>
+                  <a:ext uri="{0D108BD9-81ED-4DB2-BD59-A6C34878D82A}">
+                    <a16:rowId xmlns:a16="http://schemas.microsoft.com/office/drawing/2014/main" val="10006"/>
+                  </a:ext>
+                </a:extLst>
               </a:tr>
               <a:tr h="152400">
                 <a:tc>
@@ -6271,60 +6883,65 @@
                     <a:lstStyle/>
                     <a:p>
                       <a:r>
-                        <a:t>DELETE /inetwork/v1/ipSecVpn/{id}</a:t>
-                      </a:r>
-                    </a:p>
-                  </a:txBody>
-                  <a:tcPr/>
-                </a:tc>
-                <a:tc>
-                  <a:txBody>
-                    <a:bodyPr/>
-                    <a:lstStyle/>
-                    <a:p>
-                      <a:r>
-                        <a:t>4821</a:t>
-                      </a:r>
-                    </a:p>
-                  </a:txBody>
-                  <a:tcPr/>
-                </a:tc>
-                <a:tc>
-                  <a:txBody>
-                    <a:bodyPr/>
-                    <a:lstStyle/>
-                    <a:p>
-                      <a:r>
-                        <a:t>2800</a:t>
-                      </a:r>
-                    </a:p>
-                  </a:txBody>
-                  <a:tcPr/>
-                </a:tc>
-                <a:tc>
-                  <a:txBody>
-                    <a:bodyPr/>
-                    <a:lstStyle/>
-                    <a:p>
-                      <a:r>
-                        <a:t>-2021</a:t>
-                      </a:r>
-                    </a:p>
-                  </a:txBody>
-                  <a:tcPr/>
-                </a:tc>
-                <a:tc>
-                  <a:txBody>
-                    <a:bodyPr/>
-                    <a:lstStyle/>
-                    <a:p>
-                      <a:r>
-                        <a:t>-41.92</a:t>
-                      </a:r>
-                    </a:p>
-                  </a:txBody>
-                  <a:tcPr/>
-                </a:tc>
+                        <a:t>PUT /inetwork/v1/ports/{portMor}</a:t>
+                      </a:r>
+                    </a:p>
+                  </a:txBody>
+                  <a:tcPr/>
+                </a:tc>
+                <a:tc>
+                  <a:txBody>
+                    <a:bodyPr/>
+                    <a:lstStyle/>
+                    <a:p>
+                      <a:r>
+                        <a:t>4131</a:t>
+                      </a:r>
+                    </a:p>
+                  </a:txBody>
+                  <a:tcPr/>
+                </a:tc>
+                <a:tc>
+                  <a:txBody>
+                    <a:bodyPr/>
+                    <a:lstStyle/>
+                    <a:p>
+                      <a:r>
+                        <a:t>1802</a:t>
+                      </a:r>
+                    </a:p>
+                  </a:txBody>
+                  <a:tcPr/>
+                </a:tc>
+                <a:tc>
+                  <a:txBody>
+                    <a:bodyPr/>
+                    <a:lstStyle/>
+                    <a:p>
+                      <a:r>
+                        <a:t>-2329</a:t>
+                      </a:r>
+                    </a:p>
+                  </a:txBody>
+                  <a:tcPr/>
+                </a:tc>
+                <a:tc>
+                  <a:txBody>
+                    <a:bodyPr/>
+                    <a:lstStyle/>
+                    <a:p>
+                      <a:r>
+                        <a:t>-56.38</a:t>
+                      </a:r>
+                    </a:p>
+                  </a:txBody>
+                  <a:tcPr/>
+                </a:tc>
+                <a:extLst>
+                  <a:ext uri="{0D108BD9-81ED-4DB2-BD59-A6C34878D82A}">
+                    <a16:rowId xmlns:a16="http://schemas.microsoft.com/office/drawing/2014/main" val="10007"/>
+                  </a:ext>
+                </a:extLst>
               </a:tr>
               <a:tr h="152400">
                 <a:tc>
@@ -6333,60 +6950,65 @@
                     <a:lstStyle/>
                     <a:p>
                       <a:r>
-                        <a:t>PUT /inetwork/v1/balancers/{balancerId}</a:t>
-                      </a:r>
-                    </a:p>
-                  </a:txBody>
-                  <a:tcPr/>
-                </a:tc>
-                <a:tc>
-                  <a:txBody>
-                    <a:bodyPr/>
-                    <a:lstStyle/>
-                    <a:p>
-                      <a:r>
-                        <a:t>2473</a:t>
-                      </a:r>
-                    </a:p>
-                  </a:txBody>
-                  <a:tcPr/>
-                </a:tc>
-                <a:tc>
-                  <a:txBody>
-                    <a:bodyPr/>
-                    <a:lstStyle/>
-                    <a:p>
-                      <a:r>
-                        <a:t>556</a:t>
-                      </a:r>
-                    </a:p>
-                  </a:txBody>
-                  <a:tcPr/>
-                </a:tc>
-                <a:tc>
-                  <a:txBody>
-                    <a:bodyPr/>
-                    <a:lstStyle/>
-                    <a:p>
-                      <a:r>
-                        <a:t>-1917</a:t>
-                      </a:r>
-                    </a:p>
-                  </a:txBody>
-                  <a:tcPr/>
-                </a:tc>
-                <a:tc>
-                  <a:txBody>
-                    <a:bodyPr/>
-                    <a:lstStyle/>
-                    <a:p>
-                      <a:r>
-                        <a:t>-77.52</a:t>
-                      </a:r>
-                    </a:p>
-                  </a:txBody>
-                  <a:tcPr/>
-                </a:tc>
+                        <a:t>PUT /inetwork/v1/nets/{netId}</a:t>
+                      </a:r>
+                    </a:p>
+                  </a:txBody>
+                  <a:tcPr/>
+                </a:tc>
+                <a:tc>
+                  <a:txBody>
+                    <a:bodyPr/>
+                    <a:lstStyle/>
+                    <a:p>
+                      <a:r>
+                        <a:t>4266</a:t>
+                      </a:r>
+                    </a:p>
+                  </a:txBody>
+                  <a:tcPr/>
+                </a:tc>
+                <a:tc>
+                  <a:txBody>
+                    <a:bodyPr/>
+                    <a:lstStyle/>
+                    <a:p>
+                      <a:r>
+                        <a:t>2058</a:t>
+                      </a:r>
+                    </a:p>
+                  </a:txBody>
+                  <a:tcPr/>
+                </a:tc>
+                <a:tc>
+                  <a:txBody>
+                    <a:bodyPr/>
+                    <a:lstStyle/>
+                    <a:p>
+                      <a:r>
+                        <a:t>-2208</a:t>
+                      </a:r>
+                    </a:p>
+                  </a:txBody>
+                  <a:tcPr/>
+                </a:tc>
+                <a:tc>
+                  <a:txBody>
+                    <a:bodyPr/>
+                    <a:lstStyle/>
+                    <a:p>
+                      <a:r>
+                        <a:t>-51.76</a:t>
+                      </a:r>
+                    </a:p>
+                  </a:txBody>
+                  <a:tcPr/>
+                </a:tc>
+                <a:extLst>
+                  <a:ext uri="{0D108BD9-81ED-4DB2-BD59-A6C34878D82A}">
+                    <a16:rowId xmlns:a16="http://schemas.microsoft.com/office/drawing/2014/main" val="10008"/>
+                  </a:ext>
+                </a:extLst>
               </a:tr>
               <a:tr h="152400">
                 <a:tc>
@@ -6395,60 +7017,65 @@
                     <a:lstStyle/>
                     <a:p>
                       <a:r>
-                        <a:t>POST /istorage/imanila/v2/pools/create_dir</a:t>
-                      </a:r>
-                    </a:p>
-                  </a:txBody>
-                  <a:tcPr/>
-                </a:tc>
-                <a:tc>
-                  <a:txBody>
-                    <a:bodyPr/>
-                    <a:lstStyle/>
-                    <a:p>
-                      <a:r>
-                        <a:t>2927</a:t>
-                      </a:r>
-                    </a:p>
-                  </a:txBody>
-                  <a:tcPr/>
-                </a:tc>
-                <a:tc>
-                  <a:txBody>
-                    <a:bodyPr/>
-                    <a:lstStyle/>
-                    <a:p>
-                      <a:r>
-                        <a:t>1031</a:t>
-                      </a:r>
-                    </a:p>
-                  </a:txBody>
-                  <a:tcPr/>
-                </a:tc>
-                <a:tc>
-                  <a:txBody>
-                    <a:bodyPr/>
-                    <a:lstStyle/>
-                    <a:p>
-                      <a:r>
-                        <a:t>-1896</a:t>
-                      </a:r>
-                    </a:p>
-                  </a:txBody>
-                  <a:tcPr/>
-                </a:tc>
-                <a:tc>
-                  <a:txBody>
-                    <a:bodyPr/>
-                    <a:lstStyle/>
-                    <a:p>
-                      <a:r>
-                        <a:t>-64.78</a:t>
-                      </a:r>
-                    </a:p>
-                  </a:txBody>
-                  <a:tcPr/>
-                </a:tc>
+                        <a:t>DELETE /inetwork/v1/floatingips/{floatingipId}</a:t>
+                      </a:r>
+                    </a:p>
+                  </a:txBody>
+                  <a:tcPr/>
+                </a:tc>
+                <a:tc>
+                  <a:txBody>
+                    <a:bodyPr/>
+                    <a:lstStyle/>
+                    <a:p>
+                      <a:r>
+                        <a:t>3829</a:t>
+                      </a:r>
+                    </a:p>
+                  </a:txBody>
+                  <a:tcPr/>
+                </a:tc>
+                <a:tc>
+                  <a:txBody>
+                    <a:bodyPr/>
+                    <a:lstStyle/>
+                    <a:p>
+                      <a:r>
+                        <a:t>1940</a:t>
+                      </a:r>
+                    </a:p>
+                  </a:txBody>
+                  <a:tcPr/>
+                </a:tc>
+                <a:tc>
+                  <a:txBody>
+                    <a:bodyPr/>
+                    <a:lstStyle/>
+                    <a:p>
+                      <a:r>
+                        <a:t>-1889</a:t>
+                      </a:r>
+                    </a:p>
+                  </a:txBody>
+                  <a:tcPr/>
+                </a:tc>
+                <a:tc>
+                  <a:txBody>
+                    <a:bodyPr/>
+                    <a:lstStyle/>
+                    <a:p>
+                      <a:r>
+                        <a:t>-49.33</a:t>
+                      </a:r>
+                    </a:p>
+                  </a:txBody>
+                  <a:tcPr/>
+                </a:tc>
+                <a:extLst>
+                  <a:ext uri="{0D108BD9-81ED-4DB2-BD59-A6C34878D82A}">
+                    <a16:rowId xmlns:a16="http://schemas.microsoft.com/office/drawing/2014/main" val="10009"/>
+                  </a:ext>
+                </a:extLst>
               </a:tr>
               <a:tr h="152400">
                 <a:tc>
@@ -6457,102 +7084,122 @@
                     <a:lstStyle/>
                     <a:p>
                       <a:r>
-                        <a:t>POST /istorage/v1/objstorObj/policy</a:t>
-                      </a:r>
-                    </a:p>
-                  </a:txBody>
-                  <a:tcPr/>
-                </a:tc>
-                <a:tc>
-                  <a:txBody>
-                    <a:bodyPr/>
-                    <a:lstStyle/>
-                    <a:p>
-                      <a:r>
-                        <a:t>2951</a:t>
-                      </a:r>
-                    </a:p>
-                  </a:txBody>
-                  <a:tcPr/>
-                </a:tc>
-                <a:tc>
-                  <a:txBody>
-                    <a:bodyPr/>
-                    <a:lstStyle/>
-                    <a:p>
-                      <a:r>
-                        <a:t>1116</a:t>
-                      </a:r>
-                    </a:p>
-                  </a:txBody>
-                  <a:tcPr/>
-                </a:tc>
-                <a:tc>
-                  <a:txBody>
-                    <a:bodyPr/>
-                    <a:lstStyle/>
-                    <a:p>
-                      <a:r>
-                        <a:t>-1835</a:t>
-                      </a:r>
-                    </a:p>
-                  </a:txBody>
-                  <a:tcPr/>
-                </a:tc>
-                <a:tc>
-                  <a:txBody>
-                    <a:bodyPr/>
-                    <a:lstStyle/>
-                    <a:p>
-                      <a:r>
-                        <a:t>-62.18</a:t>
-                      </a:r>
-                    </a:p>
-                  </a:txBody>
-                  <a:tcPr/>
-                </a:tc>
+                        <a:t>POST /inetwork/v1/vpcs</a:t>
+                      </a:r>
+                    </a:p>
+                  </a:txBody>
+                  <a:tcPr/>
+                </a:tc>
+                <a:tc>
+                  <a:txBody>
+                    <a:bodyPr/>
+                    <a:lstStyle/>
+                    <a:p>
+                      <a:r>
+                        <a:t>3919</a:t>
+                      </a:r>
+                    </a:p>
+                  </a:txBody>
+                  <a:tcPr/>
+                </a:tc>
+                <a:tc>
+                  <a:txBody>
+                    <a:bodyPr/>
+                    <a:lstStyle/>
+                    <a:p>
+                      <a:r>
+                        <a:t>2260</a:t>
+                      </a:r>
+                    </a:p>
+                  </a:txBody>
+                  <a:tcPr/>
+                </a:tc>
+                <a:tc>
+                  <a:txBody>
+                    <a:bodyPr/>
+                    <a:lstStyle/>
+                    <a:p>
+                      <a:r>
+                        <a:t>-1659</a:t>
+                      </a:r>
+                    </a:p>
+                  </a:txBody>
+                  <a:tcPr/>
+                </a:tc>
+                <a:tc>
+                  <a:txBody>
+                    <a:bodyPr/>
+                    <a:lstStyle/>
+                    <a:p>
+                      <a:r>
+                        <a:t>-42.33</a:t>
+                      </a:r>
+                    </a:p>
+                  </a:txBody>
+                  <a:tcPr/>
+                </a:tc>
+                <a:extLst>
+                  <a:ext uri="{0D108BD9-81ED-4DB2-BD59-A6C34878D82A}">
+                    <a16:rowId xmlns:a16="http://schemas.microsoft.com/office/drawing/2014/main" val="10010"/>
+                  </a:ext>
+                </a:extLst>
               </a:tr>
               <a:tr h="152400">
                 <a:tc>
                   <a:txBody>
                     <a:bodyPr/>
                     <a:lstStyle/>
-                    <a:p/>
-                  </a:txBody>
-                  <a:tcPr/>
-                </a:tc>
-                <a:tc>
-                  <a:txBody>
-                    <a:bodyPr/>
-                    <a:lstStyle/>
-                    <a:p/>
-                  </a:txBody>
-                  <a:tcPr/>
-                </a:tc>
-                <a:tc>
-                  <a:txBody>
-                    <a:bodyPr/>
-                    <a:lstStyle/>
-                    <a:p/>
-                  </a:txBody>
-                  <a:tcPr/>
-                </a:tc>
-                <a:tc>
-                  <a:txBody>
-                    <a:bodyPr/>
-                    <a:lstStyle/>
-                    <a:p/>
-                  </a:txBody>
-                  <a:tcPr/>
-                </a:tc>
-                <a:tc>
-                  <a:txBody>
-                    <a:bodyPr/>
-                    <a:lstStyle/>
-                    <a:p/>
-                  </a:txBody>
-                  <a:tcPr/>
-                </a:tc>
+                    <a:p>
+                      <a:endParaRPr/>
+                    </a:p>
+                  </a:txBody>
+                  <a:tcPr/>
+                </a:tc>
+                <a:tc>
+                  <a:txBody>
+                    <a:bodyPr/>
+                    <a:lstStyle/>
+                    <a:p>
+                      <a:endParaRPr/>
+                    </a:p>
+                  </a:txBody>
+                  <a:tcPr/>
+                </a:tc>
+                <a:tc>
+                  <a:txBody>
+                    <a:bodyPr/>
+                    <a:lstStyle/>
+                    <a:p>
+                      <a:endParaRPr/>
+                    </a:p>
+                  </a:txBody>
+                  <a:tcPr/>
+                </a:tc>
+                <a:tc>
+                  <a:txBody>
+                    <a:bodyPr/>
+                    <a:lstStyle/>
+                    <a:p>
+                      <a:endParaRPr/>
+                    </a:p>
+                  </a:txBody>
+                  <a:tcPr/>
+                </a:tc>
+                <a:tc>
+                  <a:txBody>
+                    <a:bodyPr/>
+                    <a:lstStyle/>
+                    <a:p>
+                      <a:endParaRPr dirty="0"/>
+                    </a:p>
+                  </a:txBody>
+                  <a:tcPr/>
+                </a:tc>
+                <a:extLst>
+                  <a:ext uri="{0D108BD9-81ED-4DB2-BD59-A6C34878D82A}">
+                    <a16:rowId xmlns:a16="http://schemas.microsoft.com/office/drawing/2014/main" val="10011"/>
+                  </a:ext>
+                </a:extLst>
               </a:tr>
             </a:tbl>
           </a:graphicData>

--- a/performance/interface_performance_analysis/performance_analysis_report.pptx
+++ b/performance/interface_performance_analysis/performance_analysis_report.pptx
@@ -13,9 +13,7 @@
     <p:sldId id="261" r:id="rId7"/>
     <p:sldId id="262" r:id="rId8"/>
     <p:sldId id="263" r:id="rId9"/>
-    <p:sldId id="264" r:id="rId10"/>
-    <p:sldId id="265" r:id="rId11"/>
-    <p:sldId id="266" r:id="rId12"/>
+    <p:sldId id="265" r:id="rId10"/>
   </p:sldIdLst>
   <p:sldSz cx="9144000" cy="6858000" type="screen4x3"/>
   <p:notesSz cx="6858000" cy="9144000"/>
@@ -3171,1816 +3169,6 @@
 </p:sld>
 </file>
 
-<file path=ppt/slides/slide10.xml><?xml version="1.0" encoding="utf-8"?>
-<p:sld xmlns:a="http://schemas.openxmlformats.org/drawingml/2006/main" xmlns:r="http://schemas.openxmlformats.org/officeDocument/2006/relationships" xmlns:p="http://schemas.openxmlformats.org/presentationml/2006/main">
-  <p:cSld>
-    <p:spTree>
-      <p:nvGrpSpPr>
-        <p:cNvPr id="1" name=""/>
-        <p:cNvGrpSpPr/>
-        <p:nvPr/>
-      </p:nvGrpSpPr>
-      <p:grpSpPr>
-        <a:xfrm>
-          <a:off x="0" y="0"/>
-          <a:ext cx="0" cy="0"/>
-          <a:chOff x="0" y="0"/>
-          <a:chExt cx="0" cy="0"/>
-        </a:xfrm>
-      </p:grpSpPr>
-      <p:sp>
-        <p:nvSpPr>
-          <p:cNvPr id="2" name="Title 1"/>
-          <p:cNvSpPr>
-            <a:spLocks noGrp="1"/>
-          </p:cNvSpPr>
-          <p:nvPr>
-            <p:ph type="title"/>
-          </p:nvPr>
-        </p:nvSpPr>
-        <p:spPr/>
-        <p:txBody>
-          <a:bodyPr/>
-          <a:lstStyle/>
-          <a:p>
-            <a:r>
-              <a:t>Top 10 AVG性能退步接口</a:t>
-            </a:r>
-          </a:p>
-        </p:txBody>
-      </p:sp>
-      <p:graphicFrame>
-        <p:nvGraphicFramePr>
-          <p:cNvPr id="3" name="Table 2"/>
-          <p:cNvGraphicFramePr>
-            <a:graphicFrameLocks noGrp="1"/>
-          </p:cNvGraphicFramePr>
-          <p:nvPr>
-            <p:extLst>
-              <p:ext uri="{D42A27DB-BD31-4B8C-83A1-F6EECF244321}">
-                <p14:modId xmlns:p14="http://schemas.microsoft.com/office/powerpoint/2010/main" val="3158433463"/>
-              </p:ext>
-            </p:extLst>
-          </p:nvPr>
-        </p:nvGraphicFramePr>
-        <p:xfrm>
-          <a:off x="914400" y="1371600"/>
-          <a:ext cx="13357416" cy="4389120"/>
-        </p:xfrm>
-        <a:graphic>
-          <a:graphicData uri="http://schemas.openxmlformats.org/drawingml/2006/table">
-            <a:tbl>
-              <a:tblPr firstRow="1" bandRow="1">
-                <a:tableStyleId>{5C22544A-7EE6-4342-B048-85BDC9FD1C3A}</a:tableStyleId>
-              </a:tblPr>
-              <a:tblGrid>
-                <a:gridCol w="7505256">
-                  <a:extLst>
-                    <a:ext uri="{9D8B030D-6E8A-4147-A177-3AD203B41FA5}">
-                      <a16:colId xmlns:a16="http://schemas.microsoft.com/office/drawing/2014/main" val="20000"/>
-                    </a:ext>
-                  </a:extLst>
-                </a:gridCol>
-                <a:gridCol w="1463040">
-                  <a:extLst>
-                    <a:ext uri="{9D8B030D-6E8A-4147-A177-3AD203B41FA5}">
-                      <a16:colId xmlns:a16="http://schemas.microsoft.com/office/drawing/2014/main" val="20001"/>
-                    </a:ext>
-                  </a:extLst>
-                </a:gridCol>
-                <a:gridCol w="1463040">
-                  <a:extLst>
-                    <a:ext uri="{9D8B030D-6E8A-4147-A177-3AD203B41FA5}">
-                      <a16:colId xmlns:a16="http://schemas.microsoft.com/office/drawing/2014/main" val="20002"/>
-                    </a:ext>
-                  </a:extLst>
-                </a:gridCol>
-                <a:gridCol w="1463040">
-                  <a:extLst>
-                    <a:ext uri="{9D8B030D-6E8A-4147-A177-3AD203B41FA5}">
-                      <a16:colId xmlns:a16="http://schemas.microsoft.com/office/drawing/2014/main" val="20003"/>
-                    </a:ext>
-                  </a:extLst>
-                </a:gridCol>
-                <a:gridCol w="1463040">
-                  <a:extLst>
-                    <a:ext uri="{9D8B030D-6E8A-4147-A177-3AD203B41FA5}">
-                      <a16:colId xmlns:a16="http://schemas.microsoft.com/office/drawing/2014/main" val="20004"/>
-                    </a:ext>
-                  </a:extLst>
-                </a:gridCol>
-              </a:tblGrid>
-              <a:tr h="152400">
-                <a:tc>
-                  <a:txBody>
-                    <a:bodyPr/>
-                    <a:lstStyle/>
-                    <a:p>
-                      <a:r>
-                        <a:t>接口标识</a:t>
-                      </a:r>
-                    </a:p>
-                  </a:txBody>
-                  <a:tcPr/>
-                </a:tc>
-                <a:tc>
-                  <a:txBody>
-                    <a:bodyPr/>
-                    <a:lstStyle/>
-                    <a:p>
-                      <a:r>
-                        <a:t>AVG_V8101</a:t>
-                      </a:r>
-                    </a:p>
-                  </a:txBody>
-                  <a:tcPr/>
-                </a:tc>
-                <a:tc>
-                  <a:txBody>
-                    <a:bodyPr/>
-                    <a:lstStyle/>
-                    <a:p>
-                      <a:r>
-                        <a:t>AVG_V8104</a:t>
-                      </a:r>
-                    </a:p>
-                  </a:txBody>
-                  <a:tcPr/>
-                </a:tc>
-                <a:tc>
-                  <a:txBody>
-                    <a:bodyPr/>
-                    <a:lstStyle/>
-                    <a:p>
-                      <a:r>
-                        <a:t>AVG_变化</a:t>
-                      </a:r>
-                    </a:p>
-                  </a:txBody>
-                  <a:tcPr/>
-                </a:tc>
-                <a:tc>
-                  <a:txBody>
-                    <a:bodyPr/>
-                    <a:lstStyle/>
-                    <a:p>
-                      <a:r>
-                        <a:t>AVG_变化率</a:t>
-                      </a:r>
-                    </a:p>
-                  </a:txBody>
-                  <a:tcPr/>
-                </a:tc>
-                <a:extLst>
-                  <a:ext uri="{0D108BD9-81ED-4DB2-BD59-A6C34878D82A}">
-                    <a16:rowId xmlns:a16="http://schemas.microsoft.com/office/drawing/2014/main" val="10000"/>
-                  </a:ext>
-                </a:extLst>
-              </a:tr>
-              <a:tr h="152400">
-                <a:tc>
-                  <a:txBody>
-                    <a:bodyPr/>
-                    <a:lstStyle/>
-                    <a:p>
-                      <a:r>
-                        <a:t>GET /iworkflow/v1/historys/user/list</a:t>
-                      </a:r>
-                    </a:p>
-                  </a:txBody>
-                  <a:tcPr/>
-                </a:tc>
-                <a:tc>
-                  <a:txBody>
-                    <a:bodyPr/>
-                    <a:lstStyle/>
-                    <a:p>
-                      <a:r>
-                        <a:t>129</a:t>
-                      </a:r>
-                    </a:p>
-                  </a:txBody>
-                  <a:tcPr/>
-                </a:tc>
-                <a:tc>
-                  <a:txBody>
-                    <a:bodyPr/>
-                    <a:lstStyle/>
-                    <a:p>
-                      <a:r>
-                        <a:t>884</a:t>
-                      </a:r>
-                    </a:p>
-                  </a:txBody>
-                  <a:tcPr/>
-                </a:tc>
-                <a:tc>
-                  <a:txBody>
-                    <a:bodyPr/>
-                    <a:lstStyle/>
-                    <a:p>
-                      <a:r>
-                        <a:t>755</a:t>
-                      </a:r>
-                    </a:p>
-                  </a:txBody>
-                  <a:tcPr/>
-                </a:tc>
-                <a:tc>
-                  <a:txBody>
-                    <a:bodyPr/>
-                    <a:lstStyle/>
-                    <a:p>
-                      <a:r>
-                        <a:t>585.27</a:t>
-                      </a:r>
-                    </a:p>
-                  </a:txBody>
-                  <a:tcPr/>
-                </a:tc>
-                <a:extLst>
-                  <a:ext uri="{0D108BD9-81ED-4DB2-BD59-A6C34878D82A}">
-                    <a16:rowId xmlns:a16="http://schemas.microsoft.com/office/drawing/2014/main" val="10001"/>
-                  </a:ext>
-                </a:extLst>
-              </a:tr>
-              <a:tr h="152400">
-                <a:tc>
-                  <a:txBody>
-                    <a:bodyPr/>
-                    <a:lstStyle/>
-                    <a:p>
-                      <a:r>
-                        <a:t>POST /icompute/v1/global-content-repos/{globalContentId}/files/slice_upload</a:t>
-                      </a:r>
-                    </a:p>
-                  </a:txBody>
-                  <a:tcPr/>
-                </a:tc>
-                <a:tc>
-                  <a:txBody>
-                    <a:bodyPr/>
-                    <a:lstStyle/>
-                    <a:p>
-                      <a:r>
-                        <a:t>114</a:t>
-                      </a:r>
-                    </a:p>
-                  </a:txBody>
-                  <a:tcPr/>
-                </a:tc>
-                <a:tc>
-                  <a:txBody>
-                    <a:bodyPr/>
-                    <a:lstStyle/>
-                    <a:p>
-                      <a:r>
-                        <a:t>518</a:t>
-                      </a:r>
-                    </a:p>
-                  </a:txBody>
-                  <a:tcPr/>
-                </a:tc>
-                <a:tc>
-                  <a:txBody>
-                    <a:bodyPr/>
-                    <a:lstStyle/>
-                    <a:p>
-                      <a:r>
-                        <a:t>404</a:t>
-                      </a:r>
-                    </a:p>
-                  </a:txBody>
-                  <a:tcPr/>
-                </a:tc>
-                <a:tc>
-                  <a:txBody>
-                    <a:bodyPr/>
-                    <a:lstStyle/>
-                    <a:p>
-                      <a:r>
-                        <a:t>354.39</a:t>
-                      </a:r>
-                    </a:p>
-                  </a:txBody>
-                  <a:tcPr/>
-                </a:tc>
-                <a:extLst>
-                  <a:ext uri="{0D108BD9-81ED-4DB2-BD59-A6C34878D82A}">
-                    <a16:rowId xmlns:a16="http://schemas.microsoft.com/office/drawing/2014/main" val="10002"/>
-                  </a:ext>
-                </a:extLst>
-              </a:tr>
-              <a:tr h="152400">
-                <a:tc>
-                  <a:txBody>
-                    <a:bodyPr/>
-                    <a:lstStyle/>
-                    <a:p>
-                      <a:r>
-                        <a:t>PUT /icompute/v1/vms/{vmId}/poweron</a:t>
-                      </a:r>
-                    </a:p>
-                  </a:txBody>
-                  <a:tcPr/>
-                </a:tc>
-                <a:tc>
-                  <a:txBody>
-                    <a:bodyPr/>
-                    <a:lstStyle/>
-                    <a:p>
-                      <a:r>
-                        <a:t>197</a:t>
-                      </a:r>
-                    </a:p>
-                  </a:txBody>
-                  <a:tcPr/>
-                </a:tc>
-                <a:tc>
-                  <a:txBody>
-                    <a:bodyPr/>
-                    <a:lstStyle/>
-                    <a:p>
-                      <a:r>
-                        <a:t>489</a:t>
-                      </a:r>
-                    </a:p>
-                  </a:txBody>
-                  <a:tcPr/>
-                </a:tc>
-                <a:tc>
-                  <a:txBody>
-                    <a:bodyPr/>
-                    <a:lstStyle/>
-                    <a:p>
-                      <a:r>
-                        <a:t>292</a:t>
-                      </a:r>
-                    </a:p>
-                  </a:txBody>
-                  <a:tcPr/>
-                </a:tc>
-                <a:tc>
-                  <a:txBody>
-                    <a:bodyPr/>
-                    <a:lstStyle/>
-                    <a:p>
-                      <a:r>
-                        <a:t>148.22</a:t>
-                      </a:r>
-                    </a:p>
-                  </a:txBody>
-                  <a:tcPr/>
-                </a:tc>
-                <a:extLst>
-                  <a:ext uri="{0D108BD9-81ED-4DB2-BD59-A6C34878D82A}">
-                    <a16:rowId xmlns:a16="http://schemas.microsoft.com/office/drawing/2014/main" val="10003"/>
-                  </a:ext>
-                </a:extLst>
-              </a:tr>
-              <a:tr h="152400">
-                <a:tc>
-                  <a:txBody>
-                    <a:bodyPr/>
-                    <a:lstStyle/>
-                    <a:p>
-                      <a:r>
-                        <a:t>GET /itask/v1/tasks</a:t>
-                      </a:r>
-                    </a:p>
-                  </a:txBody>
-                  <a:tcPr/>
-                </a:tc>
-                <a:tc>
-                  <a:txBody>
-                    <a:bodyPr/>
-                    <a:lstStyle/>
-                    <a:p>
-                      <a:r>
-                        <a:t>77</a:t>
-                      </a:r>
-                    </a:p>
-                  </a:txBody>
-                  <a:tcPr/>
-                </a:tc>
-                <a:tc>
-                  <a:txBody>
-                    <a:bodyPr/>
-                    <a:lstStyle/>
-                    <a:p>
-                      <a:r>
-                        <a:t>192</a:t>
-                      </a:r>
-                    </a:p>
-                  </a:txBody>
-                  <a:tcPr/>
-                </a:tc>
-                <a:tc>
-                  <a:txBody>
-                    <a:bodyPr/>
-                    <a:lstStyle/>
-                    <a:p>
-                      <a:r>
-                        <a:t>115</a:t>
-                      </a:r>
-                    </a:p>
-                  </a:txBody>
-                  <a:tcPr/>
-                </a:tc>
-                <a:tc>
-                  <a:txBody>
-                    <a:bodyPr/>
-                    <a:lstStyle/>
-                    <a:p>
-                      <a:r>
-                        <a:t>149.35</a:t>
-                      </a:r>
-                    </a:p>
-                  </a:txBody>
-                  <a:tcPr/>
-                </a:tc>
-                <a:extLst>
-                  <a:ext uri="{0D108BD9-81ED-4DB2-BD59-A6C34878D82A}">
-                    <a16:rowId xmlns:a16="http://schemas.microsoft.com/office/drawing/2014/main" val="10004"/>
-                  </a:ext>
-                </a:extLst>
-              </a:tr>
-              <a:tr h="152400">
-                <a:tc>
-                  <a:txBody>
-                    <a:bodyPr/>
-                    <a:lstStyle/>
-                    <a:p>
-                      <a:r>
-                        <a:t>GET /icompute/v1/vdc/{vdcId}/get-bind-center</a:t>
-                      </a:r>
-                    </a:p>
-                  </a:txBody>
-                  <a:tcPr/>
-                </a:tc>
-                <a:tc>
-                  <a:txBody>
-                    <a:bodyPr/>
-                    <a:lstStyle/>
-                    <a:p>
-                      <a:r>
-                        <a:t>38</a:t>
-                      </a:r>
-                    </a:p>
-                  </a:txBody>
-                  <a:tcPr/>
-                </a:tc>
-                <a:tc>
-                  <a:txBody>
-                    <a:bodyPr/>
-                    <a:lstStyle/>
-                    <a:p>
-                      <a:r>
-                        <a:t>137</a:t>
-                      </a:r>
-                    </a:p>
-                  </a:txBody>
-                  <a:tcPr/>
-                </a:tc>
-                <a:tc>
-                  <a:txBody>
-                    <a:bodyPr/>
-                    <a:lstStyle/>
-                    <a:p>
-                      <a:r>
-                        <a:t>99</a:t>
-                      </a:r>
-                    </a:p>
-                  </a:txBody>
-                  <a:tcPr/>
-                </a:tc>
-                <a:tc>
-                  <a:txBody>
-                    <a:bodyPr/>
-                    <a:lstStyle/>
-                    <a:p>
-                      <a:r>
-                        <a:t>260.53</a:t>
-                      </a:r>
-                    </a:p>
-                  </a:txBody>
-                  <a:tcPr/>
-                </a:tc>
-                <a:extLst>
-                  <a:ext uri="{0D108BD9-81ED-4DB2-BD59-A6C34878D82A}">
-                    <a16:rowId xmlns:a16="http://schemas.microsoft.com/office/drawing/2014/main" val="10005"/>
-                  </a:ext>
-                </a:extLst>
-              </a:tr>
-              <a:tr h="152400">
-                <a:tc>
-                  <a:txBody>
-                    <a:bodyPr/>
-                    <a:lstStyle/>
-                    <a:p>
-                      <a:r>
-                        <a:t>PUT /inetwork/v1/nets/{netId}</a:t>
-                      </a:r>
-                    </a:p>
-                  </a:txBody>
-                  <a:tcPr/>
-                </a:tc>
-                <a:tc>
-                  <a:txBody>
-                    <a:bodyPr/>
-                    <a:lstStyle/>
-                    <a:p>
-                      <a:r>
-                        <a:t>155</a:t>
-                      </a:r>
-                    </a:p>
-                  </a:txBody>
-                  <a:tcPr/>
-                </a:tc>
-                <a:tc>
-                  <a:txBody>
-                    <a:bodyPr/>
-                    <a:lstStyle/>
-                    <a:p>
-                      <a:r>
-                        <a:t>202</a:t>
-                      </a:r>
-                    </a:p>
-                  </a:txBody>
-                  <a:tcPr/>
-                </a:tc>
-                <a:tc>
-                  <a:txBody>
-                    <a:bodyPr/>
-                    <a:lstStyle/>
-                    <a:p>
-                      <a:r>
-                        <a:t>47</a:t>
-                      </a:r>
-                    </a:p>
-                  </a:txBody>
-                  <a:tcPr/>
-                </a:tc>
-                <a:tc>
-                  <a:txBody>
-                    <a:bodyPr/>
-                    <a:lstStyle/>
-                    <a:p>
-                      <a:r>
-                        <a:t>30.32</a:t>
-                      </a:r>
-                    </a:p>
-                  </a:txBody>
-                  <a:tcPr/>
-                </a:tc>
-                <a:extLst>
-                  <a:ext uri="{0D108BD9-81ED-4DB2-BD59-A6C34878D82A}">
-                    <a16:rowId xmlns:a16="http://schemas.microsoft.com/office/drawing/2014/main" val="10006"/>
-                  </a:ext>
-                </a:extLst>
-              </a:tr>
-              <a:tr h="152400">
-                <a:tc>
-                  <a:txBody>
-                    <a:bodyPr/>
-                    <a:lstStyle/>
-                    <a:p>
-                      <a:r>
-                        <a:t>GET /istorage/imanila/v2/users</a:t>
-                      </a:r>
-                    </a:p>
-                  </a:txBody>
-                  <a:tcPr/>
-                </a:tc>
-                <a:tc>
-                  <a:txBody>
-                    <a:bodyPr/>
-                    <a:lstStyle/>
-                    <a:p>
-                      <a:r>
-                        <a:t>39</a:t>
-                      </a:r>
-                    </a:p>
-                  </a:txBody>
-                  <a:tcPr/>
-                </a:tc>
-                <a:tc>
-                  <a:txBody>
-                    <a:bodyPr/>
-                    <a:lstStyle/>
-                    <a:p>
-                      <a:r>
-                        <a:t>75</a:t>
-                      </a:r>
-                    </a:p>
-                  </a:txBody>
-                  <a:tcPr/>
-                </a:tc>
-                <a:tc>
-                  <a:txBody>
-                    <a:bodyPr/>
-                    <a:lstStyle/>
-                    <a:p>
-                      <a:r>
-                        <a:t>36</a:t>
-                      </a:r>
-                    </a:p>
-                  </a:txBody>
-                  <a:tcPr/>
-                </a:tc>
-                <a:tc>
-                  <a:txBody>
-                    <a:bodyPr/>
-                    <a:lstStyle/>
-                    <a:p>
-                      <a:r>
-                        <a:t>92.31</a:t>
-                      </a:r>
-                    </a:p>
-                  </a:txBody>
-                  <a:tcPr/>
-                </a:tc>
-                <a:extLst>
-                  <a:ext uri="{0D108BD9-81ED-4DB2-BD59-A6C34878D82A}">
-                    <a16:rowId xmlns:a16="http://schemas.microsoft.com/office/drawing/2014/main" val="10007"/>
-                  </a:ext>
-                </a:extLst>
-              </a:tr>
-              <a:tr h="152400">
-                <a:tc>
-                  <a:txBody>
-                    <a:bodyPr/>
-                    <a:lstStyle/>
-                    <a:p>
-                      <a:r>
-                        <a:t>GET /istorage/imanila/v2/users/{id}</a:t>
-                      </a:r>
-                    </a:p>
-                  </a:txBody>
-                  <a:tcPr/>
-                </a:tc>
-                <a:tc>
-                  <a:txBody>
-                    <a:bodyPr/>
-                    <a:lstStyle/>
-                    <a:p>
-                      <a:r>
-                        <a:t>44</a:t>
-                      </a:r>
-                    </a:p>
-                  </a:txBody>
-                  <a:tcPr/>
-                </a:tc>
-                <a:tc>
-                  <a:txBody>
-                    <a:bodyPr/>
-                    <a:lstStyle/>
-                    <a:p>
-                      <a:r>
-                        <a:t>78</a:t>
-                      </a:r>
-                    </a:p>
-                  </a:txBody>
-                  <a:tcPr/>
-                </a:tc>
-                <a:tc>
-                  <a:txBody>
-                    <a:bodyPr/>
-                    <a:lstStyle/>
-                    <a:p>
-                      <a:r>
-                        <a:t>34</a:t>
-                      </a:r>
-                    </a:p>
-                  </a:txBody>
-                  <a:tcPr/>
-                </a:tc>
-                <a:tc>
-                  <a:txBody>
-                    <a:bodyPr/>
-                    <a:lstStyle/>
-                    <a:p>
-                      <a:r>
-                        <a:t>77.27</a:t>
-                      </a:r>
-                    </a:p>
-                  </a:txBody>
-                  <a:tcPr/>
-                </a:tc>
-                <a:extLst>
-                  <a:ext uri="{0D108BD9-81ED-4DB2-BD59-A6C34878D82A}">
-                    <a16:rowId xmlns:a16="http://schemas.microsoft.com/office/drawing/2014/main" val="10008"/>
-                  </a:ext>
-                </a:extLst>
-              </a:tr>
-              <a:tr h="152400">
-                <a:tc>
-                  <a:txBody>
-                    <a:bodyPr/>
-                    <a:lstStyle/>
-                    <a:p>
-                      <a:r>
-                        <a:t>POST /istorage/v1/objectstor/buckets</a:t>
-                      </a:r>
-                    </a:p>
-                  </a:txBody>
-                  <a:tcPr/>
-                </a:tc>
-                <a:tc>
-                  <a:txBody>
-                    <a:bodyPr/>
-                    <a:lstStyle/>
-                    <a:p>
-                      <a:r>
-                        <a:t>109</a:t>
-                      </a:r>
-                    </a:p>
-                  </a:txBody>
-                  <a:tcPr/>
-                </a:tc>
-                <a:tc>
-                  <a:txBody>
-                    <a:bodyPr/>
-                    <a:lstStyle/>
-                    <a:p>
-                      <a:r>
-                        <a:t>138</a:t>
-                      </a:r>
-                    </a:p>
-                  </a:txBody>
-                  <a:tcPr/>
-                </a:tc>
-                <a:tc>
-                  <a:txBody>
-                    <a:bodyPr/>
-                    <a:lstStyle/>
-                    <a:p>
-                      <a:r>
-                        <a:t>29</a:t>
-                      </a:r>
-                    </a:p>
-                  </a:txBody>
-                  <a:tcPr/>
-                </a:tc>
-                <a:tc>
-                  <a:txBody>
-                    <a:bodyPr/>
-                    <a:lstStyle/>
-                    <a:p>
-                      <a:r>
-                        <a:t>26.61</a:t>
-                      </a:r>
-                    </a:p>
-                  </a:txBody>
-                  <a:tcPr/>
-                </a:tc>
-                <a:extLst>
-                  <a:ext uri="{0D108BD9-81ED-4DB2-BD59-A6C34878D82A}">
-                    <a16:rowId xmlns:a16="http://schemas.microsoft.com/office/drawing/2014/main" val="10009"/>
-                  </a:ext>
-                </a:extLst>
-              </a:tr>
-              <a:tr h="152400">
-                <a:tc>
-                  <a:txBody>
-                    <a:bodyPr/>
-                    <a:lstStyle/>
-                    <a:p>
-                      <a:r>
-                        <a:t>POST /icompute/v1/auto-scaling-group/add</a:t>
-                      </a:r>
-                    </a:p>
-                  </a:txBody>
-                  <a:tcPr/>
-                </a:tc>
-                <a:tc>
-                  <a:txBody>
-                    <a:bodyPr/>
-                    <a:lstStyle/>
-                    <a:p>
-                      <a:r>
-                        <a:t>89</a:t>
-                      </a:r>
-                    </a:p>
-                  </a:txBody>
-                  <a:tcPr/>
-                </a:tc>
-                <a:tc>
-                  <a:txBody>
-                    <a:bodyPr/>
-                    <a:lstStyle/>
-                    <a:p>
-                      <a:r>
-                        <a:t>110</a:t>
-                      </a:r>
-                    </a:p>
-                  </a:txBody>
-                  <a:tcPr/>
-                </a:tc>
-                <a:tc>
-                  <a:txBody>
-                    <a:bodyPr/>
-                    <a:lstStyle/>
-                    <a:p>
-                      <a:r>
-                        <a:t>21</a:t>
-                      </a:r>
-                    </a:p>
-                  </a:txBody>
-                  <a:tcPr/>
-                </a:tc>
-                <a:tc>
-                  <a:txBody>
-                    <a:bodyPr/>
-                    <a:lstStyle/>
-                    <a:p>
-                      <a:r>
-                        <a:t>23.6</a:t>
-                      </a:r>
-                    </a:p>
-                  </a:txBody>
-                  <a:tcPr/>
-                </a:tc>
-                <a:extLst>
-                  <a:ext uri="{0D108BD9-81ED-4DB2-BD59-A6C34878D82A}">
-                    <a16:rowId xmlns:a16="http://schemas.microsoft.com/office/drawing/2014/main" val="10010"/>
-                  </a:ext>
-                </a:extLst>
-              </a:tr>
-              <a:tr h="152400">
-                <a:tc>
-                  <a:txBody>
-                    <a:bodyPr/>
-                    <a:lstStyle/>
-                    <a:p>
-                      <a:endParaRPr/>
-                    </a:p>
-                  </a:txBody>
-                  <a:tcPr/>
-                </a:tc>
-                <a:tc>
-                  <a:txBody>
-                    <a:bodyPr/>
-                    <a:lstStyle/>
-                    <a:p>
-                      <a:endParaRPr/>
-                    </a:p>
-                  </a:txBody>
-                  <a:tcPr/>
-                </a:tc>
-                <a:tc>
-                  <a:txBody>
-                    <a:bodyPr/>
-                    <a:lstStyle/>
-                    <a:p>
-                      <a:endParaRPr/>
-                    </a:p>
-                  </a:txBody>
-                  <a:tcPr/>
-                </a:tc>
-                <a:tc>
-                  <a:txBody>
-                    <a:bodyPr/>
-                    <a:lstStyle/>
-                    <a:p>
-                      <a:endParaRPr/>
-                    </a:p>
-                  </a:txBody>
-                  <a:tcPr/>
-                </a:tc>
-                <a:tc>
-                  <a:txBody>
-                    <a:bodyPr/>
-                    <a:lstStyle/>
-                    <a:p>
-                      <a:endParaRPr dirty="0"/>
-                    </a:p>
-                  </a:txBody>
-                  <a:tcPr/>
-                </a:tc>
-                <a:extLst>
-                  <a:ext uri="{0D108BD9-81ED-4DB2-BD59-A6C34878D82A}">
-                    <a16:rowId xmlns:a16="http://schemas.microsoft.com/office/drawing/2014/main" val="10011"/>
-                  </a:ext>
-                </a:extLst>
-              </a:tr>
-            </a:tbl>
-          </a:graphicData>
-        </a:graphic>
-      </p:graphicFrame>
-    </p:spTree>
-  </p:cSld>
-  <p:clrMapOvr>
-    <a:masterClrMapping/>
-  </p:clrMapOvr>
-</p:sld>
-</file>
-
-<file path=ppt/slides/slide11.xml><?xml version="1.0" encoding="utf-8"?>
-<p:sld xmlns:a="http://schemas.openxmlformats.org/drawingml/2006/main" xmlns:r="http://schemas.openxmlformats.org/officeDocument/2006/relationships" xmlns:p="http://schemas.openxmlformats.org/presentationml/2006/main">
-  <p:cSld>
-    <p:spTree>
-      <p:nvGrpSpPr>
-        <p:cNvPr id="1" name=""/>
-        <p:cNvGrpSpPr/>
-        <p:nvPr/>
-      </p:nvGrpSpPr>
-      <p:grpSpPr>
-        <a:xfrm>
-          <a:off x="0" y="0"/>
-          <a:ext cx="0" cy="0"/>
-          <a:chOff x="0" y="0"/>
-          <a:chExt cx="0" cy="0"/>
-        </a:xfrm>
-      </p:grpSpPr>
-      <p:sp>
-        <p:nvSpPr>
-          <p:cNvPr id="2" name="Title 1"/>
-          <p:cNvSpPr>
-            <a:spLocks noGrp="1"/>
-          </p:cNvSpPr>
-          <p:nvPr>
-            <p:ph type="title"/>
-          </p:nvPr>
-        </p:nvSpPr>
-        <p:spPr/>
-        <p:txBody>
-          <a:bodyPr/>
-          <a:lstStyle/>
-          <a:p>
-            <a:r>
-              <a:t>Top 10 AVG性能优化接口</a:t>
-            </a:r>
-          </a:p>
-        </p:txBody>
-      </p:sp>
-      <p:graphicFrame>
-        <p:nvGraphicFramePr>
-          <p:cNvPr id="3" name="Table 2"/>
-          <p:cNvGraphicFramePr>
-            <a:graphicFrameLocks noGrp="1"/>
-          </p:cNvGraphicFramePr>
-          <p:nvPr>
-            <p:extLst>
-              <p:ext uri="{D42A27DB-BD31-4B8C-83A1-F6EECF244321}">
-                <p14:modId xmlns:p14="http://schemas.microsoft.com/office/powerpoint/2010/main" val="3770769314"/>
-              </p:ext>
-            </p:extLst>
-          </p:nvPr>
-        </p:nvGraphicFramePr>
-        <p:xfrm>
-          <a:off x="914400" y="1371600"/>
-          <a:ext cx="10959465" cy="4389120"/>
-        </p:xfrm>
-        <a:graphic>
-          <a:graphicData uri="http://schemas.openxmlformats.org/drawingml/2006/table">
-            <a:tbl>
-              <a:tblPr firstRow="1" bandRow="1">
-                <a:tableStyleId>{5C22544A-7EE6-4342-B048-85BDC9FD1C3A}</a:tableStyleId>
-              </a:tblPr>
-              <a:tblGrid>
-                <a:gridCol w="5107305">
-                  <a:extLst>
-                    <a:ext uri="{9D8B030D-6E8A-4147-A177-3AD203B41FA5}">
-                      <a16:colId xmlns:a16="http://schemas.microsoft.com/office/drawing/2014/main" val="20000"/>
-                    </a:ext>
-                  </a:extLst>
-                </a:gridCol>
-                <a:gridCol w="1463040">
-                  <a:extLst>
-                    <a:ext uri="{9D8B030D-6E8A-4147-A177-3AD203B41FA5}">
-                      <a16:colId xmlns:a16="http://schemas.microsoft.com/office/drawing/2014/main" val="20001"/>
-                    </a:ext>
-                  </a:extLst>
-                </a:gridCol>
-                <a:gridCol w="1463040">
-                  <a:extLst>
-                    <a:ext uri="{9D8B030D-6E8A-4147-A177-3AD203B41FA5}">
-                      <a16:colId xmlns:a16="http://schemas.microsoft.com/office/drawing/2014/main" val="20002"/>
-                    </a:ext>
-                  </a:extLst>
-                </a:gridCol>
-                <a:gridCol w="1463040">
-                  <a:extLst>
-                    <a:ext uri="{9D8B030D-6E8A-4147-A177-3AD203B41FA5}">
-                      <a16:colId xmlns:a16="http://schemas.microsoft.com/office/drawing/2014/main" val="20003"/>
-                    </a:ext>
-                  </a:extLst>
-                </a:gridCol>
-                <a:gridCol w="1463040">
-                  <a:extLst>
-                    <a:ext uri="{9D8B030D-6E8A-4147-A177-3AD203B41FA5}">
-                      <a16:colId xmlns:a16="http://schemas.microsoft.com/office/drawing/2014/main" val="20004"/>
-                    </a:ext>
-                  </a:extLst>
-                </a:gridCol>
-              </a:tblGrid>
-              <a:tr h="152400">
-                <a:tc>
-                  <a:txBody>
-                    <a:bodyPr/>
-                    <a:lstStyle/>
-                    <a:p>
-                      <a:r>
-                        <a:t>接口标识</a:t>
-                      </a:r>
-                    </a:p>
-                  </a:txBody>
-                  <a:tcPr/>
-                </a:tc>
-                <a:tc>
-                  <a:txBody>
-                    <a:bodyPr/>
-                    <a:lstStyle/>
-                    <a:p>
-                      <a:r>
-                        <a:t>AVG_V8101</a:t>
-                      </a:r>
-                    </a:p>
-                  </a:txBody>
-                  <a:tcPr/>
-                </a:tc>
-                <a:tc>
-                  <a:txBody>
-                    <a:bodyPr/>
-                    <a:lstStyle/>
-                    <a:p>
-                      <a:r>
-                        <a:t>AVG_V8104</a:t>
-                      </a:r>
-                    </a:p>
-                  </a:txBody>
-                  <a:tcPr/>
-                </a:tc>
-                <a:tc>
-                  <a:txBody>
-                    <a:bodyPr/>
-                    <a:lstStyle/>
-                    <a:p>
-                      <a:r>
-                        <a:t>AVG_变化</a:t>
-                      </a:r>
-                    </a:p>
-                  </a:txBody>
-                  <a:tcPr/>
-                </a:tc>
-                <a:tc>
-                  <a:txBody>
-                    <a:bodyPr/>
-                    <a:lstStyle/>
-                    <a:p>
-                      <a:r>
-                        <a:t>AVG_变化率</a:t>
-                      </a:r>
-                    </a:p>
-                  </a:txBody>
-                  <a:tcPr/>
-                </a:tc>
-                <a:extLst>
-                  <a:ext uri="{0D108BD9-81ED-4DB2-BD59-A6C34878D82A}">
-                    <a16:rowId xmlns:a16="http://schemas.microsoft.com/office/drawing/2014/main" val="10000"/>
-                  </a:ext>
-                </a:extLst>
-              </a:tr>
-              <a:tr h="152400">
-                <a:tc>
-                  <a:txBody>
-                    <a:bodyPr/>
-                    <a:lstStyle/>
-                    <a:p>
-                      <a:r>
-                        <a:t>DELETE /inetwork/v1/nat/{natId}</a:t>
-                      </a:r>
-                    </a:p>
-                  </a:txBody>
-                  <a:tcPr/>
-                </a:tc>
-                <a:tc>
-                  <a:txBody>
-                    <a:bodyPr/>
-                    <a:lstStyle/>
-                    <a:p>
-                      <a:r>
-                        <a:t>4505</a:t>
-                      </a:r>
-                    </a:p>
-                  </a:txBody>
-                  <a:tcPr/>
-                </a:tc>
-                <a:tc>
-                  <a:txBody>
-                    <a:bodyPr/>
-                    <a:lstStyle/>
-                    <a:p>
-                      <a:r>
-                        <a:t>2066</a:t>
-                      </a:r>
-                    </a:p>
-                  </a:txBody>
-                  <a:tcPr/>
-                </a:tc>
-                <a:tc>
-                  <a:txBody>
-                    <a:bodyPr/>
-                    <a:lstStyle/>
-                    <a:p>
-                      <a:r>
-                        <a:t>-2439</a:t>
-                      </a:r>
-                    </a:p>
-                  </a:txBody>
-                  <a:tcPr/>
-                </a:tc>
-                <a:tc>
-                  <a:txBody>
-                    <a:bodyPr/>
-                    <a:lstStyle/>
-                    <a:p>
-                      <a:r>
-                        <a:t>-54.14</a:t>
-                      </a:r>
-                    </a:p>
-                  </a:txBody>
-                  <a:tcPr/>
-                </a:tc>
-                <a:extLst>
-                  <a:ext uri="{0D108BD9-81ED-4DB2-BD59-A6C34878D82A}">
-                    <a16:rowId xmlns:a16="http://schemas.microsoft.com/office/drawing/2014/main" val="10001"/>
-                  </a:ext>
-                </a:extLst>
-              </a:tr>
-              <a:tr h="152400">
-                <a:tc>
-                  <a:txBody>
-                    <a:bodyPr/>
-                    <a:lstStyle/>
-                    <a:p>
-                      <a:r>
-                        <a:t>DELETE /inetwork/v1/ports/{reservedMor}/reserved</a:t>
-                      </a:r>
-                    </a:p>
-                  </a:txBody>
-                  <a:tcPr/>
-                </a:tc>
-                <a:tc>
-                  <a:txBody>
-                    <a:bodyPr/>
-                    <a:lstStyle/>
-                    <a:p>
-                      <a:r>
-                        <a:t>2800</a:t>
-                      </a:r>
-                    </a:p>
-                  </a:txBody>
-                  <a:tcPr/>
-                </a:tc>
-                <a:tc>
-                  <a:txBody>
-                    <a:bodyPr/>
-                    <a:lstStyle/>
-                    <a:p>
-                      <a:r>
-                        <a:t>1088</a:t>
-                      </a:r>
-                    </a:p>
-                  </a:txBody>
-                  <a:tcPr/>
-                </a:tc>
-                <a:tc>
-                  <a:txBody>
-                    <a:bodyPr/>
-                    <a:lstStyle/>
-                    <a:p>
-                      <a:r>
-                        <a:t>-1712</a:t>
-                      </a:r>
-                    </a:p>
-                  </a:txBody>
-                  <a:tcPr/>
-                </a:tc>
-                <a:tc>
-                  <a:txBody>
-                    <a:bodyPr/>
-                    <a:lstStyle/>
-                    <a:p>
-                      <a:r>
-                        <a:t>-61.14</a:t>
-                      </a:r>
-                    </a:p>
-                  </a:txBody>
-                  <a:tcPr/>
-                </a:tc>
-                <a:extLst>
-                  <a:ext uri="{0D108BD9-81ED-4DB2-BD59-A6C34878D82A}">
-                    <a16:rowId xmlns:a16="http://schemas.microsoft.com/office/drawing/2014/main" val="10002"/>
-                  </a:ext>
-                </a:extLst>
-              </a:tr>
-              <a:tr h="152400">
-                <a:tc>
-                  <a:txBody>
-                    <a:bodyPr/>
-                    <a:lstStyle/>
-                    <a:p>
-                      <a:r>
-                        <a:t>GET /istorage/v1/objstorObj/policy/{policyId}</a:t>
-                      </a:r>
-                    </a:p>
-                  </a:txBody>
-                  <a:tcPr/>
-                </a:tc>
-                <a:tc>
-                  <a:txBody>
-                    <a:bodyPr/>
-                    <a:lstStyle/>
-                    <a:p>
-                      <a:r>
-                        <a:t>1575</a:t>
-                      </a:r>
-                    </a:p>
-                  </a:txBody>
-                  <a:tcPr/>
-                </a:tc>
-                <a:tc>
-                  <a:txBody>
-                    <a:bodyPr/>
-                    <a:lstStyle/>
-                    <a:p>
-                      <a:r>
-                        <a:t>367</a:t>
-                      </a:r>
-                    </a:p>
-                  </a:txBody>
-                  <a:tcPr/>
-                </a:tc>
-                <a:tc>
-                  <a:txBody>
-                    <a:bodyPr/>
-                    <a:lstStyle/>
-                    <a:p>
-                      <a:r>
-                        <a:t>-1208</a:t>
-                      </a:r>
-                    </a:p>
-                  </a:txBody>
-                  <a:tcPr/>
-                </a:tc>
-                <a:tc>
-                  <a:txBody>
-                    <a:bodyPr/>
-                    <a:lstStyle/>
-                    <a:p>
-                      <a:r>
-                        <a:t>-76.7</a:t>
-                      </a:r>
-                    </a:p>
-                  </a:txBody>
-                  <a:tcPr/>
-                </a:tc>
-                <a:extLst>
-                  <a:ext uri="{0D108BD9-81ED-4DB2-BD59-A6C34878D82A}">
-                    <a16:rowId xmlns:a16="http://schemas.microsoft.com/office/drawing/2014/main" val="10003"/>
-                  </a:ext>
-                </a:extLst>
-              </a:tr>
-              <a:tr h="152400">
-                <a:tc>
-                  <a:txBody>
-                    <a:bodyPr/>
-                    <a:lstStyle/>
-                    <a:p>
-                      <a:r>
-                        <a:t>POST /inetwork/v1/vpcs</a:t>
-                      </a:r>
-                    </a:p>
-                  </a:txBody>
-                  <a:tcPr/>
-                </a:tc>
-                <a:tc>
-                  <a:txBody>
-                    <a:bodyPr/>
-                    <a:lstStyle/>
-                    <a:p>
-                      <a:r>
-                        <a:t>1906</a:t>
-                      </a:r>
-                    </a:p>
-                  </a:txBody>
-                  <a:tcPr/>
-                </a:tc>
-                <a:tc>
-                  <a:txBody>
-                    <a:bodyPr/>
-                    <a:lstStyle/>
-                    <a:p>
-                      <a:r>
-                        <a:t>816</a:t>
-                      </a:r>
-                    </a:p>
-                  </a:txBody>
-                  <a:tcPr/>
-                </a:tc>
-                <a:tc>
-                  <a:txBody>
-                    <a:bodyPr/>
-                    <a:lstStyle/>
-                    <a:p>
-                      <a:r>
-                        <a:t>-1090</a:t>
-                      </a:r>
-                    </a:p>
-                  </a:txBody>
-                  <a:tcPr/>
-                </a:tc>
-                <a:tc>
-                  <a:txBody>
-                    <a:bodyPr/>
-                    <a:lstStyle/>
-                    <a:p>
-                      <a:r>
-                        <a:t>-57.19</a:t>
-                      </a:r>
-                    </a:p>
-                  </a:txBody>
-                  <a:tcPr/>
-                </a:tc>
-                <a:extLst>
-                  <a:ext uri="{0D108BD9-81ED-4DB2-BD59-A6C34878D82A}">
-                    <a16:rowId xmlns:a16="http://schemas.microsoft.com/office/drawing/2014/main" val="10004"/>
-                  </a:ext>
-                </a:extLst>
-              </a:tr>
-              <a:tr h="152400">
-                <a:tc>
-                  <a:txBody>
-                    <a:bodyPr/>
-                    <a:lstStyle/>
-                    <a:p>
-                      <a:r>
-                        <a:t>DELETE /inetwork/v1/ports/{portMor}/port</a:t>
-                      </a:r>
-                    </a:p>
-                  </a:txBody>
-                  <a:tcPr/>
-                </a:tc>
-                <a:tc>
-                  <a:txBody>
-                    <a:bodyPr/>
-                    <a:lstStyle/>
-                    <a:p>
-                      <a:r>
-                        <a:t>1678</a:t>
-                      </a:r>
-                    </a:p>
-                  </a:txBody>
-                  <a:tcPr/>
-                </a:tc>
-                <a:tc>
-                  <a:txBody>
-                    <a:bodyPr/>
-                    <a:lstStyle/>
-                    <a:p>
-                      <a:r>
-                        <a:t>673</a:t>
-                      </a:r>
-                    </a:p>
-                  </a:txBody>
-                  <a:tcPr/>
-                </a:tc>
-                <a:tc>
-                  <a:txBody>
-                    <a:bodyPr/>
-                    <a:lstStyle/>
-                    <a:p>
-                      <a:r>
-                        <a:t>-1005</a:t>
-                      </a:r>
-                    </a:p>
-                  </a:txBody>
-                  <a:tcPr/>
-                </a:tc>
-                <a:tc>
-                  <a:txBody>
-                    <a:bodyPr/>
-                    <a:lstStyle/>
-                    <a:p>
-                      <a:r>
-                        <a:t>-59.89</a:t>
-                      </a:r>
-                    </a:p>
-                  </a:txBody>
-                  <a:tcPr/>
-                </a:tc>
-                <a:extLst>
-                  <a:ext uri="{0D108BD9-81ED-4DB2-BD59-A6C34878D82A}">
-                    <a16:rowId xmlns:a16="http://schemas.microsoft.com/office/drawing/2014/main" val="10005"/>
-                  </a:ext>
-                </a:extLst>
-              </a:tr>
-              <a:tr h="152400">
-                <a:tc>
-                  <a:txBody>
-                    <a:bodyPr/>
-                    <a:lstStyle/>
-                    <a:p>
-                      <a:r>
-                        <a:t>GET /inetwork/v1/nets/unUsedSegmentIds/{type}</a:t>
-                      </a:r>
-                    </a:p>
-                  </a:txBody>
-                  <a:tcPr/>
-                </a:tc>
-                <a:tc>
-                  <a:txBody>
-                    <a:bodyPr/>
-                    <a:lstStyle/>
-                    <a:p>
-                      <a:r>
-                        <a:t>1159</a:t>
-                      </a:r>
-                    </a:p>
-                  </a:txBody>
-                  <a:tcPr/>
-                </a:tc>
-                <a:tc>
-                  <a:txBody>
-                    <a:bodyPr/>
-                    <a:lstStyle/>
-                    <a:p>
-                      <a:r>
-                        <a:t>303</a:t>
-                      </a:r>
-                    </a:p>
-                  </a:txBody>
-                  <a:tcPr/>
-                </a:tc>
-                <a:tc>
-                  <a:txBody>
-                    <a:bodyPr/>
-                    <a:lstStyle/>
-                    <a:p>
-                      <a:r>
-                        <a:t>-856</a:t>
-                      </a:r>
-                    </a:p>
-                  </a:txBody>
-                  <a:tcPr/>
-                </a:tc>
-                <a:tc>
-                  <a:txBody>
-                    <a:bodyPr/>
-                    <a:lstStyle/>
-                    <a:p>
-                      <a:r>
-                        <a:t>-73.86</a:t>
-                      </a:r>
-                    </a:p>
-                  </a:txBody>
-                  <a:tcPr/>
-                </a:tc>
-                <a:extLst>
-                  <a:ext uri="{0D108BD9-81ED-4DB2-BD59-A6C34878D82A}">
-                    <a16:rowId xmlns:a16="http://schemas.microsoft.com/office/drawing/2014/main" val="10006"/>
-                  </a:ext>
-                </a:extLst>
-              </a:tr>
-              <a:tr h="152400">
-                <a:tc>
-                  <a:txBody>
-                    <a:bodyPr/>
-                    <a:lstStyle/>
-                    <a:p>
-                      <a:r>
-                        <a:t>POST /inetwork/v1/ports</a:t>
-                      </a:r>
-                    </a:p>
-                  </a:txBody>
-                  <a:tcPr/>
-                </a:tc>
-                <a:tc>
-                  <a:txBody>
-                    <a:bodyPr/>
-                    <a:lstStyle/>
-                    <a:p>
-                      <a:r>
-                        <a:t>1550</a:t>
-                      </a:r>
-                    </a:p>
-                  </a:txBody>
-                  <a:tcPr/>
-                </a:tc>
-                <a:tc>
-                  <a:txBody>
-                    <a:bodyPr/>
-                    <a:lstStyle/>
-                    <a:p>
-                      <a:r>
-                        <a:t>729</a:t>
-                      </a:r>
-                    </a:p>
-                  </a:txBody>
-                  <a:tcPr/>
-                </a:tc>
-                <a:tc>
-                  <a:txBody>
-                    <a:bodyPr/>
-                    <a:lstStyle/>
-                    <a:p>
-                      <a:r>
-                        <a:t>-821</a:t>
-                      </a:r>
-                    </a:p>
-                  </a:txBody>
-                  <a:tcPr/>
-                </a:tc>
-                <a:tc>
-                  <a:txBody>
-                    <a:bodyPr/>
-                    <a:lstStyle/>
-                    <a:p>
-                      <a:r>
-                        <a:t>-52.97</a:t>
-                      </a:r>
-                    </a:p>
-                  </a:txBody>
-                  <a:tcPr/>
-                </a:tc>
-                <a:extLst>
-                  <a:ext uri="{0D108BD9-81ED-4DB2-BD59-A6C34878D82A}">
-                    <a16:rowId xmlns:a16="http://schemas.microsoft.com/office/drawing/2014/main" val="10007"/>
-                  </a:ext>
-                </a:extLst>
-              </a:tr>
-              <a:tr h="152400">
-                <a:tc>
-                  <a:txBody>
-                    <a:bodyPr/>
-                    <a:lstStyle/>
-                    <a:p>
-                      <a:r>
-                        <a:t>DELETE /inetwork/v1/floatingips/{floatingipId}</a:t>
-                      </a:r>
-                    </a:p>
-                  </a:txBody>
-                  <a:tcPr/>
-                </a:tc>
-                <a:tc>
-                  <a:txBody>
-                    <a:bodyPr/>
-                    <a:lstStyle/>
-                    <a:p>
-                      <a:r>
-                        <a:t>1457</a:t>
-                      </a:r>
-                    </a:p>
-                  </a:txBody>
-                  <a:tcPr/>
-                </a:tc>
-                <a:tc>
-                  <a:txBody>
-                    <a:bodyPr/>
-                    <a:lstStyle/>
-                    <a:p>
-                      <a:r>
-                        <a:t>722</a:t>
-                      </a:r>
-                    </a:p>
-                  </a:txBody>
-                  <a:tcPr/>
-                </a:tc>
-                <a:tc>
-                  <a:txBody>
-                    <a:bodyPr/>
-                    <a:lstStyle/>
-                    <a:p>
-                      <a:r>
-                        <a:t>-735</a:t>
-                      </a:r>
-                    </a:p>
-                  </a:txBody>
-                  <a:tcPr/>
-                </a:tc>
-                <a:tc>
-                  <a:txBody>
-                    <a:bodyPr/>
-                    <a:lstStyle/>
-                    <a:p>
-                      <a:r>
-                        <a:t>-50.45</a:t>
-                      </a:r>
-                    </a:p>
-                  </a:txBody>
-                  <a:tcPr/>
-                </a:tc>
-                <a:extLst>
-                  <a:ext uri="{0D108BD9-81ED-4DB2-BD59-A6C34878D82A}">
-                    <a16:rowId xmlns:a16="http://schemas.microsoft.com/office/drawing/2014/main" val="10008"/>
-                  </a:ext>
-                </a:extLst>
-              </a:tr>
-              <a:tr h="152400">
-                <a:tc>
-                  <a:txBody>
-                    <a:bodyPr/>
-                    <a:lstStyle/>
-                    <a:p>
-                      <a:r>
-                        <a:t>DELETE /inetwork/v1/vpcs/{vpcId}</a:t>
-                      </a:r>
-                    </a:p>
-                  </a:txBody>
-                  <a:tcPr/>
-                </a:tc>
-                <a:tc>
-                  <a:txBody>
-                    <a:bodyPr/>
-                    <a:lstStyle/>
-                    <a:p>
-                      <a:r>
-                        <a:t>1492</a:t>
-                      </a:r>
-                    </a:p>
-                  </a:txBody>
-                  <a:tcPr/>
-                </a:tc>
-                <a:tc>
-                  <a:txBody>
-                    <a:bodyPr/>
-                    <a:lstStyle/>
-                    <a:p>
-                      <a:r>
-                        <a:t>771</a:t>
-                      </a:r>
-                    </a:p>
-                  </a:txBody>
-                  <a:tcPr/>
-                </a:tc>
-                <a:tc>
-                  <a:txBody>
-                    <a:bodyPr/>
-                    <a:lstStyle/>
-                    <a:p>
-                      <a:r>
-                        <a:t>-721</a:t>
-                      </a:r>
-                    </a:p>
-                  </a:txBody>
-                  <a:tcPr/>
-                </a:tc>
-                <a:tc>
-                  <a:txBody>
-                    <a:bodyPr/>
-                    <a:lstStyle/>
-                    <a:p>
-                      <a:r>
-                        <a:t>-48.32</a:t>
-                      </a:r>
-                    </a:p>
-                  </a:txBody>
-                  <a:tcPr/>
-                </a:tc>
-                <a:extLst>
-                  <a:ext uri="{0D108BD9-81ED-4DB2-BD59-A6C34878D82A}">
-                    <a16:rowId xmlns:a16="http://schemas.microsoft.com/office/drawing/2014/main" val="10009"/>
-                  </a:ext>
-                </a:extLst>
-              </a:tr>
-              <a:tr h="152400">
-                <a:tc>
-                  <a:txBody>
-                    <a:bodyPr/>
-                    <a:lstStyle/>
-                    <a:p>
-                      <a:r>
-                        <a:t>POST /inetwork/v1/ports/allowedAddressPairs</a:t>
-                      </a:r>
-                    </a:p>
-                  </a:txBody>
-                  <a:tcPr/>
-                </a:tc>
-                <a:tc>
-                  <a:txBody>
-                    <a:bodyPr/>
-                    <a:lstStyle/>
-                    <a:p>
-                      <a:r>
-                        <a:t>1250</a:t>
-                      </a:r>
-                    </a:p>
-                  </a:txBody>
-                  <a:tcPr/>
-                </a:tc>
-                <a:tc>
-                  <a:txBody>
-                    <a:bodyPr/>
-                    <a:lstStyle/>
-                    <a:p>
-                      <a:r>
-                        <a:t>667</a:t>
-                      </a:r>
-                    </a:p>
-                  </a:txBody>
-                  <a:tcPr/>
-                </a:tc>
-                <a:tc>
-                  <a:txBody>
-                    <a:bodyPr/>
-                    <a:lstStyle/>
-                    <a:p>
-                      <a:r>
-                        <a:t>-583</a:t>
-                      </a:r>
-                    </a:p>
-                  </a:txBody>
-                  <a:tcPr/>
-                </a:tc>
-                <a:tc>
-                  <a:txBody>
-                    <a:bodyPr/>
-                    <a:lstStyle/>
-                    <a:p>
-                      <a:r>
-                        <a:t>-46.64</a:t>
-                      </a:r>
-                    </a:p>
-                  </a:txBody>
-                  <a:tcPr/>
-                </a:tc>
-                <a:extLst>
-                  <a:ext uri="{0D108BD9-81ED-4DB2-BD59-A6C34878D82A}">
-                    <a16:rowId xmlns:a16="http://schemas.microsoft.com/office/drawing/2014/main" val="10010"/>
-                  </a:ext>
-                </a:extLst>
-              </a:tr>
-              <a:tr h="152400">
-                <a:tc>
-                  <a:txBody>
-                    <a:bodyPr/>
-                    <a:lstStyle/>
-                    <a:p>
-                      <a:endParaRPr/>
-                    </a:p>
-                  </a:txBody>
-                  <a:tcPr/>
-                </a:tc>
-                <a:tc>
-                  <a:txBody>
-                    <a:bodyPr/>
-                    <a:lstStyle/>
-                    <a:p>
-                      <a:endParaRPr/>
-                    </a:p>
-                  </a:txBody>
-                  <a:tcPr/>
-                </a:tc>
-                <a:tc>
-                  <a:txBody>
-                    <a:bodyPr/>
-                    <a:lstStyle/>
-                    <a:p>
-                      <a:endParaRPr/>
-                    </a:p>
-                  </a:txBody>
-                  <a:tcPr/>
-                </a:tc>
-                <a:tc>
-                  <a:txBody>
-                    <a:bodyPr/>
-                    <a:lstStyle/>
-                    <a:p>
-                      <a:endParaRPr/>
-                    </a:p>
-                  </a:txBody>
-                  <a:tcPr/>
-                </a:tc>
-                <a:tc>
-                  <a:txBody>
-                    <a:bodyPr/>
-                    <a:lstStyle/>
-                    <a:p>
-                      <a:endParaRPr dirty="0"/>
-                    </a:p>
-                  </a:txBody>
-                  <a:tcPr/>
-                </a:tc>
-                <a:extLst>
-                  <a:ext uri="{0D108BD9-81ED-4DB2-BD59-A6C34878D82A}">
-                    <a16:rowId xmlns:a16="http://schemas.microsoft.com/office/drawing/2014/main" val="10011"/>
-                  </a:ext>
-                </a:extLst>
-              </a:tr>
-            </a:tbl>
-          </a:graphicData>
-        </a:graphic>
-      </p:graphicFrame>
-    </p:spTree>
-  </p:cSld>
-  <p:clrMapOvr>
-    <a:masterClrMapping/>
-  </p:clrMapOvr>
-</p:sld>
-</file>
-
 <file path=ppt/slides/slide2.xml><?xml version="1.0" encoding="utf-8"?>
 <p:sld xmlns:a="http://schemas.openxmlformats.org/drawingml/2006/main" xmlns:r="http://schemas.openxmlformats.org/officeDocument/2006/relationships" xmlns:p="http://schemas.openxmlformats.org/presentationml/2006/main">
   <p:cSld>
@@ -5107,8 +3295,8 @@
         </p:blipFill>
         <p:spPr>
           <a:xfrm>
-            <a:off x="914400" y="1371600"/>
-            <a:ext cx="7315200" cy="3735854"/>
+            <a:off x="-1129553" y="1192306"/>
+            <a:ext cx="11339786" cy="5791200"/>
           </a:xfrm>
           <a:prstGeom prst="rect">
             <a:avLst/>
@@ -5226,8 +3414,10 @@
           <a:lstStyle/>
           <a:p>
             <a:r>
+              <a:rPr dirty="0" err="1"/>
               <a:t>接口AVG热力图</a:t>
             </a:r>
+            <a:endParaRPr dirty="0"/>
           </a:p>
         </p:txBody>
       </p:sp>
@@ -5247,7 +3437,7 @@
         </p:blipFill>
         <p:spPr>
           <a:xfrm>
-            <a:off x="914400" y="1371600"/>
+            <a:off x="914400" y="1210235"/>
             <a:ext cx="7315200" cy="5626062"/>
           </a:xfrm>
           <a:prstGeom prst="rect">
@@ -5436,6 +3626,7 @@
           <a:lstStyle/>
           <a:p>
             <a:r>
+              <a:rPr dirty="0"/>
               <a:t>Top 10 TP95性能退步接口</a:t>
             </a:r>
           </a:p>
@@ -5450,13 +3641,13 @@
           <p:nvPr>
             <p:extLst>
               <p:ext uri="{D42A27DB-BD31-4B8C-83A1-F6EECF244321}">
-                <p14:modId xmlns:p14="http://schemas.microsoft.com/office/powerpoint/2010/main" val="2469492570"/>
+                <p14:modId xmlns:p14="http://schemas.microsoft.com/office/powerpoint/2010/main" val="1930987941"/>
               </p:ext>
             </p:extLst>
           </p:nvPr>
         </p:nvGraphicFramePr>
         <p:xfrm>
-          <a:off x="914400" y="1371600"/>
+          <a:off x="-841248" y="1417638"/>
           <a:ext cx="13357416" cy="4389120"/>
         </p:xfrm>
         <a:graphic>
@@ -5509,8 +3700,10 @@
                     <a:lstStyle/>
                     <a:p>
                       <a:r>
+                        <a:rPr dirty="0" err="1"/>
                         <a:t>接口标识</a:t>
                       </a:r>
+                      <a:endParaRPr dirty="0"/>
                     </a:p>
                   </a:txBody>
                   <a:tcPr/>
@@ -6179,7 +4372,24 @@
                     <a:lstStyle/>
                     <a:p>
                       <a:r>
-                        <a:t>PUT /istorage/v1/objstorObj/upload-check</a:t>
+                        <a:rPr dirty="0"/>
+                        <a:t>PUT /</a:t>
+                      </a:r>
+                      <a:r>
+                        <a:rPr dirty="0" err="1"/>
+                        <a:t>istorage</a:t>
+                      </a:r>
+                      <a:r>
+                        <a:rPr dirty="0"/>
+                        <a:t>/v1/</a:t>
+                      </a:r>
+                      <a:r>
+                        <a:rPr dirty="0" err="1"/>
+                        <a:t>objstorObj</a:t>
+                      </a:r>
+                      <a:r>
+                        <a:rPr dirty="0"/>
+                        <a:t>/upload-check</a:t>
                       </a:r>
                     </a:p>
                   </a:txBody>
@@ -6341,8 +4551,14 @@
           <a:lstStyle/>
           <a:p>
             <a:r>
-              <a:t>Top 10 TP95性能优化接口</a:t>
-            </a:r>
+              <a:rPr dirty="0"/>
+              <a:t>Top 10 </a:t>
+            </a:r>
+            <a:r>
+              <a:rPr dirty="0" err="1"/>
+              <a:t>AVG性能退步接口</a:t>
+            </a:r>
+            <a:endParaRPr dirty="0"/>
           </a:p>
         </p:txBody>
       </p:sp>
@@ -6355,14 +4571,14 @@
           <p:nvPr>
             <p:extLst>
               <p:ext uri="{D42A27DB-BD31-4B8C-83A1-F6EECF244321}">
-                <p14:modId xmlns:p14="http://schemas.microsoft.com/office/powerpoint/2010/main" val="1235559002"/>
+                <p14:modId xmlns:p14="http://schemas.microsoft.com/office/powerpoint/2010/main" val="4119626073"/>
               </p:ext>
             </p:extLst>
           </p:nvPr>
         </p:nvGraphicFramePr>
         <p:xfrm>
-          <a:off x="914400" y="1371600"/>
-          <a:ext cx="10393617" cy="4389120"/>
+          <a:off x="-228600" y="1417638"/>
+          <a:ext cx="13357416" cy="4389120"/>
         </p:xfrm>
         <a:graphic>
           <a:graphicData uri="http://schemas.openxmlformats.org/drawingml/2006/table">
@@ -6371,7 +4587,7 @@
                 <a:tableStyleId>{5C22544A-7EE6-4342-B048-85BDC9FD1C3A}</a:tableStyleId>
               </a:tblPr>
               <a:tblGrid>
-                <a:gridCol w="4541457">
+                <a:gridCol w="7505256">
                   <a:extLst>
                     <a:ext uri="{9D8B030D-6E8A-4147-A177-3AD203B41FA5}">
                       <a16:colId xmlns:a16="http://schemas.microsoft.com/office/drawing/2014/main" val="20000"/>
@@ -6414,55 +4630,57 @@
                     <a:lstStyle/>
                     <a:p>
                       <a:r>
+                        <a:rPr dirty="0" err="1"/>
                         <a:t>接口标识</a:t>
                       </a:r>
-                    </a:p>
-                  </a:txBody>
-                  <a:tcPr/>
-                </a:tc>
-                <a:tc>
-                  <a:txBody>
-                    <a:bodyPr/>
-                    <a:lstStyle/>
-                    <a:p>
-                      <a:r>
-                        <a:t>TP95_V8101</a:t>
-                      </a:r>
-                    </a:p>
-                  </a:txBody>
-                  <a:tcPr/>
-                </a:tc>
-                <a:tc>
-                  <a:txBody>
-                    <a:bodyPr/>
-                    <a:lstStyle/>
-                    <a:p>
-                      <a:r>
-                        <a:t>TP95_V8104</a:t>
-                      </a:r>
-                    </a:p>
-                  </a:txBody>
-                  <a:tcPr/>
-                </a:tc>
-                <a:tc>
-                  <a:txBody>
-                    <a:bodyPr/>
-                    <a:lstStyle/>
-                    <a:p>
-                      <a:r>
-                        <a:t>TP95_变化</a:t>
-                      </a:r>
-                    </a:p>
-                  </a:txBody>
-                  <a:tcPr/>
-                </a:tc>
-                <a:tc>
-                  <a:txBody>
-                    <a:bodyPr/>
-                    <a:lstStyle/>
-                    <a:p>
-                      <a:r>
-                        <a:t>TP95_变化率</a:t>
+                      <a:endParaRPr dirty="0"/>
+                    </a:p>
+                  </a:txBody>
+                  <a:tcPr/>
+                </a:tc>
+                <a:tc>
+                  <a:txBody>
+                    <a:bodyPr/>
+                    <a:lstStyle/>
+                    <a:p>
+                      <a:r>
+                        <a:t>AVG_V8101</a:t>
+                      </a:r>
+                    </a:p>
+                  </a:txBody>
+                  <a:tcPr/>
+                </a:tc>
+                <a:tc>
+                  <a:txBody>
+                    <a:bodyPr/>
+                    <a:lstStyle/>
+                    <a:p>
+                      <a:r>
+                        <a:t>AVG_V8104</a:t>
+                      </a:r>
+                    </a:p>
+                  </a:txBody>
+                  <a:tcPr/>
+                </a:tc>
+                <a:tc>
+                  <a:txBody>
+                    <a:bodyPr/>
+                    <a:lstStyle/>
+                    <a:p>
+                      <a:r>
+                        <a:t>AVG_变化</a:t>
+                      </a:r>
+                    </a:p>
+                  </a:txBody>
+                  <a:tcPr/>
+                </a:tc>
+                <a:tc>
+                  <a:txBody>
+                    <a:bodyPr/>
+                    <a:lstStyle/>
+                    <a:p>
+                      <a:r>
+                        <a:t>AVG_变化率</a:t>
                       </a:r>
                     </a:p>
                   </a:txBody>
@@ -6481,55 +4699,55 @@
                     <a:lstStyle/>
                     <a:p>
                       <a:r>
-                        <a:t>PUT /icompute/v1/vms/{vmId}/poweroff</a:t>
-                      </a:r>
-                    </a:p>
-                  </a:txBody>
-                  <a:tcPr/>
-                </a:tc>
-                <a:tc>
-                  <a:txBody>
-                    <a:bodyPr/>
-                    <a:lstStyle/>
-                    <a:p>
-                      <a:r>
-                        <a:t>15265</a:t>
-                      </a:r>
-                    </a:p>
-                  </a:txBody>
-                  <a:tcPr/>
-                </a:tc>
-                <a:tc>
-                  <a:txBody>
-                    <a:bodyPr/>
-                    <a:lstStyle/>
-                    <a:p>
-                      <a:r>
-                        <a:t>2854</a:t>
-                      </a:r>
-                    </a:p>
-                  </a:txBody>
-                  <a:tcPr/>
-                </a:tc>
-                <a:tc>
-                  <a:txBody>
-                    <a:bodyPr/>
-                    <a:lstStyle/>
-                    <a:p>
-                      <a:r>
-                        <a:t>-12411</a:t>
-                      </a:r>
-                    </a:p>
-                  </a:txBody>
-                  <a:tcPr/>
-                </a:tc>
-                <a:tc>
-                  <a:txBody>
-                    <a:bodyPr/>
-                    <a:lstStyle/>
-                    <a:p>
-                      <a:r>
-                        <a:t>-81.3</a:t>
+                        <a:t>GET /iworkflow/v1/historys/user/list</a:t>
+                      </a:r>
+                    </a:p>
+                  </a:txBody>
+                  <a:tcPr/>
+                </a:tc>
+                <a:tc>
+                  <a:txBody>
+                    <a:bodyPr/>
+                    <a:lstStyle/>
+                    <a:p>
+                      <a:r>
+                        <a:t>129</a:t>
+                      </a:r>
+                    </a:p>
+                  </a:txBody>
+                  <a:tcPr/>
+                </a:tc>
+                <a:tc>
+                  <a:txBody>
+                    <a:bodyPr/>
+                    <a:lstStyle/>
+                    <a:p>
+                      <a:r>
+                        <a:t>884</a:t>
+                      </a:r>
+                    </a:p>
+                  </a:txBody>
+                  <a:tcPr/>
+                </a:tc>
+                <a:tc>
+                  <a:txBody>
+                    <a:bodyPr/>
+                    <a:lstStyle/>
+                    <a:p>
+                      <a:r>
+                        <a:t>755</a:t>
+                      </a:r>
+                    </a:p>
+                  </a:txBody>
+                  <a:tcPr/>
+                </a:tc>
+                <a:tc>
+                  <a:txBody>
+                    <a:bodyPr/>
+                    <a:lstStyle/>
+                    <a:p>
+                      <a:r>
+                        <a:t>585.27</a:t>
                       </a:r>
                     </a:p>
                   </a:txBody>
@@ -6548,55 +4766,77 @@
                     <a:lstStyle/>
                     <a:p>
                       <a:r>
-                        <a:t>DELETE /inetwork/v1/nat/{natId}</a:t>
-                      </a:r>
-                    </a:p>
-                  </a:txBody>
-                  <a:tcPr/>
-                </a:tc>
-                <a:tc>
-                  <a:txBody>
-                    <a:bodyPr/>
-                    <a:lstStyle/>
-                    <a:p>
-                      <a:r>
-                        <a:t>11905</a:t>
-                      </a:r>
-                    </a:p>
-                  </a:txBody>
-                  <a:tcPr/>
-                </a:tc>
-                <a:tc>
-                  <a:txBody>
-                    <a:bodyPr/>
-                    <a:lstStyle/>
-                    <a:p>
-                      <a:r>
-                        <a:t>4477</a:t>
-                      </a:r>
-                    </a:p>
-                  </a:txBody>
-                  <a:tcPr/>
-                </a:tc>
-                <a:tc>
-                  <a:txBody>
-                    <a:bodyPr/>
-                    <a:lstStyle/>
-                    <a:p>
-                      <a:r>
-                        <a:t>-7428</a:t>
-                      </a:r>
-                    </a:p>
-                  </a:txBody>
-                  <a:tcPr/>
-                </a:tc>
-                <a:tc>
-                  <a:txBody>
-                    <a:bodyPr/>
-                    <a:lstStyle/>
-                    <a:p>
-                      <a:r>
-                        <a:t>-62.39</a:t>
+                        <a:rPr dirty="0"/>
+                        <a:t>POST /</a:t>
+                      </a:r>
+                      <a:r>
+                        <a:rPr dirty="0" err="1"/>
+                        <a:t>icompute</a:t>
+                      </a:r>
+                      <a:r>
+                        <a:rPr dirty="0"/>
+                        <a:t>/v1/global-content-repos/{</a:t>
+                      </a:r>
+                      <a:r>
+                        <a:rPr dirty="0" err="1"/>
+                        <a:t>globalContentId</a:t>
+                      </a:r>
+                      <a:r>
+                        <a:rPr dirty="0"/>
+                        <a:t>}/files/</a:t>
+                      </a:r>
+                      <a:r>
+                        <a:rPr dirty="0" err="1"/>
+                        <a:t>slice_upload</a:t>
+                      </a:r>
+                      <a:endParaRPr dirty="0"/>
+                    </a:p>
+                  </a:txBody>
+                  <a:tcPr/>
+                </a:tc>
+                <a:tc>
+                  <a:txBody>
+                    <a:bodyPr/>
+                    <a:lstStyle/>
+                    <a:p>
+                      <a:r>
+                        <a:t>114</a:t>
+                      </a:r>
+                    </a:p>
+                  </a:txBody>
+                  <a:tcPr/>
+                </a:tc>
+                <a:tc>
+                  <a:txBody>
+                    <a:bodyPr/>
+                    <a:lstStyle/>
+                    <a:p>
+                      <a:r>
+                        <a:t>518</a:t>
+                      </a:r>
+                    </a:p>
+                  </a:txBody>
+                  <a:tcPr/>
+                </a:tc>
+                <a:tc>
+                  <a:txBody>
+                    <a:bodyPr/>
+                    <a:lstStyle/>
+                    <a:p>
+                      <a:r>
+                        <a:t>404</a:t>
+                      </a:r>
+                    </a:p>
+                  </a:txBody>
+                  <a:tcPr/>
+                </a:tc>
+                <a:tc>
+                  <a:txBody>
+                    <a:bodyPr/>
+                    <a:lstStyle/>
+                    <a:p>
+                      <a:r>
+                        <a:t>354.39</a:t>
                       </a:r>
                     </a:p>
                   </a:txBody>
@@ -6615,55 +4855,55 @@
                     <a:lstStyle/>
                     <a:p>
                       <a:r>
-                        <a:t>POST /inetwork/v1/associated/subnet</a:t>
-                      </a:r>
-                    </a:p>
-                  </a:txBody>
-                  <a:tcPr/>
-                </a:tc>
-                <a:tc>
-                  <a:txBody>
-                    <a:bodyPr/>
-                    <a:lstStyle/>
-                    <a:p>
-                      <a:r>
-                        <a:t>8215</a:t>
-                      </a:r>
-                    </a:p>
-                  </a:txBody>
-                  <a:tcPr/>
-                </a:tc>
-                <a:tc>
-                  <a:txBody>
-                    <a:bodyPr/>
-                    <a:lstStyle/>
-                    <a:p>
-                      <a:r>
-                        <a:t>4229</a:t>
-                      </a:r>
-                    </a:p>
-                  </a:txBody>
-                  <a:tcPr/>
-                </a:tc>
-                <a:tc>
-                  <a:txBody>
-                    <a:bodyPr/>
-                    <a:lstStyle/>
-                    <a:p>
-                      <a:r>
-                        <a:t>-3986</a:t>
-                      </a:r>
-                    </a:p>
-                  </a:txBody>
-                  <a:tcPr/>
-                </a:tc>
-                <a:tc>
-                  <a:txBody>
-                    <a:bodyPr/>
-                    <a:lstStyle/>
-                    <a:p>
-                      <a:r>
-                        <a:t>-48.52</a:t>
+                        <a:t>PUT /icompute/v1/vms/{vmId}/poweron</a:t>
+                      </a:r>
+                    </a:p>
+                  </a:txBody>
+                  <a:tcPr/>
+                </a:tc>
+                <a:tc>
+                  <a:txBody>
+                    <a:bodyPr/>
+                    <a:lstStyle/>
+                    <a:p>
+                      <a:r>
+                        <a:t>197</a:t>
+                      </a:r>
+                    </a:p>
+                  </a:txBody>
+                  <a:tcPr/>
+                </a:tc>
+                <a:tc>
+                  <a:txBody>
+                    <a:bodyPr/>
+                    <a:lstStyle/>
+                    <a:p>
+                      <a:r>
+                        <a:t>489</a:t>
+                      </a:r>
+                    </a:p>
+                  </a:txBody>
+                  <a:tcPr/>
+                </a:tc>
+                <a:tc>
+                  <a:txBody>
+                    <a:bodyPr/>
+                    <a:lstStyle/>
+                    <a:p>
+                      <a:r>
+                        <a:t>292</a:t>
+                      </a:r>
+                    </a:p>
+                  </a:txBody>
+                  <a:tcPr/>
+                </a:tc>
+                <a:tc>
+                  <a:txBody>
+                    <a:bodyPr/>
+                    <a:lstStyle/>
+                    <a:p>
+                      <a:r>
+                        <a:t>148.22</a:t>
                       </a:r>
                     </a:p>
                   </a:txBody>
@@ -6682,55 +4922,55 @@
                     <a:lstStyle/>
                     <a:p>
                       <a:r>
-                        <a:t>DELETE /inetwork/v1/ports/{portMor}/port</a:t>
-                      </a:r>
-                    </a:p>
-                  </a:txBody>
-                  <a:tcPr/>
-                </a:tc>
-                <a:tc>
-                  <a:txBody>
-                    <a:bodyPr/>
-                    <a:lstStyle/>
-                    <a:p>
-                      <a:r>
-                        <a:t>5106</a:t>
-                      </a:r>
-                    </a:p>
-                  </a:txBody>
-                  <a:tcPr/>
-                </a:tc>
-                <a:tc>
-                  <a:txBody>
-                    <a:bodyPr/>
-                    <a:lstStyle/>
-                    <a:p>
-                      <a:r>
-                        <a:t>1468</a:t>
-                      </a:r>
-                    </a:p>
-                  </a:txBody>
-                  <a:tcPr/>
-                </a:tc>
-                <a:tc>
-                  <a:txBody>
-                    <a:bodyPr/>
-                    <a:lstStyle/>
-                    <a:p>
-                      <a:r>
-                        <a:t>-3638</a:t>
-                      </a:r>
-                    </a:p>
-                  </a:txBody>
-                  <a:tcPr/>
-                </a:tc>
-                <a:tc>
-                  <a:txBody>
-                    <a:bodyPr/>
-                    <a:lstStyle/>
-                    <a:p>
-                      <a:r>
-                        <a:t>-71.25</a:t>
+                        <a:t>GET /itask/v1/tasks</a:t>
+                      </a:r>
+                    </a:p>
+                  </a:txBody>
+                  <a:tcPr/>
+                </a:tc>
+                <a:tc>
+                  <a:txBody>
+                    <a:bodyPr/>
+                    <a:lstStyle/>
+                    <a:p>
+                      <a:r>
+                        <a:t>77</a:t>
+                      </a:r>
+                    </a:p>
+                  </a:txBody>
+                  <a:tcPr/>
+                </a:tc>
+                <a:tc>
+                  <a:txBody>
+                    <a:bodyPr/>
+                    <a:lstStyle/>
+                    <a:p>
+                      <a:r>
+                        <a:t>192</a:t>
+                      </a:r>
+                    </a:p>
+                  </a:txBody>
+                  <a:tcPr/>
+                </a:tc>
+                <a:tc>
+                  <a:txBody>
+                    <a:bodyPr/>
+                    <a:lstStyle/>
+                    <a:p>
+                      <a:r>
+                        <a:t>115</a:t>
+                      </a:r>
+                    </a:p>
+                  </a:txBody>
+                  <a:tcPr/>
+                </a:tc>
+                <a:tc>
+                  <a:txBody>
+                    <a:bodyPr/>
+                    <a:lstStyle/>
+                    <a:p>
+                      <a:r>
+                        <a:t>149.35</a:t>
                       </a:r>
                     </a:p>
                   </a:txBody>
@@ -6749,55 +4989,55 @@
                     <a:lstStyle/>
                     <a:p>
                       <a:r>
-                        <a:t>POST /inetwork/v1/ports</a:t>
-                      </a:r>
-                    </a:p>
-                  </a:txBody>
-                  <a:tcPr/>
-                </a:tc>
-                <a:tc>
-                  <a:txBody>
-                    <a:bodyPr/>
-                    <a:lstStyle/>
-                    <a:p>
-                      <a:r>
-                        <a:t>5040</a:t>
-                      </a:r>
-                    </a:p>
-                  </a:txBody>
-                  <a:tcPr/>
-                </a:tc>
-                <a:tc>
-                  <a:txBody>
-                    <a:bodyPr/>
-                    <a:lstStyle/>
-                    <a:p>
-                      <a:r>
-                        <a:t>1851</a:t>
-                      </a:r>
-                    </a:p>
-                  </a:txBody>
-                  <a:tcPr/>
-                </a:tc>
-                <a:tc>
-                  <a:txBody>
-                    <a:bodyPr/>
-                    <a:lstStyle/>
-                    <a:p>
-                      <a:r>
-                        <a:t>-3189</a:t>
-                      </a:r>
-                    </a:p>
-                  </a:txBody>
-                  <a:tcPr/>
-                </a:tc>
-                <a:tc>
-                  <a:txBody>
-                    <a:bodyPr/>
-                    <a:lstStyle/>
-                    <a:p>
-                      <a:r>
-                        <a:t>-63.27</a:t>
+                        <a:t>GET /icompute/v1/vdc/{vdcId}/get-bind-center</a:t>
+                      </a:r>
+                    </a:p>
+                  </a:txBody>
+                  <a:tcPr/>
+                </a:tc>
+                <a:tc>
+                  <a:txBody>
+                    <a:bodyPr/>
+                    <a:lstStyle/>
+                    <a:p>
+                      <a:r>
+                        <a:t>38</a:t>
+                      </a:r>
+                    </a:p>
+                  </a:txBody>
+                  <a:tcPr/>
+                </a:tc>
+                <a:tc>
+                  <a:txBody>
+                    <a:bodyPr/>
+                    <a:lstStyle/>
+                    <a:p>
+                      <a:r>
+                        <a:t>137</a:t>
+                      </a:r>
+                    </a:p>
+                  </a:txBody>
+                  <a:tcPr/>
+                </a:tc>
+                <a:tc>
+                  <a:txBody>
+                    <a:bodyPr/>
+                    <a:lstStyle/>
+                    <a:p>
+                      <a:r>
+                        <a:t>99</a:t>
+                      </a:r>
+                    </a:p>
+                  </a:txBody>
+                  <a:tcPr/>
+                </a:tc>
+                <a:tc>
+                  <a:txBody>
+                    <a:bodyPr/>
+                    <a:lstStyle/>
+                    <a:p>
+                      <a:r>
+                        <a:t>260.53</a:t>
                       </a:r>
                     </a:p>
                   </a:txBody>
@@ -6816,55 +5056,55 @@
                     <a:lstStyle/>
                     <a:p>
                       <a:r>
-                        <a:t>POST /ibase/v1/vdcs</a:t>
-                      </a:r>
-                    </a:p>
-                  </a:txBody>
-                  <a:tcPr/>
-                </a:tc>
-                <a:tc>
-                  <a:txBody>
-                    <a:bodyPr/>
-                    <a:lstStyle/>
-                    <a:p>
-                      <a:r>
-                        <a:t>4223</a:t>
-                      </a:r>
-                    </a:p>
-                  </a:txBody>
-                  <a:tcPr/>
-                </a:tc>
-                <a:tc>
-                  <a:txBody>
-                    <a:bodyPr/>
-                    <a:lstStyle/>
-                    <a:p>
-                      <a:r>
-                        <a:t>1119</a:t>
-                      </a:r>
-                    </a:p>
-                  </a:txBody>
-                  <a:tcPr/>
-                </a:tc>
-                <a:tc>
-                  <a:txBody>
-                    <a:bodyPr/>
-                    <a:lstStyle/>
-                    <a:p>
-                      <a:r>
-                        <a:t>-3104</a:t>
-                      </a:r>
-                    </a:p>
-                  </a:txBody>
-                  <a:tcPr/>
-                </a:tc>
-                <a:tc>
-                  <a:txBody>
-                    <a:bodyPr/>
-                    <a:lstStyle/>
-                    <a:p>
-                      <a:r>
-                        <a:t>-73.5</a:t>
+                        <a:t>PUT /inetwork/v1/nets/{netId}</a:t>
+                      </a:r>
+                    </a:p>
+                  </a:txBody>
+                  <a:tcPr/>
+                </a:tc>
+                <a:tc>
+                  <a:txBody>
+                    <a:bodyPr/>
+                    <a:lstStyle/>
+                    <a:p>
+                      <a:r>
+                        <a:t>155</a:t>
+                      </a:r>
+                    </a:p>
+                  </a:txBody>
+                  <a:tcPr/>
+                </a:tc>
+                <a:tc>
+                  <a:txBody>
+                    <a:bodyPr/>
+                    <a:lstStyle/>
+                    <a:p>
+                      <a:r>
+                        <a:t>202</a:t>
+                      </a:r>
+                    </a:p>
+                  </a:txBody>
+                  <a:tcPr/>
+                </a:tc>
+                <a:tc>
+                  <a:txBody>
+                    <a:bodyPr/>
+                    <a:lstStyle/>
+                    <a:p>
+                      <a:r>
+                        <a:t>47</a:t>
+                      </a:r>
+                    </a:p>
+                  </a:txBody>
+                  <a:tcPr/>
+                </a:tc>
+                <a:tc>
+                  <a:txBody>
+                    <a:bodyPr/>
+                    <a:lstStyle/>
+                    <a:p>
+                      <a:r>
+                        <a:t>30.32</a:t>
                       </a:r>
                     </a:p>
                   </a:txBody>
@@ -6883,55 +5123,55 @@
                     <a:lstStyle/>
                     <a:p>
                       <a:r>
-                        <a:t>PUT /inetwork/v1/ports/{portMor}</a:t>
-                      </a:r>
-                    </a:p>
-                  </a:txBody>
-                  <a:tcPr/>
-                </a:tc>
-                <a:tc>
-                  <a:txBody>
-                    <a:bodyPr/>
-                    <a:lstStyle/>
-                    <a:p>
-                      <a:r>
-                        <a:t>4131</a:t>
-                      </a:r>
-                    </a:p>
-                  </a:txBody>
-                  <a:tcPr/>
-                </a:tc>
-                <a:tc>
-                  <a:txBody>
-                    <a:bodyPr/>
-                    <a:lstStyle/>
-                    <a:p>
-                      <a:r>
-                        <a:t>1802</a:t>
-                      </a:r>
-                    </a:p>
-                  </a:txBody>
-                  <a:tcPr/>
-                </a:tc>
-                <a:tc>
-                  <a:txBody>
-                    <a:bodyPr/>
-                    <a:lstStyle/>
-                    <a:p>
-                      <a:r>
-                        <a:t>-2329</a:t>
-                      </a:r>
-                    </a:p>
-                  </a:txBody>
-                  <a:tcPr/>
-                </a:tc>
-                <a:tc>
-                  <a:txBody>
-                    <a:bodyPr/>
-                    <a:lstStyle/>
-                    <a:p>
-                      <a:r>
-                        <a:t>-56.38</a:t>
+                        <a:t>GET /istorage/imanila/v2/users</a:t>
+                      </a:r>
+                    </a:p>
+                  </a:txBody>
+                  <a:tcPr/>
+                </a:tc>
+                <a:tc>
+                  <a:txBody>
+                    <a:bodyPr/>
+                    <a:lstStyle/>
+                    <a:p>
+                      <a:r>
+                        <a:t>39</a:t>
+                      </a:r>
+                    </a:p>
+                  </a:txBody>
+                  <a:tcPr/>
+                </a:tc>
+                <a:tc>
+                  <a:txBody>
+                    <a:bodyPr/>
+                    <a:lstStyle/>
+                    <a:p>
+                      <a:r>
+                        <a:t>75</a:t>
+                      </a:r>
+                    </a:p>
+                  </a:txBody>
+                  <a:tcPr/>
+                </a:tc>
+                <a:tc>
+                  <a:txBody>
+                    <a:bodyPr/>
+                    <a:lstStyle/>
+                    <a:p>
+                      <a:r>
+                        <a:t>36</a:t>
+                      </a:r>
+                    </a:p>
+                  </a:txBody>
+                  <a:tcPr/>
+                </a:tc>
+                <a:tc>
+                  <a:txBody>
+                    <a:bodyPr/>
+                    <a:lstStyle/>
+                    <a:p>
+                      <a:r>
+                        <a:t>92.31</a:t>
                       </a:r>
                     </a:p>
                   </a:txBody>
@@ -6950,55 +5190,55 @@
                     <a:lstStyle/>
                     <a:p>
                       <a:r>
-                        <a:t>PUT /inetwork/v1/nets/{netId}</a:t>
-                      </a:r>
-                    </a:p>
-                  </a:txBody>
-                  <a:tcPr/>
-                </a:tc>
-                <a:tc>
-                  <a:txBody>
-                    <a:bodyPr/>
-                    <a:lstStyle/>
-                    <a:p>
-                      <a:r>
-                        <a:t>4266</a:t>
-                      </a:r>
-                    </a:p>
-                  </a:txBody>
-                  <a:tcPr/>
-                </a:tc>
-                <a:tc>
-                  <a:txBody>
-                    <a:bodyPr/>
-                    <a:lstStyle/>
-                    <a:p>
-                      <a:r>
-                        <a:t>2058</a:t>
-                      </a:r>
-                    </a:p>
-                  </a:txBody>
-                  <a:tcPr/>
-                </a:tc>
-                <a:tc>
-                  <a:txBody>
-                    <a:bodyPr/>
-                    <a:lstStyle/>
-                    <a:p>
-                      <a:r>
-                        <a:t>-2208</a:t>
-                      </a:r>
-                    </a:p>
-                  </a:txBody>
-                  <a:tcPr/>
-                </a:tc>
-                <a:tc>
-                  <a:txBody>
-                    <a:bodyPr/>
-                    <a:lstStyle/>
-                    <a:p>
-                      <a:r>
-                        <a:t>-51.76</a:t>
+                        <a:t>GET /istorage/imanila/v2/users/{id}</a:t>
+                      </a:r>
+                    </a:p>
+                  </a:txBody>
+                  <a:tcPr/>
+                </a:tc>
+                <a:tc>
+                  <a:txBody>
+                    <a:bodyPr/>
+                    <a:lstStyle/>
+                    <a:p>
+                      <a:r>
+                        <a:t>44</a:t>
+                      </a:r>
+                    </a:p>
+                  </a:txBody>
+                  <a:tcPr/>
+                </a:tc>
+                <a:tc>
+                  <a:txBody>
+                    <a:bodyPr/>
+                    <a:lstStyle/>
+                    <a:p>
+                      <a:r>
+                        <a:t>78</a:t>
+                      </a:r>
+                    </a:p>
+                  </a:txBody>
+                  <a:tcPr/>
+                </a:tc>
+                <a:tc>
+                  <a:txBody>
+                    <a:bodyPr/>
+                    <a:lstStyle/>
+                    <a:p>
+                      <a:r>
+                        <a:t>34</a:t>
+                      </a:r>
+                    </a:p>
+                  </a:txBody>
+                  <a:tcPr/>
+                </a:tc>
+                <a:tc>
+                  <a:txBody>
+                    <a:bodyPr/>
+                    <a:lstStyle/>
+                    <a:p>
+                      <a:r>
+                        <a:t>77.27</a:t>
                       </a:r>
                     </a:p>
                   </a:txBody>
@@ -7017,55 +5257,55 @@
                     <a:lstStyle/>
                     <a:p>
                       <a:r>
-                        <a:t>DELETE /inetwork/v1/floatingips/{floatingipId}</a:t>
-                      </a:r>
-                    </a:p>
-                  </a:txBody>
-                  <a:tcPr/>
-                </a:tc>
-                <a:tc>
-                  <a:txBody>
-                    <a:bodyPr/>
-                    <a:lstStyle/>
-                    <a:p>
-                      <a:r>
-                        <a:t>3829</a:t>
-                      </a:r>
-                    </a:p>
-                  </a:txBody>
-                  <a:tcPr/>
-                </a:tc>
-                <a:tc>
-                  <a:txBody>
-                    <a:bodyPr/>
-                    <a:lstStyle/>
-                    <a:p>
-                      <a:r>
-                        <a:t>1940</a:t>
-                      </a:r>
-                    </a:p>
-                  </a:txBody>
-                  <a:tcPr/>
-                </a:tc>
-                <a:tc>
-                  <a:txBody>
-                    <a:bodyPr/>
-                    <a:lstStyle/>
-                    <a:p>
-                      <a:r>
-                        <a:t>-1889</a:t>
-                      </a:r>
-                    </a:p>
-                  </a:txBody>
-                  <a:tcPr/>
-                </a:tc>
-                <a:tc>
-                  <a:txBody>
-                    <a:bodyPr/>
-                    <a:lstStyle/>
-                    <a:p>
-                      <a:r>
-                        <a:t>-49.33</a:t>
+                        <a:t>POST /istorage/v1/objectstor/buckets</a:t>
+                      </a:r>
+                    </a:p>
+                  </a:txBody>
+                  <a:tcPr/>
+                </a:tc>
+                <a:tc>
+                  <a:txBody>
+                    <a:bodyPr/>
+                    <a:lstStyle/>
+                    <a:p>
+                      <a:r>
+                        <a:t>109</a:t>
+                      </a:r>
+                    </a:p>
+                  </a:txBody>
+                  <a:tcPr/>
+                </a:tc>
+                <a:tc>
+                  <a:txBody>
+                    <a:bodyPr/>
+                    <a:lstStyle/>
+                    <a:p>
+                      <a:r>
+                        <a:t>138</a:t>
+                      </a:r>
+                    </a:p>
+                  </a:txBody>
+                  <a:tcPr/>
+                </a:tc>
+                <a:tc>
+                  <a:txBody>
+                    <a:bodyPr/>
+                    <a:lstStyle/>
+                    <a:p>
+                      <a:r>
+                        <a:t>29</a:t>
+                      </a:r>
+                    </a:p>
+                  </a:txBody>
+                  <a:tcPr/>
+                </a:tc>
+                <a:tc>
+                  <a:txBody>
+                    <a:bodyPr/>
+                    <a:lstStyle/>
+                    <a:p>
+                      <a:r>
+                        <a:t>26.61</a:t>
                       </a:r>
                     </a:p>
                   </a:txBody>
@@ -7084,55 +5324,55 @@
                     <a:lstStyle/>
                     <a:p>
                       <a:r>
-                        <a:t>POST /inetwork/v1/vpcs</a:t>
-                      </a:r>
-                    </a:p>
-                  </a:txBody>
-                  <a:tcPr/>
-                </a:tc>
-                <a:tc>
-                  <a:txBody>
-                    <a:bodyPr/>
-                    <a:lstStyle/>
-                    <a:p>
-                      <a:r>
-                        <a:t>3919</a:t>
-                      </a:r>
-                    </a:p>
-                  </a:txBody>
-                  <a:tcPr/>
-                </a:tc>
-                <a:tc>
-                  <a:txBody>
-                    <a:bodyPr/>
-                    <a:lstStyle/>
-                    <a:p>
-                      <a:r>
-                        <a:t>2260</a:t>
-                      </a:r>
-                    </a:p>
-                  </a:txBody>
-                  <a:tcPr/>
-                </a:tc>
-                <a:tc>
-                  <a:txBody>
-                    <a:bodyPr/>
-                    <a:lstStyle/>
-                    <a:p>
-                      <a:r>
-                        <a:t>-1659</a:t>
-                      </a:r>
-                    </a:p>
-                  </a:txBody>
-                  <a:tcPr/>
-                </a:tc>
-                <a:tc>
-                  <a:txBody>
-                    <a:bodyPr/>
-                    <a:lstStyle/>
-                    <a:p>
-                      <a:r>
-                        <a:t>-42.33</a:t>
+                        <a:t>POST /icompute/v1/auto-scaling-group/add</a:t>
+                      </a:r>
+                    </a:p>
+                  </a:txBody>
+                  <a:tcPr/>
+                </a:tc>
+                <a:tc>
+                  <a:txBody>
+                    <a:bodyPr/>
+                    <a:lstStyle/>
+                    <a:p>
+                      <a:r>
+                        <a:t>89</a:t>
+                      </a:r>
+                    </a:p>
+                  </a:txBody>
+                  <a:tcPr/>
+                </a:tc>
+                <a:tc>
+                  <a:txBody>
+                    <a:bodyPr/>
+                    <a:lstStyle/>
+                    <a:p>
+                      <a:r>
+                        <a:t>110</a:t>
+                      </a:r>
+                    </a:p>
+                  </a:txBody>
+                  <a:tcPr/>
+                </a:tc>
+                <a:tc>
+                  <a:txBody>
+                    <a:bodyPr/>
+                    <a:lstStyle/>
+                    <a:p>
+                      <a:r>
+                        <a:t>21</a:t>
+                      </a:r>
+                    </a:p>
+                  </a:txBody>
+                  <a:tcPr/>
+                </a:tc>
+                <a:tc>
+                  <a:txBody>
+                    <a:bodyPr/>
+                    <a:lstStyle/>
+                    <a:p>
+                      <a:r>
+                        <a:t>23.6</a:t>
                       </a:r>
                     </a:p>
                   </a:txBody>

--- a/performance/interface_performance_analysis/performance_analysis_report.pptx
+++ b/performance/interface_performance_analysis/performance_analysis_report.pptx
@@ -5,15 +5,17 @@
     <p:sldMasterId id="2147483648" r:id="rId1"/>
   </p:sldMasterIdLst>
   <p:sldIdLst>
-    <p:sldId id="256" r:id="rId2"/>
-    <p:sldId id="257" r:id="rId3"/>
-    <p:sldId id="258" r:id="rId4"/>
-    <p:sldId id="259" r:id="rId5"/>
-    <p:sldId id="260" r:id="rId6"/>
-    <p:sldId id="261" r:id="rId7"/>
-    <p:sldId id="262" r:id="rId8"/>
-    <p:sldId id="263" r:id="rId9"/>
-    <p:sldId id="265" r:id="rId10"/>
+    <p:sldId id="256" r:id="rId7"/>
+    <p:sldId id="257" r:id="rId8"/>
+    <p:sldId id="258" r:id="rId9"/>
+    <p:sldId id="259" r:id="rId10"/>
+    <p:sldId id="260" r:id="rId11"/>
+    <p:sldId id="261" r:id="rId12"/>
+    <p:sldId id="262" r:id="rId13"/>
+    <p:sldId id="263" r:id="rId14"/>
+    <p:sldId id="264" r:id="rId15"/>
+    <p:sldId id="265" r:id="rId16"/>
+    <p:sldId id="266" r:id="rId17"/>
   </p:sldIdLst>
   <p:sldSz cx="9144000" cy="6858000" type="screen4x3"/>
   <p:notesSz cx="6858000" cy="9144000"/>
@@ -112,22 +114,6 @@
       </a:defRPr>
     </a:lvl9pPr>
   </p:defaultTextStyle>
-  <p:extLst>
-    <p:ext uri="{EFAFB233-063F-42B5-8137-9DF3F51BA10A}">
-      <p15:sldGuideLst xmlns:p15="http://schemas.microsoft.com/office/powerpoint/2012/main">
-        <p15:guide id="1" orient="horz" pos="2160">
-          <p15:clr>
-            <a:srgbClr val="A4A3A4"/>
-          </p15:clr>
-        </p15:guide>
-        <p15:guide id="2" pos="2880">
-          <p15:clr>
-            <a:srgbClr val="A4A3A4"/>
-          </p15:clr>
-        </p15:guide>
-      </p15:sldGuideLst>
-    </p:ext>
-  </p:extLst>
 </p:presentation>
 </file>
 
@@ -312,7 +298,7 @@
           <a:p>
             <a:fld id="{5BCAD085-E8A6-8845-BD4E-CB4CCA059FC4}" type="datetimeFigureOut">
               <a:rPr lang="en-US" smtClean="0"/>
-              <a:t>9/15/2025</a:t>
+              <a:t>1/27/13</a:t>
             </a:fld>
             <a:endParaRPr lang="en-US"/>
           </a:p>
@@ -482,7 +468,7 @@
           <a:p>
             <a:fld id="{5BCAD085-E8A6-8845-BD4E-CB4CCA059FC4}" type="datetimeFigureOut">
               <a:rPr lang="en-US" smtClean="0"/>
-              <a:t>9/15/2025</a:t>
+              <a:t>1/27/13</a:t>
             </a:fld>
             <a:endParaRPr lang="en-US"/>
           </a:p>
@@ -662,7 +648,7 @@
           <a:p>
             <a:fld id="{5BCAD085-E8A6-8845-BD4E-CB4CCA059FC4}" type="datetimeFigureOut">
               <a:rPr lang="en-US" smtClean="0"/>
-              <a:t>9/15/2025</a:t>
+              <a:t>1/27/13</a:t>
             </a:fld>
             <a:endParaRPr lang="en-US"/>
           </a:p>
@@ -832,7 +818,7 @@
           <a:p>
             <a:fld id="{5BCAD085-E8A6-8845-BD4E-CB4CCA059FC4}" type="datetimeFigureOut">
               <a:rPr lang="en-US" smtClean="0"/>
-              <a:t>9/15/2025</a:t>
+              <a:t>1/27/13</a:t>
             </a:fld>
             <a:endParaRPr lang="en-US"/>
           </a:p>
@@ -1078,7 +1064,7 @@
           <a:p>
             <a:fld id="{5BCAD085-E8A6-8845-BD4E-CB4CCA059FC4}" type="datetimeFigureOut">
               <a:rPr lang="en-US" smtClean="0"/>
-              <a:t>9/15/2025</a:t>
+              <a:t>1/27/13</a:t>
             </a:fld>
             <a:endParaRPr lang="en-US"/>
           </a:p>
@@ -1366,7 +1352,7 @@
           <a:p>
             <a:fld id="{5BCAD085-E8A6-8845-BD4E-CB4CCA059FC4}" type="datetimeFigureOut">
               <a:rPr lang="en-US" smtClean="0"/>
-              <a:t>9/15/2025</a:t>
+              <a:t>1/27/13</a:t>
             </a:fld>
             <a:endParaRPr lang="en-US"/>
           </a:p>
@@ -1788,7 +1774,7 @@
           <a:p>
             <a:fld id="{5BCAD085-E8A6-8845-BD4E-CB4CCA059FC4}" type="datetimeFigureOut">
               <a:rPr lang="en-US" smtClean="0"/>
-              <a:t>9/15/2025</a:t>
+              <a:t>1/27/13</a:t>
             </a:fld>
             <a:endParaRPr lang="en-US"/>
           </a:p>
@@ -1906,7 +1892,7 @@
           <a:p>
             <a:fld id="{5BCAD085-E8A6-8845-BD4E-CB4CCA059FC4}" type="datetimeFigureOut">
               <a:rPr lang="en-US" smtClean="0"/>
-              <a:t>9/15/2025</a:t>
+              <a:t>1/27/13</a:t>
             </a:fld>
             <a:endParaRPr lang="en-US"/>
           </a:p>
@@ -2001,7 +1987,7 @@
           <a:p>
             <a:fld id="{5BCAD085-E8A6-8845-BD4E-CB4CCA059FC4}" type="datetimeFigureOut">
               <a:rPr lang="en-US" smtClean="0"/>
-              <a:t>9/15/2025</a:t>
+              <a:t>1/27/13</a:t>
             </a:fld>
             <a:endParaRPr lang="en-US"/>
           </a:p>
@@ -2278,7 +2264,7 @@
           <a:p>
             <a:fld id="{5BCAD085-E8A6-8845-BD4E-CB4CCA059FC4}" type="datetimeFigureOut">
               <a:rPr lang="en-US" smtClean="0"/>
-              <a:t>9/15/2025</a:t>
+              <a:t>1/27/13</a:t>
             </a:fld>
             <a:endParaRPr lang="en-US"/>
           </a:p>
@@ -2531,7 +2517,7 @@
           <a:p>
             <a:fld id="{5BCAD085-E8A6-8845-BD4E-CB4CCA059FC4}" type="datetimeFigureOut">
               <a:rPr lang="en-US" smtClean="0"/>
-              <a:t>9/15/2025</a:t>
+              <a:t>1/27/13</a:t>
             </a:fld>
             <a:endParaRPr lang="en-US"/>
           </a:p>
@@ -2744,7 +2730,7 @@
           <a:p>
             <a:fld id="{5BCAD085-E8A6-8845-BD4E-CB4CCA059FC4}" type="datetimeFigureOut">
               <a:rPr lang="en-US" smtClean="0"/>
-              <a:t>9/15/2025</a:t>
+              <a:t>1/27/13</a:t>
             </a:fld>
             <a:endParaRPr lang="en-US"/>
           </a:p>
@@ -3103,7 +3089,7 @@
 </file>
 
 <file path=ppt/slides/slide1.xml><?xml version="1.0" encoding="utf-8"?>
-<p:sld xmlns:a="http://schemas.openxmlformats.org/drawingml/2006/main" xmlns:r="http://schemas.openxmlformats.org/officeDocument/2006/relationships" xmlns:p="http://schemas.openxmlformats.org/presentationml/2006/main">
+<p:sld xmlns:a="http://schemas.openxmlformats.org/drawingml/2006/main" xmlns:p="http://schemas.openxmlformats.org/presentationml/2006/main" xmlns:r="http://schemas.openxmlformats.org/officeDocument/2006/relationships">
   <p:cSld>
     <p:spTree>
       <p:nvGrpSpPr>
@@ -3111,14 +3097,7 @@
         <p:cNvGrpSpPr/>
         <p:nvPr/>
       </p:nvGrpSpPr>
-      <p:grpSpPr>
-        <a:xfrm>
-          <a:off x="0" y="0"/>
-          <a:ext cx="0" cy="0"/>
-          <a:chOff x="0" y="0"/>
-          <a:chExt cx="0" cy="0"/>
-        </a:xfrm>
-      </p:grpSpPr>
+      <p:grpSpPr/>
       <p:sp>
         <p:nvSpPr>
           <p:cNvPr id="2" name="Title 1"/>
@@ -3156,11 +3135,1595 @@
           <a:lstStyle/>
           <a:p>
             <a:r>
-              <a:t>生成时间: 2025-09-15 11:11:02</a:t>
-            </a:r>
-          </a:p>
-        </p:txBody>
-      </p:sp>
+              <a:t>生成时间: 2025-09-23 16:26:21</a:t>
+            </a:r>
+          </a:p>
+        </p:txBody>
+      </p:sp>
+    </p:spTree>
+  </p:cSld>
+  <p:clrMapOvr>
+    <a:masterClrMapping/>
+  </p:clrMapOvr>
+</p:sld>
+</file>
+
+<file path=ppt/slides/slide10.xml><?xml version="1.0" encoding="utf-8"?>
+<p:sld xmlns:a="http://schemas.openxmlformats.org/drawingml/2006/main" xmlns:p="http://schemas.openxmlformats.org/presentationml/2006/main" xmlns:r="http://schemas.openxmlformats.org/officeDocument/2006/relationships">
+  <p:cSld>
+    <p:spTree>
+      <p:nvGrpSpPr>
+        <p:cNvPr id="1" name=""/>
+        <p:cNvGrpSpPr/>
+        <p:nvPr/>
+      </p:nvGrpSpPr>
+      <p:grpSpPr/>
+      <p:sp>
+        <p:nvSpPr>
+          <p:cNvPr id="2" name="Title 1"/>
+          <p:cNvSpPr>
+            <a:spLocks noGrp="1"/>
+          </p:cNvSpPr>
+          <p:nvPr>
+            <p:ph type="title"/>
+          </p:nvPr>
+        </p:nvSpPr>
+        <p:spPr/>
+        <p:txBody>
+          <a:bodyPr/>
+          <a:lstStyle/>
+          <a:p>
+            <a:r>
+              <a:t>Top 10 AVG性能退步接口</a:t>
+            </a:r>
+          </a:p>
+        </p:txBody>
+      </p:sp>
+      <p:graphicFrame>
+        <p:nvGraphicFramePr>
+          <p:cNvPr id="3" name="Table 2"/>
+          <p:cNvGraphicFramePr>
+            <a:graphicFrameLocks noGrp="1"/>
+          </p:cNvGraphicFramePr>
+          <p:nvPr/>
+        </p:nvGraphicFramePr>
+        <p:xfrm>
+          <a:off x="914400" y="1371600"/>
+          <a:ext cx="7315200" cy="1828800"/>
+        </p:xfrm>
+        <a:graphic>
+          <a:graphicData uri="http://schemas.openxmlformats.org/drawingml/2006/table">
+            <a:tbl>
+              <a:tblPr firstRow="1" bandRow="1">
+                <a:tableStyleId>{5C22544A-7EE6-4342-B048-85BDC9FD1C3A}</a:tableStyleId>
+              </a:tblPr>
+              <a:tblGrid>
+                <a:gridCol w="1463040"/>
+                <a:gridCol w="1463040"/>
+                <a:gridCol w="1463040"/>
+                <a:gridCol w="1463040"/>
+                <a:gridCol w="1463040"/>
+              </a:tblGrid>
+              <a:tr h="152400">
+                <a:tc>
+                  <a:txBody>
+                    <a:bodyPr/>
+                    <a:lstStyle/>
+                    <a:p>
+                      <a:r>
+                        <a:t>接口标识</a:t>
+                      </a:r>
+                    </a:p>
+                  </a:txBody>
+                  <a:tcPr/>
+                </a:tc>
+                <a:tc>
+                  <a:txBody>
+                    <a:bodyPr/>
+                    <a:lstStyle/>
+                    <a:p>
+                      <a:r>
+                        <a:t>AVG_V8101</a:t>
+                      </a:r>
+                    </a:p>
+                  </a:txBody>
+                  <a:tcPr/>
+                </a:tc>
+                <a:tc>
+                  <a:txBody>
+                    <a:bodyPr/>
+                    <a:lstStyle/>
+                    <a:p>
+                      <a:r>
+                        <a:t>AVG_V8104</a:t>
+                      </a:r>
+                    </a:p>
+                  </a:txBody>
+                  <a:tcPr/>
+                </a:tc>
+                <a:tc>
+                  <a:txBody>
+                    <a:bodyPr/>
+                    <a:lstStyle/>
+                    <a:p>
+                      <a:r>
+                        <a:t>AVG_变化</a:t>
+                      </a:r>
+                    </a:p>
+                  </a:txBody>
+                  <a:tcPr/>
+                </a:tc>
+                <a:tc>
+                  <a:txBody>
+                    <a:bodyPr/>
+                    <a:lstStyle/>
+                    <a:p>
+                      <a:r>
+                        <a:t>AVG_变化率</a:t>
+                      </a:r>
+                    </a:p>
+                  </a:txBody>
+                  <a:tcPr/>
+                </a:tc>
+              </a:tr>
+              <a:tr h="152400">
+                <a:tc>
+                  <a:txBody>
+                    <a:bodyPr/>
+                    <a:lstStyle/>
+                    <a:p>
+                      <a:r>
+                        <a:t>GET /iworkflow/v1/historys/user/list</a:t>
+                      </a:r>
+                    </a:p>
+                  </a:txBody>
+                  <a:tcPr/>
+                </a:tc>
+                <a:tc>
+                  <a:txBody>
+                    <a:bodyPr/>
+                    <a:lstStyle/>
+                    <a:p>
+                      <a:r>
+                        <a:t>129</a:t>
+                      </a:r>
+                    </a:p>
+                  </a:txBody>
+                  <a:tcPr/>
+                </a:tc>
+                <a:tc>
+                  <a:txBody>
+                    <a:bodyPr/>
+                    <a:lstStyle/>
+                    <a:p>
+                      <a:r>
+                        <a:t>884</a:t>
+                      </a:r>
+                    </a:p>
+                  </a:txBody>
+                  <a:tcPr/>
+                </a:tc>
+                <a:tc>
+                  <a:txBody>
+                    <a:bodyPr/>
+                    <a:lstStyle/>
+                    <a:p>
+                      <a:r>
+                        <a:t>755</a:t>
+                      </a:r>
+                    </a:p>
+                  </a:txBody>
+                  <a:tcPr/>
+                </a:tc>
+                <a:tc>
+                  <a:txBody>
+                    <a:bodyPr/>
+                    <a:lstStyle/>
+                    <a:p>
+                      <a:r>
+                        <a:t>585.27</a:t>
+                      </a:r>
+                    </a:p>
+                  </a:txBody>
+                  <a:tcPr/>
+                </a:tc>
+              </a:tr>
+              <a:tr h="152400">
+                <a:tc>
+                  <a:txBody>
+                    <a:bodyPr/>
+                    <a:lstStyle/>
+                    <a:p>
+                      <a:r>
+                        <a:t>POST /icompute/v1/global-content-repos/{globalContentId}/files/slice_upload</a:t>
+                      </a:r>
+                    </a:p>
+                  </a:txBody>
+                  <a:tcPr/>
+                </a:tc>
+                <a:tc>
+                  <a:txBody>
+                    <a:bodyPr/>
+                    <a:lstStyle/>
+                    <a:p>
+                      <a:r>
+                        <a:t>114</a:t>
+                      </a:r>
+                    </a:p>
+                  </a:txBody>
+                  <a:tcPr/>
+                </a:tc>
+                <a:tc>
+                  <a:txBody>
+                    <a:bodyPr/>
+                    <a:lstStyle/>
+                    <a:p>
+                      <a:r>
+                        <a:t>518</a:t>
+                      </a:r>
+                    </a:p>
+                  </a:txBody>
+                  <a:tcPr/>
+                </a:tc>
+                <a:tc>
+                  <a:txBody>
+                    <a:bodyPr/>
+                    <a:lstStyle/>
+                    <a:p>
+                      <a:r>
+                        <a:t>404</a:t>
+                      </a:r>
+                    </a:p>
+                  </a:txBody>
+                  <a:tcPr/>
+                </a:tc>
+                <a:tc>
+                  <a:txBody>
+                    <a:bodyPr/>
+                    <a:lstStyle/>
+                    <a:p>
+                      <a:r>
+                        <a:t>354.39</a:t>
+                      </a:r>
+                    </a:p>
+                  </a:txBody>
+                  <a:tcPr/>
+                </a:tc>
+              </a:tr>
+              <a:tr h="152400">
+                <a:tc>
+                  <a:txBody>
+                    <a:bodyPr/>
+                    <a:lstStyle/>
+                    <a:p>
+                      <a:r>
+                        <a:t>PUT /icompute/v1/vms/{vmId}/poweron</a:t>
+                      </a:r>
+                    </a:p>
+                  </a:txBody>
+                  <a:tcPr/>
+                </a:tc>
+                <a:tc>
+                  <a:txBody>
+                    <a:bodyPr/>
+                    <a:lstStyle/>
+                    <a:p>
+                      <a:r>
+                        <a:t>197</a:t>
+                      </a:r>
+                    </a:p>
+                  </a:txBody>
+                  <a:tcPr/>
+                </a:tc>
+                <a:tc>
+                  <a:txBody>
+                    <a:bodyPr/>
+                    <a:lstStyle/>
+                    <a:p>
+                      <a:r>
+                        <a:t>489</a:t>
+                      </a:r>
+                    </a:p>
+                  </a:txBody>
+                  <a:tcPr/>
+                </a:tc>
+                <a:tc>
+                  <a:txBody>
+                    <a:bodyPr/>
+                    <a:lstStyle/>
+                    <a:p>
+                      <a:r>
+                        <a:t>292</a:t>
+                      </a:r>
+                    </a:p>
+                  </a:txBody>
+                  <a:tcPr/>
+                </a:tc>
+                <a:tc>
+                  <a:txBody>
+                    <a:bodyPr/>
+                    <a:lstStyle/>
+                    <a:p>
+                      <a:r>
+                        <a:t>148.22</a:t>
+                      </a:r>
+                    </a:p>
+                  </a:txBody>
+                  <a:tcPr/>
+                </a:tc>
+              </a:tr>
+              <a:tr h="152400">
+                <a:tc>
+                  <a:txBody>
+                    <a:bodyPr/>
+                    <a:lstStyle/>
+                    <a:p>
+                      <a:r>
+                        <a:t>GET /itask/v1/tasks</a:t>
+                      </a:r>
+                    </a:p>
+                  </a:txBody>
+                  <a:tcPr/>
+                </a:tc>
+                <a:tc>
+                  <a:txBody>
+                    <a:bodyPr/>
+                    <a:lstStyle/>
+                    <a:p>
+                      <a:r>
+                        <a:t>77</a:t>
+                      </a:r>
+                    </a:p>
+                  </a:txBody>
+                  <a:tcPr/>
+                </a:tc>
+                <a:tc>
+                  <a:txBody>
+                    <a:bodyPr/>
+                    <a:lstStyle/>
+                    <a:p>
+                      <a:r>
+                        <a:t>192</a:t>
+                      </a:r>
+                    </a:p>
+                  </a:txBody>
+                  <a:tcPr/>
+                </a:tc>
+                <a:tc>
+                  <a:txBody>
+                    <a:bodyPr/>
+                    <a:lstStyle/>
+                    <a:p>
+                      <a:r>
+                        <a:t>115</a:t>
+                      </a:r>
+                    </a:p>
+                  </a:txBody>
+                  <a:tcPr/>
+                </a:tc>
+                <a:tc>
+                  <a:txBody>
+                    <a:bodyPr/>
+                    <a:lstStyle/>
+                    <a:p>
+                      <a:r>
+                        <a:t>149.35</a:t>
+                      </a:r>
+                    </a:p>
+                  </a:txBody>
+                  <a:tcPr/>
+                </a:tc>
+              </a:tr>
+              <a:tr h="152400">
+                <a:tc>
+                  <a:txBody>
+                    <a:bodyPr/>
+                    <a:lstStyle/>
+                    <a:p>
+                      <a:r>
+                        <a:t>GET /icompute/v1/vdc/{vdcId}/get-bind-center</a:t>
+                      </a:r>
+                    </a:p>
+                  </a:txBody>
+                  <a:tcPr/>
+                </a:tc>
+                <a:tc>
+                  <a:txBody>
+                    <a:bodyPr/>
+                    <a:lstStyle/>
+                    <a:p>
+                      <a:r>
+                        <a:t>38</a:t>
+                      </a:r>
+                    </a:p>
+                  </a:txBody>
+                  <a:tcPr/>
+                </a:tc>
+                <a:tc>
+                  <a:txBody>
+                    <a:bodyPr/>
+                    <a:lstStyle/>
+                    <a:p>
+                      <a:r>
+                        <a:t>137</a:t>
+                      </a:r>
+                    </a:p>
+                  </a:txBody>
+                  <a:tcPr/>
+                </a:tc>
+                <a:tc>
+                  <a:txBody>
+                    <a:bodyPr/>
+                    <a:lstStyle/>
+                    <a:p>
+                      <a:r>
+                        <a:t>99</a:t>
+                      </a:r>
+                    </a:p>
+                  </a:txBody>
+                  <a:tcPr/>
+                </a:tc>
+                <a:tc>
+                  <a:txBody>
+                    <a:bodyPr/>
+                    <a:lstStyle/>
+                    <a:p>
+                      <a:r>
+                        <a:t>260.53</a:t>
+                      </a:r>
+                    </a:p>
+                  </a:txBody>
+                  <a:tcPr/>
+                </a:tc>
+              </a:tr>
+              <a:tr h="152400">
+                <a:tc>
+                  <a:txBody>
+                    <a:bodyPr/>
+                    <a:lstStyle/>
+                    <a:p>
+                      <a:r>
+                        <a:t>PUT /inetwork/v1/nets/{netId}</a:t>
+                      </a:r>
+                    </a:p>
+                  </a:txBody>
+                  <a:tcPr/>
+                </a:tc>
+                <a:tc>
+                  <a:txBody>
+                    <a:bodyPr/>
+                    <a:lstStyle/>
+                    <a:p>
+                      <a:r>
+                        <a:t>155</a:t>
+                      </a:r>
+                    </a:p>
+                  </a:txBody>
+                  <a:tcPr/>
+                </a:tc>
+                <a:tc>
+                  <a:txBody>
+                    <a:bodyPr/>
+                    <a:lstStyle/>
+                    <a:p>
+                      <a:r>
+                        <a:t>202</a:t>
+                      </a:r>
+                    </a:p>
+                  </a:txBody>
+                  <a:tcPr/>
+                </a:tc>
+                <a:tc>
+                  <a:txBody>
+                    <a:bodyPr/>
+                    <a:lstStyle/>
+                    <a:p>
+                      <a:r>
+                        <a:t>47</a:t>
+                      </a:r>
+                    </a:p>
+                  </a:txBody>
+                  <a:tcPr/>
+                </a:tc>
+                <a:tc>
+                  <a:txBody>
+                    <a:bodyPr/>
+                    <a:lstStyle/>
+                    <a:p>
+                      <a:r>
+                        <a:t>30.32</a:t>
+                      </a:r>
+                    </a:p>
+                  </a:txBody>
+                  <a:tcPr/>
+                </a:tc>
+              </a:tr>
+              <a:tr h="152400">
+                <a:tc>
+                  <a:txBody>
+                    <a:bodyPr/>
+                    <a:lstStyle/>
+                    <a:p>
+                      <a:r>
+                        <a:t>GET /istorage/imanila/v2/users</a:t>
+                      </a:r>
+                    </a:p>
+                  </a:txBody>
+                  <a:tcPr/>
+                </a:tc>
+                <a:tc>
+                  <a:txBody>
+                    <a:bodyPr/>
+                    <a:lstStyle/>
+                    <a:p>
+                      <a:r>
+                        <a:t>39</a:t>
+                      </a:r>
+                    </a:p>
+                  </a:txBody>
+                  <a:tcPr/>
+                </a:tc>
+                <a:tc>
+                  <a:txBody>
+                    <a:bodyPr/>
+                    <a:lstStyle/>
+                    <a:p>
+                      <a:r>
+                        <a:t>75</a:t>
+                      </a:r>
+                    </a:p>
+                  </a:txBody>
+                  <a:tcPr/>
+                </a:tc>
+                <a:tc>
+                  <a:txBody>
+                    <a:bodyPr/>
+                    <a:lstStyle/>
+                    <a:p>
+                      <a:r>
+                        <a:t>36</a:t>
+                      </a:r>
+                    </a:p>
+                  </a:txBody>
+                  <a:tcPr/>
+                </a:tc>
+                <a:tc>
+                  <a:txBody>
+                    <a:bodyPr/>
+                    <a:lstStyle/>
+                    <a:p>
+                      <a:r>
+                        <a:t>92.31</a:t>
+                      </a:r>
+                    </a:p>
+                  </a:txBody>
+                  <a:tcPr/>
+                </a:tc>
+              </a:tr>
+              <a:tr h="152400">
+                <a:tc>
+                  <a:txBody>
+                    <a:bodyPr/>
+                    <a:lstStyle/>
+                    <a:p>
+                      <a:r>
+                        <a:t>GET /istorage/imanila/v2/users/{id}</a:t>
+                      </a:r>
+                    </a:p>
+                  </a:txBody>
+                  <a:tcPr/>
+                </a:tc>
+                <a:tc>
+                  <a:txBody>
+                    <a:bodyPr/>
+                    <a:lstStyle/>
+                    <a:p>
+                      <a:r>
+                        <a:t>44</a:t>
+                      </a:r>
+                    </a:p>
+                  </a:txBody>
+                  <a:tcPr/>
+                </a:tc>
+                <a:tc>
+                  <a:txBody>
+                    <a:bodyPr/>
+                    <a:lstStyle/>
+                    <a:p>
+                      <a:r>
+                        <a:t>78</a:t>
+                      </a:r>
+                    </a:p>
+                  </a:txBody>
+                  <a:tcPr/>
+                </a:tc>
+                <a:tc>
+                  <a:txBody>
+                    <a:bodyPr/>
+                    <a:lstStyle/>
+                    <a:p>
+                      <a:r>
+                        <a:t>34</a:t>
+                      </a:r>
+                    </a:p>
+                  </a:txBody>
+                  <a:tcPr/>
+                </a:tc>
+                <a:tc>
+                  <a:txBody>
+                    <a:bodyPr/>
+                    <a:lstStyle/>
+                    <a:p>
+                      <a:r>
+                        <a:t>77.27</a:t>
+                      </a:r>
+                    </a:p>
+                  </a:txBody>
+                  <a:tcPr/>
+                </a:tc>
+              </a:tr>
+              <a:tr h="152400">
+                <a:tc>
+                  <a:txBody>
+                    <a:bodyPr/>
+                    <a:lstStyle/>
+                    <a:p>
+                      <a:r>
+                        <a:t>POST /istorage/v1/objectstor/buckets</a:t>
+                      </a:r>
+                    </a:p>
+                  </a:txBody>
+                  <a:tcPr/>
+                </a:tc>
+                <a:tc>
+                  <a:txBody>
+                    <a:bodyPr/>
+                    <a:lstStyle/>
+                    <a:p>
+                      <a:r>
+                        <a:t>109</a:t>
+                      </a:r>
+                    </a:p>
+                  </a:txBody>
+                  <a:tcPr/>
+                </a:tc>
+                <a:tc>
+                  <a:txBody>
+                    <a:bodyPr/>
+                    <a:lstStyle/>
+                    <a:p>
+                      <a:r>
+                        <a:t>138</a:t>
+                      </a:r>
+                    </a:p>
+                  </a:txBody>
+                  <a:tcPr/>
+                </a:tc>
+                <a:tc>
+                  <a:txBody>
+                    <a:bodyPr/>
+                    <a:lstStyle/>
+                    <a:p>
+                      <a:r>
+                        <a:t>29</a:t>
+                      </a:r>
+                    </a:p>
+                  </a:txBody>
+                  <a:tcPr/>
+                </a:tc>
+                <a:tc>
+                  <a:txBody>
+                    <a:bodyPr/>
+                    <a:lstStyle/>
+                    <a:p>
+                      <a:r>
+                        <a:t>26.61</a:t>
+                      </a:r>
+                    </a:p>
+                  </a:txBody>
+                  <a:tcPr/>
+                </a:tc>
+              </a:tr>
+              <a:tr h="152400">
+                <a:tc>
+                  <a:txBody>
+                    <a:bodyPr/>
+                    <a:lstStyle/>
+                    <a:p>
+                      <a:r>
+                        <a:t>POST /icompute/v1/auto-scaling-group/add</a:t>
+                      </a:r>
+                    </a:p>
+                  </a:txBody>
+                  <a:tcPr/>
+                </a:tc>
+                <a:tc>
+                  <a:txBody>
+                    <a:bodyPr/>
+                    <a:lstStyle/>
+                    <a:p>
+                      <a:r>
+                        <a:t>89</a:t>
+                      </a:r>
+                    </a:p>
+                  </a:txBody>
+                  <a:tcPr/>
+                </a:tc>
+                <a:tc>
+                  <a:txBody>
+                    <a:bodyPr/>
+                    <a:lstStyle/>
+                    <a:p>
+                      <a:r>
+                        <a:t>110</a:t>
+                      </a:r>
+                    </a:p>
+                  </a:txBody>
+                  <a:tcPr/>
+                </a:tc>
+                <a:tc>
+                  <a:txBody>
+                    <a:bodyPr/>
+                    <a:lstStyle/>
+                    <a:p>
+                      <a:r>
+                        <a:t>21</a:t>
+                      </a:r>
+                    </a:p>
+                  </a:txBody>
+                  <a:tcPr/>
+                </a:tc>
+                <a:tc>
+                  <a:txBody>
+                    <a:bodyPr/>
+                    <a:lstStyle/>
+                    <a:p>
+                      <a:r>
+                        <a:t>23.6</a:t>
+                      </a:r>
+                    </a:p>
+                  </a:txBody>
+                  <a:tcPr/>
+                </a:tc>
+              </a:tr>
+              <a:tr h="152400">
+                <a:tc>
+                  <a:txBody>
+                    <a:bodyPr/>
+                    <a:lstStyle/>
+                    <a:p/>
+                  </a:txBody>
+                  <a:tcPr/>
+                </a:tc>
+                <a:tc>
+                  <a:txBody>
+                    <a:bodyPr/>
+                    <a:lstStyle/>
+                    <a:p/>
+                  </a:txBody>
+                  <a:tcPr/>
+                </a:tc>
+                <a:tc>
+                  <a:txBody>
+                    <a:bodyPr/>
+                    <a:lstStyle/>
+                    <a:p/>
+                  </a:txBody>
+                  <a:tcPr/>
+                </a:tc>
+                <a:tc>
+                  <a:txBody>
+                    <a:bodyPr/>
+                    <a:lstStyle/>
+                    <a:p/>
+                  </a:txBody>
+                  <a:tcPr/>
+                </a:tc>
+                <a:tc>
+                  <a:txBody>
+                    <a:bodyPr/>
+                    <a:lstStyle/>
+                    <a:p/>
+                  </a:txBody>
+                  <a:tcPr/>
+                </a:tc>
+              </a:tr>
+            </a:tbl>
+          </a:graphicData>
+        </a:graphic>
+      </p:graphicFrame>
+    </p:spTree>
+  </p:cSld>
+  <p:clrMapOvr>
+    <a:masterClrMapping/>
+  </p:clrMapOvr>
+</p:sld>
+</file>
+
+<file path=ppt/slides/slide11.xml><?xml version="1.0" encoding="utf-8"?>
+<p:sld xmlns:a="http://schemas.openxmlformats.org/drawingml/2006/main" xmlns:p="http://schemas.openxmlformats.org/presentationml/2006/main" xmlns:r="http://schemas.openxmlformats.org/officeDocument/2006/relationships">
+  <p:cSld>
+    <p:spTree>
+      <p:nvGrpSpPr>
+        <p:cNvPr id="1" name=""/>
+        <p:cNvGrpSpPr/>
+        <p:nvPr/>
+      </p:nvGrpSpPr>
+      <p:grpSpPr/>
+      <p:sp>
+        <p:nvSpPr>
+          <p:cNvPr id="2" name="Title 1"/>
+          <p:cNvSpPr>
+            <a:spLocks noGrp="1"/>
+          </p:cNvSpPr>
+          <p:nvPr>
+            <p:ph type="title"/>
+          </p:nvPr>
+        </p:nvSpPr>
+        <p:spPr/>
+        <p:txBody>
+          <a:bodyPr/>
+          <a:lstStyle/>
+          <a:p>
+            <a:r>
+              <a:t>Top 10 AVG性能优化接口</a:t>
+            </a:r>
+          </a:p>
+        </p:txBody>
+      </p:sp>
+      <p:graphicFrame>
+        <p:nvGraphicFramePr>
+          <p:cNvPr id="3" name="Table 2"/>
+          <p:cNvGraphicFramePr>
+            <a:graphicFrameLocks noGrp="1"/>
+          </p:cNvGraphicFramePr>
+          <p:nvPr/>
+        </p:nvGraphicFramePr>
+        <p:xfrm>
+          <a:off x="914400" y="1371600"/>
+          <a:ext cx="7315200" cy="1828800"/>
+        </p:xfrm>
+        <a:graphic>
+          <a:graphicData uri="http://schemas.openxmlformats.org/drawingml/2006/table">
+            <a:tbl>
+              <a:tblPr firstRow="1" bandRow="1">
+                <a:tableStyleId>{5C22544A-7EE6-4342-B048-85BDC9FD1C3A}</a:tableStyleId>
+              </a:tblPr>
+              <a:tblGrid>
+                <a:gridCol w="1463040"/>
+                <a:gridCol w="1463040"/>
+                <a:gridCol w="1463040"/>
+                <a:gridCol w="1463040"/>
+                <a:gridCol w="1463040"/>
+              </a:tblGrid>
+              <a:tr h="152400">
+                <a:tc>
+                  <a:txBody>
+                    <a:bodyPr/>
+                    <a:lstStyle/>
+                    <a:p>
+                      <a:r>
+                        <a:t>接口标识</a:t>
+                      </a:r>
+                    </a:p>
+                  </a:txBody>
+                  <a:tcPr/>
+                </a:tc>
+                <a:tc>
+                  <a:txBody>
+                    <a:bodyPr/>
+                    <a:lstStyle/>
+                    <a:p>
+                      <a:r>
+                        <a:t>AVG_V8101</a:t>
+                      </a:r>
+                    </a:p>
+                  </a:txBody>
+                  <a:tcPr/>
+                </a:tc>
+                <a:tc>
+                  <a:txBody>
+                    <a:bodyPr/>
+                    <a:lstStyle/>
+                    <a:p>
+                      <a:r>
+                        <a:t>AVG_V8104</a:t>
+                      </a:r>
+                    </a:p>
+                  </a:txBody>
+                  <a:tcPr/>
+                </a:tc>
+                <a:tc>
+                  <a:txBody>
+                    <a:bodyPr/>
+                    <a:lstStyle/>
+                    <a:p>
+                      <a:r>
+                        <a:t>AVG_变化</a:t>
+                      </a:r>
+                    </a:p>
+                  </a:txBody>
+                  <a:tcPr/>
+                </a:tc>
+                <a:tc>
+                  <a:txBody>
+                    <a:bodyPr/>
+                    <a:lstStyle/>
+                    <a:p>
+                      <a:r>
+                        <a:t>AVG_变化率</a:t>
+                      </a:r>
+                    </a:p>
+                  </a:txBody>
+                  <a:tcPr/>
+                </a:tc>
+              </a:tr>
+              <a:tr h="152400">
+                <a:tc>
+                  <a:txBody>
+                    <a:bodyPr/>
+                    <a:lstStyle/>
+                    <a:p>
+                      <a:r>
+                        <a:t>DELETE /inetwork/v1/nat/{natId}</a:t>
+                      </a:r>
+                    </a:p>
+                  </a:txBody>
+                  <a:tcPr/>
+                </a:tc>
+                <a:tc>
+                  <a:txBody>
+                    <a:bodyPr/>
+                    <a:lstStyle/>
+                    <a:p>
+                      <a:r>
+                        <a:t>4505</a:t>
+                      </a:r>
+                    </a:p>
+                  </a:txBody>
+                  <a:tcPr/>
+                </a:tc>
+                <a:tc>
+                  <a:txBody>
+                    <a:bodyPr/>
+                    <a:lstStyle/>
+                    <a:p>
+                      <a:r>
+                        <a:t>2066</a:t>
+                      </a:r>
+                    </a:p>
+                  </a:txBody>
+                  <a:tcPr/>
+                </a:tc>
+                <a:tc>
+                  <a:txBody>
+                    <a:bodyPr/>
+                    <a:lstStyle/>
+                    <a:p>
+                      <a:r>
+                        <a:t>-2439</a:t>
+                      </a:r>
+                    </a:p>
+                  </a:txBody>
+                  <a:tcPr/>
+                </a:tc>
+                <a:tc>
+                  <a:txBody>
+                    <a:bodyPr/>
+                    <a:lstStyle/>
+                    <a:p>
+                      <a:r>
+                        <a:t>-54.14</a:t>
+                      </a:r>
+                    </a:p>
+                  </a:txBody>
+                  <a:tcPr/>
+                </a:tc>
+              </a:tr>
+              <a:tr h="152400">
+                <a:tc>
+                  <a:txBody>
+                    <a:bodyPr/>
+                    <a:lstStyle/>
+                    <a:p>
+                      <a:r>
+                        <a:t>DELETE /inetwork/v1/ports/{reservedMor}/reserved</a:t>
+                      </a:r>
+                    </a:p>
+                  </a:txBody>
+                  <a:tcPr/>
+                </a:tc>
+                <a:tc>
+                  <a:txBody>
+                    <a:bodyPr/>
+                    <a:lstStyle/>
+                    <a:p>
+                      <a:r>
+                        <a:t>2800</a:t>
+                      </a:r>
+                    </a:p>
+                  </a:txBody>
+                  <a:tcPr/>
+                </a:tc>
+                <a:tc>
+                  <a:txBody>
+                    <a:bodyPr/>
+                    <a:lstStyle/>
+                    <a:p>
+                      <a:r>
+                        <a:t>1088</a:t>
+                      </a:r>
+                    </a:p>
+                  </a:txBody>
+                  <a:tcPr/>
+                </a:tc>
+                <a:tc>
+                  <a:txBody>
+                    <a:bodyPr/>
+                    <a:lstStyle/>
+                    <a:p>
+                      <a:r>
+                        <a:t>-1712</a:t>
+                      </a:r>
+                    </a:p>
+                  </a:txBody>
+                  <a:tcPr/>
+                </a:tc>
+                <a:tc>
+                  <a:txBody>
+                    <a:bodyPr/>
+                    <a:lstStyle/>
+                    <a:p>
+                      <a:r>
+                        <a:t>-61.14</a:t>
+                      </a:r>
+                    </a:p>
+                  </a:txBody>
+                  <a:tcPr/>
+                </a:tc>
+              </a:tr>
+              <a:tr h="152400">
+                <a:tc>
+                  <a:txBody>
+                    <a:bodyPr/>
+                    <a:lstStyle/>
+                    <a:p>
+                      <a:r>
+                        <a:t>GET /istorage/v1/objstorObj/policy/{policyId}</a:t>
+                      </a:r>
+                    </a:p>
+                  </a:txBody>
+                  <a:tcPr/>
+                </a:tc>
+                <a:tc>
+                  <a:txBody>
+                    <a:bodyPr/>
+                    <a:lstStyle/>
+                    <a:p>
+                      <a:r>
+                        <a:t>1575</a:t>
+                      </a:r>
+                    </a:p>
+                  </a:txBody>
+                  <a:tcPr/>
+                </a:tc>
+                <a:tc>
+                  <a:txBody>
+                    <a:bodyPr/>
+                    <a:lstStyle/>
+                    <a:p>
+                      <a:r>
+                        <a:t>367</a:t>
+                      </a:r>
+                    </a:p>
+                  </a:txBody>
+                  <a:tcPr/>
+                </a:tc>
+                <a:tc>
+                  <a:txBody>
+                    <a:bodyPr/>
+                    <a:lstStyle/>
+                    <a:p>
+                      <a:r>
+                        <a:t>-1208</a:t>
+                      </a:r>
+                    </a:p>
+                  </a:txBody>
+                  <a:tcPr/>
+                </a:tc>
+                <a:tc>
+                  <a:txBody>
+                    <a:bodyPr/>
+                    <a:lstStyle/>
+                    <a:p>
+                      <a:r>
+                        <a:t>-76.7</a:t>
+                      </a:r>
+                    </a:p>
+                  </a:txBody>
+                  <a:tcPr/>
+                </a:tc>
+              </a:tr>
+              <a:tr h="152400">
+                <a:tc>
+                  <a:txBody>
+                    <a:bodyPr/>
+                    <a:lstStyle/>
+                    <a:p>
+                      <a:r>
+                        <a:t>POST /inetwork/v1/vpcs</a:t>
+                      </a:r>
+                    </a:p>
+                  </a:txBody>
+                  <a:tcPr/>
+                </a:tc>
+                <a:tc>
+                  <a:txBody>
+                    <a:bodyPr/>
+                    <a:lstStyle/>
+                    <a:p>
+                      <a:r>
+                        <a:t>1906</a:t>
+                      </a:r>
+                    </a:p>
+                  </a:txBody>
+                  <a:tcPr/>
+                </a:tc>
+                <a:tc>
+                  <a:txBody>
+                    <a:bodyPr/>
+                    <a:lstStyle/>
+                    <a:p>
+                      <a:r>
+                        <a:t>816</a:t>
+                      </a:r>
+                    </a:p>
+                  </a:txBody>
+                  <a:tcPr/>
+                </a:tc>
+                <a:tc>
+                  <a:txBody>
+                    <a:bodyPr/>
+                    <a:lstStyle/>
+                    <a:p>
+                      <a:r>
+                        <a:t>-1090</a:t>
+                      </a:r>
+                    </a:p>
+                  </a:txBody>
+                  <a:tcPr/>
+                </a:tc>
+                <a:tc>
+                  <a:txBody>
+                    <a:bodyPr/>
+                    <a:lstStyle/>
+                    <a:p>
+                      <a:r>
+                        <a:t>-57.19</a:t>
+                      </a:r>
+                    </a:p>
+                  </a:txBody>
+                  <a:tcPr/>
+                </a:tc>
+              </a:tr>
+              <a:tr h="152400">
+                <a:tc>
+                  <a:txBody>
+                    <a:bodyPr/>
+                    <a:lstStyle/>
+                    <a:p>
+                      <a:r>
+                        <a:t>DELETE /inetwork/v1/ports/{portMor}/port</a:t>
+                      </a:r>
+                    </a:p>
+                  </a:txBody>
+                  <a:tcPr/>
+                </a:tc>
+                <a:tc>
+                  <a:txBody>
+                    <a:bodyPr/>
+                    <a:lstStyle/>
+                    <a:p>
+                      <a:r>
+                        <a:t>1678</a:t>
+                      </a:r>
+                    </a:p>
+                  </a:txBody>
+                  <a:tcPr/>
+                </a:tc>
+                <a:tc>
+                  <a:txBody>
+                    <a:bodyPr/>
+                    <a:lstStyle/>
+                    <a:p>
+                      <a:r>
+                        <a:t>673</a:t>
+                      </a:r>
+                    </a:p>
+                  </a:txBody>
+                  <a:tcPr/>
+                </a:tc>
+                <a:tc>
+                  <a:txBody>
+                    <a:bodyPr/>
+                    <a:lstStyle/>
+                    <a:p>
+                      <a:r>
+                        <a:t>-1005</a:t>
+                      </a:r>
+                    </a:p>
+                  </a:txBody>
+                  <a:tcPr/>
+                </a:tc>
+                <a:tc>
+                  <a:txBody>
+                    <a:bodyPr/>
+                    <a:lstStyle/>
+                    <a:p>
+                      <a:r>
+                        <a:t>-59.89</a:t>
+                      </a:r>
+                    </a:p>
+                  </a:txBody>
+                  <a:tcPr/>
+                </a:tc>
+              </a:tr>
+              <a:tr h="152400">
+                <a:tc>
+                  <a:txBody>
+                    <a:bodyPr/>
+                    <a:lstStyle/>
+                    <a:p>
+                      <a:r>
+                        <a:t>GET /inetwork/v1/nets/unUsedSegmentIds/{type}</a:t>
+                      </a:r>
+                    </a:p>
+                  </a:txBody>
+                  <a:tcPr/>
+                </a:tc>
+                <a:tc>
+                  <a:txBody>
+                    <a:bodyPr/>
+                    <a:lstStyle/>
+                    <a:p>
+                      <a:r>
+                        <a:t>1159</a:t>
+                      </a:r>
+                    </a:p>
+                  </a:txBody>
+                  <a:tcPr/>
+                </a:tc>
+                <a:tc>
+                  <a:txBody>
+                    <a:bodyPr/>
+                    <a:lstStyle/>
+                    <a:p>
+                      <a:r>
+                        <a:t>303</a:t>
+                      </a:r>
+                    </a:p>
+                  </a:txBody>
+                  <a:tcPr/>
+                </a:tc>
+                <a:tc>
+                  <a:txBody>
+                    <a:bodyPr/>
+                    <a:lstStyle/>
+                    <a:p>
+                      <a:r>
+                        <a:t>-856</a:t>
+                      </a:r>
+                    </a:p>
+                  </a:txBody>
+                  <a:tcPr/>
+                </a:tc>
+                <a:tc>
+                  <a:txBody>
+                    <a:bodyPr/>
+                    <a:lstStyle/>
+                    <a:p>
+                      <a:r>
+                        <a:t>-73.86</a:t>
+                      </a:r>
+                    </a:p>
+                  </a:txBody>
+                  <a:tcPr/>
+                </a:tc>
+              </a:tr>
+              <a:tr h="152400">
+                <a:tc>
+                  <a:txBody>
+                    <a:bodyPr/>
+                    <a:lstStyle/>
+                    <a:p>
+                      <a:r>
+                        <a:t>POST /inetwork/v1/ports</a:t>
+                      </a:r>
+                    </a:p>
+                  </a:txBody>
+                  <a:tcPr/>
+                </a:tc>
+                <a:tc>
+                  <a:txBody>
+                    <a:bodyPr/>
+                    <a:lstStyle/>
+                    <a:p>
+                      <a:r>
+                        <a:t>1550</a:t>
+                      </a:r>
+                    </a:p>
+                  </a:txBody>
+                  <a:tcPr/>
+                </a:tc>
+                <a:tc>
+                  <a:txBody>
+                    <a:bodyPr/>
+                    <a:lstStyle/>
+                    <a:p>
+                      <a:r>
+                        <a:t>729</a:t>
+                      </a:r>
+                    </a:p>
+                  </a:txBody>
+                  <a:tcPr/>
+                </a:tc>
+                <a:tc>
+                  <a:txBody>
+                    <a:bodyPr/>
+                    <a:lstStyle/>
+                    <a:p>
+                      <a:r>
+                        <a:t>-821</a:t>
+                      </a:r>
+                    </a:p>
+                  </a:txBody>
+                  <a:tcPr/>
+                </a:tc>
+                <a:tc>
+                  <a:txBody>
+                    <a:bodyPr/>
+                    <a:lstStyle/>
+                    <a:p>
+                      <a:r>
+                        <a:t>-52.97</a:t>
+                      </a:r>
+                    </a:p>
+                  </a:txBody>
+                  <a:tcPr/>
+                </a:tc>
+              </a:tr>
+              <a:tr h="152400">
+                <a:tc>
+                  <a:txBody>
+                    <a:bodyPr/>
+                    <a:lstStyle/>
+                    <a:p>
+                      <a:r>
+                        <a:t>DELETE /inetwork/v1/floatingips/{floatingipId}</a:t>
+                      </a:r>
+                    </a:p>
+                  </a:txBody>
+                  <a:tcPr/>
+                </a:tc>
+                <a:tc>
+                  <a:txBody>
+                    <a:bodyPr/>
+                    <a:lstStyle/>
+                    <a:p>
+                      <a:r>
+                        <a:t>1457</a:t>
+                      </a:r>
+                    </a:p>
+                  </a:txBody>
+                  <a:tcPr/>
+                </a:tc>
+                <a:tc>
+                  <a:txBody>
+                    <a:bodyPr/>
+                    <a:lstStyle/>
+                    <a:p>
+                      <a:r>
+                        <a:t>722</a:t>
+                      </a:r>
+                    </a:p>
+                  </a:txBody>
+                  <a:tcPr/>
+                </a:tc>
+                <a:tc>
+                  <a:txBody>
+                    <a:bodyPr/>
+                    <a:lstStyle/>
+                    <a:p>
+                      <a:r>
+                        <a:t>-735</a:t>
+                      </a:r>
+                    </a:p>
+                  </a:txBody>
+                  <a:tcPr/>
+                </a:tc>
+                <a:tc>
+                  <a:txBody>
+                    <a:bodyPr/>
+                    <a:lstStyle/>
+                    <a:p>
+                      <a:r>
+                        <a:t>-50.45</a:t>
+                      </a:r>
+                    </a:p>
+                  </a:txBody>
+                  <a:tcPr/>
+                </a:tc>
+              </a:tr>
+              <a:tr h="152400">
+                <a:tc>
+                  <a:txBody>
+                    <a:bodyPr/>
+                    <a:lstStyle/>
+                    <a:p>
+                      <a:r>
+                        <a:t>DELETE /inetwork/v1/vpcs/{vpcId}</a:t>
+                      </a:r>
+                    </a:p>
+                  </a:txBody>
+                  <a:tcPr/>
+                </a:tc>
+                <a:tc>
+                  <a:txBody>
+                    <a:bodyPr/>
+                    <a:lstStyle/>
+                    <a:p>
+                      <a:r>
+                        <a:t>1492</a:t>
+                      </a:r>
+                    </a:p>
+                  </a:txBody>
+                  <a:tcPr/>
+                </a:tc>
+                <a:tc>
+                  <a:txBody>
+                    <a:bodyPr/>
+                    <a:lstStyle/>
+                    <a:p>
+                      <a:r>
+                        <a:t>771</a:t>
+                      </a:r>
+                    </a:p>
+                  </a:txBody>
+                  <a:tcPr/>
+                </a:tc>
+                <a:tc>
+                  <a:txBody>
+                    <a:bodyPr/>
+                    <a:lstStyle/>
+                    <a:p>
+                      <a:r>
+                        <a:t>-721</a:t>
+                      </a:r>
+                    </a:p>
+                  </a:txBody>
+                  <a:tcPr/>
+                </a:tc>
+                <a:tc>
+                  <a:txBody>
+                    <a:bodyPr/>
+                    <a:lstStyle/>
+                    <a:p>
+                      <a:r>
+                        <a:t>-48.32</a:t>
+                      </a:r>
+                    </a:p>
+                  </a:txBody>
+                  <a:tcPr/>
+                </a:tc>
+              </a:tr>
+              <a:tr h="152400">
+                <a:tc>
+                  <a:txBody>
+                    <a:bodyPr/>
+                    <a:lstStyle/>
+                    <a:p>
+                      <a:r>
+                        <a:t>POST /inetwork/v1/ports/allowedAddressPairs</a:t>
+                      </a:r>
+                    </a:p>
+                  </a:txBody>
+                  <a:tcPr/>
+                </a:tc>
+                <a:tc>
+                  <a:txBody>
+                    <a:bodyPr/>
+                    <a:lstStyle/>
+                    <a:p>
+                      <a:r>
+                        <a:t>1250</a:t>
+                      </a:r>
+                    </a:p>
+                  </a:txBody>
+                  <a:tcPr/>
+                </a:tc>
+                <a:tc>
+                  <a:txBody>
+                    <a:bodyPr/>
+                    <a:lstStyle/>
+                    <a:p>
+                      <a:r>
+                        <a:t>667</a:t>
+                      </a:r>
+                    </a:p>
+                  </a:txBody>
+                  <a:tcPr/>
+                </a:tc>
+                <a:tc>
+                  <a:txBody>
+                    <a:bodyPr/>
+                    <a:lstStyle/>
+                    <a:p>
+                      <a:r>
+                        <a:t>-583</a:t>
+                      </a:r>
+                    </a:p>
+                  </a:txBody>
+                  <a:tcPr/>
+                </a:tc>
+                <a:tc>
+                  <a:txBody>
+                    <a:bodyPr/>
+                    <a:lstStyle/>
+                    <a:p>
+                      <a:r>
+                        <a:t>-46.64</a:t>
+                      </a:r>
+                    </a:p>
+                  </a:txBody>
+                  <a:tcPr/>
+                </a:tc>
+              </a:tr>
+              <a:tr h="152400">
+                <a:tc>
+                  <a:txBody>
+                    <a:bodyPr/>
+                    <a:lstStyle/>
+                    <a:p/>
+                  </a:txBody>
+                  <a:tcPr/>
+                </a:tc>
+                <a:tc>
+                  <a:txBody>
+                    <a:bodyPr/>
+                    <a:lstStyle/>
+                    <a:p/>
+                  </a:txBody>
+                  <a:tcPr/>
+                </a:tc>
+                <a:tc>
+                  <a:txBody>
+                    <a:bodyPr/>
+                    <a:lstStyle/>
+                    <a:p/>
+                  </a:txBody>
+                  <a:tcPr/>
+                </a:tc>
+                <a:tc>
+                  <a:txBody>
+                    <a:bodyPr/>
+                    <a:lstStyle/>
+                    <a:p/>
+                  </a:txBody>
+                  <a:tcPr/>
+                </a:tc>
+                <a:tc>
+                  <a:txBody>
+                    <a:bodyPr/>
+                    <a:lstStyle/>
+                    <a:p/>
+                  </a:txBody>
+                  <a:tcPr/>
+                </a:tc>
+              </a:tr>
+            </a:tbl>
+          </a:graphicData>
+        </a:graphic>
+      </p:graphicFrame>
     </p:spTree>
   </p:cSld>
   <p:clrMapOvr>
@@ -3170,7 +4733,7 @@
 </file>
 
 <file path=ppt/slides/slide2.xml><?xml version="1.0" encoding="utf-8"?>
-<p:sld xmlns:a="http://schemas.openxmlformats.org/drawingml/2006/main" xmlns:r="http://schemas.openxmlformats.org/officeDocument/2006/relationships" xmlns:p="http://schemas.openxmlformats.org/presentationml/2006/main">
+<p:sld xmlns:a="http://schemas.openxmlformats.org/drawingml/2006/main" xmlns:p="http://schemas.openxmlformats.org/presentationml/2006/main" xmlns:r="http://schemas.openxmlformats.org/officeDocument/2006/relationships">
   <p:cSld>
     <p:spTree>
       <p:nvGrpSpPr>
@@ -3178,14 +4741,7 @@
         <p:cNvGrpSpPr/>
         <p:nvPr/>
       </p:nvGrpSpPr>
-      <p:grpSpPr>
-        <a:xfrm>
-          <a:off x="0" y="0"/>
-          <a:ext cx="0" cy="0"/>
-          <a:chOff x="0" y="0"/>
-          <a:chExt cx="0" cy="0"/>
-        </a:xfrm>
-      </p:grpSpPr>
+      <p:grpSpPr/>
       <p:sp>
         <p:nvSpPr>
           <p:cNvPr id="2" name="Title 1"/>
@@ -3223,8 +4779,8 @@
         </p:blipFill>
         <p:spPr>
           <a:xfrm>
-            <a:off x="-690283" y="1192306"/>
-            <a:ext cx="11006209" cy="5665694"/>
+            <a:off x="914400" y="1371600"/>
+            <a:ext cx="7315200" cy="3765664"/>
           </a:xfrm>
           <a:prstGeom prst="rect">
             <a:avLst/>
@@ -3240,7 +4796,7 @@
 </file>
 
 <file path=ppt/slides/slide3.xml><?xml version="1.0" encoding="utf-8"?>
-<p:sld xmlns:a="http://schemas.openxmlformats.org/drawingml/2006/main" xmlns:r="http://schemas.openxmlformats.org/officeDocument/2006/relationships" xmlns:p="http://schemas.openxmlformats.org/presentationml/2006/main">
+<p:sld xmlns:a="http://schemas.openxmlformats.org/drawingml/2006/main" xmlns:p="http://schemas.openxmlformats.org/presentationml/2006/main" xmlns:r="http://schemas.openxmlformats.org/officeDocument/2006/relationships">
   <p:cSld>
     <p:spTree>
       <p:nvGrpSpPr>
@@ -3248,14 +4804,7 @@
         <p:cNvGrpSpPr/>
         <p:nvPr/>
       </p:nvGrpSpPr>
-      <p:grpSpPr>
-        <a:xfrm>
-          <a:off x="0" y="0"/>
-          <a:ext cx="0" cy="0"/>
-          <a:chOff x="0" y="0"/>
-          <a:chExt cx="0" cy="0"/>
-        </a:xfrm>
-      </p:grpSpPr>
+      <p:grpSpPr/>
       <p:sp>
         <p:nvSpPr>
           <p:cNvPr id="2" name="Title 1"/>
@@ -3268,9 +4817,7 @@
         </p:nvSpPr>
         <p:spPr/>
         <p:txBody>
-          <a:bodyPr>
-            <a:normAutofit fontScale="90000"/>
-          </a:bodyPr>
+          <a:bodyPr/>
           <a:lstStyle/>
           <a:p>
             <a:r>
@@ -3295,8 +4842,8 @@
         </p:blipFill>
         <p:spPr>
           <a:xfrm>
-            <a:off x="-1129553" y="1192306"/>
-            <a:ext cx="11339786" cy="5791200"/>
+            <a:off x="914400" y="1371600"/>
+            <a:ext cx="7315200" cy="3735854"/>
           </a:xfrm>
           <a:prstGeom prst="rect">
             <a:avLst/>
@@ -3312,7 +4859,7 @@
 </file>
 
 <file path=ppt/slides/slide4.xml><?xml version="1.0" encoding="utf-8"?>
-<p:sld xmlns:a="http://schemas.openxmlformats.org/drawingml/2006/main" xmlns:r="http://schemas.openxmlformats.org/officeDocument/2006/relationships" xmlns:p="http://schemas.openxmlformats.org/presentationml/2006/main">
+<p:sld xmlns:a="http://schemas.openxmlformats.org/drawingml/2006/main" xmlns:p="http://schemas.openxmlformats.org/presentationml/2006/main" xmlns:r="http://schemas.openxmlformats.org/officeDocument/2006/relationships">
   <p:cSld>
     <p:spTree>
       <p:nvGrpSpPr>
@@ -3320,14 +4867,7 @@
         <p:cNvGrpSpPr/>
         <p:nvPr/>
       </p:nvGrpSpPr>
-      <p:grpSpPr>
-        <a:xfrm>
-          <a:off x="0" y="0"/>
-          <a:ext cx="0" cy="0"/>
-          <a:chOff x="0" y="0"/>
-          <a:chExt cx="0" cy="0"/>
-        </a:xfrm>
-      </p:grpSpPr>
+      <p:grpSpPr/>
       <p:sp>
         <p:nvSpPr>
           <p:cNvPr id="2" name="Title 1"/>
@@ -3382,7 +4922,7 @@
 </file>
 
 <file path=ppt/slides/slide5.xml><?xml version="1.0" encoding="utf-8"?>
-<p:sld xmlns:a="http://schemas.openxmlformats.org/drawingml/2006/main" xmlns:r="http://schemas.openxmlformats.org/officeDocument/2006/relationships" xmlns:p="http://schemas.openxmlformats.org/presentationml/2006/main">
+<p:sld xmlns:a="http://schemas.openxmlformats.org/drawingml/2006/main" xmlns:p="http://schemas.openxmlformats.org/presentationml/2006/main" xmlns:r="http://schemas.openxmlformats.org/officeDocument/2006/relationships">
   <p:cSld>
     <p:spTree>
       <p:nvGrpSpPr>
@@ -3390,14 +4930,7 @@
         <p:cNvGrpSpPr/>
         <p:nvPr/>
       </p:nvGrpSpPr>
-      <p:grpSpPr>
-        <a:xfrm>
-          <a:off x="0" y="0"/>
-          <a:ext cx="0" cy="0"/>
-          <a:chOff x="0" y="0"/>
-          <a:chExt cx="0" cy="0"/>
-        </a:xfrm>
-      </p:grpSpPr>
+      <p:grpSpPr/>
       <p:sp>
         <p:nvSpPr>
           <p:cNvPr id="2" name="Title 1"/>
@@ -3414,10 +4947,8 @@
           <a:lstStyle/>
           <a:p>
             <a:r>
-              <a:rPr dirty="0" err="1"/>
               <a:t>接口AVG热力图</a:t>
             </a:r>
-            <a:endParaRPr dirty="0"/>
           </a:p>
         </p:txBody>
       </p:sp>
@@ -3437,7 +4968,7 @@
         </p:blipFill>
         <p:spPr>
           <a:xfrm>
-            <a:off x="914400" y="1210235"/>
+            <a:off x="914400" y="1371600"/>
             <a:ext cx="7315200" cy="5626062"/>
           </a:xfrm>
           <a:prstGeom prst="rect">
@@ -3454,7 +4985,7 @@
 </file>
 
 <file path=ppt/slides/slide6.xml><?xml version="1.0" encoding="utf-8"?>
-<p:sld xmlns:a="http://schemas.openxmlformats.org/drawingml/2006/main" xmlns:r="http://schemas.openxmlformats.org/officeDocument/2006/relationships" xmlns:p="http://schemas.openxmlformats.org/presentationml/2006/main">
+<p:sld xmlns:a="http://schemas.openxmlformats.org/drawingml/2006/main" xmlns:p="http://schemas.openxmlformats.org/presentationml/2006/main" xmlns:r="http://schemas.openxmlformats.org/officeDocument/2006/relationships">
   <p:cSld>
     <p:spTree>
       <p:nvGrpSpPr>
@@ -3462,14 +4993,7 @@
         <p:cNvGrpSpPr/>
         <p:nvPr/>
       </p:nvGrpSpPr>
-      <p:grpSpPr>
-        <a:xfrm>
-          <a:off x="0" y="0"/>
-          <a:ext cx="0" cy="0"/>
-          <a:chOff x="0" y="0"/>
-          <a:chExt cx="0" cy="0"/>
-        </a:xfrm>
-      </p:grpSpPr>
+      <p:grpSpPr/>
       <p:sp>
         <p:nvSpPr>
           <p:cNvPr id="2" name="Title 1"/>
@@ -3524,7 +5048,7 @@
 </file>
 
 <file path=ppt/slides/slide7.xml><?xml version="1.0" encoding="utf-8"?>
-<p:sld xmlns:a="http://schemas.openxmlformats.org/drawingml/2006/main" xmlns:r="http://schemas.openxmlformats.org/officeDocument/2006/relationships" xmlns:p="http://schemas.openxmlformats.org/presentationml/2006/main">
+<p:sld xmlns:a="http://schemas.openxmlformats.org/drawingml/2006/main" xmlns:p="http://schemas.openxmlformats.org/presentationml/2006/main" xmlns:r="http://schemas.openxmlformats.org/officeDocument/2006/relationships">
   <p:cSld>
     <p:spTree>
       <p:nvGrpSpPr>
@@ -3532,14 +5056,7 @@
         <p:cNvGrpSpPr/>
         <p:nvPr/>
       </p:nvGrpSpPr>
-      <p:grpSpPr>
-        <a:xfrm>
-          <a:off x="0" y="0"/>
-          <a:ext cx="0" cy="0"/>
-          <a:chOff x="0" y="0"/>
-          <a:chExt cx="0" cy="0"/>
-        </a:xfrm>
-      </p:grpSpPr>
+      <p:grpSpPr/>
       <p:sp>
         <p:nvSpPr>
           <p:cNvPr id="2" name="Title 1"/>
@@ -3594,7 +5111,7 @@
 </file>
 
 <file path=ppt/slides/slide8.xml><?xml version="1.0" encoding="utf-8"?>
-<p:sld xmlns:a="http://schemas.openxmlformats.org/drawingml/2006/main" xmlns:r="http://schemas.openxmlformats.org/officeDocument/2006/relationships" xmlns:p="http://schemas.openxmlformats.org/presentationml/2006/main">
+<p:sld xmlns:a="http://schemas.openxmlformats.org/drawingml/2006/main" xmlns:p="http://schemas.openxmlformats.org/presentationml/2006/main" xmlns:r="http://schemas.openxmlformats.org/officeDocument/2006/relationships">
   <p:cSld>
     <p:spTree>
       <p:nvGrpSpPr>
@@ -3602,14 +5119,7 @@
         <p:cNvGrpSpPr/>
         <p:nvPr/>
       </p:nvGrpSpPr>
-      <p:grpSpPr>
-        <a:xfrm>
-          <a:off x="0" y="0"/>
-          <a:ext cx="0" cy="0"/>
-          <a:chOff x="0" y="0"/>
-          <a:chExt cx="0" cy="0"/>
-        </a:xfrm>
-      </p:grpSpPr>
+      <p:grpSpPr/>
       <p:sp>
         <p:nvSpPr>
           <p:cNvPr id="2" name="Title 1"/>
@@ -3626,7 +5136,6 @@
           <a:lstStyle/>
           <a:p>
             <a:r>
-              <a:rPr dirty="0"/>
               <a:t>Top 10 TP95性能退步接口</a:t>
             </a:r>
           </a:p>
@@ -3638,17 +5147,11 @@
           <p:cNvGraphicFramePr>
             <a:graphicFrameLocks noGrp="1"/>
           </p:cNvGraphicFramePr>
-          <p:nvPr>
-            <p:extLst>
-              <p:ext uri="{D42A27DB-BD31-4B8C-83A1-F6EECF244321}">
-                <p14:modId xmlns:p14="http://schemas.microsoft.com/office/powerpoint/2010/main" val="1930987941"/>
-              </p:ext>
-            </p:extLst>
-          </p:nvPr>
+          <p:nvPr/>
         </p:nvGraphicFramePr>
         <p:xfrm>
-          <a:off x="-841248" y="1417638"/>
-          <a:ext cx="13357416" cy="4389120"/>
+          <a:off x="914400" y="1371600"/>
+          <a:ext cx="7315200" cy="1828800"/>
         </p:xfrm>
         <a:graphic>
           <a:graphicData uri="http://schemas.openxmlformats.org/drawingml/2006/table">
@@ -3657,41 +5160,11 @@
                 <a:tableStyleId>{5C22544A-7EE6-4342-B048-85BDC9FD1C3A}</a:tableStyleId>
               </a:tblPr>
               <a:tblGrid>
-                <a:gridCol w="7505256">
-                  <a:extLst>
-                    <a:ext uri="{9D8B030D-6E8A-4147-A177-3AD203B41FA5}">
-                      <a16:colId xmlns:a16="http://schemas.microsoft.com/office/drawing/2014/main" val="20000"/>
-                    </a:ext>
-                  </a:extLst>
-                </a:gridCol>
-                <a:gridCol w="1463040">
-                  <a:extLst>
-                    <a:ext uri="{9D8B030D-6E8A-4147-A177-3AD203B41FA5}">
-                      <a16:colId xmlns:a16="http://schemas.microsoft.com/office/drawing/2014/main" val="20001"/>
-                    </a:ext>
-                  </a:extLst>
-                </a:gridCol>
-                <a:gridCol w="1463040">
-                  <a:extLst>
-                    <a:ext uri="{9D8B030D-6E8A-4147-A177-3AD203B41FA5}">
-                      <a16:colId xmlns:a16="http://schemas.microsoft.com/office/drawing/2014/main" val="20002"/>
-                    </a:ext>
-                  </a:extLst>
-                </a:gridCol>
-                <a:gridCol w="1463040">
-                  <a:extLst>
-                    <a:ext uri="{9D8B030D-6E8A-4147-A177-3AD203B41FA5}">
-                      <a16:colId xmlns:a16="http://schemas.microsoft.com/office/drawing/2014/main" val="20003"/>
-                    </a:ext>
-                  </a:extLst>
-                </a:gridCol>
-                <a:gridCol w="1463040">
-                  <a:extLst>
-                    <a:ext uri="{9D8B030D-6E8A-4147-A177-3AD203B41FA5}">
-                      <a16:colId xmlns:a16="http://schemas.microsoft.com/office/drawing/2014/main" val="20004"/>
-                    </a:ext>
-                  </a:extLst>
-                </a:gridCol>
+                <a:gridCol w="1463040"/>
+                <a:gridCol w="1463040"/>
+                <a:gridCol w="1463040"/>
+                <a:gridCol w="1463040"/>
+                <a:gridCol w="1463040"/>
               </a:tblGrid>
               <a:tr h="152400">
                 <a:tc>
@@ -3700,10 +5173,8 @@
                     <a:lstStyle/>
                     <a:p>
                       <a:r>
-                        <a:rPr dirty="0" err="1"/>
                         <a:t>接口标识</a:t>
                       </a:r>
-                      <a:endParaRPr dirty="0"/>
                     </a:p>
                   </a:txBody>
                   <a:tcPr/>
@@ -3756,11 +5227,6 @@
                   </a:txBody>
                   <a:tcPr/>
                 </a:tc>
-                <a:extLst>
-                  <a:ext uri="{0D108BD9-81ED-4DB2-BD59-A6C34878D82A}">
-                    <a16:rowId xmlns:a16="http://schemas.microsoft.com/office/drawing/2014/main" val="10000"/>
-                  </a:ext>
-                </a:extLst>
               </a:tr>
               <a:tr h="152400">
                 <a:tc>
@@ -3823,11 +5289,6 @@
                   </a:txBody>
                   <a:tcPr/>
                 </a:tc>
-                <a:extLst>
-                  <a:ext uri="{0D108BD9-81ED-4DB2-BD59-A6C34878D82A}">
-                    <a16:rowId xmlns:a16="http://schemas.microsoft.com/office/drawing/2014/main" val="10001"/>
-                  </a:ext>
-                </a:extLst>
               </a:tr>
               <a:tr h="152400">
                 <a:tc>
@@ -3890,11 +5351,6 @@
                   </a:txBody>
                   <a:tcPr/>
                 </a:tc>
-                <a:extLst>
-                  <a:ext uri="{0D108BD9-81ED-4DB2-BD59-A6C34878D82A}">
-                    <a16:rowId xmlns:a16="http://schemas.microsoft.com/office/drawing/2014/main" val="10002"/>
-                  </a:ext>
-                </a:extLst>
               </a:tr>
               <a:tr h="152400">
                 <a:tc>
@@ -3957,11 +5413,6 @@
                   </a:txBody>
                   <a:tcPr/>
                 </a:tc>
-                <a:extLst>
-                  <a:ext uri="{0D108BD9-81ED-4DB2-BD59-A6C34878D82A}">
-                    <a16:rowId xmlns:a16="http://schemas.microsoft.com/office/drawing/2014/main" val="10003"/>
-                  </a:ext>
-                </a:extLst>
               </a:tr>
               <a:tr h="152400">
                 <a:tc>
@@ -4024,11 +5475,6 @@
                   </a:txBody>
                   <a:tcPr/>
                 </a:tc>
-                <a:extLst>
-                  <a:ext uri="{0D108BD9-81ED-4DB2-BD59-A6C34878D82A}">
-                    <a16:rowId xmlns:a16="http://schemas.microsoft.com/office/drawing/2014/main" val="10004"/>
-                  </a:ext>
-                </a:extLst>
               </a:tr>
               <a:tr h="152400">
                 <a:tc>
@@ -4091,11 +5537,6 @@
                   </a:txBody>
                   <a:tcPr/>
                 </a:tc>
-                <a:extLst>
-                  <a:ext uri="{0D108BD9-81ED-4DB2-BD59-A6C34878D82A}">
-                    <a16:rowId xmlns:a16="http://schemas.microsoft.com/office/drawing/2014/main" val="10005"/>
-                  </a:ext>
-                </a:extLst>
               </a:tr>
               <a:tr h="152400">
                 <a:tc>
@@ -4158,11 +5599,6 @@
                   </a:txBody>
                   <a:tcPr/>
                 </a:tc>
-                <a:extLst>
-                  <a:ext uri="{0D108BD9-81ED-4DB2-BD59-A6C34878D82A}">
-                    <a16:rowId xmlns:a16="http://schemas.microsoft.com/office/drawing/2014/main" val="10006"/>
-                  </a:ext>
-                </a:extLst>
               </a:tr>
               <a:tr h="152400">
                 <a:tc>
@@ -4225,11 +5661,6 @@
                   </a:txBody>
                   <a:tcPr/>
                 </a:tc>
-                <a:extLst>
-                  <a:ext uri="{0D108BD9-81ED-4DB2-BD59-A6C34878D82A}">
-                    <a16:rowId xmlns:a16="http://schemas.microsoft.com/office/drawing/2014/main" val="10007"/>
-                  </a:ext>
-                </a:extLst>
               </a:tr>
               <a:tr h="152400">
                 <a:tc>
@@ -4292,11 +5723,6 @@
                   </a:txBody>
                   <a:tcPr/>
                 </a:tc>
-                <a:extLst>
-                  <a:ext uri="{0D108BD9-81ED-4DB2-BD59-A6C34878D82A}">
-                    <a16:rowId xmlns:a16="http://schemas.microsoft.com/office/drawing/2014/main" val="10008"/>
-                  </a:ext>
-                </a:extLst>
               </a:tr>
               <a:tr h="152400">
                 <a:tc>
@@ -4359,11 +5785,6 @@
                   </a:txBody>
                   <a:tcPr/>
                 </a:tc>
-                <a:extLst>
-                  <a:ext uri="{0D108BD9-81ED-4DB2-BD59-A6C34878D82A}">
-                    <a16:rowId xmlns:a16="http://schemas.microsoft.com/office/drawing/2014/main" val="10009"/>
-                  </a:ext>
-                </a:extLst>
               </a:tr>
               <a:tr h="152400">
                 <a:tc>
@@ -4372,24 +5793,7 @@
                     <a:lstStyle/>
                     <a:p>
                       <a:r>
-                        <a:rPr dirty="0"/>
-                        <a:t>PUT /</a:t>
-                      </a:r>
-                      <a:r>
-                        <a:rPr dirty="0" err="1"/>
-                        <a:t>istorage</a:t>
-                      </a:r>
-                      <a:r>
-                        <a:rPr dirty="0"/>
-                        <a:t>/v1/</a:t>
-                      </a:r>
-                      <a:r>
-                        <a:rPr dirty="0" err="1"/>
-                        <a:t>objstorObj</a:t>
-                      </a:r>
-                      <a:r>
-                        <a:rPr dirty="0"/>
-                        <a:t>/upload-check</a:t>
+                        <a:t>PUT /istorage/v1/objstorObj/upload-check</a:t>
                       </a:r>
                     </a:p>
                   </a:txBody>
@@ -4443,68 +5847,48 @@
                   </a:txBody>
                   <a:tcPr/>
                 </a:tc>
-                <a:extLst>
-                  <a:ext uri="{0D108BD9-81ED-4DB2-BD59-A6C34878D82A}">
-                    <a16:rowId xmlns:a16="http://schemas.microsoft.com/office/drawing/2014/main" val="10010"/>
-                  </a:ext>
-                </a:extLst>
               </a:tr>
               <a:tr h="152400">
                 <a:tc>
                   <a:txBody>
                     <a:bodyPr/>
                     <a:lstStyle/>
-                    <a:p>
-                      <a:endParaRPr/>
-                    </a:p>
-                  </a:txBody>
-                  <a:tcPr/>
-                </a:tc>
-                <a:tc>
-                  <a:txBody>
-                    <a:bodyPr/>
-                    <a:lstStyle/>
-                    <a:p>
-                      <a:endParaRPr/>
-                    </a:p>
-                  </a:txBody>
-                  <a:tcPr/>
-                </a:tc>
-                <a:tc>
-                  <a:txBody>
-                    <a:bodyPr/>
-                    <a:lstStyle/>
-                    <a:p>
-                      <a:endParaRPr/>
-                    </a:p>
-                  </a:txBody>
-                  <a:tcPr/>
-                </a:tc>
-                <a:tc>
-                  <a:txBody>
-                    <a:bodyPr/>
-                    <a:lstStyle/>
-                    <a:p>
-                      <a:endParaRPr/>
-                    </a:p>
-                  </a:txBody>
-                  <a:tcPr/>
-                </a:tc>
-                <a:tc>
-                  <a:txBody>
-                    <a:bodyPr/>
-                    <a:lstStyle/>
-                    <a:p>
-                      <a:endParaRPr dirty="0"/>
-                    </a:p>
-                  </a:txBody>
-                  <a:tcPr/>
-                </a:tc>
-                <a:extLst>
-                  <a:ext uri="{0D108BD9-81ED-4DB2-BD59-A6C34878D82A}">
-                    <a16:rowId xmlns:a16="http://schemas.microsoft.com/office/drawing/2014/main" val="10011"/>
-                  </a:ext>
-                </a:extLst>
+                    <a:p/>
+                  </a:txBody>
+                  <a:tcPr/>
+                </a:tc>
+                <a:tc>
+                  <a:txBody>
+                    <a:bodyPr/>
+                    <a:lstStyle/>
+                    <a:p/>
+                  </a:txBody>
+                  <a:tcPr/>
+                </a:tc>
+                <a:tc>
+                  <a:txBody>
+                    <a:bodyPr/>
+                    <a:lstStyle/>
+                    <a:p/>
+                  </a:txBody>
+                  <a:tcPr/>
+                </a:tc>
+                <a:tc>
+                  <a:txBody>
+                    <a:bodyPr/>
+                    <a:lstStyle/>
+                    <a:p/>
+                  </a:txBody>
+                  <a:tcPr/>
+                </a:tc>
+                <a:tc>
+                  <a:txBody>
+                    <a:bodyPr/>
+                    <a:lstStyle/>
+                    <a:p/>
+                  </a:txBody>
+                  <a:tcPr/>
+                </a:tc>
               </a:tr>
             </a:tbl>
           </a:graphicData>
@@ -4519,7 +5903,7 @@
 </file>
 
 <file path=ppt/slides/slide9.xml><?xml version="1.0" encoding="utf-8"?>
-<p:sld xmlns:a="http://schemas.openxmlformats.org/drawingml/2006/main" xmlns:r="http://schemas.openxmlformats.org/officeDocument/2006/relationships" xmlns:p="http://schemas.openxmlformats.org/presentationml/2006/main">
+<p:sld xmlns:a="http://schemas.openxmlformats.org/drawingml/2006/main" xmlns:p="http://schemas.openxmlformats.org/presentationml/2006/main" xmlns:r="http://schemas.openxmlformats.org/officeDocument/2006/relationships">
   <p:cSld>
     <p:spTree>
       <p:nvGrpSpPr>
@@ -4527,14 +5911,7 @@
         <p:cNvGrpSpPr/>
         <p:nvPr/>
       </p:nvGrpSpPr>
-      <p:grpSpPr>
-        <a:xfrm>
-          <a:off x="0" y="0"/>
-          <a:ext cx="0" cy="0"/>
-          <a:chOff x="0" y="0"/>
-          <a:chExt cx="0" cy="0"/>
-        </a:xfrm>
-      </p:grpSpPr>
+      <p:grpSpPr/>
       <p:sp>
         <p:nvSpPr>
           <p:cNvPr id="2" name="Title 1"/>
@@ -4551,14 +5928,8 @@
           <a:lstStyle/>
           <a:p>
             <a:r>
-              <a:rPr dirty="0"/>
-              <a:t>Top 10 </a:t>
-            </a:r>
-            <a:r>
-              <a:rPr dirty="0" err="1"/>
-              <a:t>AVG性能退步接口</a:t>
-            </a:r>
-            <a:endParaRPr dirty="0"/>
+              <a:t>Top 10 TP95性能优化接口</a:t>
+            </a:r>
           </a:p>
         </p:txBody>
       </p:sp>
@@ -4568,17 +5939,11 @@
           <p:cNvGraphicFramePr>
             <a:graphicFrameLocks noGrp="1"/>
           </p:cNvGraphicFramePr>
-          <p:nvPr>
-            <p:extLst>
-              <p:ext uri="{D42A27DB-BD31-4B8C-83A1-F6EECF244321}">
-                <p14:modId xmlns:p14="http://schemas.microsoft.com/office/powerpoint/2010/main" val="4119626073"/>
-              </p:ext>
-            </p:extLst>
-          </p:nvPr>
+          <p:nvPr/>
         </p:nvGraphicFramePr>
         <p:xfrm>
-          <a:off x="-228600" y="1417638"/>
-          <a:ext cx="13357416" cy="4389120"/>
+          <a:off x="914400" y="1371600"/>
+          <a:ext cx="7315200" cy="1828800"/>
         </p:xfrm>
         <a:graphic>
           <a:graphicData uri="http://schemas.openxmlformats.org/drawingml/2006/table">
@@ -4587,41 +5952,11 @@
                 <a:tableStyleId>{5C22544A-7EE6-4342-B048-85BDC9FD1C3A}</a:tableStyleId>
               </a:tblPr>
               <a:tblGrid>
-                <a:gridCol w="7505256">
-                  <a:extLst>
-                    <a:ext uri="{9D8B030D-6E8A-4147-A177-3AD203B41FA5}">
-                      <a16:colId xmlns:a16="http://schemas.microsoft.com/office/drawing/2014/main" val="20000"/>
-                    </a:ext>
-                  </a:extLst>
-                </a:gridCol>
-                <a:gridCol w="1463040">
-                  <a:extLst>
-                    <a:ext uri="{9D8B030D-6E8A-4147-A177-3AD203B41FA5}">
-                      <a16:colId xmlns:a16="http://schemas.microsoft.com/office/drawing/2014/main" val="20001"/>
-                    </a:ext>
-                  </a:extLst>
-                </a:gridCol>
-                <a:gridCol w="1463040">
-                  <a:extLst>
-                    <a:ext uri="{9D8B030D-6E8A-4147-A177-3AD203B41FA5}">
-                      <a16:colId xmlns:a16="http://schemas.microsoft.com/office/drawing/2014/main" val="20002"/>
-                    </a:ext>
-                  </a:extLst>
-                </a:gridCol>
-                <a:gridCol w="1463040">
-                  <a:extLst>
-                    <a:ext uri="{9D8B030D-6E8A-4147-A177-3AD203B41FA5}">
-                      <a16:colId xmlns:a16="http://schemas.microsoft.com/office/drawing/2014/main" val="20003"/>
-                    </a:ext>
-                  </a:extLst>
-                </a:gridCol>
-                <a:gridCol w="1463040">
-                  <a:extLst>
-                    <a:ext uri="{9D8B030D-6E8A-4147-A177-3AD203B41FA5}">
-                      <a16:colId xmlns:a16="http://schemas.microsoft.com/office/drawing/2014/main" val="20004"/>
-                    </a:ext>
-                  </a:extLst>
-                </a:gridCol>
+                <a:gridCol w="1463040"/>
+                <a:gridCol w="1463040"/>
+                <a:gridCol w="1463040"/>
+                <a:gridCol w="1463040"/>
+                <a:gridCol w="1463040"/>
               </a:tblGrid>
               <a:tr h="152400">
                 <a:tc>
@@ -4630,67 +5965,60 @@
                     <a:lstStyle/>
                     <a:p>
                       <a:r>
-                        <a:rPr dirty="0" err="1"/>
                         <a:t>接口标识</a:t>
                       </a:r>
-                      <a:endParaRPr dirty="0"/>
-                    </a:p>
-                  </a:txBody>
-                  <a:tcPr/>
-                </a:tc>
-                <a:tc>
-                  <a:txBody>
-                    <a:bodyPr/>
-                    <a:lstStyle/>
-                    <a:p>
-                      <a:r>
-                        <a:t>AVG_V8101</a:t>
-                      </a:r>
-                    </a:p>
-                  </a:txBody>
-                  <a:tcPr/>
-                </a:tc>
-                <a:tc>
-                  <a:txBody>
-                    <a:bodyPr/>
-                    <a:lstStyle/>
-                    <a:p>
-                      <a:r>
-                        <a:t>AVG_V8104</a:t>
-                      </a:r>
-                    </a:p>
-                  </a:txBody>
-                  <a:tcPr/>
-                </a:tc>
-                <a:tc>
-                  <a:txBody>
-                    <a:bodyPr/>
-                    <a:lstStyle/>
-                    <a:p>
-                      <a:r>
-                        <a:t>AVG_变化</a:t>
-                      </a:r>
-                    </a:p>
-                  </a:txBody>
-                  <a:tcPr/>
-                </a:tc>
-                <a:tc>
-                  <a:txBody>
-                    <a:bodyPr/>
-                    <a:lstStyle/>
-                    <a:p>
-                      <a:r>
-                        <a:t>AVG_变化率</a:t>
-                      </a:r>
-                    </a:p>
-                  </a:txBody>
-                  <a:tcPr/>
-                </a:tc>
-                <a:extLst>
-                  <a:ext uri="{0D108BD9-81ED-4DB2-BD59-A6C34878D82A}">
-                    <a16:rowId xmlns:a16="http://schemas.microsoft.com/office/drawing/2014/main" val="10000"/>
-                  </a:ext>
-                </a:extLst>
+                    </a:p>
+                  </a:txBody>
+                  <a:tcPr/>
+                </a:tc>
+                <a:tc>
+                  <a:txBody>
+                    <a:bodyPr/>
+                    <a:lstStyle/>
+                    <a:p>
+                      <a:r>
+                        <a:t>TP95_V8101</a:t>
+                      </a:r>
+                    </a:p>
+                  </a:txBody>
+                  <a:tcPr/>
+                </a:tc>
+                <a:tc>
+                  <a:txBody>
+                    <a:bodyPr/>
+                    <a:lstStyle/>
+                    <a:p>
+                      <a:r>
+                        <a:t>TP95_V8104</a:t>
+                      </a:r>
+                    </a:p>
+                  </a:txBody>
+                  <a:tcPr/>
+                </a:tc>
+                <a:tc>
+                  <a:txBody>
+                    <a:bodyPr/>
+                    <a:lstStyle/>
+                    <a:p>
+                      <a:r>
+                        <a:t>TP95_变化</a:t>
+                      </a:r>
+                    </a:p>
+                  </a:txBody>
+                  <a:tcPr/>
+                </a:tc>
+                <a:tc>
+                  <a:txBody>
+                    <a:bodyPr/>
+                    <a:lstStyle/>
+                    <a:p>
+                      <a:r>
+                        <a:t>TP95_变化率</a:t>
+                      </a:r>
+                    </a:p>
+                  </a:txBody>
+                  <a:tcPr/>
+                </a:tc>
               </a:tr>
               <a:tr h="152400">
                 <a:tc>
@@ -4699,65 +6027,60 @@
                     <a:lstStyle/>
                     <a:p>
                       <a:r>
-                        <a:t>GET /iworkflow/v1/historys/user/list</a:t>
-                      </a:r>
-                    </a:p>
-                  </a:txBody>
-                  <a:tcPr/>
-                </a:tc>
-                <a:tc>
-                  <a:txBody>
-                    <a:bodyPr/>
-                    <a:lstStyle/>
-                    <a:p>
-                      <a:r>
-                        <a:t>129</a:t>
-                      </a:r>
-                    </a:p>
-                  </a:txBody>
-                  <a:tcPr/>
-                </a:tc>
-                <a:tc>
-                  <a:txBody>
-                    <a:bodyPr/>
-                    <a:lstStyle/>
-                    <a:p>
-                      <a:r>
-                        <a:t>884</a:t>
-                      </a:r>
-                    </a:p>
-                  </a:txBody>
-                  <a:tcPr/>
-                </a:tc>
-                <a:tc>
-                  <a:txBody>
-                    <a:bodyPr/>
-                    <a:lstStyle/>
-                    <a:p>
-                      <a:r>
-                        <a:t>755</a:t>
-                      </a:r>
-                    </a:p>
-                  </a:txBody>
-                  <a:tcPr/>
-                </a:tc>
-                <a:tc>
-                  <a:txBody>
-                    <a:bodyPr/>
-                    <a:lstStyle/>
-                    <a:p>
-                      <a:r>
-                        <a:t>585.27</a:t>
-                      </a:r>
-                    </a:p>
-                  </a:txBody>
-                  <a:tcPr/>
-                </a:tc>
-                <a:extLst>
-                  <a:ext uri="{0D108BD9-81ED-4DB2-BD59-A6C34878D82A}">
-                    <a16:rowId xmlns:a16="http://schemas.microsoft.com/office/drawing/2014/main" val="10001"/>
-                  </a:ext>
-                </a:extLst>
+                        <a:t>PUT /icompute/v1/vms/{vmId}/poweroff</a:t>
+                      </a:r>
+                    </a:p>
+                  </a:txBody>
+                  <a:tcPr/>
+                </a:tc>
+                <a:tc>
+                  <a:txBody>
+                    <a:bodyPr/>
+                    <a:lstStyle/>
+                    <a:p>
+                      <a:r>
+                        <a:t>15265</a:t>
+                      </a:r>
+                    </a:p>
+                  </a:txBody>
+                  <a:tcPr/>
+                </a:tc>
+                <a:tc>
+                  <a:txBody>
+                    <a:bodyPr/>
+                    <a:lstStyle/>
+                    <a:p>
+                      <a:r>
+                        <a:t>2854</a:t>
+                      </a:r>
+                    </a:p>
+                  </a:txBody>
+                  <a:tcPr/>
+                </a:tc>
+                <a:tc>
+                  <a:txBody>
+                    <a:bodyPr/>
+                    <a:lstStyle/>
+                    <a:p>
+                      <a:r>
+                        <a:t>-12411</a:t>
+                      </a:r>
+                    </a:p>
+                  </a:txBody>
+                  <a:tcPr/>
+                </a:tc>
+                <a:tc>
+                  <a:txBody>
+                    <a:bodyPr/>
+                    <a:lstStyle/>
+                    <a:p>
+                      <a:r>
+                        <a:t>-81.3</a:t>
+                      </a:r>
+                    </a:p>
+                  </a:txBody>
+                  <a:tcPr/>
+                </a:tc>
               </a:tr>
               <a:tr h="152400">
                 <a:tc>
@@ -4766,87 +6089,60 @@
                     <a:lstStyle/>
                     <a:p>
                       <a:r>
-                        <a:rPr dirty="0"/>
-                        <a:t>POST /</a:t>
-                      </a:r>
-                      <a:r>
-                        <a:rPr dirty="0" err="1"/>
-                        <a:t>icompute</a:t>
-                      </a:r>
-                      <a:r>
-                        <a:rPr dirty="0"/>
-                        <a:t>/v1/global-content-repos/{</a:t>
-                      </a:r>
-                      <a:r>
-                        <a:rPr dirty="0" err="1"/>
-                        <a:t>globalContentId</a:t>
-                      </a:r>
-                      <a:r>
-                        <a:rPr dirty="0"/>
-                        <a:t>}/files/</a:t>
-                      </a:r>
-                      <a:r>
-                        <a:rPr dirty="0" err="1"/>
-                        <a:t>slice_upload</a:t>
-                      </a:r>
-                      <a:endParaRPr dirty="0"/>
-                    </a:p>
-                  </a:txBody>
-                  <a:tcPr/>
-                </a:tc>
-                <a:tc>
-                  <a:txBody>
-                    <a:bodyPr/>
-                    <a:lstStyle/>
-                    <a:p>
-                      <a:r>
-                        <a:t>114</a:t>
-                      </a:r>
-                    </a:p>
-                  </a:txBody>
-                  <a:tcPr/>
-                </a:tc>
-                <a:tc>
-                  <a:txBody>
-                    <a:bodyPr/>
-                    <a:lstStyle/>
-                    <a:p>
-                      <a:r>
-                        <a:t>518</a:t>
-                      </a:r>
-                    </a:p>
-                  </a:txBody>
-                  <a:tcPr/>
-                </a:tc>
-                <a:tc>
-                  <a:txBody>
-                    <a:bodyPr/>
-                    <a:lstStyle/>
-                    <a:p>
-                      <a:r>
-                        <a:t>404</a:t>
-                      </a:r>
-                    </a:p>
-                  </a:txBody>
-                  <a:tcPr/>
-                </a:tc>
-                <a:tc>
-                  <a:txBody>
-                    <a:bodyPr/>
-                    <a:lstStyle/>
-                    <a:p>
-                      <a:r>
-                        <a:t>354.39</a:t>
-                      </a:r>
-                    </a:p>
-                  </a:txBody>
-                  <a:tcPr/>
-                </a:tc>
-                <a:extLst>
-                  <a:ext uri="{0D108BD9-81ED-4DB2-BD59-A6C34878D82A}">
-                    <a16:rowId xmlns:a16="http://schemas.microsoft.com/office/drawing/2014/main" val="10002"/>
-                  </a:ext>
-                </a:extLst>
+                        <a:t>DELETE /inetwork/v1/nat/{natId}</a:t>
+                      </a:r>
+                    </a:p>
+                  </a:txBody>
+                  <a:tcPr/>
+                </a:tc>
+                <a:tc>
+                  <a:txBody>
+                    <a:bodyPr/>
+                    <a:lstStyle/>
+                    <a:p>
+                      <a:r>
+                        <a:t>11905</a:t>
+                      </a:r>
+                    </a:p>
+                  </a:txBody>
+                  <a:tcPr/>
+                </a:tc>
+                <a:tc>
+                  <a:txBody>
+                    <a:bodyPr/>
+                    <a:lstStyle/>
+                    <a:p>
+                      <a:r>
+                        <a:t>4477</a:t>
+                      </a:r>
+                    </a:p>
+                  </a:txBody>
+                  <a:tcPr/>
+                </a:tc>
+                <a:tc>
+                  <a:txBody>
+                    <a:bodyPr/>
+                    <a:lstStyle/>
+                    <a:p>
+                      <a:r>
+                        <a:t>-7428</a:t>
+                      </a:r>
+                    </a:p>
+                  </a:txBody>
+                  <a:tcPr/>
+                </a:tc>
+                <a:tc>
+                  <a:txBody>
+                    <a:bodyPr/>
+                    <a:lstStyle/>
+                    <a:p>
+                      <a:r>
+                        <a:t>-62.39</a:t>
+                      </a:r>
+                    </a:p>
+                  </a:txBody>
+                  <a:tcPr/>
+                </a:tc>
               </a:tr>
               <a:tr h="152400">
                 <a:tc>
@@ -4855,65 +6151,60 @@
                     <a:lstStyle/>
                     <a:p>
                       <a:r>
-                        <a:t>PUT /icompute/v1/vms/{vmId}/poweron</a:t>
-                      </a:r>
-                    </a:p>
-                  </a:txBody>
-                  <a:tcPr/>
-                </a:tc>
-                <a:tc>
-                  <a:txBody>
-                    <a:bodyPr/>
-                    <a:lstStyle/>
-                    <a:p>
-                      <a:r>
-                        <a:t>197</a:t>
-                      </a:r>
-                    </a:p>
-                  </a:txBody>
-                  <a:tcPr/>
-                </a:tc>
-                <a:tc>
-                  <a:txBody>
-                    <a:bodyPr/>
-                    <a:lstStyle/>
-                    <a:p>
-                      <a:r>
-                        <a:t>489</a:t>
-                      </a:r>
-                    </a:p>
-                  </a:txBody>
-                  <a:tcPr/>
-                </a:tc>
-                <a:tc>
-                  <a:txBody>
-                    <a:bodyPr/>
-                    <a:lstStyle/>
-                    <a:p>
-                      <a:r>
-                        <a:t>292</a:t>
-                      </a:r>
-                    </a:p>
-                  </a:txBody>
-                  <a:tcPr/>
-                </a:tc>
-                <a:tc>
-                  <a:txBody>
-                    <a:bodyPr/>
-                    <a:lstStyle/>
-                    <a:p>
-                      <a:r>
-                        <a:t>148.22</a:t>
-                      </a:r>
-                    </a:p>
-                  </a:txBody>
-                  <a:tcPr/>
-                </a:tc>
-                <a:extLst>
-                  <a:ext uri="{0D108BD9-81ED-4DB2-BD59-A6C34878D82A}">
-                    <a16:rowId xmlns:a16="http://schemas.microsoft.com/office/drawing/2014/main" val="10003"/>
-                  </a:ext>
-                </a:extLst>
+                        <a:t>POST /inetwork/v1/associated/subnet</a:t>
+                      </a:r>
+                    </a:p>
+                  </a:txBody>
+                  <a:tcPr/>
+                </a:tc>
+                <a:tc>
+                  <a:txBody>
+                    <a:bodyPr/>
+                    <a:lstStyle/>
+                    <a:p>
+                      <a:r>
+                        <a:t>8215</a:t>
+                      </a:r>
+                    </a:p>
+                  </a:txBody>
+                  <a:tcPr/>
+                </a:tc>
+                <a:tc>
+                  <a:txBody>
+                    <a:bodyPr/>
+                    <a:lstStyle/>
+                    <a:p>
+                      <a:r>
+                        <a:t>4229</a:t>
+                      </a:r>
+                    </a:p>
+                  </a:txBody>
+                  <a:tcPr/>
+                </a:tc>
+                <a:tc>
+                  <a:txBody>
+                    <a:bodyPr/>
+                    <a:lstStyle/>
+                    <a:p>
+                      <a:r>
+                        <a:t>-3986</a:t>
+                      </a:r>
+                    </a:p>
+                  </a:txBody>
+                  <a:tcPr/>
+                </a:tc>
+                <a:tc>
+                  <a:txBody>
+                    <a:bodyPr/>
+                    <a:lstStyle/>
+                    <a:p>
+                      <a:r>
+                        <a:t>-48.52</a:t>
+                      </a:r>
+                    </a:p>
+                  </a:txBody>
+                  <a:tcPr/>
+                </a:tc>
               </a:tr>
               <a:tr h="152400">
                 <a:tc>
@@ -4922,65 +6213,60 @@
                     <a:lstStyle/>
                     <a:p>
                       <a:r>
-                        <a:t>GET /itask/v1/tasks</a:t>
-                      </a:r>
-                    </a:p>
-                  </a:txBody>
-                  <a:tcPr/>
-                </a:tc>
-                <a:tc>
-                  <a:txBody>
-                    <a:bodyPr/>
-                    <a:lstStyle/>
-                    <a:p>
-                      <a:r>
-                        <a:t>77</a:t>
-                      </a:r>
-                    </a:p>
-                  </a:txBody>
-                  <a:tcPr/>
-                </a:tc>
-                <a:tc>
-                  <a:txBody>
-                    <a:bodyPr/>
-                    <a:lstStyle/>
-                    <a:p>
-                      <a:r>
-                        <a:t>192</a:t>
-                      </a:r>
-                    </a:p>
-                  </a:txBody>
-                  <a:tcPr/>
-                </a:tc>
-                <a:tc>
-                  <a:txBody>
-                    <a:bodyPr/>
-                    <a:lstStyle/>
-                    <a:p>
-                      <a:r>
-                        <a:t>115</a:t>
-                      </a:r>
-                    </a:p>
-                  </a:txBody>
-                  <a:tcPr/>
-                </a:tc>
-                <a:tc>
-                  <a:txBody>
-                    <a:bodyPr/>
-                    <a:lstStyle/>
-                    <a:p>
-                      <a:r>
-                        <a:t>149.35</a:t>
-                      </a:r>
-                    </a:p>
-                  </a:txBody>
-                  <a:tcPr/>
-                </a:tc>
-                <a:extLst>
-                  <a:ext uri="{0D108BD9-81ED-4DB2-BD59-A6C34878D82A}">
-                    <a16:rowId xmlns:a16="http://schemas.microsoft.com/office/drawing/2014/main" val="10004"/>
-                  </a:ext>
-                </a:extLst>
+                        <a:t>DELETE /inetwork/v1/ports/{portMor}/port</a:t>
+                      </a:r>
+                    </a:p>
+                  </a:txBody>
+                  <a:tcPr/>
+                </a:tc>
+                <a:tc>
+                  <a:txBody>
+                    <a:bodyPr/>
+                    <a:lstStyle/>
+                    <a:p>
+                      <a:r>
+                        <a:t>5106</a:t>
+                      </a:r>
+                    </a:p>
+                  </a:txBody>
+                  <a:tcPr/>
+                </a:tc>
+                <a:tc>
+                  <a:txBody>
+                    <a:bodyPr/>
+                    <a:lstStyle/>
+                    <a:p>
+                      <a:r>
+                        <a:t>1468</a:t>
+                      </a:r>
+                    </a:p>
+                  </a:txBody>
+                  <a:tcPr/>
+                </a:tc>
+                <a:tc>
+                  <a:txBody>
+                    <a:bodyPr/>
+                    <a:lstStyle/>
+                    <a:p>
+                      <a:r>
+                        <a:t>-3638</a:t>
+                      </a:r>
+                    </a:p>
+                  </a:txBody>
+                  <a:tcPr/>
+                </a:tc>
+                <a:tc>
+                  <a:txBody>
+                    <a:bodyPr/>
+                    <a:lstStyle/>
+                    <a:p>
+                      <a:r>
+                        <a:t>-71.25</a:t>
+                      </a:r>
+                    </a:p>
+                  </a:txBody>
+                  <a:tcPr/>
+                </a:tc>
               </a:tr>
               <a:tr h="152400">
                 <a:tc>
@@ -4989,65 +6275,60 @@
                     <a:lstStyle/>
                     <a:p>
                       <a:r>
-                        <a:t>GET /icompute/v1/vdc/{vdcId}/get-bind-center</a:t>
-                      </a:r>
-                    </a:p>
-                  </a:txBody>
-                  <a:tcPr/>
-                </a:tc>
-                <a:tc>
-                  <a:txBody>
-                    <a:bodyPr/>
-                    <a:lstStyle/>
-                    <a:p>
-                      <a:r>
-                        <a:t>38</a:t>
-                      </a:r>
-                    </a:p>
-                  </a:txBody>
-                  <a:tcPr/>
-                </a:tc>
-                <a:tc>
-                  <a:txBody>
-                    <a:bodyPr/>
-                    <a:lstStyle/>
-                    <a:p>
-                      <a:r>
-                        <a:t>137</a:t>
-                      </a:r>
-                    </a:p>
-                  </a:txBody>
-                  <a:tcPr/>
-                </a:tc>
-                <a:tc>
-                  <a:txBody>
-                    <a:bodyPr/>
-                    <a:lstStyle/>
-                    <a:p>
-                      <a:r>
-                        <a:t>99</a:t>
-                      </a:r>
-                    </a:p>
-                  </a:txBody>
-                  <a:tcPr/>
-                </a:tc>
-                <a:tc>
-                  <a:txBody>
-                    <a:bodyPr/>
-                    <a:lstStyle/>
-                    <a:p>
-                      <a:r>
-                        <a:t>260.53</a:t>
-                      </a:r>
-                    </a:p>
-                  </a:txBody>
-                  <a:tcPr/>
-                </a:tc>
-                <a:extLst>
-                  <a:ext uri="{0D108BD9-81ED-4DB2-BD59-A6C34878D82A}">
-                    <a16:rowId xmlns:a16="http://schemas.microsoft.com/office/drawing/2014/main" val="10005"/>
-                  </a:ext>
-                </a:extLst>
+                        <a:t>POST /inetwork/v1/ports</a:t>
+                      </a:r>
+                    </a:p>
+                  </a:txBody>
+                  <a:tcPr/>
+                </a:tc>
+                <a:tc>
+                  <a:txBody>
+                    <a:bodyPr/>
+                    <a:lstStyle/>
+                    <a:p>
+                      <a:r>
+                        <a:t>5040</a:t>
+                      </a:r>
+                    </a:p>
+                  </a:txBody>
+                  <a:tcPr/>
+                </a:tc>
+                <a:tc>
+                  <a:txBody>
+                    <a:bodyPr/>
+                    <a:lstStyle/>
+                    <a:p>
+                      <a:r>
+                        <a:t>1851</a:t>
+                      </a:r>
+                    </a:p>
+                  </a:txBody>
+                  <a:tcPr/>
+                </a:tc>
+                <a:tc>
+                  <a:txBody>
+                    <a:bodyPr/>
+                    <a:lstStyle/>
+                    <a:p>
+                      <a:r>
+                        <a:t>-3189</a:t>
+                      </a:r>
+                    </a:p>
+                  </a:txBody>
+                  <a:tcPr/>
+                </a:tc>
+                <a:tc>
+                  <a:txBody>
+                    <a:bodyPr/>
+                    <a:lstStyle/>
+                    <a:p>
+                      <a:r>
+                        <a:t>-63.27</a:t>
+                      </a:r>
+                    </a:p>
+                  </a:txBody>
+                  <a:tcPr/>
+                </a:tc>
               </a:tr>
               <a:tr h="152400">
                 <a:tc>
@@ -5056,65 +6337,60 @@
                     <a:lstStyle/>
                     <a:p>
                       <a:r>
-                        <a:t>PUT /inetwork/v1/nets/{netId}</a:t>
-                      </a:r>
-                    </a:p>
-                  </a:txBody>
-                  <a:tcPr/>
-                </a:tc>
-                <a:tc>
-                  <a:txBody>
-                    <a:bodyPr/>
-                    <a:lstStyle/>
-                    <a:p>
-                      <a:r>
-                        <a:t>155</a:t>
-                      </a:r>
-                    </a:p>
-                  </a:txBody>
-                  <a:tcPr/>
-                </a:tc>
-                <a:tc>
-                  <a:txBody>
-                    <a:bodyPr/>
-                    <a:lstStyle/>
-                    <a:p>
-                      <a:r>
-                        <a:t>202</a:t>
-                      </a:r>
-                    </a:p>
-                  </a:txBody>
-                  <a:tcPr/>
-                </a:tc>
-                <a:tc>
-                  <a:txBody>
-                    <a:bodyPr/>
-                    <a:lstStyle/>
-                    <a:p>
-                      <a:r>
-                        <a:t>47</a:t>
-                      </a:r>
-                    </a:p>
-                  </a:txBody>
-                  <a:tcPr/>
-                </a:tc>
-                <a:tc>
-                  <a:txBody>
-                    <a:bodyPr/>
-                    <a:lstStyle/>
-                    <a:p>
-                      <a:r>
-                        <a:t>30.32</a:t>
-                      </a:r>
-                    </a:p>
-                  </a:txBody>
-                  <a:tcPr/>
-                </a:tc>
-                <a:extLst>
-                  <a:ext uri="{0D108BD9-81ED-4DB2-BD59-A6C34878D82A}">
-                    <a16:rowId xmlns:a16="http://schemas.microsoft.com/office/drawing/2014/main" val="10006"/>
-                  </a:ext>
-                </a:extLst>
+                        <a:t>POST /ibase/v1/vdcs</a:t>
+                      </a:r>
+                    </a:p>
+                  </a:txBody>
+                  <a:tcPr/>
+                </a:tc>
+                <a:tc>
+                  <a:txBody>
+                    <a:bodyPr/>
+                    <a:lstStyle/>
+                    <a:p>
+                      <a:r>
+                        <a:t>4223</a:t>
+                      </a:r>
+                    </a:p>
+                  </a:txBody>
+                  <a:tcPr/>
+                </a:tc>
+                <a:tc>
+                  <a:txBody>
+                    <a:bodyPr/>
+                    <a:lstStyle/>
+                    <a:p>
+                      <a:r>
+                        <a:t>1119</a:t>
+                      </a:r>
+                    </a:p>
+                  </a:txBody>
+                  <a:tcPr/>
+                </a:tc>
+                <a:tc>
+                  <a:txBody>
+                    <a:bodyPr/>
+                    <a:lstStyle/>
+                    <a:p>
+                      <a:r>
+                        <a:t>-3104</a:t>
+                      </a:r>
+                    </a:p>
+                  </a:txBody>
+                  <a:tcPr/>
+                </a:tc>
+                <a:tc>
+                  <a:txBody>
+                    <a:bodyPr/>
+                    <a:lstStyle/>
+                    <a:p>
+                      <a:r>
+                        <a:t>-73.5</a:t>
+                      </a:r>
+                    </a:p>
+                  </a:txBody>
+                  <a:tcPr/>
+                </a:tc>
               </a:tr>
               <a:tr h="152400">
                 <a:tc>
@@ -5123,65 +6399,60 @@
                     <a:lstStyle/>
                     <a:p>
                       <a:r>
-                        <a:t>GET /istorage/imanila/v2/users</a:t>
-                      </a:r>
-                    </a:p>
-                  </a:txBody>
-                  <a:tcPr/>
-                </a:tc>
-                <a:tc>
-                  <a:txBody>
-                    <a:bodyPr/>
-                    <a:lstStyle/>
-                    <a:p>
-                      <a:r>
-                        <a:t>39</a:t>
-                      </a:r>
-                    </a:p>
-                  </a:txBody>
-                  <a:tcPr/>
-                </a:tc>
-                <a:tc>
-                  <a:txBody>
-                    <a:bodyPr/>
-                    <a:lstStyle/>
-                    <a:p>
-                      <a:r>
-                        <a:t>75</a:t>
-                      </a:r>
-                    </a:p>
-                  </a:txBody>
-                  <a:tcPr/>
-                </a:tc>
-                <a:tc>
-                  <a:txBody>
-                    <a:bodyPr/>
-                    <a:lstStyle/>
-                    <a:p>
-                      <a:r>
-                        <a:t>36</a:t>
-                      </a:r>
-                    </a:p>
-                  </a:txBody>
-                  <a:tcPr/>
-                </a:tc>
-                <a:tc>
-                  <a:txBody>
-                    <a:bodyPr/>
-                    <a:lstStyle/>
-                    <a:p>
-                      <a:r>
-                        <a:t>92.31</a:t>
-                      </a:r>
-                    </a:p>
-                  </a:txBody>
-                  <a:tcPr/>
-                </a:tc>
-                <a:extLst>
-                  <a:ext uri="{0D108BD9-81ED-4DB2-BD59-A6C34878D82A}">
-                    <a16:rowId xmlns:a16="http://schemas.microsoft.com/office/drawing/2014/main" val="10007"/>
-                  </a:ext>
-                </a:extLst>
+                        <a:t>PUT /inetwork/v1/ports/{portMor}</a:t>
+                      </a:r>
+                    </a:p>
+                  </a:txBody>
+                  <a:tcPr/>
+                </a:tc>
+                <a:tc>
+                  <a:txBody>
+                    <a:bodyPr/>
+                    <a:lstStyle/>
+                    <a:p>
+                      <a:r>
+                        <a:t>4131</a:t>
+                      </a:r>
+                    </a:p>
+                  </a:txBody>
+                  <a:tcPr/>
+                </a:tc>
+                <a:tc>
+                  <a:txBody>
+                    <a:bodyPr/>
+                    <a:lstStyle/>
+                    <a:p>
+                      <a:r>
+                        <a:t>1802</a:t>
+                      </a:r>
+                    </a:p>
+                  </a:txBody>
+                  <a:tcPr/>
+                </a:tc>
+                <a:tc>
+                  <a:txBody>
+                    <a:bodyPr/>
+                    <a:lstStyle/>
+                    <a:p>
+                      <a:r>
+                        <a:t>-2329</a:t>
+                      </a:r>
+                    </a:p>
+                  </a:txBody>
+                  <a:tcPr/>
+                </a:tc>
+                <a:tc>
+                  <a:txBody>
+                    <a:bodyPr/>
+                    <a:lstStyle/>
+                    <a:p>
+                      <a:r>
+                        <a:t>-56.38</a:t>
+                      </a:r>
+                    </a:p>
+                  </a:txBody>
+                  <a:tcPr/>
+                </a:tc>
               </a:tr>
               <a:tr h="152400">
                 <a:tc>
@@ -5190,65 +6461,60 @@
                     <a:lstStyle/>
                     <a:p>
                       <a:r>
-                        <a:t>GET /istorage/imanila/v2/users/{id}</a:t>
-                      </a:r>
-                    </a:p>
-                  </a:txBody>
-                  <a:tcPr/>
-                </a:tc>
-                <a:tc>
-                  <a:txBody>
-                    <a:bodyPr/>
-                    <a:lstStyle/>
-                    <a:p>
-                      <a:r>
-                        <a:t>44</a:t>
-                      </a:r>
-                    </a:p>
-                  </a:txBody>
-                  <a:tcPr/>
-                </a:tc>
-                <a:tc>
-                  <a:txBody>
-                    <a:bodyPr/>
-                    <a:lstStyle/>
-                    <a:p>
-                      <a:r>
-                        <a:t>78</a:t>
-                      </a:r>
-                    </a:p>
-                  </a:txBody>
-                  <a:tcPr/>
-                </a:tc>
-                <a:tc>
-                  <a:txBody>
-                    <a:bodyPr/>
-                    <a:lstStyle/>
-                    <a:p>
-                      <a:r>
-                        <a:t>34</a:t>
-                      </a:r>
-                    </a:p>
-                  </a:txBody>
-                  <a:tcPr/>
-                </a:tc>
-                <a:tc>
-                  <a:txBody>
-                    <a:bodyPr/>
-                    <a:lstStyle/>
-                    <a:p>
-                      <a:r>
-                        <a:t>77.27</a:t>
-                      </a:r>
-                    </a:p>
-                  </a:txBody>
-                  <a:tcPr/>
-                </a:tc>
-                <a:extLst>
-                  <a:ext uri="{0D108BD9-81ED-4DB2-BD59-A6C34878D82A}">
-                    <a16:rowId xmlns:a16="http://schemas.microsoft.com/office/drawing/2014/main" val="10008"/>
-                  </a:ext>
-                </a:extLst>
+                        <a:t>PUT /inetwork/v1/nets/{netId}</a:t>
+                      </a:r>
+                    </a:p>
+                  </a:txBody>
+                  <a:tcPr/>
+                </a:tc>
+                <a:tc>
+                  <a:txBody>
+                    <a:bodyPr/>
+                    <a:lstStyle/>
+                    <a:p>
+                      <a:r>
+                        <a:t>4266</a:t>
+                      </a:r>
+                    </a:p>
+                  </a:txBody>
+                  <a:tcPr/>
+                </a:tc>
+                <a:tc>
+                  <a:txBody>
+                    <a:bodyPr/>
+                    <a:lstStyle/>
+                    <a:p>
+                      <a:r>
+                        <a:t>2058</a:t>
+                      </a:r>
+                    </a:p>
+                  </a:txBody>
+                  <a:tcPr/>
+                </a:tc>
+                <a:tc>
+                  <a:txBody>
+                    <a:bodyPr/>
+                    <a:lstStyle/>
+                    <a:p>
+                      <a:r>
+                        <a:t>-2208</a:t>
+                      </a:r>
+                    </a:p>
+                  </a:txBody>
+                  <a:tcPr/>
+                </a:tc>
+                <a:tc>
+                  <a:txBody>
+                    <a:bodyPr/>
+                    <a:lstStyle/>
+                    <a:p>
+                      <a:r>
+                        <a:t>-51.76</a:t>
+                      </a:r>
+                    </a:p>
+                  </a:txBody>
+                  <a:tcPr/>
+                </a:tc>
               </a:tr>
               <a:tr h="152400">
                 <a:tc>
@@ -5257,65 +6523,60 @@
                     <a:lstStyle/>
                     <a:p>
                       <a:r>
-                        <a:t>POST /istorage/v1/objectstor/buckets</a:t>
-                      </a:r>
-                    </a:p>
-                  </a:txBody>
-                  <a:tcPr/>
-                </a:tc>
-                <a:tc>
-                  <a:txBody>
-                    <a:bodyPr/>
-                    <a:lstStyle/>
-                    <a:p>
-                      <a:r>
-                        <a:t>109</a:t>
-                      </a:r>
-                    </a:p>
-                  </a:txBody>
-                  <a:tcPr/>
-                </a:tc>
-                <a:tc>
-                  <a:txBody>
-                    <a:bodyPr/>
-                    <a:lstStyle/>
-                    <a:p>
-                      <a:r>
-                        <a:t>138</a:t>
-                      </a:r>
-                    </a:p>
-                  </a:txBody>
-                  <a:tcPr/>
-                </a:tc>
-                <a:tc>
-                  <a:txBody>
-                    <a:bodyPr/>
-                    <a:lstStyle/>
-                    <a:p>
-                      <a:r>
-                        <a:t>29</a:t>
-                      </a:r>
-                    </a:p>
-                  </a:txBody>
-                  <a:tcPr/>
-                </a:tc>
-                <a:tc>
-                  <a:txBody>
-                    <a:bodyPr/>
-                    <a:lstStyle/>
-                    <a:p>
-                      <a:r>
-                        <a:t>26.61</a:t>
-                      </a:r>
-                    </a:p>
-                  </a:txBody>
-                  <a:tcPr/>
-                </a:tc>
-                <a:extLst>
-                  <a:ext uri="{0D108BD9-81ED-4DB2-BD59-A6C34878D82A}">
-                    <a16:rowId xmlns:a16="http://schemas.microsoft.com/office/drawing/2014/main" val="10009"/>
-                  </a:ext>
-                </a:extLst>
+                        <a:t>DELETE /inetwork/v1/floatingips/{floatingipId}</a:t>
+                      </a:r>
+                    </a:p>
+                  </a:txBody>
+                  <a:tcPr/>
+                </a:tc>
+                <a:tc>
+                  <a:txBody>
+                    <a:bodyPr/>
+                    <a:lstStyle/>
+                    <a:p>
+                      <a:r>
+                        <a:t>3829</a:t>
+                      </a:r>
+                    </a:p>
+                  </a:txBody>
+                  <a:tcPr/>
+                </a:tc>
+                <a:tc>
+                  <a:txBody>
+                    <a:bodyPr/>
+                    <a:lstStyle/>
+                    <a:p>
+                      <a:r>
+                        <a:t>1940</a:t>
+                      </a:r>
+                    </a:p>
+                  </a:txBody>
+                  <a:tcPr/>
+                </a:tc>
+                <a:tc>
+                  <a:txBody>
+                    <a:bodyPr/>
+                    <a:lstStyle/>
+                    <a:p>
+                      <a:r>
+                        <a:t>-1889</a:t>
+                      </a:r>
+                    </a:p>
+                  </a:txBody>
+                  <a:tcPr/>
+                </a:tc>
+                <a:tc>
+                  <a:txBody>
+                    <a:bodyPr/>
+                    <a:lstStyle/>
+                    <a:p>
+                      <a:r>
+                        <a:t>-49.33</a:t>
+                      </a:r>
+                    </a:p>
+                  </a:txBody>
+                  <a:tcPr/>
+                </a:tc>
               </a:tr>
               <a:tr h="152400">
                 <a:tc>
@@ -5324,122 +6585,102 @@
                     <a:lstStyle/>
                     <a:p>
                       <a:r>
-                        <a:t>POST /icompute/v1/auto-scaling-group/add</a:t>
-                      </a:r>
-                    </a:p>
-                  </a:txBody>
-                  <a:tcPr/>
-                </a:tc>
-                <a:tc>
-                  <a:txBody>
-                    <a:bodyPr/>
-                    <a:lstStyle/>
-                    <a:p>
-                      <a:r>
-                        <a:t>89</a:t>
-                      </a:r>
-                    </a:p>
-                  </a:txBody>
-                  <a:tcPr/>
-                </a:tc>
-                <a:tc>
-                  <a:txBody>
-                    <a:bodyPr/>
-                    <a:lstStyle/>
-                    <a:p>
-                      <a:r>
-                        <a:t>110</a:t>
-                      </a:r>
-                    </a:p>
-                  </a:txBody>
-                  <a:tcPr/>
-                </a:tc>
-                <a:tc>
-                  <a:txBody>
-                    <a:bodyPr/>
-                    <a:lstStyle/>
-                    <a:p>
-                      <a:r>
-                        <a:t>21</a:t>
-                      </a:r>
-                    </a:p>
-                  </a:txBody>
-                  <a:tcPr/>
-                </a:tc>
-                <a:tc>
-                  <a:txBody>
-                    <a:bodyPr/>
-                    <a:lstStyle/>
-                    <a:p>
-                      <a:r>
-                        <a:t>23.6</a:t>
-                      </a:r>
-                    </a:p>
-                  </a:txBody>
-                  <a:tcPr/>
-                </a:tc>
-                <a:extLst>
-                  <a:ext uri="{0D108BD9-81ED-4DB2-BD59-A6C34878D82A}">
-                    <a16:rowId xmlns:a16="http://schemas.microsoft.com/office/drawing/2014/main" val="10010"/>
-                  </a:ext>
-                </a:extLst>
+                        <a:t>POST /inetwork/v1/vpcs</a:t>
+                      </a:r>
+                    </a:p>
+                  </a:txBody>
+                  <a:tcPr/>
+                </a:tc>
+                <a:tc>
+                  <a:txBody>
+                    <a:bodyPr/>
+                    <a:lstStyle/>
+                    <a:p>
+                      <a:r>
+                        <a:t>3919</a:t>
+                      </a:r>
+                    </a:p>
+                  </a:txBody>
+                  <a:tcPr/>
+                </a:tc>
+                <a:tc>
+                  <a:txBody>
+                    <a:bodyPr/>
+                    <a:lstStyle/>
+                    <a:p>
+                      <a:r>
+                        <a:t>2260</a:t>
+                      </a:r>
+                    </a:p>
+                  </a:txBody>
+                  <a:tcPr/>
+                </a:tc>
+                <a:tc>
+                  <a:txBody>
+                    <a:bodyPr/>
+                    <a:lstStyle/>
+                    <a:p>
+                      <a:r>
+                        <a:t>-1659</a:t>
+                      </a:r>
+                    </a:p>
+                  </a:txBody>
+                  <a:tcPr/>
+                </a:tc>
+                <a:tc>
+                  <a:txBody>
+                    <a:bodyPr/>
+                    <a:lstStyle/>
+                    <a:p>
+                      <a:r>
+                        <a:t>-42.33</a:t>
+                      </a:r>
+                    </a:p>
+                  </a:txBody>
+                  <a:tcPr/>
+                </a:tc>
               </a:tr>
               <a:tr h="152400">
                 <a:tc>
                   <a:txBody>
                     <a:bodyPr/>
                     <a:lstStyle/>
-                    <a:p>
-                      <a:endParaRPr/>
-                    </a:p>
-                  </a:txBody>
-                  <a:tcPr/>
-                </a:tc>
-                <a:tc>
-                  <a:txBody>
-                    <a:bodyPr/>
-                    <a:lstStyle/>
-                    <a:p>
-                      <a:endParaRPr/>
-                    </a:p>
-                  </a:txBody>
-                  <a:tcPr/>
-                </a:tc>
-                <a:tc>
-                  <a:txBody>
-                    <a:bodyPr/>
-                    <a:lstStyle/>
-                    <a:p>
-                      <a:endParaRPr/>
-                    </a:p>
-                  </a:txBody>
-                  <a:tcPr/>
-                </a:tc>
-                <a:tc>
-                  <a:txBody>
-                    <a:bodyPr/>
-                    <a:lstStyle/>
-                    <a:p>
-                      <a:endParaRPr/>
-                    </a:p>
-                  </a:txBody>
-                  <a:tcPr/>
-                </a:tc>
-                <a:tc>
-                  <a:txBody>
-                    <a:bodyPr/>
-                    <a:lstStyle/>
-                    <a:p>
-                      <a:endParaRPr dirty="0"/>
-                    </a:p>
-                  </a:txBody>
-                  <a:tcPr/>
-                </a:tc>
-                <a:extLst>
-                  <a:ext uri="{0D108BD9-81ED-4DB2-BD59-A6C34878D82A}">
-                    <a16:rowId xmlns:a16="http://schemas.microsoft.com/office/drawing/2014/main" val="10011"/>
-                  </a:ext>
-                </a:extLst>
+                    <a:p/>
+                  </a:txBody>
+                  <a:tcPr/>
+                </a:tc>
+                <a:tc>
+                  <a:txBody>
+                    <a:bodyPr/>
+                    <a:lstStyle/>
+                    <a:p/>
+                  </a:txBody>
+                  <a:tcPr/>
+                </a:tc>
+                <a:tc>
+                  <a:txBody>
+                    <a:bodyPr/>
+                    <a:lstStyle/>
+                    <a:p/>
+                  </a:txBody>
+                  <a:tcPr/>
+                </a:tc>
+                <a:tc>
+                  <a:txBody>
+                    <a:bodyPr/>
+                    <a:lstStyle/>
+                    <a:p/>
+                  </a:txBody>
+                  <a:tcPr/>
+                </a:tc>
+                <a:tc>
+                  <a:txBody>
+                    <a:bodyPr/>
+                    <a:lstStyle/>
+                    <a:p/>
+                  </a:txBody>
+                  <a:tcPr/>
+                </a:tc>
               </a:tr>
             </a:tbl>
           </a:graphicData>
